--- a/lecture02.pptx
+++ b/lecture02.pptx
@@ -9,32 +9,64 @@
     <p:sldId id="258" r:id="rId3"/>
     <p:sldId id="272" r:id="rId4"/>
     <p:sldId id="259" r:id="rId5"/>
-    <p:sldId id="273" r:id="rId6"/>
-    <p:sldId id="279" r:id="rId7"/>
-    <p:sldId id="274" r:id="rId8"/>
-    <p:sldId id="275" r:id="rId9"/>
-    <p:sldId id="276" r:id="rId10"/>
-    <p:sldId id="282" r:id="rId11"/>
-    <p:sldId id="280" r:id="rId12"/>
-    <p:sldId id="277" r:id="rId13"/>
-    <p:sldId id="278" r:id="rId14"/>
-    <p:sldId id="281" r:id="rId15"/>
-    <p:sldId id="283" r:id="rId16"/>
-    <p:sldId id="284" r:id="rId17"/>
-    <p:sldId id="285" r:id="rId18"/>
-    <p:sldId id="286" r:id="rId19"/>
-    <p:sldId id="287" r:id="rId20"/>
-    <p:sldId id="288" r:id="rId21"/>
-    <p:sldId id="289" r:id="rId22"/>
-    <p:sldId id="290" r:id="rId23"/>
-    <p:sldId id="291" r:id="rId24"/>
-    <p:sldId id="292" r:id="rId25"/>
-    <p:sldId id="293" r:id="rId26"/>
-    <p:sldId id="294" r:id="rId27"/>
-    <p:sldId id="295" r:id="rId28"/>
-    <p:sldId id="296" r:id="rId29"/>
-    <p:sldId id="297" r:id="rId30"/>
-    <p:sldId id="298" r:id="rId31"/>
+    <p:sldId id="299" r:id="rId6"/>
+    <p:sldId id="273" r:id="rId7"/>
+    <p:sldId id="300" r:id="rId8"/>
+    <p:sldId id="301" r:id="rId9"/>
+    <p:sldId id="302" r:id="rId10"/>
+    <p:sldId id="303" r:id="rId11"/>
+    <p:sldId id="304" r:id="rId12"/>
+    <p:sldId id="305" r:id="rId13"/>
+    <p:sldId id="306" r:id="rId14"/>
+    <p:sldId id="307" r:id="rId15"/>
+    <p:sldId id="308" r:id="rId16"/>
+    <p:sldId id="279" r:id="rId17"/>
+    <p:sldId id="274" r:id="rId18"/>
+    <p:sldId id="275" r:id="rId19"/>
+    <p:sldId id="280" r:id="rId20"/>
+    <p:sldId id="276" r:id="rId21"/>
+    <p:sldId id="277" r:id="rId22"/>
+    <p:sldId id="278" r:id="rId23"/>
+    <p:sldId id="281" r:id="rId24"/>
+    <p:sldId id="404" r:id="rId25"/>
+    <p:sldId id="282" r:id="rId26"/>
+    <p:sldId id="283" r:id="rId27"/>
+    <p:sldId id="309" r:id="rId28"/>
+    <p:sldId id="284" r:id="rId29"/>
+    <p:sldId id="285" r:id="rId30"/>
+    <p:sldId id="286" r:id="rId31"/>
+    <p:sldId id="330" r:id="rId32"/>
+    <p:sldId id="331" r:id="rId33"/>
+    <p:sldId id="405" r:id="rId34"/>
+    <p:sldId id="406" r:id="rId35"/>
+    <p:sldId id="407" r:id="rId36"/>
+    <p:sldId id="408" r:id="rId37"/>
+    <p:sldId id="409" r:id="rId38"/>
+    <p:sldId id="410" r:id="rId39"/>
+    <p:sldId id="298" r:id="rId40"/>
+    <p:sldId id="411" r:id="rId41"/>
+    <p:sldId id="412" r:id="rId42"/>
+    <p:sldId id="413" r:id="rId43"/>
+    <p:sldId id="358" r:id="rId44"/>
+    <p:sldId id="287" r:id="rId45"/>
+    <p:sldId id="414" r:id="rId46"/>
+    <p:sldId id="334" r:id="rId47"/>
+    <p:sldId id="415" r:id="rId48"/>
+    <p:sldId id="288" r:id="rId49"/>
+    <p:sldId id="289" r:id="rId50"/>
+    <p:sldId id="290" r:id="rId51"/>
+    <p:sldId id="291" r:id="rId52"/>
+    <p:sldId id="292" r:id="rId53"/>
+    <p:sldId id="293" r:id="rId54"/>
+    <p:sldId id="295" r:id="rId55"/>
+    <p:sldId id="296" r:id="rId56"/>
+    <p:sldId id="416" r:id="rId57"/>
+    <p:sldId id="417" r:id="rId58"/>
+    <p:sldId id="332" r:id="rId59"/>
+    <p:sldId id="418" r:id="rId60"/>
+    <p:sldId id="333" r:id="rId61"/>
+    <p:sldId id="419" r:id="rId62"/>
+    <p:sldId id="294" r:id="rId63"/>
   </p:sldIdLst>
   <p:sldSz cx="12192000" cy="6858000"/>
   <p:notesSz cx="6858000" cy="9144000"/>
@@ -288,7 +320,7 @@
           <a:p>
             <a:fld id="{091BE622-1AAB-4D5F-A1DF-B7775A810108}" type="datetimeFigureOut">
               <a:rPr lang="zh-TW" altLang="en-US" smtClean="0"/>
-              <a:t>2022/3/18</a:t>
+              <a:t>2022/3/24</a:t>
             </a:fld>
             <a:endParaRPr lang="zh-TW" altLang="en-US"/>
           </a:p>
@@ -486,7 +518,7 @@
           <a:p>
             <a:fld id="{091BE622-1AAB-4D5F-A1DF-B7775A810108}" type="datetimeFigureOut">
               <a:rPr lang="zh-TW" altLang="en-US" smtClean="0"/>
-              <a:t>2022/3/18</a:t>
+              <a:t>2022/3/24</a:t>
             </a:fld>
             <a:endParaRPr lang="zh-TW" altLang="en-US"/>
           </a:p>
@@ -694,7 +726,7 @@
           <a:p>
             <a:fld id="{091BE622-1AAB-4D5F-A1DF-B7775A810108}" type="datetimeFigureOut">
               <a:rPr lang="zh-TW" altLang="en-US" smtClean="0"/>
-              <a:t>2022/3/18</a:t>
+              <a:t>2022/3/24</a:t>
             </a:fld>
             <a:endParaRPr lang="zh-TW" altLang="en-US"/>
           </a:p>
@@ -892,7 +924,7 @@
           <a:p>
             <a:fld id="{091BE622-1AAB-4D5F-A1DF-B7775A810108}" type="datetimeFigureOut">
               <a:rPr lang="zh-TW" altLang="en-US" smtClean="0"/>
-              <a:t>2022/3/18</a:t>
+              <a:t>2022/3/24</a:t>
             </a:fld>
             <a:endParaRPr lang="zh-TW" altLang="en-US"/>
           </a:p>
@@ -1167,7 +1199,7 @@
           <a:p>
             <a:fld id="{091BE622-1AAB-4D5F-A1DF-B7775A810108}" type="datetimeFigureOut">
               <a:rPr lang="zh-TW" altLang="en-US" smtClean="0"/>
-              <a:t>2022/3/18</a:t>
+              <a:t>2022/3/24</a:t>
             </a:fld>
             <a:endParaRPr lang="zh-TW" altLang="en-US"/>
           </a:p>
@@ -1432,7 +1464,7 @@
           <a:p>
             <a:fld id="{091BE622-1AAB-4D5F-A1DF-B7775A810108}" type="datetimeFigureOut">
               <a:rPr lang="zh-TW" altLang="en-US" smtClean="0"/>
-              <a:t>2022/3/18</a:t>
+              <a:t>2022/3/24</a:t>
             </a:fld>
             <a:endParaRPr lang="zh-TW" altLang="en-US"/>
           </a:p>
@@ -1844,7 +1876,7 @@
           <a:p>
             <a:fld id="{091BE622-1AAB-4D5F-A1DF-B7775A810108}" type="datetimeFigureOut">
               <a:rPr lang="zh-TW" altLang="en-US" smtClean="0"/>
-              <a:t>2022/3/18</a:t>
+              <a:t>2022/3/24</a:t>
             </a:fld>
             <a:endParaRPr lang="zh-TW" altLang="en-US"/>
           </a:p>
@@ -1985,7 +2017,7 @@
           <a:p>
             <a:fld id="{091BE622-1AAB-4D5F-A1DF-B7775A810108}" type="datetimeFigureOut">
               <a:rPr lang="zh-TW" altLang="en-US" smtClean="0"/>
-              <a:t>2022/3/18</a:t>
+              <a:t>2022/3/24</a:t>
             </a:fld>
             <a:endParaRPr lang="zh-TW" altLang="en-US"/>
           </a:p>
@@ -2098,7 +2130,7 @@
           <a:p>
             <a:fld id="{091BE622-1AAB-4D5F-A1DF-B7775A810108}" type="datetimeFigureOut">
               <a:rPr lang="zh-TW" altLang="en-US" smtClean="0"/>
-              <a:t>2022/3/18</a:t>
+              <a:t>2022/3/24</a:t>
             </a:fld>
             <a:endParaRPr lang="zh-TW" altLang="en-US"/>
           </a:p>
@@ -2409,7 +2441,7 @@
           <a:p>
             <a:fld id="{091BE622-1AAB-4D5F-A1DF-B7775A810108}" type="datetimeFigureOut">
               <a:rPr lang="zh-TW" altLang="en-US" smtClean="0"/>
-              <a:t>2022/3/18</a:t>
+              <a:t>2022/3/24</a:t>
             </a:fld>
             <a:endParaRPr lang="zh-TW" altLang="en-US"/>
           </a:p>
@@ -2697,7 +2729,7 @@
           <a:p>
             <a:fld id="{091BE622-1AAB-4D5F-A1DF-B7775A810108}" type="datetimeFigureOut">
               <a:rPr lang="zh-TW" altLang="en-US" smtClean="0"/>
-              <a:t>2022/3/18</a:t>
+              <a:t>2022/3/24</a:t>
             </a:fld>
             <a:endParaRPr lang="zh-TW" altLang="en-US"/>
           </a:p>
@@ -2938,7 +2970,7 @@
           <a:p>
             <a:fld id="{091BE622-1AAB-4D5F-A1DF-B7775A810108}" type="datetimeFigureOut">
               <a:rPr lang="zh-TW" altLang="en-US" smtClean="0"/>
-              <a:t>2022/3/18</a:t>
+              <a:t>2022/3/24</a:t>
             </a:fld>
             <a:endParaRPr lang="zh-TW" altLang="en-US"/>
           </a:p>
@@ -3472,13 +3504,7 @@
       </p:grpSpPr>
       <p:sp>
         <p:nvSpPr>
-          <p:cNvPr id="2" name="標題 1">
-            <a:extLst>
-              <a:ext uri="{FF2B5EF4-FFF2-40B4-BE49-F238E27FC236}">
-                <a16:creationId xmlns:a16="http://schemas.microsoft.com/office/drawing/2014/main" id="{6E2D17FC-8E91-4D68-9E33-2E731C896C47}"/>
-              </a:ext>
-            </a:extLst>
-          </p:cNvPr>
+          <p:cNvPr id="2" name="標題 1"/>
           <p:cNvSpPr>
             <a:spLocks noGrp="1"/>
           </p:cNvSpPr>
@@ -3486,16 +3512,9 @@
             <p:ph type="title"/>
           </p:nvPr>
         </p:nvSpPr>
-        <p:spPr>
-          <a:xfrm>
-            <a:off x="838200" y="365125"/>
-            <a:ext cx="10515600" cy="682839"/>
-          </a:xfrm>
-        </p:spPr>
-        <p:txBody>
-          <a:bodyPr>
-            <a:normAutofit fontScale="90000"/>
-          </a:bodyPr>
+        <p:spPr/>
+        <p:txBody>
+          <a:bodyPr/>
           <a:lstStyle/>
           <a:p>
             <a:r>
@@ -3503,31 +3522,14 @@
                 <a:latin typeface="微軟正黑體" panose="020B0604030504040204" pitchFamily="34" charset="-120"/>
                 <a:ea typeface="微軟正黑體" panose="020B0604030504040204" pitchFamily="34" charset="-120"/>
               </a:rPr>
-              <a:t>最有名的詞典整理</a:t>
-            </a:r>
-            <a:r>
-              <a:rPr lang="en-US" altLang="zh-TW" b="1" dirty="0">
-                <a:latin typeface="微軟正黑體" panose="020B0604030504040204" pitchFamily="34" charset="-120"/>
-                <a:ea typeface="微軟正黑體" panose="020B0604030504040204" pitchFamily="34" charset="-120"/>
-              </a:rPr>
-              <a:t>	</a:t>
-            </a:r>
-            <a:endParaRPr lang="zh-TW" altLang="en-US" b="1" dirty="0">
-              <a:latin typeface="微軟正黑體" panose="020B0604030504040204" pitchFamily="34" charset="-120"/>
-              <a:ea typeface="微軟正黑體" panose="020B0604030504040204" pitchFamily="34" charset="-120"/>
-            </a:endParaRPr>
-          </a:p>
-        </p:txBody>
-      </p:sp>
-      <p:sp>
-        <p:nvSpPr>
-          <p:cNvPr id="3" name="內容版面配置區 2">
-            <a:extLst>
-              <a:ext uri="{FF2B5EF4-FFF2-40B4-BE49-F238E27FC236}">
-                <a16:creationId xmlns:a16="http://schemas.microsoft.com/office/drawing/2014/main" id="{3ABFD44D-8A96-48EF-87FE-009D440D49A9}"/>
-              </a:ext>
-            </a:extLst>
-          </p:cNvPr>
+              <a:t>適合在記憶體中儲存的資料</a:t>
+            </a:r>
+          </a:p>
+        </p:txBody>
+      </p:sp>
+      <p:sp>
+        <p:nvSpPr>
+          <p:cNvPr id="3" name="內容版面配置區 2"/>
           <p:cNvSpPr>
             <a:spLocks noGrp="1"/>
           </p:cNvSpPr>
@@ -3535,52 +3537,31 @@
             <p:ph idx="1"/>
           </p:nvPr>
         </p:nvSpPr>
-        <p:spPr>
-          <a:xfrm>
-            <a:off x="838200" y="1202076"/>
-            <a:ext cx="10515600" cy="5363111"/>
-          </a:xfrm>
-        </p:spPr>
-        <p:txBody>
-          <a:bodyPr>
-            <a:normAutofit/>
-          </a:bodyPr>
+        <p:spPr/>
+        <p:txBody>
+          <a:bodyPr/>
           <a:lstStyle/>
           <a:p>
-            <a:pPr marL="514350" indent="-514350">
-              <a:buFont typeface="+mj-lt"/>
-              <a:buAutoNum type="arabicPeriod"/>
-            </a:pPr>
             <a:r>
               <a:rPr lang="zh-TW" altLang="en-US" dirty="0">
-                <a:effectLst/>
-                <a:latin typeface="微軟正黑體" panose="020B0604030504040204" pitchFamily="34" charset="-120"/>
-                <a:ea typeface="微軟正黑體" panose="020B0604030504040204" pitchFamily="34" charset="-120"/>
-                <a:cs typeface="Times New Roman" panose="02020603050405020304" pitchFamily="18" charset="0"/>
-              </a:rPr>
-              <a:t>的</a:t>
+                <a:latin typeface="微軟正黑體" panose="020B0604030504040204" pitchFamily="34" charset="-120"/>
+                <a:ea typeface="微軟正黑體" panose="020B0604030504040204" pitchFamily="34" charset="-120"/>
+              </a:rPr>
+              <a:t>圖形、語音 </a:t>
             </a:r>
             <a:r>
               <a:rPr lang="en-US" altLang="zh-TW" dirty="0">
-                <a:effectLst/>
-                <a:latin typeface="微軟正黑體" panose="020B0604030504040204" pitchFamily="34" charset="-120"/>
-                <a:ea typeface="微軟正黑體" panose="020B0604030504040204" pitchFamily="34" charset="-120"/>
-                <a:cs typeface="Times New Roman" panose="02020603050405020304" pitchFamily="18" charset="0"/>
-              </a:rPr>
-              <a:t>WordNet</a:t>
-            </a:r>
-          </a:p>
-          <a:p>
-            <a:pPr marL="514350" indent="-514350">
-              <a:buFont typeface="+mj-lt"/>
-              <a:buAutoNum type="arabicPeriod"/>
-            </a:pPr>
+                <a:latin typeface="微軟正黑體" panose="020B0604030504040204" pitchFamily="34" charset="-120"/>
+                <a:ea typeface="微軟正黑體" panose="020B0604030504040204" pitchFamily="34" charset="-120"/>
+              </a:rPr>
+              <a:t>- </a:t>
+            </a:r>
             <a:r>
               <a:rPr lang="zh-TW" altLang="en-US" dirty="0">
                 <a:latin typeface="微軟正黑體" panose="020B0604030504040204" pitchFamily="34" charset="-120"/>
                 <a:ea typeface="微軟正黑體" panose="020B0604030504040204" pitchFamily="34" charset="-120"/>
               </a:rPr>
-              <a:t>由多個同意字、超意字關聯</a:t>
+              <a:t>自然地低階資料表示形式</a:t>
             </a:r>
             <a:endParaRPr lang="en-US" altLang="zh-TW" dirty="0">
               <a:latin typeface="微軟正黑體" panose="020B0604030504040204" pitchFamily="34" charset="-120"/>
@@ -3588,52 +3569,69 @@
             </a:endParaRPr>
           </a:p>
           <a:p>
-            <a:pPr marL="0" indent="0">
-              <a:buNone/>
-            </a:pPr>
+            <a:r>
+              <a:rPr lang="zh-TW" altLang="en-US" dirty="0">
+                <a:latin typeface="微軟正黑體" panose="020B0604030504040204" pitchFamily="34" charset="-120"/>
+                <a:ea typeface="微軟正黑體" panose="020B0604030504040204" pitchFamily="34" charset="-120"/>
+              </a:rPr>
+              <a:t>透過距離度量，判斷信號是否相似</a:t>
+            </a:r>
             <a:endParaRPr lang="en-US" altLang="zh-TW" dirty="0">
               <a:latin typeface="微軟正黑體" panose="020B0604030504040204" pitchFamily="34" charset="-120"/>
               <a:ea typeface="微軟正黑體" panose="020B0604030504040204" pitchFamily="34" charset="-120"/>
             </a:endParaRPr>
           </a:p>
-        </p:txBody>
-      </p:sp>
-      <p:pic>
-        <p:nvPicPr>
-          <p:cNvPr id="5" name="圖片 4">
-            <a:extLst>
-              <a:ext uri="{FF2B5EF4-FFF2-40B4-BE49-F238E27FC236}">
-                <a16:creationId xmlns:a16="http://schemas.microsoft.com/office/drawing/2014/main" id="{44FF6C9E-574C-4C60-9DE5-B1105B0AFF83}"/>
-              </a:ext>
-            </a:extLst>
-          </p:cNvPr>
-          <p:cNvPicPr>
-            <a:picLocks noChangeAspect="1"/>
-          </p:cNvPicPr>
-          <p:nvPr/>
-        </p:nvPicPr>
-        <p:blipFill>
-          <a:blip r:embed="rId2"/>
-          <a:stretch>
-            <a:fillRect/>
-          </a:stretch>
-        </p:blipFill>
-        <p:spPr>
-          <a:xfrm>
-            <a:off x="1875060" y="2350827"/>
-            <a:ext cx="8441879" cy="4507173"/>
-          </a:xfrm>
-          <a:prstGeom prst="rect">
-            <a:avLst/>
-          </a:prstGeom>
-        </p:spPr>
-      </p:pic>
+          <a:p>
+            <a:r>
+              <a:rPr lang="zh-TW" altLang="en-US" dirty="0">
+                <a:latin typeface="微軟正黑體" panose="020B0604030504040204" pitchFamily="34" charset="-120"/>
+                <a:ea typeface="微軟正黑體" panose="020B0604030504040204" pitchFamily="34" charset="-120"/>
+              </a:rPr>
+              <a:t>觀察圖片本身就能回答</a:t>
+            </a:r>
+            <a:endParaRPr lang="en-US" altLang="zh-TW" dirty="0">
+              <a:latin typeface="微軟正黑體" panose="020B0604030504040204" pitchFamily="34" charset="-120"/>
+              <a:ea typeface="微軟正黑體" panose="020B0604030504040204" pitchFamily="34" charset="-120"/>
+            </a:endParaRPr>
+          </a:p>
+          <a:p>
+            <a:r>
+              <a:rPr lang="zh-TW" altLang="en-US" dirty="0">
+                <a:latin typeface="微軟正黑體" panose="020B0604030504040204" pitchFamily="34" charset="-120"/>
+                <a:ea typeface="微軟正黑體" panose="020B0604030504040204" pitchFamily="34" charset="-120"/>
+              </a:rPr>
+              <a:t>聽相近的聲音可判斷同一人</a:t>
+            </a:r>
+            <a:endParaRPr lang="en-US" altLang="zh-TW" dirty="0">
+              <a:latin typeface="微軟正黑體" panose="020B0604030504040204" pitchFamily="34" charset="-120"/>
+              <a:ea typeface="微軟正黑體" panose="020B0604030504040204" pitchFamily="34" charset="-120"/>
+            </a:endParaRPr>
+          </a:p>
+          <a:p>
+            <a:r>
+              <a:rPr lang="en-US" altLang="zh-TW" dirty="0">
+                <a:latin typeface="微軟正黑體" panose="020B0604030504040204" pitchFamily="34" charset="-120"/>
+                <a:ea typeface="微軟正黑體" panose="020B0604030504040204" pitchFamily="34" charset="-120"/>
+              </a:rPr>
+              <a:t>Audio Spectrum</a:t>
+            </a:r>
+            <a:r>
+              <a:rPr lang="zh-TW" altLang="en-US" dirty="0">
+                <a:latin typeface="微軟正黑體" panose="020B0604030504040204" pitchFamily="34" charset="-120"/>
+                <a:ea typeface="微軟正黑體" panose="020B0604030504040204" pitchFamily="34" charset="-120"/>
+              </a:rPr>
+              <a:t>也是適合電腦處理的資料</a:t>
+            </a:r>
+          </a:p>
+          <a:p>
+            <a:endParaRPr lang="zh-TW" altLang="en-US" dirty="0">
+              <a:latin typeface="微軟正黑體" panose="020B0604030504040204" pitchFamily="34" charset="-120"/>
+              <a:ea typeface="微軟正黑體" panose="020B0604030504040204" pitchFamily="34" charset="-120"/>
+            </a:endParaRPr>
+          </a:p>
+        </p:txBody>
+      </p:sp>
     </p:spTree>
-    <p:extLst>
-      <p:ext uri="{BB962C8B-B14F-4D97-AF65-F5344CB8AC3E}">
-        <p14:creationId xmlns:p14="http://schemas.microsoft.com/office/powerpoint/2010/main" val="2543314166"/>
-      </p:ext>
-    </p:extLst>
   </p:cSld>
   <p:clrMapOvr>
     <a:masterClrMapping/>
@@ -3660,6 +3658,1248 @@
       </p:grpSpPr>
       <p:sp>
         <p:nvSpPr>
+          <p:cNvPr id="2" name="標題 1"/>
+          <p:cNvSpPr>
+            <a:spLocks noGrp="1"/>
+          </p:cNvSpPr>
+          <p:nvPr>
+            <p:ph type="title"/>
+          </p:nvPr>
+        </p:nvSpPr>
+        <p:spPr/>
+        <p:txBody>
+          <a:bodyPr/>
+          <a:lstStyle/>
+          <a:p>
+            <a:r>
+              <a:rPr lang="zh-TW" altLang="en-US" b="1" dirty="0"/>
+              <a:t>文字變成電腦可處理的值</a:t>
+            </a:r>
+          </a:p>
+        </p:txBody>
+      </p:sp>
+      <p:sp>
+        <p:nvSpPr>
+          <p:cNvPr id="3" name="內容版面配置區 2"/>
+          <p:cNvSpPr>
+            <a:spLocks noGrp="1"/>
+          </p:cNvSpPr>
+          <p:nvPr>
+            <p:ph idx="1"/>
+          </p:nvPr>
+        </p:nvSpPr>
+        <p:spPr/>
+        <p:txBody>
+          <a:bodyPr/>
+          <a:lstStyle/>
+          <a:p>
+            <a:r>
+              <a:rPr lang="zh-TW" altLang="en-US" dirty="0"/>
+              <a:t>字元也是整數型態的一種</a:t>
+            </a:r>
+            <a:r>
+              <a:rPr lang="en-US" altLang="zh-TW" dirty="0"/>
+              <a:t>(ASCII CODE)</a:t>
+            </a:r>
+          </a:p>
+          <a:p>
+            <a:r>
+              <a:rPr lang="zh-TW" altLang="en-US" dirty="0"/>
+              <a:t>萬國語文則使用</a:t>
+            </a:r>
+            <a:r>
+              <a:rPr lang="en-US" altLang="zh-TW" dirty="0"/>
+              <a:t>UNICODE</a:t>
+            </a:r>
+          </a:p>
+          <a:p>
+            <a:r>
+              <a:rPr lang="zh-TW" altLang="en-US" dirty="0"/>
+              <a:t>只是編碼，沒有意義</a:t>
+            </a:r>
+            <a:endParaRPr lang="en-US" altLang="zh-TW" dirty="0"/>
+          </a:p>
+          <a:p>
+            <a:r>
+              <a:rPr lang="zh-TW" altLang="en-US" dirty="0"/>
+              <a:t>語言為人類在進化幾百萬年</a:t>
+            </a:r>
+            <a:endParaRPr lang="en-US" altLang="zh-TW" dirty="0"/>
+          </a:p>
+          <a:p>
+            <a:r>
+              <a:rPr lang="zh-TW" altLang="en-US" dirty="0"/>
+              <a:t>產生的高層抽象思維資訊表達的工具</a:t>
+            </a:r>
+            <a:endParaRPr lang="en-US" altLang="zh-TW" dirty="0"/>
+          </a:p>
+          <a:p>
+            <a:r>
+              <a:rPr lang="zh-TW" altLang="en-US" dirty="0"/>
+              <a:t>具有高度抽象的特徵</a:t>
+            </a:r>
+            <a:endParaRPr lang="en-US" altLang="zh-TW" dirty="0"/>
+          </a:p>
+        </p:txBody>
+      </p:sp>
+    </p:spTree>
+  </p:cSld>
+  <p:clrMapOvr>
+    <a:masterClrMapping/>
+  </p:clrMapOvr>
+</p:sld>
+</file>
+
+<file path=ppt/slides/slide12.xml><?xml version="1.0" encoding="utf-8"?>
+<p:sld xmlns:a="http://schemas.openxmlformats.org/drawingml/2006/main" xmlns:r="http://schemas.openxmlformats.org/officeDocument/2006/relationships" xmlns:p="http://schemas.openxmlformats.org/presentationml/2006/main">
+  <p:cSld>
+    <p:spTree>
+      <p:nvGrpSpPr>
+        <p:cNvPr id="1" name=""/>
+        <p:cNvGrpSpPr/>
+        <p:nvPr/>
+      </p:nvGrpSpPr>
+      <p:grpSpPr>
+        <a:xfrm>
+          <a:off x="0" y="0"/>
+          <a:ext cx="0" cy="0"/>
+          <a:chOff x="0" y="0"/>
+          <a:chExt cx="0" cy="0"/>
+        </a:xfrm>
+      </p:grpSpPr>
+      <p:sp>
+        <p:nvSpPr>
+          <p:cNvPr id="2" name="標題 1"/>
+          <p:cNvSpPr>
+            <a:spLocks noGrp="1"/>
+          </p:cNvSpPr>
+          <p:nvPr>
+            <p:ph type="title"/>
+          </p:nvPr>
+        </p:nvSpPr>
+        <p:spPr/>
+        <p:txBody>
+          <a:bodyPr/>
+          <a:lstStyle/>
+          <a:p>
+            <a:r>
+              <a:rPr lang="zh-TW" altLang="en-US" b="1" dirty="0"/>
+              <a:t>文字變成數值的目的</a:t>
+            </a:r>
+          </a:p>
+        </p:txBody>
+      </p:sp>
+      <p:sp>
+        <p:nvSpPr>
+          <p:cNvPr id="3" name="內容版面配置區 2"/>
+          <p:cNvSpPr>
+            <a:spLocks noGrp="1"/>
+          </p:cNvSpPr>
+          <p:nvPr>
+            <p:ph idx="1"/>
+          </p:nvPr>
+        </p:nvSpPr>
+        <p:spPr/>
+        <p:txBody>
+          <a:bodyPr/>
+          <a:lstStyle/>
+          <a:p>
+            <a:r>
+              <a:rPr lang="zh-TW" altLang="en-US" dirty="0"/>
+              <a:t>供語言模型使用</a:t>
+            </a:r>
+            <a:r>
+              <a:rPr lang="en-US" altLang="zh-TW" dirty="0"/>
+              <a:t>(</a:t>
+            </a:r>
+            <a:r>
+              <a:rPr lang="zh-TW" altLang="en-US" dirty="0"/>
+              <a:t>統計式或神經式</a:t>
+            </a:r>
+            <a:r>
+              <a:rPr lang="en-US" altLang="zh-TW" dirty="0"/>
+              <a:t>)</a:t>
+            </a:r>
+          </a:p>
+          <a:p>
+            <a:r>
+              <a:rPr lang="zh-TW" altLang="en-US" dirty="0"/>
+              <a:t>供機器學習使用</a:t>
+            </a:r>
+            <a:endParaRPr lang="en-US" altLang="zh-TW" dirty="0"/>
+          </a:p>
+          <a:p>
+            <a:r>
+              <a:rPr lang="zh-TW" altLang="en-US" dirty="0"/>
+              <a:t>將</a:t>
+            </a:r>
+            <a:r>
+              <a:rPr lang="en-US" altLang="zh-TW" b="1" dirty="0"/>
+              <a:t>Word Embedding</a:t>
+            </a:r>
+            <a:r>
+              <a:rPr lang="zh-TW" altLang="en-US" dirty="0"/>
+              <a:t>理解為一種</a:t>
+            </a:r>
+            <a:r>
+              <a:rPr lang="zh-TW" altLang="en-US" b="1" dirty="0"/>
+              <a:t>映射</a:t>
+            </a:r>
+            <a:endParaRPr lang="en-US" altLang="zh-TW" b="1" dirty="0"/>
+          </a:p>
+          <a:p>
+            <a:r>
+              <a:rPr lang="zh-TW" altLang="en-US" dirty="0"/>
+              <a:t>將文字空間中的某個</a:t>
+            </a:r>
+            <a:r>
+              <a:rPr lang="en-US" altLang="zh-TW" b="1" dirty="0"/>
+              <a:t>word</a:t>
+            </a:r>
+            <a:r>
+              <a:rPr lang="zh-TW" altLang="en-US" dirty="0"/>
+              <a:t>，通過一定的方法，</a:t>
+            </a:r>
+            <a:r>
+              <a:rPr lang="zh-TW" altLang="en-US" b="1" dirty="0"/>
+              <a:t>映射</a:t>
+            </a:r>
+            <a:r>
+              <a:rPr lang="zh-TW" altLang="en-US" dirty="0"/>
+              <a:t>或</a:t>
+            </a:r>
+            <a:r>
+              <a:rPr lang="zh-TW" altLang="en-US" b="1" dirty="0"/>
+              <a:t>嵌入（</a:t>
+            </a:r>
+            <a:r>
+              <a:rPr lang="en-US" altLang="zh-TW" b="1" dirty="0"/>
+              <a:t>embedding</a:t>
+            </a:r>
+            <a:r>
+              <a:rPr lang="zh-TW" altLang="en-US" b="1" dirty="0"/>
+              <a:t>）</a:t>
+            </a:r>
+            <a:r>
+              <a:rPr lang="zh-TW" altLang="en-US" dirty="0"/>
+              <a:t>到另一個數值向量空間</a:t>
+            </a:r>
+            <a:endParaRPr lang="en-US" altLang="zh-TW" dirty="0"/>
+          </a:p>
+          <a:p>
+            <a:r>
+              <a:rPr lang="zh-TW" altLang="en-US" dirty="0"/>
+              <a:t>稱為</a:t>
+            </a:r>
+            <a:r>
+              <a:rPr lang="en-US" altLang="zh-TW" b="1" dirty="0"/>
+              <a:t>embedding</a:t>
+            </a:r>
+            <a:r>
+              <a:rPr lang="zh-TW" altLang="en-US" dirty="0"/>
+              <a:t>，表示降維，高維空間到低維空間</a:t>
+            </a:r>
+            <a:endParaRPr lang="en-US" altLang="zh-TW" dirty="0"/>
+          </a:p>
+        </p:txBody>
+      </p:sp>
+    </p:spTree>
+  </p:cSld>
+  <p:clrMapOvr>
+    <a:masterClrMapping/>
+  </p:clrMapOvr>
+</p:sld>
+</file>
+
+<file path=ppt/slides/slide13.xml><?xml version="1.0" encoding="utf-8"?>
+<p:sld xmlns:a="http://schemas.openxmlformats.org/drawingml/2006/main" xmlns:r="http://schemas.openxmlformats.org/officeDocument/2006/relationships" xmlns:p="http://schemas.openxmlformats.org/presentationml/2006/main">
+  <p:cSld>
+    <p:spTree>
+      <p:nvGrpSpPr>
+        <p:cNvPr id="1" name=""/>
+        <p:cNvGrpSpPr/>
+        <p:nvPr/>
+      </p:nvGrpSpPr>
+      <p:grpSpPr>
+        <a:xfrm>
+          <a:off x="0" y="0"/>
+          <a:ext cx="0" cy="0"/>
+          <a:chOff x="0" y="0"/>
+          <a:chExt cx="0" cy="0"/>
+        </a:xfrm>
+      </p:grpSpPr>
+      <p:sp>
+        <p:nvSpPr>
+          <p:cNvPr id="2" name="標題 1"/>
+          <p:cNvSpPr>
+            <a:spLocks noGrp="1"/>
+          </p:cNvSpPr>
+          <p:nvPr>
+            <p:ph type="title"/>
+          </p:nvPr>
+        </p:nvSpPr>
+        <p:spPr/>
+        <p:txBody>
+          <a:bodyPr/>
+          <a:lstStyle/>
+          <a:p>
+            <a:r>
+              <a:rPr lang="en-US" altLang="zh-TW" b="1" dirty="0"/>
+              <a:t>Word embedding</a:t>
+            </a:r>
+            <a:r>
+              <a:rPr lang="zh-TW" altLang="en-US" b="1" dirty="0"/>
+              <a:t>的輸入</a:t>
+            </a:r>
+          </a:p>
+        </p:txBody>
+      </p:sp>
+      <p:sp>
+        <p:nvSpPr>
+          <p:cNvPr id="3" name="內容版面配置區 2"/>
+          <p:cNvSpPr>
+            <a:spLocks noGrp="1"/>
+          </p:cNvSpPr>
+          <p:nvPr>
+            <p:ph idx="1"/>
+          </p:nvPr>
+        </p:nvSpPr>
+        <p:spPr/>
+        <p:txBody>
+          <a:bodyPr>
+            <a:normAutofit/>
+          </a:bodyPr>
+          <a:lstStyle/>
+          <a:p>
+            <a:r>
+              <a:rPr lang="zh-TW" altLang="en-US" dirty="0"/>
+              <a:t>原始文字中的一組不重疊的詞彙</a:t>
+            </a:r>
+            <a:endParaRPr lang="en-US" altLang="zh-TW" dirty="0"/>
+          </a:p>
+          <a:p>
+            <a:r>
+              <a:rPr lang="en-US" altLang="zh-TW" b="1" dirty="0"/>
+              <a:t>“apple on an apple tree”</a:t>
+            </a:r>
+            <a:r>
+              <a:rPr lang="zh-TW" altLang="en-US" dirty="0"/>
+              <a:t>。</a:t>
+            </a:r>
+            <a:endParaRPr lang="en-US" altLang="zh-TW" dirty="0"/>
+          </a:p>
+          <a:p>
+            <a:r>
+              <a:rPr lang="zh-TW" altLang="en-US" dirty="0"/>
+              <a:t>將這些詞彙放置到一個</a:t>
+            </a:r>
+            <a:r>
+              <a:rPr lang="en-US" altLang="zh-TW" b="1" dirty="0"/>
+              <a:t>dictionary</a:t>
+            </a:r>
+            <a:r>
+              <a:rPr lang="zh-TW" altLang="en-US" dirty="0"/>
+              <a:t>如</a:t>
+            </a:r>
+            <a:r>
+              <a:rPr lang="en-US" altLang="zh-TW" b="1" dirty="0"/>
+              <a:t>["apple", "on", "an", "tree“]</a:t>
+            </a:r>
+          </a:p>
+          <a:p>
+            <a:r>
+              <a:rPr lang="zh-TW" altLang="en-US" dirty="0"/>
+              <a:t>這個</a:t>
+            </a:r>
+            <a:r>
+              <a:rPr lang="en-US" altLang="zh-TW" b="1" dirty="0"/>
+              <a:t>dictionary</a:t>
+            </a:r>
+            <a:r>
+              <a:rPr lang="zh-TW" altLang="en-US" dirty="0"/>
+              <a:t>就可以看作是</a:t>
+            </a:r>
+            <a:r>
+              <a:rPr lang="en-US" altLang="zh-TW" b="1" dirty="0"/>
+              <a:t>Word Embedding</a:t>
+            </a:r>
+            <a:r>
+              <a:rPr lang="zh-TW" altLang="en-US" dirty="0"/>
+              <a:t>的一個輸入。</a:t>
+            </a:r>
+          </a:p>
+        </p:txBody>
+      </p:sp>
+    </p:spTree>
+  </p:cSld>
+  <p:clrMapOvr>
+    <a:masterClrMapping/>
+  </p:clrMapOvr>
+</p:sld>
+</file>
+
+<file path=ppt/slides/slide14.xml><?xml version="1.0" encoding="utf-8"?>
+<p:sld xmlns:a="http://schemas.openxmlformats.org/drawingml/2006/main" xmlns:r="http://schemas.openxmlformats.org/officeDocument/2006/relationships" xmlns:p="http://schemas.openxmlformats.org/presentationml/2006/main">
+  <p:cSld>
+    <p:spTree>
+      <p:nvGrpSpPr>
+        <p:cNvPr id="1" name=""/>
+        <p:cNvGrpSpPr/>
+        <p:nvPr/>
+      </p:nvGrpSpPr>
+      <p:grpSpPr>
+        <a:xfrm>
+          <a:off x="0" y="0"/>
+          <a:ext cx="0" cy="0"/>
+          <a:chOff x="0" y="0"/>
+          <a:chExt cx="0" cy="0"/>
+        </a:xfrm>
+      </p:grpSpPr>
+      <p:sp>
+        <p:nvSpPr>
+          <p:cNvPr id="2" name="標題 1"/>
+          <p:cNvSpPr>
+            <a:spLocks noGrp="1"/>
+          </p:cNvSpPr>
+          <p:nvPr>
+            <p:ph type="title"/>
+          </p:nvPr>
+        </p:nvSpPr>
+        <p:spPr/>
+        <p:txBody>
+          <a:bodyPr/>
+          <a:lstStyle/>
+          <a:p>
+            <a:r>
+              <a:rPr lang="en-US" altLang="zh-TW" b="1" dirty="0"/>
+              <a:t>Word embedding</a:t>
+            </a:r>
+            <a:r>
+              <a:rPr lang="zh-TW" altLang="en-US" b="1" dirty="0"/>
+              <a:t>的輸出</a:t>
+            </a:r>
+          </a:p>
+        </p:txBody>
+      </p:sp>
+      <p:sp>
+        <p:nvSpPr>
+          <p:cNvPr id="3" name="內容版面配置區 2"/>
+          <p:cNvSpPr>
+            <a:spLocks noGrp="1"/>
+          </p:cNvSpPr>
+          <p:nvPr>
+            <p:ph idx="1"/>
+          </p:nvPr>
+        </p:nvSpPr>
+        <p:spPr/>
+        <p:txBody>
+          <a:bodyPr>
+            <a:normAutofit/>
+          </a:bodyPr>
+          <a:lstStyle/>
+          <a:p>
+            <a:r>
+              <a:rPr lang="zh-TW" altLang="en-US" dirty="0"/>
+              <a:t>輸出就是每個</a:t>
+            </a:r>
+            <a:r>
+              <a:rPr lang="en-US" altLang="zh-TW" b="1" dirty="0"/>
+              <a:t>word</a:t>
+            </a:r>
+            <a:r>
+              <a:rPr lang="zh-TW" altLang="en-US" dirty="0"/>
+              <a:t>的向量表示</a:t>
+            </a:r>
+            <a:endParaRPr lang="en-US" altLang="zh-TW" dirty="0"/>
+          </a:p>
+          <a:p>
+            <a:r>
+              <a:rPr lang="zh-TW" altLang="en-US" dirty="0"/>
+              <a:t>維度和輸入值一樣</a:t>
+            </a:r>
+            <a:endParaRPr lang="en-US" altLang="zh-TW" dirty="0"/>
+          </a:p>
+          <a:p>
+            <a:r>
+              <a:rPr lang="zh-TW" altLang="en-US" dirty="0"/>
+              <a:t>不同的語言模型可基於這種</a:t>
+            </a:r>
+            <a:r>
+              <a:rPr lang="en-US" altLang="zh-TW" b="1" dirty="0"/>
+              <a:t>word</a:t>
+            </a:r>
+            <a:r>
+              <a:rPr lang="zh-TW" altLang="en-US" dirty="0"/>
+              <a:t>的數值表示來構建各自的模型</a:t>
+            </a:r>
+            <a:endParaRPr lang="en-US" altLang="zh-TW" dirty="0"/>
+          </a:p>
+          <a:p>
+            <a:endParaRPr lang="en-US" altLang="zh-TW" dirty="0"/>
+          </a:p>
+          <a:p>
+            <a:endParaRPr lang="zh-TW" altLang="en-US" dirty="0"/>
+          </a:p>
+        </p:txBody>
+      </p:sp>
+    </p:spTree>
+  </p:cSld>
+  <p:clrMapOvr>
+    <a:masterClrMapping/>
+  </p:clrMapOvr>
+</p:sld>
+</file>
+
+<file path=ppt/slides/slide15.xml><?xml version="1.0" encoding="utf-8"?>
+<p:sld xmlns:a="http://schemas.openxmlformats.org/drawingml/2006/main" xmlns:r="http://schemas.openxmlformats.org/officeDocument/2006/relationships" xmlns:p="http://schemas.openxmlformats.org/presentationml/2006/main">
+  <p:cSld>
+    <p:spTree>
+      <p:nvGrpSpPr>
+        <p:cNvPr id="1" name=""/>
+        <p:cNvGrpSpPr/>
+        <p:nvPr/>
+      </p:nvGrpSpPr>
+      <p:grpSpPr>
+        <a:xfrm>
+          <a:off x="0" y="0"/>
+          <a:ext cx="0" cy="0"/>
+          <a:chOff x="0" y="0"/>
+          <a:chExt cx="0" cy="0"/>
+        </a:xfrm>
+      </p:grpSpPr>
+      <p:sp>
+        <p:nvSpPr>
+          <p:cNvPr id="2" name="標題 1"/>
+          <p:cNvSpPr>
+            <a:spLocks noGrp="1"/>
+          </p:cNvSpPr>
+          <p:nvPr>
+            <p:ph type="title"/>
+          </p:nvPr>
+        </p:nvSpPr>
+        <p:spPr/>
+        <p:txBody>
+          <a:bodyPr/>
+          <a:lstStyle/>
+          <a:p>
+            <a:r>
+              <a:rPr lang="zh-TW" altLang="en-US" b="1" dirty="0"/>
+              <a:t>文字向量類別</a:t>
+            </a:r>
+          </a:p>
+        </p:txBody>
+      </p:sp>
+      <p:sp>
+        <p:nvSpPr>
+          <p:cNvPr id="3" name="內容版面配置區 2"/>
+          <p:cNvSpPr>
+            <a:spLocks noGrp="1"/>
+          </p:cNvSpPr>
+          <p:nvPr>
+            <p:ph idx="1"/>
+          </p:nvPr>
+        </p:nvSpPr>
+        <p:spPr>
+          <a:xfrm>
+            <a:off x="838200" y="1815351"/>
+            <a:ext cx="10515600" cy="4351338"/>
+          </a:xfrm>
+        </p:spPr>
+        <p:txBody>
+          <a:bodyPr/>
+          <a:lstStyle/>
+          <a:p>
+            <a:r>
+              <a:rPr lang="en-US" altLang="zh-TW" b="1" dirty="0"/>
+              <a:t>Label encoding</a:t>
+            </a:r>
+          </a:p>
+          <a:p>
+            <a:r>
+              <a:rPr lang="en-US" altLang="zh-TW" b="1" dirty="0"/>
+              <a:t>1-of-N Encoding ( One-Hot representation )</a:t>
+            </a:r>
+          </a:p>
+          <a:p>
+            <a:r>
+              <a:rPr lang="en-US" altLang="zh-TW" b="1" dirty="0"/>
+              <a:t>Distributed Representation(Word embedding)</a:t>
+            </a:r>
+          </a:p>
+        </p:txBody>
+      </p:sp>
+    </p:spTree>
+  </p:cSld>
+  <p:clrMapOvr>
+    <a:masterClrMapping/>
+  </p:clrMapOvr>
+</p:sld>
+</file>
+
+<file path=ppt/slides/slide16.xml><?xml version="1.0" encoding="utf-8"?>
+<p:sld xmlns:a="http://schemas.openxmlformats.org/drawingml/2006/main" xmlns:r="http://schemas.openxmlformats.org/officeDocument/2006/relationships" xmlns:p="http://schemas.openxmlformats.org/presentationml/2006/main">
+  <p:cSld>
+    <p:spTree>
+      <p:nvGrpSpPr>
+        <p:cNvPr id="1" name=""/>
+        <p:cNvGrpSpPr/>
+        <p:nvPr/>
+      </p:nvGrpSpPr>
+      <p:grpSpPr>
+        <a:xfrm>
+          <a:off x="0" y="0"/>
+          <a:ext cx="0" cy="0"/>
+          <a:chOff x="0" y="0"/>
+          <a:chExt cx="0" cy="0"/>
+        </a:xfrm>
+      </p:grpSpPr>
+      <p:sp>
+        <p:nvSpPr>
+          <p:cNvPr id="2" name="標題 1">
+            <a:extLst>
+              <a:ext uri="{FF2B5EF4-FFF2-40B4-BE49-F238E27FC236}">
+                <a16:creationId xmlns:a16="http://schemas.microsoft.com/office/drawing/2014/main" id="{619027ED-4718-4571-A3BC-DADBFFD055DE}"/>
+              </a:ext>
+            </a:extLst>
+          </p:cNvPr>
+          <p:cNvSpPr>
+            <a:spLocks noGrp="1"/>
+          </p:cNvSpPr>
+          <p:nvPr>
+            <p:ph type="ctrTitle"/>
+          </p:nvPr>
+        </p:nvSpPr>
+        <p:spPr>
+          <a:xfrm>
+            <a:off x="1524000" y="2712376"/>
+            <a:ext cx="9144000" cy="1270197"/>
+          </a:xfrm>
+        </p:spPr>
+        <p:txBody>
+          <a:bodyPr/>
+          <a:lstStyle/>
+          <a:p>
+            <a:r>
+              <a:rPr lang="zh-TW" altLang="en-US" dirty="0">
+                <a:latin typeface="微軟正黑體" panose="020B0604030504040204" pitchFamily="34" charset="-120"/>
+                <a:ea typeface="微軟正黑體" panose="020B0604030504040204" pitchFamily="34" charset="-120"/>
+              </a:rPr>
+              <a:t>整數表示法</a:t>
+            </a:r>
+          </a:p>
+        </p:txBody>
+      </p:sp>
+    </p:spTree>
+    <p:extLst>
+      <p:ext uri="{BB962C8B-B14F-4D97-AF65-F5344CB8AC3E}">
+        <p14:creationId xmlns:p14="http://schemas.microsoft.com/office/powerpoint/2010/main" val="2447081298"/>
+      </p:ext>
+    </p:extLst>
+  </p:cSld>
+  <p:clrMapOvr>
+    <a:masterClrMapping/>
+  </p:clrMapOvr>
+</p:sld>
+</file>
+
+<file path=ppt/slides/slide17.xml><?xml version="1.0" encoding="utf-8"?>
+<p:sld xmlns:a="http://schemas.openxmlformats.org/drawingml/2006/main" xmlns:r="http://schemas.openxmlformats.org/officeDocument/2006/relationships" xmlns:p="http://schemas.openxmlformats.org/presentationml/2006/main">
+  <p:cSld>
+    <p:spTree>
+      <p:nvGrpSpPr>
+        <p:cNvPr id="1" name=""/>
+        <p:cNvGrpSpPr/>
+        <p:nvPr/>
+      </p:nvGrpSpPr>
+      <p:grpSpPr>
+        <a:xfrm>
+          <a:off x="0" y="0"/>
+          <a:ext cx="0" cy="0"/>
+          <a:chOff x="0" y="0"/>
+          <a:chExt cx="0" cy="0"/>
+        </a:xfrm>
+      </p:grpSpPr>
+      <p:sp>
+        <p:nvSpPr>
+          <p:cNvPr id="2" name="標題 1">
+            <a:extLst>
+              <a:ext uri="{FF2B5EF4-FFF2-40B4-BE49-F238E27FC236}">
+                <a16:creationId xmlns:a16="http://schemas.microsoft.com/office/drawing/2014/main" id="{6E2D17FC-8E91-4D68-9E33-2E731C896C47}"/>
+              </a:ext>
+            </a:extLst>
+          </p:cNvPr>
+          <p:cNvSpPr>
+            <a:spLocks noGrp="1"/>
+          </p:cNvSpPr>
+          <p:nvPr>
+            <p:ph type="title"/>
+          </p:nvPr>
+        </p:nvSpPr>
+        <p:spPr>
+          <a:xfrm>
+            <a:off x="838200" y="365125"/>
+            <a:ext cx="10515600" cy="682839"/>
+          </a:xfrm>
+        </p:spPr>
+        <p:txBody>
+          <a:bodyPr>
+            <a:normAutofit fontScale="90000"/>
+          </a:bodyPr>
+          <a:lstStyle/>
+          <a:p>
+            <a:r>
+              <a:rPr lang="zh-TW" altLang="en-US" b="1" dirty="0">
+                <a:latin typeface="微軟正黑體" panose="020B0604030504040204" pitchFamily="34" charset="-120"/>
+                <a:ea typeface="微軟正黑體" panose="020B0604030504040204" pitchFamily="34" charset="-120"/>
+              </a:rPr>
+              <a:t>如何從「符號」進入「意義」</a:t>
+            </a:r>
+          </a:p>
+        </p:txBody>
+      </p:sp>
+      <p:sp>
+        <p:nvSpPr>
+          <p:cNvPr id="3" name="內容版面配置區 2">
+            <a:extLst>
+              <a:ext uri="{FF2B5EF4-FFF2-40B4-BE49-F238E27FC236}">
+                <a16:creationId xmlns:a16="http://schemas.microsoft.com/office/drawing/2014/main" id="{3ABFD44D-8A96-48EF-87FE-009D440D49A9}"/>
+              </a:ext>
+            </a:extLst>
+          </p:cNvPr>
+          <p:cNvSpPr>
+            <a:spLocks noGrp="1"/>
+          </p:cNvSpPr>
+          <p:nvPr>
+            <p:ph idx="1"/>
+          </p:nvPr>
+        </p:nvSpPr>
+        <p:spPr>
+          <a:xfrm>
+            <a:off x="838200" y="1202076"/>
+            <a:ext cx="10515600" cy="5363111"/>
+          </a:xfrm>
+        </p:spPr>
+        <p:txBody>
+          <a:bodyPr>
+            <a:normAutofit/>
+          </a:bodyPr>
+          <a:lstStyle/>
+          <a:p>
+            <a:pPr marL="514350" indent="-514350">
+              <a:buFont typeface="+mj-lt"/>
+              <a:buAutoNum type="arabicPeriod"/>
+            </a:pPr>
+            <a:r>
+              <a:rPr lang="zh-TW" altLang="zh-TW" dirty="0">
+                <a:effectLst/>
+                <a:latin typeface="微軟正黑體" panose="020B0604030504040204" pitchFamily="34" charset="-120"/>
+                <a:ea typeface="微軟正黑體" panose="020B0604030504040204" pitchFamily="34" charset="-120"/>
+                <a:cs typeface="Times New Roman" panose="02020603050405020304" pitchFamily="18" charset="0"/>
+              </a:rPr>
+              <a:t>需要使用以規則為基礎的方法</a:t>
+            </a:r>
+            <a:endParaRPr lang="en-US" altLang="zh-TW" dirty="0">
+              <a:effectLst/>
+              <a:latin typeface="微軟正黑體" panose="020B0604030504040204" pitchFamily="34" charset="-120"/>
+              <a:ea typeface="微軟正黑體" panose="020B0604030504040204" pitchFamily="34" charset="-120"/>
+              <a:cs typeface="Times New Roman" panose="02020603050405020304" pitchFamily="18" charset="0"/>
+            </a:endParaRPr>
+          </a:p>
+          <a:p>
+            <a:pPr marL="514350" indent="-514350">
+              <a:buFont typeface="+mj-lt"/>
+              <a:buAutoNum type="arabicPeriod"/>
+            </a:pPr>
+            <a:r>
+              <a:rPr lang="zh-TW" altLang="zh-TW" dirty="0">
+                <a:effectLst/>
+                <a:latin typeface="微軟正黑體" panose="020B0604030504040204" pitchFamily="34" charset="-120"/>
+                <a:ea typeface="微軟正黑體" panose="020B0604030504040204" pitchFamily="34" charset="-120"/>
+                <a:cs typeface="Times New Roman" panose="02020603050405020304" pitchFamily="18" charset="0"/>
+              </a:rPr>
+              <a:t>要判斷一個句子的情感極性（褒義或貶義）</a:t>
+            </a:r>
+            <a:endParaRPr lang="en-US" altLang="zh-TW" dirty="0">
+              <a:latin typeface="微軟正黑體" panose="020B0604030504040204" pitchFamily="34" charset="-120"/>
+              <a:ea typeface="微軟正黑體" panose="020B0604030504040204" pitchFamily="34" charset="-120"/>
+              <a:cs typeface="Times New Roman" panose="02020603050405020304" pitchFamily="18" charset="0"/>
+            </a:endParaRPr>
+          </a:p>
+          <a:p>
+            <a:pPr marL="514350" indent="-514350">
+              <a:buFont typeface="+mj-lt"/>
+              <a:buAutoNum type="arabicPeriod"/>
+            </a:pPr>
+            <a:r>
+              <a:rPr lang="zh-TW" altLang="zh-TW" dirty="0">
+                <a:effectLst/>
+                <a:latin typeface="微軟正黑體" panose="020B0604030504040204" pitchFamily="34" charset="-120"/>
+                <a:ea typeface="微軟正黑體" panose="020B0604030504040204" pitchFamily="34" charset="-120"/>
+                <a:cs typeface="Times New Roman" panose="02020603050405020304" pitchFamily="18" charset="0"/>
+              </a:rPr>
+              <a:t>規則的形式可能為：如果句子中出現</a:t>
+            </a:r>
+            <a:r>
+              <a:rPr lang="en-US" altLang="zh-TW" dirty="0">
+                <a:effectLst/>
+                <a:latin typeface="微軟正黑體" panose="020B0604030504040204" pitchFamily="34" charset="-120"/>
+                <a:ea typeface="微軟正黑體" panose="020B0604030504040204" pitchFamily="34" charset="-120"/>
+                <a:cs typeface="Times New Roman" panose="02020603050405020304" pitchFamily="18" charset="0"/>
+              </a:rPr>
+              <a:t>“</a:t>
+            </a:r>
+            <a:r>
+              <a:rPr lang="zh-TW" altLang="zh-TW" dirty="0">
+                <a:effectLst/>
+                <a:latin typeface="微軟正黑體" panose="020B0604030504040204" pitchFamily="34" charset="-120"/>
+                <a:ea typeface="微軟正黑體" panose="020B0604030504040204" pitchFamily="34" charset="-120"/>
+                <a:cs typeface="Times New Roman" panose="02020603050405020304" pitchFamily="18" charset="0"/>
+              </a:rPr>
+              <a:t>喜歡</a:t>
+            </a:r>
+            <a:r>
+              <a:rPr lang="en-US" altLang="zh-TW" dirty="0">
+                <a:effectLst/>
+                <a:latin typeface="微軟正黑體" panose="020B0604030504040204" pitchFamily="34" charset="-120"/>
+                <a:ea typeface="微軟正黑體" panose="020B0604030504040204" pitchFamily="34" charset="-120"/>
+                <a:cs typeface="Times New Roman" panose="02020603050405020304" pitchFamily="18" charset="0"/>
+              </a:rPr>
+              <a:t>”“</a:t>
+            </a:r>
+            <a:r>
+              <a:rPr lang="zh-TW" altLang="zh-TW" dirty="0">
+                <a:effectLst/>
+                <a:latin typeface="微軟正黑體" panose="020B0604030504040204" pitchFamily="34" charset="-120"/>
+                <a:ea typeface="微軟正黑體" panose="020B0604030504040204" pitchFamily="34" charset="-120"/>
+                <a:cs typeface="Times New Roman" panose="02020603050405020304" pitchFamily="18" charset="0"/>
+              </a:rPr>
+              <a:t>漂亮</a:t>
+            </a:r>
+            <a:r>
+              <a:rPr lang="en-US" altLang="zh-TW" dirty="0">
+                <a:effectLst/>
+                <a:latin typeface="微軟正黑體" panose="020B0604030504040204" pitchFamily="34" charset="-120"/>
+                <a:ea typeface="微軟正黑體" panose="020B0604030504040204" pitchFamily="34" charset="-120"/>
+                <a:cs typeface="Times New Roman" panose="02020603050405020304" pitchFamily="18" charset="0"/>
+              </a:rPr>
+              <a:t>”</a:t>
+            </a:r>
+            <a:r>
+              <a:rPr lang="zh-TW" altLang="zh-TW" dirty="0">
+                <a:effectLst/>
+                <a:latin typeface="微軟正黑體" panose="020B0604030504040204" pitchFamily="34" charset="-120"/>
+                <a:ea typeface="微軟正黑體" panose="020B0604030504040204" pitchFamily="34" charset="-120"/>
+                <a:cs typeface="Times New Roman" panose="02020603050405020304" pitchFamily="18" charset="0"/>
+              </a:rPr>
+              <a:t>等詞則為褒義</a:t>
+            </a:r>
+            <a:endParaRPr lang="en-US" altLang="zh-TW" dirty="0">
+              <a:effectLst/>
+              <a:latin typeface="微軟正黑體" panose="020B0604030504040204" pitchFamily="34" charset="-120"/>
+              <a:ea typeface="微軟正黑體" panose="020B0604030504040204" pitchFamily="34" charset="-120"/>
+              <a:cs typeface="Times New Roman" panose="02020603050405020304" pitchFamily="18" charset="0"/>
+            </a:endParaRPr>
+          </a:p>
+          <a:p>
+            <a:pPr marL="514350" indent="-514350">
+              <a:buFont typeface="+mj-lt"/>
+              <a:buAutoNum type="arabicPeriod"/>
+            </a:pPr>
+            <a:r>
+              <a:rPr lang="zh-TW" altLang="zh-TW" dirty="0">
+                <a:effectLst/>
+                <a:latin typeface="微軟正黑體" panose="020B0604030504040204" pitchFamily="34" charset="-120"/>
+                <a:ea typeface="微軟正黑體" panose="020B0604030504040204" pitchFamily="34" charset="-120"/>
+                <a:cs typeface="Times New Roman" panose="02020603050405020304" pitchFamily="18" charset="0"/>
+              </a:rPr>
+              <a:t>出現</a:t>
+            </a:r>
+            <a:r>
+              <a:rPr lang="en-US" altLang="zh-TW" dirty="0">
+                <a:effectLst/>
+                <a:latin typeface="微軟正黑體" panose="020B0604030504040204" pitchFamily="34" charset="-120"/>
+                <a:ea typeface="微軟正黑體" panose="020B0604030504040204" pitchFamily="34" charset="-120"/>
+                <a:cs typeface="Times New Roman" panose="02020603050405020304" pitchFamily="18" charset="0"/>
+              </a:rPr>
+              <a:t>“</a:t>
+            </a:r>
+            <a:r>
+              <a:rPr lang="zh-TW" altLang="zh-TW" dirty="0">
+                <a:effectLst/>
+                <a:latin typeface="微軟正黑體" panose="020B0604030504040204" pitchFamily="34" charset="-120"/>
+                <a:ea typeface="微軟正黑體" panose="020B0604030504040204" pitchFamily="34" charset="-120"/>
+                <a:cs typeface="Times New Roman" panose="02020603050405020304" pitchFamily="18" charset="0"/>
+              </a:rPr>
+              <a:t>討厭</a:t>
+            </a:r>
+            <a:r>
+              <a:rPr lang="en-US" altLang="zh-TW" dirty="0">
+                <a:effectLst/>
+                <a:latin typeface="微軟正黑體" panose="020B0604030504040204" pitchFamily="34" charset="-120"/>
+                <a:ea typeface="微軟正黑體" panose="020B0604030504040204" pitchFamily="34" charset="-120"/>
+                <a:cs typeface="Times New Roman" panose="02020603050405020304" pitchFamily="18" charset="0"/>
+              </a:rPr>
+              <a:t>”“</a:t>
+            </a:r>
+            <a:r>
+              <a:rPr lang="zh-TW" altLang="zh-TW" dirty="0">
+                <a:effectLst/>
+                <a:latin typeface="微軟正黑體" panose="020B0604030504040204" pitchFamily="34" charset="-120"/>
+                <a:ea typeface="微軟正黑體" panose="020B0604030504040204" pitchFamily="34" charset="-120"/>
+                <a:cs typeface="Times New Roman" panose="02020603050405020304" pitchFamily="18" charset="0"/>
+              </a:rPr>
+              <a:t>醜陋</a:t>
+            </a:r>
+            <a:r>
+              <a:rPr lang="en-US" altLang="zh-TW" dirty="0">
+                <a:effectLst/>
+                <a:latin typeface="微軟正黑體" panose="020B0604030504040204" pitchFamily="34" charset="-120"/>
+                <a:ea typeface="微軟正黑體" panose="020B0604030504040204" pitchFamily="34" charset="-120"/>
+                <a:cs typeface="Times New Roman" panose="02020603050405020304" pitchFamily="18" charset="0"/>
+              </a:rPr>
+              <a:t>”</a:t>
+            </a:r>
+            <a:r>
+              <a:rPr lang="zh-TW" altLang="zh-TW" dirty="0">
+                <a:effectLst/>
+                <a:latin typeface="微軟正黑體" panose="020B0604030504040204" pitchFamily="34" charset="-120"/>
+                <a:ea typeface="微軟正黑體" panose="020B0604030504040204" pitchFamily="34" charset="-120"/>
+                <a:cs typeface="Times New Roman" panose="02020603050405020304" pitchFamily="18" charset="0"/>
+              </a:rPr>
+              <a:t>等詞則為貶義</a:t>
+            </a:r>
+            <a:endParaRPr lang="en-US" altLang="zh-TW" dirty="0">
+              <a:latin typeface="微軟正黑體" panose="020B0604030504040204" pitchFamily="34" charset="-120"/>
+              <a:ea typeface="微軟正黑體" panose="020B0604030504040204" pitchFamily="34" charset="-120"/>
+              <a:cs typeface="Times New Roman" panose="02020603050405020304" pitchFamily="18" charset="0"/>
+            </a:endParaRPr>
+          </a:p>
+          <a:p>
+            <a:pPr marL="514350" indent="-514350">
+              <a:buFont typeface="+mj-lt"/>
+              <a:buAutoNum type="arabicPeriod"/>
+            </a:pPr>
+            <a:r>
+              <a:rPr lang="zh-TW" altLang="en-US" dirty="0">
+                <a:latin typeface="微軟正黑體" panose="020B0604030504040204" pitchFamily="34" charset="-120"/>
+                <a:ea typeface="微軟正黑體" panose="020B0604030504040204" pitchFamily="34" charset="-120"/>
+              </a:rPr>
+              <a:t>否定字怎麼辦？</a:t>
+            </a:r>
+            <a:endParaRPr lang="en-US" altLang="zh-TW" dirty="0">
+              <a:latin typeface="微軟正黑體" panose="020B0604030504040204" pitchFamily="34" charset="-120"/>
+              <a:ea typeface="微軟正黑體" panose="020B0604030504040204" pitchFamily="34" charset="-120"/>
+            </a:endParaRPr>
+          </a:p>
+          <a:p>
+            <a:pPr marL="514350" indent="-514350">
+              <a:buFont typeface="+mj-lt"/>
+              <a:buAutoNum type="arabicPeriod"/>
+            </a:pPr>
+            <a:r>
+              <a:rPr lang="zh-TW" altLang="en-US" dirty="0">
+                <a:latin typeface="微軟正黑體" panose="020B0604030504040204" pitchFamily="34" charset="-120"/>
+                <a:ea typeface="微軟正黑體" panose="020B0604030504040204" pitchFamily="34" charset="-120"/>
+              </a:rPr>
+              <a:t>同時出現怎麼辦？</a:t>
+            </a:r>
+            <a:endParaRPr lang="en-US" altLang="zh-TW" dirty="0">
+              <a:latin typeface="微軟正黑體" panose="020B0604030504040204" pitchFamily="34" charset="-120"/>
+              <a:ea typeface="微軟正黑體" panose="020B0604030504040204" pitchFamily="34" charset="-120"/>
+            </a:endParaRPr>
+          </a:p>
+          <a:p>
+            <a:pPr marL="514350" indent="-514350">
+              <a:buFont typeface="+mj-lt"/>
+              <a:buAutoNum type="arabicPeriod"/>
+            </a:pPr>
+            <a:r>
+              <a:rPr lang="zh-TW" altLang="en-US" dirty="0">
+                <a:latin typeface="微軟正黑體" panose="020B0604030504040204" pitchFamily="34" charset="-120"/>
+                <a:ea typeface="微軟正黑體" panose="020B0604030504040204" pitchFamily="34" charset="-120"/>
+              </a:rPr>
+              <a:t>疑問句怎麼辦？</a:t>
+            </a:r>
+            <a:endParaRPr lang="en-US" altLang="zh-TW" dirty="0">
+              <a:latin typeface="微軟正黑體" panose="020B0604030504040204" pitchFamily="34" charset="-120"/>
+              <a:ea typeface="微軟正黑體" panose="020B0604030504040204" pitchFamily="34" charset="-120"/>
+            </a:endParaRPr>
+          </a:p>
+        </p:txBody>
+      </p:sp>
+    </p:spTree>
+    <p:extLst>
+      <p:ext uri="{BB962C8B-B14F-4D97-AF65-F5344CB8AC3E}">
+        <p14:creationId xmlns:p14="http://schemas.microsoft.com/office/powerpoint/2010/main" val="1714945196"/>
+      </p:ext>
+    </p:extLst>
+  </p:cSld>
+  <p:clrMapOvr>
+    <a:masterClrMapping/>
+  </p:clrMapOvr>
+</p:sld>
+</file>
+
+<file path=ppt/slides/slide18.xml><?xml version="1.0" encoding="utf-8"?>
+<p:sld xmlns:a="http://schemas.openxmlformats.org/drawingml/2006/main" xmlns:r="http://schemas.openxmlformats.org/officeDocument/2006/relationships" xmlns:p="http://schemas.openxmlformats.org/presentationml/2006/main">
+  <p:cSld>
+    <p:spTree>
+      <p:nvGrpSpPr>
+        <p:cNvPr id="1" name=""/>
+        <p:cNvGrpSpPr/>
+        <p:nvPr/>
+      </p:nvGrpSpPr>
+      <p:grpSpPr>
+        <a:xfrm>
+          <a:off x="0" y="0"/>
+          <a:ext cx="0" cy="0"/>
+          <a:chOff x="0" y="0"/>
+          <a:chExt cx="0" cy="0"/>
+        </a:xfrm>
+      </p:grpSpPr>
+      <p:sp>
+        <p:nvSpPr>
+          <p:cNvPr id="2" name="標題 1">
+            <a:extLst>
+              <a:ext uri="{FF2B5EF4-FFF2-40B4-BE49-F238E27FC236}">
+                <a16:creationId xmlns:a16="http://schemas.microsoft.com/office/drawing/2014/main" id="{6E2D17FC-8E91-4D68-9E33-2E731C896C47}"/>
+              </a:ext>
+            </a:extLst>
+          </p:cNvPr>
+          <p:cNvSpPr>
+            <a:spLocks noGrp="1"/>
+          </p:cNvSpPr>
+          <p:nvPr>
+            <p:ph type="title"/>
+          </p:nvPr>
+        </p:nvSpPr>
+        <p:spPr>
+          <a:xfrm>
+            <a:off x="838200" y="365125"/>
+            <a:ext cx="10515600" cy="682839"/>
+          </a:xfrm>
+        </p:spPr>
+        <p:txBody>
+          <a:bodyPr>
+            <a:normAutofit fontScale="90000"/>
+          </a:bodyPr>
+          <a:lstStyle/>
+          <a:p>
+            <a:r>
+              <a:rPr lang="zh-TW" altLang="en-US" b="1" dirty="0">
+                <a:latin typeface="微軟正黑體" panose="020B0604030504040204" pitchFamily="34" charset="-120"/>
+                <a:ea typeface="微軟正黑體" panose="020B0604030504040204" pitchFamily="34" charset="-120"/>
+              </a:rPr>
+              <a:t>符號表示法的問題</a:t>
+            </a:r>
+          </a:p>
+        </p:txBody>
+      </p:sp>
+      <p:sp>
+        <p:nvSpPr>
+          <p:cNvPr id="3" name="內容版面配置區 2">
+            <a:extLst>
+              <a:ext uri="{FF2B5EF4-FFF2-40B4-BE49-F238E27FC236}">
+                <a16:creationId xmlns:a16="http://schemas.microsoft.com/office/drawing/2014/main" id="{3ABFD44D-8A96-48EF-87FE-009D440D49A9}"/>
+              </a:ext>
+            </a:extLst>
+          </p:cNvPr>
+          <p:cNvSpPr>
+            <a:spLocks noGrp="1"/>
+          </p:cNvSpPr>
+          <p:nvPr>
+            <p:ph idx="1"/>
+          </p:nvPr>
+        </p:nvSpPr>
+        <p:spPr>
+          <a:xfrm>
+            <a:off x="838200" y="1202076"/>
+            <a:ext cx="10515600" cy="5363111"/>
+          </a:xfrm>
+        </p:spPr>
+        <p:txBody>
+          <a:bodyPr>
+            <a:normAutofit/>
+          </a:bodyPr>
+          <a:lstStyle/>
+          <a:p>
+            <a:pPr marL="514350" indent="-514350">
+              <a:buFont typeface="+mj-lt"/>
+              <a:buAutoNum type="arabicPeriod"/>
+            </a:pPr>
+            <a:r>
+              <a:rPr lang="zh-TW" altLang="zh-TW" dirty="0">
+                <a:effectLst/>
+                <a:latin typeface="微軟正黑體" panose="020B0604030504040204" pitchFamily="34" charset="-120"/>
+                <a:ea typeface="微軟正黑體" panose="020B0604030504040204" pitchFamily="34" charset="-120"/>
+                <a:cs typeface="Times New Roman" panose="02020603050405020304" pitchFamily="18" charset="0"/>
+              </a:rPr>
+              <a:t>規則的歸納依賴專家的經驗，需花費大量的人力、物力和財力</a:t>
+            </a:r>
+            <a:endParaRPr lang="en-US" altLang="zh-TW" dirty="0">
+              <a:effectLst/>
+              <a:latin typeface="微軟正黑體" panose="020B0604030504040204" pitchFamily="34" charset="-120"/>
+              <a:ea typeface="微軟正黑體" panose="020B0604030504040204" pitchFamily="34" charset="-120"/>
+              <a:cs typeface="Times New Roman" panose="02020603050405020304" pitchFamily="18" charset="0"/>
+            </a:endParaRPr>
+          </a:p>
+          <a:p>
+            <a:pPr marL="514350" indent="-514350">
+              <a:buFont typeface="+mj-lt"/>
+              <a:buAutoNum type="arabicPeriod"/>
+            </a:pPr>
+            <a:r>
+              <a:rPr lang="zh-TW" altLang="zh-TW" dirty="0">
+                <a:effectLst/>
+                <a:latin typeface="微軟正黑體" panose="020B0604030504040204" pitchFamily="34" charset="-120"/>
+                <a:ea typeface="微軟正黑體" panose="020B0604030504040204" pitchFamily="34" charset="-120"/>
+                <a:cs typeface="Times New Roman" panose="02020603050405020304" pitchFamily="18" charset="0"/>
+              </a:rPr>
+              <a:t>規則的表達能力有限，很多語言現象無法用簡單的規則描述</a:t>
+            </a:r>
+            <a:endParaRPr lang="en-US" altLang="zh-TW" dirty="0">
+              <a:effectLst/>
+              <a:latin typeface="微軟正黑體" panose="020B0604030504040204" pitchFamily="34" charset="-120"/>
+              <a:ea typeface="微軟正黑體" panose="020B0604030504040204" pitchFamily="34" charset="-120"/>
+              <a:cs typeface="Times New Roman" panose="02020603050405020304" pitchFamily="18" charset="0"/>
+            </a:endParaRPr>
+          </a:p>
+          <a:p>
+            <a:pPr marL="514350" indent="-514350">
+              <a:buFont typeface="+mj-lt"/>
+              <a:buAutoNum type="arabicPeriod"/>
+            </a:pPr>
+            <a:r>
+              <a:rPr lang="zh-TW" altLang="zh-TW" dirty="0">
+                <a:effectLst/>
+                <a:latin typeface="微軟正黑體" panose="020B0604030504040204" pitchFamily="34" charset="-120"/>
+                <a:ea typeface="微軟正黑體" panose="020B0604030504040204" pitchFamily="34" charset="-120"/>
+                <a:cs typeface="Times New Roman" panose="02020603050405020304" pitchFamily="18" charset="0"/>
+              </a:rPr>
+              <a:t>規則之間可能存在矛盾和衝突的情況</a:t>
+            </a:r>
+            <a:endParaRPr lang="en-US" altLang="zh-TW" dirty="0">
+              <a:latin typeface="微軟正黑體" panose="020B0604030504040204" pitchFamily="34" charset="-120"/>
+              <a:ea typeface="微軟正黑體" panose="020B0604030504040204" pitchFamily="34" charset="-120"/>
+              <a:cs typeface="Times New Roman" panose="02020603050405020304" pitchFamily="18" charset="0"/>
+            </a:endParaRPr>
+          </a:p>
+          <a:p>
+            <a:pPr marL="514350" indent="-514350">
+              <a:buFont typeface="+mj-lt"/>
+              <a:buAutoNum type="arabicPeriod"/>
+            </a:pPr>
+            <a:r>
+              <a:rPr lang="zh-TW" altLang="zh-TW" dirty="0">
+                <a:effectLst/>
+                <a:latin typeface="微軟正黑體" panose="020B0604030504040204" pitchFamily="34" charset="-120"/>
+                <a:ea typeface="微軟正黑體" panose="020B0604030504040204" pitchFamily="34" charset="-120"/>
+                <a:cs typeface="Times New Roman" panose="02020603050405020304" pitchFamily="18" charset="0"/>
+              </a:rPr>
+              <a:t>既出現了</a:t>
+            </a:r>
+            <a:r>
+              <a:rPr lang="en-US" altLang="zh-TW" dirty="0">
+                <a:effectLst/>
+                <a:latin typeface="微軟正黑體" panose="020B0604030504040204" pitchFamily="34" charset="-120"/>
+                <a:ea typeface="微軟正黑體" panose="020B0604030504040204" pitchFamily="34" charset="-120"/>
+                <a:cs typeface="Times New Roman" panose="02020603050405020304" pitchFamily="18" charset="0"/>
+              </a:rPr>
+              <a:t>“</a:t>
+            </a:r>
+            <a:r>
+              <a:rPr lang="zh-TW" altLang="zh-TW" dirty="0">
+                <a:effectLst/>
+                <a:latin typeface="微軟正黑體" panose="020B0604030504040204" pitchFamily="34" charset="-120"/>
+                <a:ea typeface="微軟正黑體" panose="020B0604030504040204" pitchFamily="34" charset="-120"/>
+                <a:cs typeface="Times New Roman" panose="02020603050405020304" pitchFamily="18" charset="0"/>
+              </a:rPr>
+              <a:t>喜歡</a:t>
+            </a:r>
+            <a:r>
+              <a:rPr lang="en-US" altLang="zh-TW" dirty="0">
+                <a:effectLst/>
+                <a:latin typeface="微軟正黑體" panose="020B0604030504040204" pitchFamily="34" charset="-120"/>
+                <a:ea typeface="微軟正黑體" panose="020B0604030504040204" pitchFamily="34" charset="-120"/>
+                <a:cs typeface="Times New Roman" panose="02020603050405020304" pitchFamily="18" charset="0"/>
+              </a:rPr>
+              <a:t>”</a:t>
+            </a:r>
+            <a:r>
+              <a:rPr lang="zh-TW" altLang="zh-TW" dirty="0">
+                <a:effectLst/>
+                <a:latin typeface="微軟正黑體" panose="020B0604030504040204" pitchFamily="34" charset="-120"/>
+                <a:ea typeface="微軟正黑體" panose="020B0604030504040204" pitchFamily="34" charset="-120"/>
+                <a:cs typeface="Times New Roman" panose="02020603050405020304" pitchFamily="18" charset="0"/>
+              </a:rPr>
+              <a:t>，又出現了</a:t>
+            </a:r>
+            <a:r>
+              <a:rPr lang="en-US" altLang="zh-TW" dirty="0">
+                <a:effectLst/>
+                <a:latin typeface="微軟正黑體" panose="020B0604030504040204" pitchFamily="34" charset="-120"/>
+                <a:ea typeface="微軟正黑體" panose="020B0604030504040204" pitchFamily="34" charset="-120"/>
+                <a:cs typeface="Times New Roman" panose="02020603050405020304" pitchFamily="18" charset="0"/>
+              </a:rPr>
+              <a:t>“</a:t>
+            </a:r>
+            <a:r>
+              <a:rPr lang="zh-TW" altLang="zh-TW" dirty="0">
+                <a:effectLst/>
+                <a:latin typeface="微軟正黑體" panose="020B0604030504040204" pitchFamily="34" charset="-120"/>
+                <a:ea typeface="微軟正黑體" panose="020B0604030504040204" pitchFamily="34" charset="-120"/>
+                <a:cs typeface="Times New Roman" panose="02020603050405020304" pitchFamily="18" charset="0"/>
+              </a:rPr>
+              <a:t>討厭</a:t>
+            </a:r>
+            <a:r>
+              <a:rPr lang="en-US" altLang="zh-TW" dirty="0">
+                <a:effectLst/>
+                <a:latin typeface="微軟正黑體" panose="020B0604030504040204" pitchFamily="34" charset="-120"/>
+                <a:ea typeface="微軟正黑體" panose="020B0604030504040204" pitchFamily="34" charset="-120"/>
+                <a:cs typeface="Times New Roman" panose="02020603050405020304" pitchFamily="18" charset="0"/>
+              </a:rPr>
+              <a:t>”</a:t>
+            </a:r>
+            <a:endParaRPr lang="en-US" altLang="zh-TW" dirty="0">
+              <a:latin typeface="微軟正黑體" panose="020B0604030504040204" pitchFamily="34" charset="-120"/>
+              <a:ea typeface="微軟正黑體" panose="020B0604030504040204" pitchFamily="34" charset="-120"/>
+            </a:endParaRPr>
+          </a:p>
+        </p:txBody>
+      </p:sp>
+    </p:spTree>
+    <p:extLst>
+      <p:ext uri="{BB962C8B-B14F-4D97-AF65-F5344CB8AC3E}">
+        <p14:creationId xmlns:p14="http://schemas.microsoft.com/office/powerpoint/2010/main" val="1873925111"/>
+      </p:ext>
+    </p:extLst>
+  </p:cSld>
+  <p:clrMapOvr>
+    <a:masterClrMapping/>
+  </p:clrMapOvr>
+</p:sld>
+</file>
+
+<file path=ppt/slides/slide19.xml><?xml version="1.0" encoding="utf-8"?>
+<p:sld xmlns:a="http://schemas.openxmlformats.org/drawingml/2006/main" xmlns:r="http://schemas.openxmlformats.org/officeDocument/2006/relationships" xmlns:p="http://schemas.openxmlformats.org/presentationml/2006/main">
+  <p:cSld>
+    <p:spTree>
+      <p:nvGrpSpPr>
+        <p:cNvPr id="1" name=""/>
+        <p:cNvGrpSpPr/>
+        <p:nvPr/>
+      </p:nvGrpSpPr>
+      <p:grpSpPr>
+        <a:xfrm>
+          <a:off x="0" y="0"/>
+          <a:ext cx="0" cy="0"/>
+          <a:chOff x="0" y="0"/>
+          <a:chExt cx="0" cy="0"/>
+        </a:xfrm>
+      </p:grpSpPr>
+      <p:sp>
+        <p:nvSpPr>
           <p:cNvPr id="2" name="標題 1">
             <a:extLst>
               <a:ext uri="{FF2B5EF4-FFF2-40B4-BE49-F238E27FC236}">
@@ -3707,7 +4947,471 @@
 </p:sld>
 </file>
 
-<file path=ppt/slides/slide12.xml><?xml version="1.0" encoding="utf-8"?>
+<file path=ppt/slides/slide2.xml><?xml version="1.0" encoding="utf-8"?>
+<p:sld xmlns:a="http://schemas.openxmlformats.org/drawingml/2006/main" xmlns:r="http://schemas.openxmlformats.org/officeDocument/2006/relationships" xmlns:p="http://schemas.openxmlformats.org/presentationml/2006/main">
+  <p:cSld>
+    <p:spTree>
+      <p:nvGrpSpPr>
+        <p:cNvPr id="1" name=""/>
+        <p:cNvGrpSpPr/>
+        <p:nvPr/>
+      </p:nvGrpSpPr>
+      <p:grpSpPr>
+        <a:xfrm>
+          <a:off x="0" y="0"/>
+          <a:ext cx="0" cy="0"/>
+          <a:chOff x="0" y="0"/>
+          <a:chExt cx="0" cy="0"/>
+        </a:xfrm>
+      </p:grpSpPr>
+      <p:sp>
+        <p:nvSpPr>
+          <p:cNvPr id="2" name="標題 1">
+            <a:extLst>
+              <a:ext uri="{FF2B5EF4-FFF2-40B4-BE49-F238E27FC236}">
+                <a16:creationId xmlns:a16="http://schemas.microsoft.com/office/drawing/2014/main" id="{6E2D17FC-8E91-4D68-9E33-2E731C896C47}"/>
+              </a:ext>
+            </a:extLst>
+          </p:cNvPr>
+          <p:cNvSpPr>
+            <a:spLocks noGrp="1"/>
+          </p:cNvSpPr>
+          <p:nvPr>
+            <p:ph type="title"/>
+          </p:nvPr>
+        </p:nvSpPr>
+        <p:spPr>
+          <a:xfrm>
+            <a:off x="838200" y="365125"/>
+            <a:ext cx="10515600" cy="682839"/>
+          </a:xfrm>
+        </p:spPr>
+        <p:txBody>
+          <a:bodyPr>
+            <a:normAutofit fontScale="90000"/>
+          </a:bodyPr>
+          <a:lstStyle/>
+          <a:p>
+            <a:r>
+              <a:rPr lang="zh-TW" altLang="en-US" b="1" dirty="0">
+                <a:latin typeface="微軟正黑體" panose="020B0604030504040204" pitchFamily="34" charset="-120"/>
+                <a:ea typeface="微軟正黑體" panose="020B0604030504040204" pitchFamily="34" charset="-120"/>
+              </a:rPr>
+              <a:t>課程大綱</a:t>
+            </a:r>
+          </a:p>
+        </p:txBody>
+      </p:sp>
+      <p:sp>
+        <p:nvSpPr>
+          <p:cNvPr id="3" name="內容版面配置區 2">
+            <a:extLst>
+              <a:ext uri="{FF2B5EF4-FFF2-40B4-BE49-F238E27FC236}">
+                <a16:creationId xmlns:a16="http://schemas.microsoft.com/office/drawing/2014/main" id="{3ABFD44D-8A96-48EF-87FE-009D440D49A9}"/>
+              </a:ext>
+            </a:extLst>
+          </p:cNvPr>
+          <p:cNvSpPr>
+            <a:spLocks noGrp="1"/>
+          </p:cNvSpPr>
+          <p:nvPr>
+            <p:ph idx="1"/>
+          </p:nvPr>
+        </p:nvSpPr>
+        <p:spPr>
+          <a:xfrm>
+            <a:off x="838200" y="1202076"/>
+            <a:ext cx="10515600" cy="5363111"/>
+          </a:xfrm>
+        </p:spPr>
+        <p:txBody>
+          <a:bodyPr>
+            <a:normAutofit/>
+          </a:bodyPr>
+          <a:lstStyle/>
+          <a:p>
+            <a:pPr marL="514350" indent="-514350">
+              <a:buFont typeface="+mj-lt"/>
+              <a:buAutoNum type="arabicPeriod"/>
+            </a:pPr>
+            <a:r>
+              <a:rPr lang="zh-TW" altLang="en-US" dirty="0">
+                <a:latin typeface="微軟正黑體" panose="020B0604030504040204" pitchFamily="34" charset="-120"/>
+                <a:ea typeface="微軟正黑體" panose="020B0604030504040204" pitchFamily="34" charset="-120"/>
+              </a:rPr>
+              <a:t>文字是什麼</a:t>
+            </a:r>
+            <a:endParaRPr lang="en-US" altLang="zh-TW" dirty="0">
+              <a:latin typeface="微軟正黑體" panose="020B0604030504040204" pitchFamily="34" charset="-120"/>
+              <a:ea typeface="微軟正黑體" panose="020B0604030504040204" pitchFamily="34" charset="-120"/>
+            </a:endParaRPr>
+          </a:p>
+          <a:p>
+            <a:pPr marL="514350" indent="-514350">
+              <a:buFont typeface="+mj-lt"/>
+              <a:buAutoNum type="arabicPeriod"/>
+            </a:pPr>
+            <a:r>
+              <a:rPr lang="zh-TW" altLang="en-US" dirty="0">
+                <a:latin typeface="微軟正黑體" panose="020B0604030504040204" pitchFamily="34" charset="-120"/>
+                <a:ea typeface="微軟正黑體" panose="020B0604030504040204" pitchFamily="34" charset="-120"/>
+              </a:rPr>
+              <a:t>文字的表示方法</a:t>
+            </a:r>
+            <a:endParaRPr lang="en-US" altLang="zh-TW" dirty="0">
+              <a:latin typeface="微軟正黑體" panose="020B0604030504040204" pitchFamily="34" charset="-120"/>
+              <a:ea typeface="微軟正黑體" panose="020B0604030504040204" pitchFamily="34" charset="-120"/>
+            </a:endParaRPr>
+          </a:p>
+          <a:p>
+            <a:pPr marL="514350" indent="-514350">
+              <a:buFont typeface="+mj-lt"/>
+              <a:buAutoNum type="arabicPeriod"/>
+            </a:pPr>
+            <a:r>
+              <a:rPr lang="en-US" altLang="zh-TW" dirty="0">
+                <a:latin typeface="微軟正黑體" panose="020B0604030504040204" pitchFamily="34" charset="-120"/>
+                <a:ea typeface="微軟正黑體" panose="020B0604030504040204" pitchFamily="34" charset="-120"/>
+              </a:rPr>
+              <a:t>One-hot</a:t>
+            </a:r>
+            <a:r>
+              <a:rPr lang="zh-TW" altLang="en-US" dirty="0">
+                <a:latin typeface="微軟正黑體" panose="020B0604030504040204" pitchFamily="34" charset="-120"/>
+                <a:ea typeface="微軟正黑體" panose="020B0604030504040204" pitchFamily="34" charset="-120"/>
+              </a:rPr>
+              <a:t>表示法</a:t>
+            </a:r>
+            <a:endParaRPr lang="en-US" altLang="zh-TW" dirty="0">
+              <a:latin typeface="微軟正黑體" panose="020B0604030504040204" pitchFamily="34" charset="-120"/>
+              <a:ea typeface="微軟正黑體" panose="020B0604030504040204" pitchFamily="34" charset="-120"/>
+            </a:endParaRPr>
+          </a:p>
+          <a:p>
+            <a:pPr marL="514350" indent="-514350">
+              <a:buFont typeface="+mj-lt"/>
+              <a:buAutoNum type="arabicPeriod"/>
+            </a:pPr>
+            <a:r>
+              <a:rPr lang="zh-TW" altLang="en-US" dirty="0">
+                <a:latin typeface="微軟正黑體" panose="020B0604030504040204" pitchFamily="34" charset="-120"/>
+                <a:ea typeface="微軟正黑體" panose="020B0604030504040204" pitchFamily="34" charset="-120"/>
+              </a:rPr>
+              <a:t>離散表示法</a:t>
+            </a:r>
+            <a:endParaRPr lang="en-US" altLang="zh-TW" dirty="0">
+              <a:latin typeface="微軟正黑體" panose="020B0604030504040204" pitchFamily="34" charset="-120"/>
+              <a:ea typeface="微軟正黑體" panose="020B0604030504040204" pitchFamily="34" charset="-120"/>
+            </a:endParaRPr>
+          </a:p>
+          <a:p>
+            <a:pPr marL="514350" indent="-514350">
+              <a:buFont typeface="+mj-lt"/>
+              <a:buAutoNum type="arabicPeriod"/>
+            </a:pPr>
+            <a:r>
+              <a:rPr lang="zh-TW" altLang="en-US" dirty="0">
+                <a:latin typeface="微軟正黑體" panose="020B0604030504040204" pitchFamily="34" charset="-120"/>
+                <a:ea typeface="微軟正黑體" panose="020B0604030504040204" pitchFamily="34" charset="-120"/>
+              </a:rPr>
+              <a:t>詞嵌入表示法</a:t>
+            </a:r>
+            <a:endParaRPr lang="en-US" altLang="zh-TW" dirty="0">
+              <a:latin typeface="微軟正黑體" panose="020B0604030504040204" pitchFamily="34" charset="-120"/>
+              <a:ea typeface="微軟正黑體" panose="020B0604030504040204" pitchFamily="34" charset="-120"/>
+            </a:endParaRPr>
+          </a:p>
+          <a:p>
+            <a:pPr marL="514350" indent="-514350">
+              <a:buFont typeface="+mj-lt"/>
+              <a:buAutoNum type="arabicPeriod"/>
+            </a:pPr>
+            <a:r>
+              <a:rPr lang="zh-TW" altLang="en-US" dirty="0">
+                <a:latin typeface="微軟正黑體" panose="020B0604030504040204" pitchFamily="34" charset="-120"/>
+                <a:ea typeface="微軟正黑體" panose="020B0604030504040204" pitchFamily="34" charset="-120"/>
+              </a:rPr>
+              <a:t>詞袋表示法</a:t>
+            </a:r>
+            <a:endParaRPr lang="en-US" altLang="zh-TW" dirty="0">
+              <a:latin typeface="微軟正黑體" panose="020B0604030504040204" pitchFamily="34" charset="-120"/>
+              <a:ea typeface="微軟正黑體" panose="020B0604030504040204" pitchFamily="34" charset="-120"/>
+            </a:endParaRPr>
+          </a:p>
+        </p:txBody>
+      </p:sp>
+    </p:spTree>
+    <p:extLst>
+      <p:ext uri="{BB962C8B-B14F-4D97-AF65-F5344CB8AC3E}">
+        <p14:creationId xmlns:p14="http://schemas.microsoft.com/office/powerpoint/2010/main" val="4019875858"/>
+      </p:ext>
+    </p:extLst>
+  </p:cSld>
+  <p:clrMapOvr>
+    <a:masterClrMapping/>
+  </p:clrMapOvr>
+</p:sld>
+</file>
+
+<file path=ppt/slides/slide20.xml><?xml version="1.0" encoding="utf-8"?>
+<p:sld xmlns:a="http://schemas.openxmlformats.org/drawingml/2006/main" xmlns:r="http://schemas.openxmlformats.org/officeDocument/2006/relationships" xmlns:p="http://schemas.openxmlformats.org/presentationml/2006/main">
+  <p:cSld>
+    <p:spTree>
+      <p:nvGrpSpPr>
+        <p:cNvPr id="1" name=""/>
+        <p:cNvGrpSpPr/>
+        <p:nvPr/>
+      </p:nvGrpSpPr>
+      <p:grpSpPr>
+        <a:xfrm>
+          <a:off x="0" y="0"/>
+          <a:ext cx="0" cy="0"/>
+          <a:chOff x="0" y="0"/>
+          <a:chExt cx="0" cy="0"/>
+        </a:xfrm>
+      </p:grpSpPr>
+      <p:sp>
+        <p:nvSpPr>
+          <p:cNvPr id="2" name="標題 1">
+            <a:extLst>
+              <a:ext uri="{FF2B5EF4-FFF2-40B4-BE49-F238E27FC236}">
+                <a16:creationId xmlns:a16="http://schemas.microsoft.com/office/drawing/2014/main" id="{6E2D17FC-8E91-4D68-9E33-2E731C896C47}"/>
+              </a:ext>
+            </a:extLst>
+          </p:cNvPr>
+          <p:cNvSpPr>
+            <a:spLocks noGrp="1"/>
+          </p:cNvSpPr>
+          <p:nvPr>
+            <p:ph type="title"/>
+          </p:nvPr>
+        </p:nvSpPr>
+        <p:spPr>
+          <a:xfrm>
+            <a:off x="838200" y="365125"/>
+            <a:ext cx="10515600" cy="682839"/>
+          </a:xfrm>
+        </p:spPr>
+        <p:txBody>
+          <a:bodyPr>
+            <a:normAutofit fontScale="90000"/>
+          </a:bodyPr>
+          <a:lstStyle/>
+          <a:p>
+            <a:r>
+              <a:rPr lang="zh-TW" altLang="en-US" b="1" dirty="0">
+                <a:latin typeface="微軟正黑體" panose="020B0604030504040204" pitchFamily="34" charset="-120"/>
+                <a:ea typeface="微軟正黑體" panose="020B0604030504040204" pitchFamily="34" charset="-120"/>
+              </a:rPr>
+              <a:t>向量表示法</a:t>
+            </a:r>
+          </a:p>
+        </p:txBody>
+      </p:sp>
+      <p:sp>
+        <p:nvSpPr>
+          <p:cNvPr id="3" name="內容版面配置區 2">
+            <a:extLst>
+              <a:ext uri="{FF2B5EF4-FFF2-40B4-BE49-F238E27FC236}">
+                <a16:creationId xmlns:a16="http://schemas.microsoft.com/office/drawing/2014/main" id="{3ABFD44D-8A96-48EF-87FE-009D440D49A9}"/>
+              </a:ext>
+            </a:extLst>
+          </p:cNvPr>
+          <p:cNvSpPr>
+            <a:spLocks noGrp="1"/>
+          </p:cNvSpPr>
+          <p:nvPr>
+            <p:ph idx="1"/>
+          </p:nvPr>
+        </p:nvSpPr>
+        <p:spPr>
+          <a:xfrm>
+            <a:off x="838200" y="1202076"/>
+            <a:ext cx="10515600" cy="5363111"/>
+          </a:xfrm>
+        </p:spPr>
+        <p:txBody>
+          <a:bodyPr>
+            <a:normAutofit/>
+          </a:bodyPr>
+          <a:lstStyle/>
+          <a:p>
+            <a:pPr marL="514350" indent="-514350">
+              <a:buFont typeface="+mj-lt"/>
+              <a:buAutoNum type="arabicPeriod"/>
+            </a:pPr>
+            <a:r>
+              <a:rPr lang="zh-TW" altLang="en-US" dirty="0">
+                <a:effectLst/>
+                <a:latin typeface="微軟正黑體" panose="020B0604030504040204" pitchFamily="34" charset="-120"/>
+                <a:ea typeface="微軟正黑體" panose="020B0604030504040204" pitchFamily="34" charset="-120"/>
+                <a:cs typeface="Times New Roman" panose="02020603050405020304" pitchFamily="18" charset="0"/>
+              </a:rPr>
+              <a:t>引入「</a:t>
+            </a:r>
+            <a:r>
+              <a:rPr lang="zh-TW" altLang="zh-TW" dirty="0">
+                <a:effectLst/>
+                <a:latin typeface="微軟正黑體" panose="020B0604030504040204" pitchFamily="34" charset="-120"/>
+                <a:ea typeface="微軟正黑體" panose="020B0604030504040204" pitchFamily="34" charset="-120"/>
+                <a:cs typeface="Times New Roman" panose="02020603050405020304" pitchFamily="18" charset="0"/>
+              </a:rPr>
+              <a:t>機器學習</a:t>
+            </a:r>
+            <a:r>
+              <a:rPr lang="zh-TW" altLang="en-US" dirty="0">
+                <a:effectLst/>
+                <a:latin typeface="微軟正黑體" panose="020B0604030504040204" pitchFamily="34" charset="-120"/>
+                <a:ea typeface="微軟正黑體" panose="020B0604030504040204" pitchFamily="34" charset="-120"/>
+                <a:cs typeface="Times New Roman" panose="02020603050405020304" pitchFamily="18" charset="0"/>
+              </a:rPr>
+              <a:t>」的觀念 </a:t>
+            </a:r>
+            <a:r>
+              <a:rPr lang="en-US" altLang="zh-TW" dirty="0">
+                <a:effectLst/>
+                <a:latin typeface="微軟正黑體" panose="020B0604030504040204" pitchFamily="34" charset="-120"/>
+                <a:ea typeface="微軟正黑體" panose="020B0604030504040204" pitchFamily="34" charset="-120"/>
+                <a:cs typeface="Times New Roman" panose="02020603050405020304" pitchFamily="18" charset="0"/>
+                <a:sym typeface="Wingdings" panose="05000000000000000000" pitchFamily="2" charset="2"/>
+              </a:rPr>
+              <a:t> </a:t>
+            </a:r>
+            <a:r>
+              <a:rPr lang="zh-TW" altLang="en-US" dirty="0">
+                <a:solidFill>
+                  <a:srgbClr val="FF0000"/>
+                </a:solidFill>
+                <a:effectLst/>
+                <a:latin typeface="微軟正黑體" panose="020B0604030504040204" pitchFamily="34" charset="-120"/>
+                <a:ea typeface="微軟正黑體" panose="020B0604030504040204" pitchFamily="34" charset="-120"/>
+                <a:cs typeface="Times New Roman" panose="02020603050405020304" pitchFamily="18" charset="0"/>
+                <a:sym typeface="Wingdings" panose="05000000000000000000" pitchFamily="2" charset="2"/>
+              </a:rPr>
+              <a:t>萬物皆向量</a:t>
+            </a:r>
+            <a:endParaRPr lang="en-US" altLang="zh-TW" dirty="0">
+              <a:solidFill>
+                <a:srgbClr val="FF0000"/>
+              </a:solidFill>
+              <a:effectLst/>
+              <a:latin typeface="微軟正黑體" panose="020B0604030504040204" pitchFamily="34" charset="-120"/>
+              <a:ea typeface="微軟正黑體" panose="020B0604030504040204" pitchFamily="34" charset="-120"/>
+              <a:cs typeface="Times New Roman" panose="02020603050405020304" pitchFamily="18" charset="0"/>
+            </a:endParaRPr>
+          </a:p>
+          <a:p>
+            <a:pPr marL="514350" indent="-514350">
+              <a:buFont typeface="+mj-lt"/>
+              <a:buAutoNum type="arabicPeriod"/>
+            </a:pPr>
+            <a:r>
+              <a:rPr lang="zh-TW" altLang="zh-TW" dirty="0">
+                <a:effectLst/>
+                <a:latin typeface="微軟正黑體" panose="020B0604030504040204" pitchFamily="34" charset="-120"/>
+                <a:ea typeface="微軟正黑體" panose="020B0604030504040204" pitchFamily="34" charset="-120"/>
+                <a:cs typeface="Times New Roman" panose="02020603050405020304" pitchFamily="18" charset="0"/>
+              </a:rPr>
+              <a:t>將文字表示為向量，其中的每一維代表一個特徵</a:t>
+            </a:r>
+            <a:endParaRPr lang="en-US" altLang="zh-TW" dirty="0">
+              <a:latin typeface="微軟正黑體" panose="020B0604030504040204" pitchFamily="34" charset="-120"/>
+              <a:ea typeface="微軟正黑體" panose="020B0604030504040204" pitchFamily="34" charset="-120"/>
+              <a:cs typeface="Times New Roman" panose="02020603050405020304" pitchFamily="18" charset="0"/>
+            </a:endParaRPr>
+          </a:p>
+          <a:p>
+            <a:pPr marL="514350" indent="-514350">
+              <a:buFont typeface="+mj-lt"/>
+              <a:buAutoNum type="arabicPeriod"/>
+            </a:pPr>
+            <a:r>
+              <a:rPr lang="zh-TW" altLang="zh-TW" dirty="0">
+                <a:effectLst/>
+                <a:latin typeface="微軟正黑體" panose="020B0604030504040204" pitchFamily="34" charset="-120"/>
+                <a:ea typeface="微軟正黑體" panose="020B0604030504040204" pitchFamily="34" charset="-120"/>
+                <a:cs typeface="Times New Roman" panose="02020603050405020304" pitchFamily="18" charset="0"/>
+              </a:rPr>
+              <a:t>特徵的對應值進行加權求和</a:t>
+            </a:r>
+            <a:endParaRPr lang="en-US" altLang="zh-TW" dirty="0">
+              <a:effectLst/>
+              <a:latin typeface="微軟正黑體" panose="020B0604030504040204" pitchFamily="34" charset="-120"/>
+              <a:ea typeface="微軟正黑體" panose="020B0604030504040204" pitchFamily="34" charset="-120"/>
+              <a:cs typeface="Times New Roman" panose="02020603050405020304" pitchFamily="18" charset="0"/>
+            </a:endParaRPr>
+          </a:p>
+          <a:p>
+            <a:pPr marL="514350" indent="-514350">
+              <a:buFont typeface="+mj-lt"/>
+              <a:buAutoNum type="arabicPeriod"/>
+            </a:pPr>
+            <a:r>
+              <a:rPr lang="zh-TW" altLang="zh-TW" dirty="0">
+                <a:effectLst/>
+                <a:latin typeface="微軟正黑體" panose="020B0604030504040204" pitchFamily="34" charset="-120"/>
+                <a:ea typeface="微軟正黑體" panose="020B0604030504040204" pitchFamily="34" charset="-120"/>
+                <a:cs typeface="Times New Roman" panose="02020603050405020304" pitchFamily="18" charset="0"/>
+              </a:rPr>
+              <a:t>得到一個分數用於最終的判斷</a:t>
+            </a:r>
+            <a:endParaRPr lang="en-US" altLang="zh-TW" dirty="0">
+              <a:effectLst/>
+              <a:latin typeface="微軟正黑體" panose="020B0604030504040204" pitchFamily="34" charset="-120"/>
+              <a:ea typeface="微軟正黑體" panose="020B0604030504040204" pitchFamily="34" charset="-120"/>
+              <a:cs typeface="Times New Roman" panose="02020603050405020304" pitchFamily="18" charset="0"/>
+            </a:endParaRPr>
+          </a:p>
+          <a:p>
+            <a:pPr marL="514350" indent="-514350">
+              <a:buFont typeface="+mj-lt"/>
+              <a:buAutoNum type="arabicPeriod"/>
+            </a:pPr>
+            <a:r>
+              <a:rPr lang="zh-TW" altLang="en-US" dirty="0">
+                <a:latin typeface="微軟正黑體" panose="020B0604030504040204" pitchFamily="34" charset="-120"/>
+                <a:ea typeface="微軟正黑體" panose="020B0604030504040204" pitchFamily="34" charset="-120"/>
+              </a:rPr>
+              <a:t>特徵的取樣沒有一定形式，如權重、詞頻、在詞表中位置，甚至是</a:t>
+            </a:r>
+            <a:r>
+              <a:rPr lang="zh-TW" altLang="en-US" b="1" dirty="0">
+                <a:solidFill>
+                  <a:srgbClr val="FF0000"/>
+                </a:solidFill>
+                <a:latin typeface="微軟正黑體" panose="020B0604030504040204" pitchFamily="34" charset="-120"/>
+                <a:ea typeface="微軟正黑體" panose="020B0604030504040204" pitchFamily="34" charset="-120"/>
+              </a:rPr>
+              <a:t>「筆劃數」、「佔用紙張面積」</a:t>
+            </a:r>
+            <a:r>
+              <a:rPr lang="zh-TW" altLang="en-US" dirty="0">
+                <a:latin typeface="微軟正黑體" panose="020B0604030504040204" pitchFamily="34" charset="-120"/>
+                <a:ea typeface="微軟正黑體" panose="020B0604030504040204" pitchFamily="34" charset="-120"/>
+              </a:rPr>
+              <a:t>等完全無意義的數值，均可作為向量或向量的特徵之一</a:t>
+            </a:r>
+            <a:endParaRPr lang="en-US" altLang="zh-TW" dirty="0">
+              <a:latin typeface="微軟正黑體" panose="020B0604030504040204" pitchFamily="34" charset="-120"/>
+              <a:ea typeface="微軟正黑體" panose="020B0604030504040204" pitchFamily="34" charset="-120"/>
+            </a:endParaRPr>
+          </a:p>
+        </p:txBody>
+      </p:sp>
+    </p:spTree>
+    <p:extLst>
+      <p:ext uri="{BB962C8B-B14F-4D97-AF65-F5344CB8AC3E}">
+        <p14:creationId xmlns:p14="http://schemas.microsoft.com/office/powerpoint/2010/main" val="4255119008"/>
+      </p:ext>
+    </p:extLst>
+  </p:cSld>
+  <p:clrMapOvr>
+    <a:masterClrMapping/>
+  </p:clrMapOvr>
+</p:sld>
+</file>
+
+<file path=ppt/slides/slide21.xml><?xml version="1.0" encoding="utf-8"?>
 <p:sld xmlns:a="http://schemas.openxmlformats.org/drawingml/2006/main" xmlns:r="http://schemas.openxmlformats.org/officeDocument/2006/relationships" xmlns:p="http://schemas.openxmlformats.org/presentationml/2006/main">
   <p:cSld>
     <p:spTree>
@@ -4684,7 +6388,7 @@
 </p:sld>
 </file>
 
-<file path=ppt/slides/slide13.xml><?xml version="1.0" encoding="utf-8"?>
+<file path=ppt/slides/slide22.xml><?xml version="1.0" encoding="utf-8"?>
 <p:sld xmlns:a="http://schemas.openxmlformats.org/drawingml/2006/main" xmlns:r="http://schemas.openxmlformats.org/officeDocument/2006/relationships" xmlns:p="http://schemas.openxmlformats.org/presentationml/2006/main">
   <p:cSld>
     <p:spTree>
@@ -4820,7 +6524,7 @@
                 <a:ea typeface="微軟正黑體" panose="020B0604030504040204" pitchFamily="34" charset="-120"/>
                 <a:cs typeface="Times New Roman" panose="02020603050405020304" pitchFamily="18" charset="0"/>
               </a:rPr>
-              <a:t>還可以用於計算兩個文字之間的相似度</a:t>
+              <a:t>用餘弦函數等度量函數表示兩個向量之間的相似度</a:t>
             </a:r>
             <a:endParaRPr lang="en-US" altLang="zh-TW" dirty="0">
               <a:effectLst/>
@@ -4841,41 +6545,17 @@
                 <a:ea typeface="微軟正黑體" panose="020B0604030504040204" pitchFamily="34" charset="-120"/>
                 <a:cs typeface="Times New Roman" panose="02020603050405020304" pitchFamily="18" charset="0"/>
               </a:rPr>
-              <a:t>用餘弦函數等度量函數表示兩個向量之間的相似度</a:t>
-            </a:r>
-            <a:endParaRPr lang="en-US" altLang="zh-TW" dirty="0">
-              <a:effectLst/>
-              <a:latin typeface="微軟正黑體" panose="020B0604030504040204" pitchFamily="34" charset="-120"/>
-              <a:ea typeface="微軟正黑體" panose="020B0604030504040204" pitchFamily="34" charset="-120"/>
-              <a:cs typeface="Times New Roman" panose="02020603050405020304" pitchFamily="18" charset="0"/>
-            </a:endParaRPr>
-          </a:p>
-          <a:p>
-            <a:pPr marL="514350" indent="-514350">
-              <a:buFont typeface="+mj-lt"/>
-              <a:buAutoNum type="arabicPeriod"/>
-            </a:pPr>
-            <a:r>
-              <a:rPr lang="zh-TW" altLang="zh-TW" dirty="0">
-                <a:effectLst/>
-                <a:latin typeface="微軟正黑體" panose="020B0604030504040204" pitchFamily="34" charset="-120"/>
-                <a:ea typeface="微軟正黑體" panose="020B0604030504040204" pitchFamily="34" charset="-120"/>
-                <a:cs typeface="Times New Roman" panose="02020603050405020304" pitchFamily="18" charset="0"/>
-              </a:rPr>
               <a:t>應用於資訊檢索等任務</a:t>
             </a:r>
-            <a:endParaRPr lang="en-US" altLang="zh-TW" dirty="0">
-              <a:effectLst/>
-              <a:latin typeface="微軟正黑體" panose="020B0604030504040204" pitchFamily="34" charset="-120"/>
-              <a:ea typeface="微軟正黑體" panose="020B0604030504040204" pitchFamily="34" charset="-120"/>
-              <a:cs typeface="Times New Roman" panose="02020603050405020304" pitchFamily="18" charset="0"/>
-            </a:endParaRPr>
-          </a:p>
-          <a:p>
-            <a:pPr marL="514350" indent="-514350">
-              <a:buFont typeface="+mj-lt"/>
-              <a:buAutoNum type="arabicPeriod"/>
-            </a:pPr>
+            <a:r>
+              <a:rPr lang="zh-TW" altLang="en-US" dirty="0">
+                <a:effectLst/>
+                <a:latin typeface="微軟正黑體" panose="020B0604030504040204" pitchFamily="34" charset="-120"/>
+                <a:ea typeface="微軟正黑體" panose="020B0604030504040204" pitchFamily="34" charset="-120"/>
+                <a:cs typeface="Times New Roman" panose="02020603050405020304" pitchFamily="18" charset="0"/>
+              </a:rPr>
+              <a:t>，</a:t>
+            </a:r>
             <a:r>
               <a:rPr lang="en-US" altLang="zh-TW" dirty="0">
                 <a:latin typeface="微軟正黑體" panose="020B0604030504040204" pitchFamily="34" charset="-120"/>
@@ -4890,7 +6570,23 @@
                 <a:ea typeface="微軟正黑體" panose="020B0604030504040204" pitchFamily="34" charset="-120"/>
                 <a:cs typeface="Times New Roman" panose="02020603050405020304" pitchFamily="18" charset="0"/>
               </a:rPr>
-              <a:t>早就不用文字搜尋了，早就使用詞向量表示</a:t>
+              <a:t>早就不用</a:t>
+            </a:r>
+            <a:r>
+              <a:rPr lang="en-US" altLang="zh-TW" dirty="0">
+                <a:latin typeface="微軟正黑體" panose="020B0604030504040204" pitchFamily="34" charset="-120"/>
+                <a:ea typeface="微軟正黑體" panose="020B0604030504040204" pitchFamily="34" charset="-120"/>
+                <a:cs typeface="Times New Roman" panose="02020603050405020304" pitchFamily="18" charset="0"/>
+              </a:rPr>
+              <a:t>keyword</a:t>
+            </a:r>
+            <a:r>
+              <a:rPr lang="zh-TW" altLang="en-US" dirty="0">
+                <a:latin typeface="微軟正黑體" panose="020B0604030504040204" pitchFamily="34" charset="-120"/>
+                <a:ea typeface="微軟正黑體" panose="020B0604030504040204" pitchFamily="34" charset="-120"/>
+                <a:cs typeface="Times New Roman" panose="02020603050405020304" pitchFamily="18" charset="0"/>
+              </a:rPr>
+              <a:t>搜尋，使用詞向量表示</a:t>
             </a:r>
             <a:endParaRPr lang="en-US" altLang="zh-TW" dirty="0">
               <a:latin typeface="微軟正黑體" panose="020B0604030504040204" pitchFamily="34" charset="-120"/>
@@ -4912,7 +6608,7 @@
 </p:sld>
 </file>
 
-<file path=ppt/slides/slide14.xml><?xml version="1.0" encoding="utf-8"?>
+<file path=ppt/slides/slide23.xml><?xml version="1.0" encoding="utf-8"?>
 <p:sld xmlns:a="http://schemas.openxmlformats.org/drawingml/2006/main" xmlns:r="http://schemas.openxmlformats.org/officeDocument/2006/relationships" xmlns:p="http://schemas.openxmlformats.org/presentationml/2006/main">
   <p:cSld>
     <p:spTree>
@@ -4978,7 +6674,201 @@
 </p:sld>
 </file>
 
-<file path=ppt/slides/slide15.xml><?xml version="1.0" encoding="utf-8"?>
+<file path=ppt/slides/slide24.xml><?xml version="1.0" encoding="utf-8"?>
+<p:sld xmlns:a="http://schemas.openxmlformats.org/drawingml/2006/main" xmlns:r="http://schemas.openxmlformats.org/officeDocument/2006/relationships" xmlns:p="http://schemas.openxmlformats.org/presentationml/2006/main">
+  <p:cSld>
+    <p:spTree>
+      <p:nvGrpSpPr>
+        <p:cNvPr id="1" name=""/>
+        <p:cNvGrpSpPr/>
+        <p:nvPr/>
+      </p:nvGrpSpPr>
+      <p:grpSpPr>
+        <a:xfrm>
+          <a:off x="0" y="0"/>
+          <a:ext cx="0" cy="0"/>
+          <a:chOff x="0" y="0"/>
+          <a:chExt cx="0" cy="0"/>
+        </a:xfrm>
+      </p:grpSpPr>
+      <p:sp>
+        <p:nvSpPr>
+          <p:cNvPr id="2" name="標題 1"/>
+          <p:cNvSpPr>
+            <a:spLocks noGrp="1"/>
+          </p:cNvSpPr>
+          <p:nvPr>
+            <p:ph type="ctrTitle"/>
+          </p:nvPr>
+        </p:nvSpPr>
+        <p:spPr>
+          <a:xfrm>
+            <a:off x="2279576" y="2492897"/>
+            <a:ext cx="7772400" cy="1470025"/>
+          </a:xfrm>
+        </p:spPr>
+        <p:txBody>
+          <a:bodyPr/>
+          <a:lstStyle/>
+          <a:p>
+            <a:r>
+              <a:rPr lang="en-US" altLang="zh-TW" b="1" dirty="0"/>
+              <a:t>One-hot encoding</a:t>
+            </a:r>
+            <a:endParaRPr lang="zh-TW" altLang="en-US" b="1" dirty="0"/>
+          </a:p>
+        </p:txBody>
+      </p:sp>
+    </p:spTree>
+    <p:extLst>
+      <p:ext uri="{BB962C8B-B14F-4D97-AF65-F5344CB8AC3E}">
+        <p14:creationId xmlns:p14="http://schemas.microsoft.com/office/powerpoint/2010/main" val="4170959051"/>
+      </p:ext>
+    </p:extLst>
+  </p:cSld>
+  <p:clrMapOvr>
+    <a:masterClrMapping/>
+  </p:clrMapOvr>
+</p:sld>
+</file>
+
+<file path=ppt/slides/slide25.xml><?xml version="1.0" encoding="utf-8"?>
+<p:sld xmlns:a="http://schemas.openxmlformats.org/drawingml/2006/main" xmlns:r="http://schemas.openxmlformats.org/officeDocument/2006/relationships" xmlns:p="http://schemas.openxmlformats.org/presentationml/2006/main">
+  <p:cSld>
+    <p:spTree>
+      <p:nvGrpSpPr>
+        <p:cNvPr id="1" name=""/>
+        <p:cNvGrpSpPr/>
+        <p:nvPr/>
+      </p:nvGrpSpPr>
+      <p:grpSpPr>
+        <a:xfrm>
+          <a:off x="0" y="0"/>
+          <a:ext cx="0" cy="0"/>
+          <a:chOff x="0" y="0"/>
+          <a:chExt cx="0" cy="0"/>
+        </a:xfrm>
+      </p:grpSpPr>
+      <p:sp>
+        <p:nvSpPr>
+          <p:cNvPr id="2" name="標題 1"/>
+          <p:cNvSpPr>
+            <a:spLocks noGrp="1"/>
+          </p:cNvSpPr>
+          <p:nvPr>
+            <p:ph type="title"/>
+          </p:nvPr>
+        </p:nvSpPr>
+        <p:spPr/>
+        <p:txBody>
+          <a:bodyPr/>
+          <a:lstStyle/>
+          <a:p>
+            <a:r>
+              <a:rPr lang="en-US" altLang="zh-TW" b="1" dirty="0"/>
+              <a:t>One-Hot representation</a:t>
+            </a:r>
+            <a:endParaRPr lang="zh-TW" altLang="en-US" b="1" dirty="0"/>
+          </a:p>
+        </p:txBody>
+      </p:sp>
+      <p:sp>
+        <p:nvSpPr>
+          <p:cNvPr id="3" name="內容版面配置區 2"/>
+          <p:cNvSpPr>
+            <a:spLocks noGrp="1"/>
+          </p:cNvSpPr>
+          <p:nvPr>
+            <p:ph idx="1"/>
+          </p:nvPr>
+        </p:nvSpPr>
+        <p:spPr/>
+        <p:txBody>
+          <a:bodyPr/>
+          <a:lstStyle/>
+          <a:p>
+            <a:r>
+              <a:rPr lang="zh-TW" altLang="en-US" dirty="0"/>
+              <a:t>每一個字都是一個很長的向量</a:t>
+            </a:r>
+            <a:endParaRPr lang="en-US" altLang="zh-TW" dirty="0"/>
+          </a:p>
+          <a:p>
+            <a:r>
+              <a:rPr lang="zh-TW" altLang="en-US" dirty="0"/>
+              <a:t>維度是我們手中擁有的詞數量</a:t>
+            </a:r>
+            <a:endParaRPr lang="en-US" altLang="zh-TW" dirty="0"/>
+          </a:p>
+          <a:p>
+            <a:r>
+              <a:rPr lang="zh-TW" altLang="en-US" b="1" dirty="0"/>
+              <a:t>每個有效維度上的值都是</a:t>
+            </a:r>
+            <a:r>
+              <a:rPr lang="en-US" altLang="zh-TW" b="1" dirty="0"/>
+              <a:t>1</a:t>
+            </a:r>
+          </a:p>
+          <a:p>
+            <a:r>
+              <a:rPr lang="zh-TW" altLang="en-US" b="1" dirty="0"/>
+              <a:t>每個無效維度上的值都是</a:t>
+            </a:r>
+            <a:r>
+              <a:rPr lang="en-US" altLang="zh-TW" b="1" dirty="0"/>
+              <a:t>0</a:t>
+            </a:r>
+          </a:p>
+          <a:p>
+            <a:r>
+              <a:rPr lang="zh-TW" altLang="en-US" b="1" dirty="0"/>
+              <a:t>所有向量均互相垂直</a:t>
+            </a:r>
+            <a:endParaRPr lang="en-US" altLang="zh-TW" b="1" dirty="0"/>
+          </a:p>
+          <a:p>
+            <a:r>
+              <a:rPr lang="zh-TW" altLang="en-US" dirty="0"/>
+              <a:t>這麼簡潔的表示方法配合上最大熵、</a:t>
+            </a:r>
+            <a:r>
+              <a:rPr lang="en-US" altLang="zh-TW" dirty="0"/>
+              <a:t>SVM</a:t>
+            </a:r>
+            <a:r>
+              <a:rPr lang="zh-TW" altLang="en-US" dirty="0"/>
+              <a:t>、</a:t>
+            </a:r>
+            <a:r>
+              <a:rPr lang="en-US" altLang="zh-TW" dirty="0"/>
+              <a:t>CRF </a:t>
+            </a:r>
+            <a:r>
+              <a:rPr lang="zh-TW" altLang="en-US" dirty="0"/>
+              <a:t>等等算法已經很好地完成了</a:t>
+            </a:r>
+            <a:r>
+              <a:rPr lang="en-US" altLang="zh-TW" dirty="0"/>
+              <a:t>NLP </a:t>
+            </a:r>
+            <a:r>
+              <a:rPr lang="zh-TW" altLang="en-US" dirty="0"/>
+              <a:t>領域的各種主流任務。</a:t>
+            </a:r>
+            <a:endParaRPr lang="en-US" altLang="zh-TW" b="1" dirty="0"/>
+          </a:p>
+        </p:txBody>
+      </p:sp>
+    </p:spTree>
+  </p:cSld>
+  <p:clrMapOvr>
+    <a:masterClrMapping/>
+  </p:clrMapOvr>
+</p:sld>
+</file>
+
+<file path=ppt/slides/slide26.xml><?xml version="1.0" encoding="utf-8"?>
 <p:sld xmlns:a="http://schemas.openxmlformats.org/drawingml/2006/main" xmlns:r="http://schemas.openxmlformats.org/officeDocument/2006/relationships" xmlns:p="http://schemas.openxmlformats.org/presentationml/2006/main">
   <p:cSld>
     <p:spTree>
@@ -5322,7 +7212,87 @@
 </p:sld>
 </file>
 
-<file path=ppt/slides/slide16.xml><?xml version="1.0" encoding="utf-8"?>
+<file path=ppt/slides/slide27.xml><?xml version="1.0" encoding="utf-8"?>
+<p:sld xmlns:a="http://schemas.openxmlformats.org/drawingml/2006/main" xmlns:r="http://schemas.openxmlformats.org/officeDocument/2006/relationships" xmlns:p="http://schemas.openxmlformats.org/presentationml/2006/main">
+  <p:cSld>
+    <p:spTree>
+      <p:nvGrpSpPr>
+        <p:cNvPr id="1" name=""/>
+        <p:cNvGrpSpPr/>
+        <p:nvPr/>
+      </p:nvGrpSpPr>
+      <p:grpSpPr>
+        <a:xfrm>
+          <a:off x="0" y="0"/>
+          <a:ext cx="0" cy="0"/>
+          <a:chOff x="0" y="0"/>
+          <a:chExt cx="0" cy="0"/>
+        </a:xfrm>
+      </p:grpSpPr>
+      <p:sp>
+        <p:nvSpPr>
+          <p:cNvPr id="2" name="標題 1"/>
+          <p:cNvSpPr>
+            <a:spLocks noGrp="1"/>
+          </p:cNvSpPr>
+          <p:nvPr>
+            <p:ph type="title"/>
+          </p:nvPr>
+        </p:nvSpPr>
+        <p:spPr/>
+        <p:txBody>
+          <a:bodyPr/>
+          <a:lstStyle/>
+          <a:p>
+            <a:r>
+              <a:rPr lang="en-US" altLang="zh-TW" b="1" dirty="0"/>
+              <a:t>One-Hot representation</a:t>
+            </a:r>
+            <a:endParaRPr lang="zh-TW" altLang="en-US" b="1" dirty="0"/>
+          </a:p>
+        </p:txBody>
+      </p:sp>
+      <p:pic>
+        <p:nvPicPr>
+          <p:cNvPr id="4098" name="Picture 2"/>
+          <p:cNvPicPr>
+            <a:picLocks noChangeAspect="1" noChangeArrowheads="1"/>
+          </p:cNvPicPr>
+          <p:nvPr/>
+        </p:nvPicPr>
+        <p:blipFill>
+          <a:blip r:embed="rId2" cstate="print"/>
+          <a:srcRect/>
+          <a:stretch>
+            <a:fillRect/>
+          </a:stretch>
+        </p:blipFill>
+        <p:spPr bwMode="auto">
+          <a:xfrm>
+            <a:off x="3647728" y="1700808"/>
+            <a:ext cx="4464496" cy="4084248"/>
+          </a:xfrm>
+          <a:prstGeom prst="rect">
+            <a:avLst/>
+          </a:prstGeom>
+          <a:noFill/>
+          <a:ln w="9525">
+            <a:noFill/>
+            <a:miter lim="800000"/>
+            <a:headEnd/>
+            <a:tailEnd/>
+          </a:ln>
+        </p:spPr>
+      </p:pic>
+    </p:spTree>
+  </p:cSld>
+  <p:clrMapOvr>
+    <a:masterClrMapping/>
+  </p:clrMapOvr>
+</p:sld>
+</file>
+
+<file path=ppt/slides/slide28.xml><?xml version="1.0" encoding="utf-8"?>
 <p:sld xmlns:a="http://schemas.openxmlformats.org/drawingml/2006/main" xmlns:r="http://schemas.openxmlformats.org/officeDocument/2006/relationships" xmlns:p="http://schemas.openxmlformats.org/presentationml/2006/main">
   <p:cSld>
     <p:spTree>
@@ -5791,7 +7761,7 @@
 </p:sld>
 </file>
 
-<file path=ppt/slides/slide17.xml><?xml version="1.0" encoding="utf-8"?>
+<file path=ppt/slides/slide29.xml><?xml version="1.0" encoding="utf-8"?>
 <p:sld xmlns:a="http://schemas.openxmlformats.org/drawingml/2006/main" xmlns:r="http://schemas.openxmlformats.org/officeDocument/2006/relationships" xmlns:p="http://schemas.openxmlformats.org/presentationml/2006/main">
   <p:cSld>
     <p:spTree>
@@ -6157,7 +8127,7 @@
 </p:sld>
 </file>
 
-<file path=ppt/slides/slide18.xml><?xml version="1.0" encoding="utf-8"?>
+<file path=ppt/slides/slide3.xml><?xml version="1.0" encoding="utf-8"?>
 <p:sld xmlns:a="http://schemas.openxmlformats.org/drawingml/2006/main" xmlns:r="http://schemas.openxmlformats.org/officeDocument/2006/relationships" xmlns:p="http://schemas.openxmlformats.org/presentationml/2006/main">
   <p:cSld>
     <p:spTree>
@@ -6179,7 +8149,7 @@
           <p:cNvPr id="2" name="標題 1">
             <a:extLst>
               <a:ext uri="{FF2B5EF4-FFF2-40B4-BE49-F238E27FC236}">
-                <a16:creationId xmlns:a16="http://schemas.microsoft.com/office/drawing/2014/main" id="{6E2D17FC-8E91-4D68-9E33-2E731C896C47}"/>
+                <a16:creationId xmlns:a16="http://schemas.microsoft.com/office/drawing/2014/main" id="{619027ED-4718-4571-A3BC-DADBFFD055DE}"/>
               </a:ext>
             </a:extLst>
           </p:cNvPr>
@@ -6187,283 +8157,33 @@
             <a:spLocks noGrp="1"/>
           </p:cNvSpPr>
           <p:nvPr>
-            <p:ph type="title"/>
+            <p:ph type="ctrTitle"/>
           </p:nvPr>
         </p:nvSpPr>
         <p:spPr>
           <a:xfrm>
-            <a:off x="838200" y="365125"/>
-            <a:ext cx="10515600" cy="682839"/>
+            <a:off x="1524000" y="2712376"/>
+            <a:ext cx="9144000" cy="1270197"/>
           </a:xfrm>
         </p:spPr>
         <p:txBody>
-          <a:bodyPr>
-            <a:normAutofit fontScale="90000"/>
-          </a:bodyPr>
+          <a:bodyPr/>
           <a:lstStyle/>
           <a:p>
             <a:r>
-              <a:rPr lang="zh-TW" altLang="en-US" b="1" dirty="0">
-                <a:latin typeface="微軟正黑體" panose="020B0604030504040204" pitchFamily="34" charset="-120"/>
-                <a:ea typeface="微軟正黑體" panose="020B0604030504040204" pitchFamily="34" charset="-120"/>
-              </a:rPr>
-              <a:t>獨熱碼問題的解決</a:t>
-            </a:r>
-          </a:p>
-        </p:txBody>
-      </p:sp>
-      <p:sp>
-        <p:nvSpPr>
-          <p:cNvPr id="3" name="內容版面配置區 2">
-            <a:extLst>
-              <a:ext uri="{FF2B5EF4-FFF2-40B4-BE49-F238E27FC236}">
-                <a16:creationId xmlns:a16="http://schemas.microsoft.com/office/drawing/2014/main" id="{3ABFD44D-8A96-48EF-87FE-009D440D49A9}"/>
-              </a:ext>
-            </a:extLst>
-          </p:cNvPr>
-          <p:cNvSpPr>
-            <a:spLocks noGrp="1"/>
-          </p:cNvSpPr>
-          <p:nvPr>
-            <p:ph idx="1"/>
-          </p:nvPr>
-        </p:nvSpPr>
-        <p:spPr>
-          <a:xfrm>
-            <a:off x="838200" y="1202076"/>
-            <a:ext cx="10515600" cy="5363111"/>
-          </a:xfrm>
-        </p:spPr>
-        <p:txBody>
-          <a:bodyPr>
-            <a:noAutofit/>
-          </a:bodyPr>
-          <a:lstStyle/>
-          <a:p>
-            <a:pPr marL="514350" indent="-514350">
-              <a:buFont typeface="+mj-lt"/>
-              <a:buAutoNum type="arabicPeriod"/>
-            </a:pPr>
-            <a:r>
-              <a:rPr lang="zh-TW" altLang="zh-TW" dirty="0">
-                <a:effectLst/>
-                <a:latin typeface="微軟正黑體" panose="020B0604030504040204" pitchFamily="34" charset="-120"/>
-                <a:ea typeface="微軟正黑體" panose="020B0604030504040204" pitchFamily="34" charset="-120"/>
-                <a:cs typeface="Times New Roman" panose="02020603050405020304" pitchFamily="18" charset="0"/>
-              </a:rPr>
-              <a:t>提取更多和詞相關的泛化特徵</a:t>
-            </a:r>
-            <a:endParaRPr lang="en-US" altLang="zh-TW" dirty="0">
-              <a:effectLst/>
-              <a:latin typeface="微軟正黑體" panose="020B0604030504040204" pitchFamily="34" charset="-120"/>
-              <a:ea typeface="微軟正黑體" panose="020B0604030504040204" pitchFamily="34" charset="-120"/>
-              <a:cs typeface="Times New Roman" panose="02020603050405020304" pitchFamily="18" charset="0"/>
-            </a:endParaRPr>
-          </a:p>
-          <a:p>
-            <a:pPr marL="514350" indent="-514350">
-              <a:buFont typeface="+mj-lt"/>
-              <a:buAutoNum type="arabicPeriod"/>
-            </a:pPr>
-            <a:r>
-              <a:rPr lang="zh-TW" altLang="zh-TW" dirty="0">
-                <a:effectLst/>
-                <a:latin typeface="微軟正黑體" panose="020B0604030504040204" pitchFamily="34" charset="-120"/>
-                <a:ea typeface="微軟正黑體" panose="020B0604030504040204" pitchFamily="34" charset="-120"/>
-                <a:cs typeface="Times New Roman" panose="02020603050405020304" pitchFamily="18" charset="0"/>
-              </a:rPr>
-              <a:t>詞性特徵、詞義特徵和詞聚類特徵</a:t>
-            </a:r>
-            <a:endParaRPr lang="en-US" altLang="zh-TW" dirty="0">
-              <a:latin typeface="微軟正黑體" panose="020B0604030504040204" pitchFamily="34" charset="-120"/>
-              <a:ea typeface="微軟正黑體" panose="020B0604030504040204" pitchFamily="34" charset="-120"/>
-              <a:cs typeface="Times New Roman" panose="02020603050405020304" pitchFamily="18" charset="0"/>
-            </a:endParaRPr>
-          </a:p>
-          <a:p>
-            <a:pPr marL="514350" indent="-514350">
-              <a:buFont typeface="+mj-lt"/>
-              <a:buAutoNum type="arabicPeriod"/>
-            </a:pPr>
-            <a:r>
-              <a:rPr lang="zh-TW" altLang="zh-TW" dirty="0">
-                <a:effectLst/>
-                <a:latin typeface="微軟正黑體" panose="020B0604030504040204" pitchFamily="34" charset="-120"/>
-                <a:ea typeface="微軟正黑體" panose="020B0604030504040204" pitchFamily="34" charset="-120"/>
-                <a:cs typeface="Times New Roman" panose="02020603050405020304" pitchFamily="18" charset="0"/>
-              </a:rPr>
-              <a:t>透過引入</a:t>
-            </a:r>
-            <a:r>
-              <a:rPr lang="en-US" altLang="zh-TW" dirty="0">
-                <a:effectLst/>
-                <a:latin typeface="微軟正黑體" panose="020B0604030504040204" pitchFamily="34" charset="-120"/>
-                <a:ea typeface="微軟正黑體" panose="020B0604030504040204" pitchFamily="34" charset="-120"/>
-                <a:cs typeface="Times New Roman" panose="02020603050405020304" pitchFamily="18" charset="0"/>
-              </a:rPr>
-              <a:t>WordNet</a:t>
-            </a:r>
-            <a:r>
-              <a:rPr lang="zh-TW" altLang="zh-TW" dirty="0">
-                <a:effectLst/>
-                <a:latin typeface="微軟正黑體" panose="020B0604030504040204" pitchFamily="34" charset="-120"/>
-                <a:ea typeface="微軟正黑體" panose="020B0604030504040204" pitchFamily="34" charset="-120"/>
-                <a:cs typeface="Times New Roman" panose="02020603050405020304" pitchFamily="18" charset="0"/>
-              </a:rPr>
-              <a:t>等語義詞典，可以獲知</a:t>
-            </a:r>
-            <a:r>
-              <a:rPr lang="en-US" altLang="zh-TW" dirty="0">
-                <a:effectLst/>
-                <a:latin typeface="微軟正黑體" panose="020B0604030504040204" pitchFamily="34" charset="-120"/>
-                <a:ea typeface="微軟正黑體" panose="020B0604030504040204" pitchFamily="34" charset="-120"/>
-                <a:cs typeface="Times New Roman" panose="02020603050405020304" pitchFamily="18" charset="0"/>
-              </a:rPr>
-              <a:t>“</a:t>
-            </a:r>
-            <a:r>
-              <a:rPr lang="zh-TW" altLang="zh-TW" dirty="0">
-                <a:effectLst/>
-                <a:latin typeface="微軟正黑體" panose="020B0604030504040204" pitchFamily="34" charset="-120"/>
-                <a:ea typeface="微軟正黑體" panose="020B0604030504040204" pitchFamily="34" charset="-120"/>
-                <a:cs typeface="Times New Roman" panose="02020603050405020304" pitchFamily="18" charset="0"/>
-              </a:rPr>
-              <a:t>漂亮</a:t>
-            </a:r>
-            <a:r>
-              <a:rPr lang="en-US" altLang="zh-TW" dirty="0">
-                <a:effectLst/>
-                <a:latin typeface="微軟正黑體" panose="020B0604030504040204" pitchFamily="34" charset="-120"/>
-                <a:ea typeface="微軟正黑體" panose="020B0604030504040204" pitchFamily="34" charset="-120"/>
-                <a:cs typeface="Times New Roman" panose="02020603050405020304" pitchFamily="18" charset="0"/>
-              </a:rPr>
-              <a:t>”</a:t>
-            </a:r>
-            <a:r>
-              <a:rPr lang="zh-TW" altLang="zh-TW" dirty="0">
-                <a:effectLst/>
-                <a:latin typeface="微軟正黑體" panose="020B0604030504040204" pitchFamily="34" charset="-120"/>
-                <a:ea typeface="微軟正黑體" panose="020B0604030504040204" pitchFamily="34" charset="-120"/>
-                <a:cs typeface="Times New Roman" panose="02020603050405020304" pitchFamily="18" charset="0"/>
-              </a:rPr>
-              <a:t>和</a:t>
-            </a:r>
-            <a:r>
-              <a:rPr lang="en-US" altLang="zh-TW" dirty="0">
-                <a:effectLst/>
-                <a:latin typeface="微軟正黑體" panose="020B0604030504040204" pitchFamily="34" charset="-120"/>
-                <a:ea typeface="微軟正黑體" panose="020B0604030504040204" pitchFamily="34" charset="-120"/>
-                <a:cs typeface="Times New Roman" panose="02020603050405020304" pitchFamily="18" charset="0"/>
-              </a:rPr>
-              <a:t>“</a:t>
-            </a:r>
-            <a:r>
-              <a:rPr lang="zh-TW" altLang="zh-TW" dirty="0">
-                <a:effectLst/>
-                <a:latin typeface="微軟正黑體" panose="020B0604030504040204" pitchFamily="34" charset="-120"/>
-                <a:ea typeface="微軟正黑體" panose="020B0604030504040204" pitchFamily="34" charset="-120"/>
-                <a:cs typeface="Times New Roman" panose="02020603050405020304" pitchFamily="18" charset="0"/>
-              </a:rPr>
-              <a:t>美麗</a:t>
-            </a:r>
-            <a:r>
-              <a:rPr lang="en-US" altLang="zh-TW" dirty="0">
-                <a:effectLst/>
-                <a:latin typeface="微軟正黑體" panose="020B0604030504040204" pitchFamily="34" charset="-120"/>
-                <a:ea typeface="微軟正黑體" panose="020B0604030504040204" pitchFamily="34" charset="-120"/>
-                <a:cs typeface="Times New Roman" panose="02020603050405020304" pitchFamily="18" charset="0"/>
-              </a:rPr>
-              <a:t>”</a:t>
-            </a:r>
-            <a:r>
-              <a:rPr lang="zh-TW" altLang="zh-TW" dirty="0">
-                <a:effectLst/>
-                <a:latin typeface="微軟正黑體" panose="020B0604030504040204" pitchFamily="34" charset="-120"/>
-                <a:ea typeface="微軟正黑體" panose="020B0604030504040204" pitchFamily="34" charset="-120"/>
-                <a:cs typeface="Times New Roman" panose="02020603050405020304" pitchFamily="18" charset="0"/>
-              </a:rPr>
-              <a:t>是同義字</a:t>
-            </a:r>
-            <a:endParaRPr lang="en-US" altLang="zh-TW" dirty="0">
-              <a:effectLst/>
-              <a:latin typeface="微軟正黑體" panose="020B0604030504040204" pitchFamily="34" charset="-120"/>
-              <a:ea typeface="微軟正黑體" panose="020B0604030504040204" pitchFamily="34" charset="-120"/>
-              <a:cs typeface="Times New Roman" panose="02020603050405020304" pitchFamily="18" charset="0"/>
-            </a:endParaRPr>
-          </a:p>
-          <a:p>
-            <a:pPr marL="514350" indent="-514350">
-              <a:buFont typeface="+mj-lt"/>
-              <a:buAutoNum type="arabicPeriod"/>
-            </a:pPr>
-            <a:r>
-              <a:rPr lang="zh-TW" altLang="zh-TW" dirty="0">
-                <a:effectLst/>
-                <a:latin typeface="微軟正黑體" panose="020B0604030504040204" pitchFamily="34" charset="-120"/>
-                <a:ea typeface="微軟正黑體" panose="020B0604030504040204" pitchFamily="34" charset="-120"/>
-                <a:cs typeface="Times New Roman" panose="02020603050405020304" pitchFamily="18" charset="0"/>
-              </a:rPr>
-              <a:t>引入它們的共同語義資訊作為新的額外特徵</a:t>
-            </a:r>
-            <a:endParaRPr lang="en-US" altLang="zh-TW" dirty="0">
-              <a:effectLst/>
-              <a:latin typeface="微軟正黑體" panose="020B0604030504040204" pitchFamily="34" charset="-120"/>
-              <a:ea typeface="微軟正黑體" panose="020B0604030504040204" pitchFamily="34" charset="-120"/>
-              <a:cs typeface="Times New Roman" panose="02020603050405020304" pitchFamily="18" charset="0"/>
-            </a:endParaRPr>
-          </a:p>
-          <a:p>
-            <a:pPr marL="514350" indent="-514350">
-              <a:buFont typeface="+mj-lt"/>
-              <a:buAutoNum type="arabicPeriod"/>
-            </a:pPr>
-            <a:r>
-              <a:rPr lang="zh-TW" altLang="zh-TW" dirty="0">
-                <a:effectLst/>
-                <a:latin typeface="微軟正黑體" panose="020B0604030504040204" pitchFamily="34" charset="-120"/>
-                <a:ea typeface="微軟正黑體" panose="020B0604030504040204" pitchFamily="34" charset="-120"/>
-                <a:cs typeface="Times New Roman" panose="02020603050405020304" pitchFamily="18" charset="0"/>
-              </a:rPr>
-              <a:t>傳統機器學習方法解決自然語言處理問題時，</a:t>
-            </a:r>
-            <a:r>
               <a:rPr lang="zh-TW" altLang="en-US" dirty="0">
-                <a:effectLst/>
-                <a:latin typeface="微軟正黑體" panose="020B0604030504040204" pitchFamily="34" charset="-120"/>
-                <a:ea typeface="微軟正黑體" panose="020B0604030504040204" pitchFamily="34" charset="-120"/>
-                <a:cs typeface="Times New Roman" panose="02020603050405020304" pitchFamily="18" charset="0"/>
-              </a:rPr>
-              <a:t>大</a:t>
-            </a:r>
-            <a:r>
-              <a:rPr lang="zh-TW" altLang="zh-TW" dirty="0">
-                <a:effectLst/>
-                <a:latin typeface="微軟正黑體" panose="020B0604030504040204" pitchFamily="34" charset="-120"/>
-                <a:ea typeface="微軟正黑體" panose="020B0604030504040204" pitchFamily="34" charset="-120"/>
-                <a:cs typeface="Times New Roman" panose="02020603050405020304" pitchFamily="18" charset="0"/>
-              </a:rPr>
-              <a:t>部分精力都用在採擷有效特徵</a:t>
-            </a:r>
-            <a:r>
-              <a:rPr lang="zh-TW" altLang="en-US" dirty="0">
-                <a:effectLst/>
-                <a:latin typeface="微軟正黑體" panose="020B0604030504040204" pitchFamily="34" charset="-120"/>
-                <a:ea typeface="微軟正黑體" panose="020B0604030504040204" pitchFamily="34" charset="-120"/>
-                <a:cs typeface="Times New Roman" panose="02020603050405020304" pitchFamily="18" charset="0"/>
-              </a:rPr>
-              <a:t>上</a:t>
-            </a:r>
-            <a:endParaRPr lang="en-US" altLang="zh-TW" dirty="0">
-              <a:latin typeface="微軟正黑體" panose="020B0604030504040204" pitchFamily="34" charset="-120"/>
-              <a:ea typeface="微軟正黑體" panose="020B0604030504040204" pitchFamily="34" charset="-120"/>
-            </a:endParaRPr>
+                <a:latin typeface="微軟正黑體" panose="020B0604030504040204" pitchFamily="34" charset="-120"/>
+                <a:ea typeface="微軟正黑體" panose="020B0604030504040204" pitchFamily="34" charset="-120"/>
+              </a:rPr>
+              <a:t>文字是什麼？</a:t>
+            </a:r>
           </a:p>
         </p:txBody>
       </p:sp>
     </p:spTree>
     <p:extLst>
       <p:ext uri="{BB962C8B-B14F-4D97-AF65-F5344CB8AC3E}">
-        <p14:creationId xmlns:p14="http://schemas.microsoft.com/office/powerpoint/2010/main" val="3693911597"/>
+        <p14:creationId xmlns:p14="http://schemas.microsoft.com/office/powerpoint/2010/main" val="3581981705"/>
       </p:ext>
     </p:extLst>
   </p:cSld>
@@ -6473,7 +8193,7 @@
 </p:sld>
 </file>
 
-<file path=ppt/slides/slide19.xml><?xml version="1.0" encoding="utf-8"?>
+<file path=ppt/slides/slide30.xml><?xml version="1.0" encoding="utf-8"?>
 <p:sld xmlns:a="http://schemas.openxmlformats.org/drawingml/2006/main" xmlns:r="http://schemas.openxmlformats.org/officeDocument/2006/relationships" xmlns:p="http://schemas.openxmlformats.org/presentationml/2006/main">
   <p:cSld>
     <p:spTree>
@@ -6495,7 +8215,7 @@
           <p:cNvPr id="2" name="標題 1">
             <a:extLst>
               <a:ext uri="{FF2B5EF4-FFF2-40B4-BE49-F238E27FC236}">
-                <a16:creationId xmlns:a16="http://schemas.microsoft.com/office/drawing/2014/main" id="{619027ED-4718-4571-A3BC-DADBFFD055DE}"/>
+                <a16:creationId xmlns:a16="http://schemas.microsoft.com/office/drawing/2014/main" id="{6E2D17FC-8E91-4D68-9E33-2E731C896C47}"/>
               </a:ext>
             </a:extLst>
           </p:cNvPr>
@@ -6503,33 +8223,283 @@
             <a:spLocks noGrp="1"/>
           </p:cNvSpPr>
           <p:nvPr>
-            <p:ph type="ctrTitle"/>
+            <p:ph type="title"/>
           </p:nvPr>
         </p:nvSpPr>
         <p:spPr>
           <a:xfrm>
-            <a:off x="1524000" y="2712376"/>
-            <a:ext cx="9144000" cy="1270197"/>
+            <a:off x="838200" y="365125"/>
+            <a:ext cx="10515600" cy="682839"/>
           </a:xfrm>
         </p:spPr>
         <p:txBody>
-          <a:bodyPr/>
+          <a:bodyPr>
+            <a:normAutofit fontScale="90000"/>
+          </a:bodyPr>
           <a:lstStyle/>
           <a:p>
             <a:r>
+              <a:rPr lang="zh-TW" altLang="en-US" b="1" dirty="0">
+                <a:latin typeface="微軟正黑體" panose="020B0604030504040204" pitchFamily="34" charset="-120"/>
+                <a:ea typeface="微軟正黑體" panose="020B0604030504040204" pitchFamily="34" charset="-120"/>
+              </a:rPr>
+              <a:t>獨熱碼問題的解決</a:t>
+            </a:r>
+          </a:p>
+        </p:txBody>
+      </p:sp>
+      <p:sp>
+        <p:nvSpPr>
+          <p:cNvPr id="3" name="內容版面配置區 2">
+            <a:extLst>
+              <a:ext uri="{FF2B5EF4-FFF2-40B4-BE49-F238E27FC236}">
+                <a16:creationId xmlns:a16="http://schemas.microsoft.com/office/drawing/2014/main" id="{3ABFD44D-8A96-48EF-87FE-009D440D49A9}"/>
+              </a:ext>
+            </a:extLst>
+          </p:cNvPr>
+          <p:cNvSpPr>
+            <a:spLocks noGrp="1"/>
+          </p:cNvSpPr>
+          <p:nvPr>
+            <p:ph idx="1"/>
+          </p:nvPr>
+        </p:nvSpPr>
+        <p:spPr>
+          <a:xfrm>
+            <a:off x="838200" y="1202076"/>
+            <a:ext cx="10515600" cy="5363111"/>
+          </a:xfrm>
+        </p:spPr>
+        <p:txBody>
+          <a:bodyPr>
+            <a:noAutofit/>
+          </a:bodyPr>
+          <a:lstStyle/>
+          <a:p>
+            <a:pPr marL="514350" indent="-514350">
+              <a:buFont typeface="+mj-lt"/>
+              <a:buAutoNum type="arabicPeriod"/>
+            </a:pPr>
+            <a:r>
+              <a:rPr lang="zh-TW" altLang="zh-TW" dirty="0">
+                <a:effectLst/>
+                <a:latin typeface="微軟正黑體" panose="020B0604030504040204" pitchFamily="34" charset="-120"/>
+                <a:ea typeface="微軟正黑體" panose="020B0604030504040204" pitchFamily="34" charset="-120"/>
+                <a:cs typeface="Times New Roman" panose="02020603050405020304" pitchFamily="18" charset="0"/>
+              </a:rPr>
+              <a:t>提取更多和詞相關的泛化特徵</a:t>
+            </a:r>
+            <a:endParaRPr lang="en-US" altLang="zh-TW" dirty="0">
+              <a:effectLst/>
+              <a:latin typeface="微軟正黑體" panose="020B0604030504040204" pitchFamily="34" charset="-120"/>
+              <a:ea typeface="微軟正黑體" panose="020B0604030504040204" pitchFamily="34" charset="-120"/>
+              <a:cs typeface="Times New Roman" panose="02020603050405020304" pitchFamily="18" charset="0"/>
+            </a:endParaRPr>
+          </a:p>
+          <a:p>
+            <a:pPr marL="514350" indent="-514350">
+              <a:buFont typeface="+mj-lt"/>
+              <a:buAutoNum type="arabicPeriod"/>
+            </a:pPr>
+            <a:r>
+              <a:rPr lang="zh-TW" altLang="zh-TW" dirty="0">
+                <a:effectLst/>
+                <a:latin typeface="微軟正黑體" panose="020B0604030504040204" pitchFamily="34" charset="-120"/>
+                <a:ea typeface="微軟正黑體" panose="020B0604030504040204" pitchFamily="34" charset="-120"/>
+                <a:cs typeface="Times New Roman" panose="02020603050405020304" pitchFamily="18" charset="0"/>
+              </a:rPr>
+              <a:t>詞性特徵、詞義特徵和詞聚類特徵</a:t>
+            </a:r>
+            <a:endParaRPr lang="en-US" altLang="zh-TW" dirty="0">
+              <a:latin typeface="微軟正黑體" panose="020B0604030504040204" pitchFamily="34" charset="-120"/>
+              <a:ea typeface="微軟正黑體" panose="020B0604030504040204" pitchFamily="34" charset="-120"/>
+              <a:cs typeface="Times New Roman" panose="02020603050405020304" pitchFamily="18" charset="0"/>
+            </a:endParaRPr>
+          </a:p>
+          <a:p>
+            <a:pPr marL="514350" indent="-514350">
+              <a:buFont typeface="+mj-lt"/>
+              <a:buAutoNum type="arabicPeriod"/>
+            </a:pPr>
+            <a:r>
+              <a:rPr lang="zh-TW" altLang="zh-TW" dirty="0">
+                <a:effectLst/>
+                <a:latin typeface="微軟正黑體" panose="020B0604030504040204" pitchFamily="34" charset="-120"/>
+                <a:ea typeface="微軟正黑體" panose="020B0604030504040204" pitchFamily="34" charset="-120"/>
+                <a:cs typeface="Times New Roman" panose="02020603050405020304" pitchFamily="18" charset="0"/>
+              </a:rPr>
+              <a:t>透過引入</a:t>
+            </a:r>
+            <a:r>
+              <a:rPr lang="en-US" altLang="zh-TW" dirty="0">
+                <a:effectLst/>
+                <a:latin typeface="微軟正黑體" panose="020B0604030504040204" pitchFamily="34" charset="-120"/>
+                <a:ea typeface="微軟正黑體" panose="020B0604030504040204" pitchFamily="34" charset="-120"/>
+                <a:cs typeface="Times New Roman" panose="02020603050405020304" pitchFamily="18" charset="0"/>
+              </a:rPr>
+              <a:t>WordNet</a:t>
+            </a:r>
+            <a:r>
+              <a:rPr lang="zh-TW" altLang="zh-TW" dirty="0">
+                <a:effectLst/>
+                <a:latin typeface="微軟正黑體" panose="020B0604030504040204" pitchFamily="34" charset="-120"/>
+                <a:ea typeface="微軟正黑體" panose="020B0604030504040204" pitchFamily="34" charset="-120"/>
+                <a:cs typeface="Times New Roman" panose="02020603050405020304" pitchFamily="18" charset="0"/>
+              </a:rPr>
+              <a:t>等語義詞典，可以獲知</a:t>
+            </a:r>
+            <a:r>
+              <a:rPr lang="en-US" altLang="zh-TW" dirty="0">
+                <a:effectLst/>
+                <a:latin typeface="微軟正黑體" panose="020B0604030504040204" pitchFamily="34" charset="-120"/>
+                <a:ea typeface="微軟正黑體" panose="020B0604030504040204" pitchFamily="34" charset="-120"/>
+                <a:cs typeface="Times New Roman" panose="02020603050405020304" pitchFamily="18" charset="0"/>
+              </a:rPr>
+              <a:t>“</a:t>
+            </a:r>
+            <a:r>
+              <a:rPr lang="zh-TW" altLang="zh-TW" dirty="0">
+                <a:effectLst/>
+                <a:latin typeface="微軟正黑體" panose="020B0604030504040204" pitchFamily="34" charset="-120"/>
+                <a:ea typeface="微軟正黑體" panose="020B0604030504040204" pitchFamily="34" charset="-120"/>
+                <a:cs typeface="Times New Roman" panose="02020603050405020304" pitchFamily="18" charset="0"/>
+              </a:rPr>
+              <a:t>漂亮</a:t>
+            </a:r>
+            <a:r>
+              <a:rPr lang="en-US" altLang="zh-TW" dirty="0">
+                <a:effectLst/>
+                <a:latin typeface="微軟正黑體" panose="020B0604030504040204" pitchFamily="34" charset="-120"/>
+                <a:ea typeface="微軟正黑體" panose="020B0604030504040204" pitchFamily="34" charset="-120"/>
+                <a:cs typeface="Times New Roman" panose="02020603050405020304" pitchFamily="18" charset="0"/>
+              </a:rPr>
+              <a:t>”</a:t>
+            </a:r>
+            <a:r>
+              <a:rPr lang="zh-TW" altLang="zh-TW" dirty="0">
+                <a:effectLst/>
+                <a:latin typeface="微軟正黑體" panose="020B0604030504040204" pitchFamily="34" charset="-120"/>
+                <a:ea typeface="微軟正黑體" panose="020B0604030504040204" pitchFamily="34" charset="-120"/>
+                <a:cs typeface="Times New Roman" panose="02020603050405020304" pitchFamily="18" charset="0"/>
+              </a:rPr>
+              <a:t>和</a:t>
+            </a:r>
+            <a:r>
+              <a:rPr lang="en-US" altLang="zh-TW" dirty="0">
+                <a:effectLst/>
+                <a:latin typeface="微軟正黑體" panose="020B0604030504040204" pitchFamily="34" charset="-120"/>
+                <a:ea typeface="微軟正黑體" panose="020B0604030504040204" pitchFamily="34" charset="-120"/>
+                <a:cs typeface="Times New Roman" panose="02020603050405020304" pitchFamily="18" charset="0"/>
+              </a:rPr>
+              <a:t>“</a:t>
+            </a:r>
+            <a:r>
+              <a:rPr lang="zh-TW" altLang="zh-TW" dirty="0">
+                <a:effectLst/>
+                <a:latin typeface="微軟正黑體" panose="020B0604030504040204" pitchFamily="34" charset="-120"/>
+                <a:ea typeface="微軟正黑體" panose="020B0604030504040204" pitchFamily="34" charset="-120"/>
+                <a:cs typeface="Times New Roman" panose="02020603050405020304" pitchFamily="18" charset="0"/>
+              </a:rPr>
+              <a:t>美麗</a:t>
+            </a:r>
+            <a:r>
+              <a:rPr lang="en-US" altLang="zh-TW" dirty="0">
+                <a:effectLst/>
+                <a:latin typeface="微軟正黑體" panose="020B0604030504040204" pitchFamily="34" charset="-120"/>
+                <a:ea typeface="微軟正黑體" panose="020B0604030504040204" pitchFamily="34" charset="-120"/>
+                <a:cs typeface="Times New Roman" panose="02020603050405020304" pitchFamily="18" charset="0"/>
+              </a:rPr>
+              <a:t>”</a:t>
+            </a:r>
+            <a:r>
+              <a:rPr lang="zh-TW" altLang="zh-TW" dirty="0">
+                <a:effectLst/>
+                <a:latin typeface="微軟正黑體" panose="020B0604030504040204" pitchFamily="34" charset="-120"/>
+                <a:ea typeface="微軟正黑體" panose="020B0604030504040204" pitchFamily="34" charset="-120"/>
+                <a:cs typeface="Times New Roman" panose="02020603050405020304" pitchFamily="18" charset="0"/>
+              </a:rPr>
+              <a:t>是同義字</a:t>
+            </a:r>
+            <a:endParaRPr lang="en-US" altLang="zh-TW" dirty="0">
+              <a:effectLst/>
+              <a:latin typeface="微軟正黑體" panose="020B0604030504040204" pitchFamily="34" charset="-120"/>
+              <a:ea typeface="微軟正黑體" panose="020B0604030504040204" pitchFamily="34" charset="-120"/>
+              <a:cs typeface="Times New Roman" panose="02020603050405020304" pitchFamily="18" charset="0"/>
+            </a:endParaRPr>
+          </a:p>
+          <a:p>
+            <a:pPr marL="514350" indent="-514350">
+              <a:buFont typeface="+mj-lt"/>
+              <a:buAutoNum type="arabicPeriod"/>
+            </a:pPr>
+            <a:r>
+              <a:rPr lang="zh-TW" altLang="zh-TW" dirty="0">
+                <a:effectLst/>
+                <a:latin typeface="微軟正黑體" panose="020B0604030504040204" pitchFamily="34" charset="-120"/>
+                <a:ea typeface="微軟正黑體" panose="020B0604030504040204" pitchFamily="34" charset="-120"/>
+                <a:cs typeface="Times New Roman" panose="02020603050405020304" pitchFamily="18" charset="0"/>
+              </a:rPr>
+              <a:t>引入它們的共同語義資訊作為新的額外特徵</a:t>
+            </a:r>
+            <a:endParaRPr lang="en-US" altLang="zh-TW" dirty="0">
+              <a:effectLst/>
+              <a:latin typeface="微軟正黑體" panose="020B0604030504040204" pitchFamily="34" charset="-120"/>
+              <a:ea typeface="微軟正黑體" panose="020B0604030504040204" pitchFamily="34" charset="-120"/>
+              <a:cs typeface="Times New Roman" panose="02020603050405020304" pitchFamily="18" charset="0"/>
+            </a:endParaRPr>
+          </a:p>
+          <a:p>
+            <a:pPr marL="514350" indent="-514350">
+              <a:buFont typeface="+mj-lt"/>
+              <a:buAutoNum type="arabicPeriod"/>
+            </a:pPr>
+            <a:r>
+              <a:rPr lang="zh-TW" altLang="zh-TW" dirty="0">
+                <a:effectLst/>
+                <a:latin typeface="微軟正黑體" panose="020B0604030504040204" pitchFamily="34" charset="-120"/>
+                <a:ea typeface="微軟正黑體" panose="020B0604030504040204" pitchFamily="34" charset="-120"/>
+                <a:cs typeface="Times New Roman" panose="02020603050405020304" pitchFamily="18" charset="0"/>
+              </a:rPr>
+              <a:t>傳統機器學習方法解決自然語言處理問題時，</a:t>
+            </a:r>
+            <a:r>
               <a:rPr lang="zh-TW" altLang="en-US" dirty="0">
-                <a:latin typeface="微軟正黑體" panose="020B0604030504040204" pitchFamily="34" charset="-120"/>
-                <a:ea typeface="微軟正黑體" panose="020B0604030504040204" pitchFamily="34" charset="-120"/>
-              </a:rPr>
-              <a:t>詞的分散式表示法</a:t>
-            </a:r>
+                <a:effectLst/>
+                <a:latin typeface="微軟正黑體" panose="020B0604030504040204" pitchFamily="34" charset="-120"/>
+                <a:ea typeface="微軟正黑體" panose="020B0604030504040204" pitchFamily="34" charset="-120"/>
+                <a:cs typeface="Times New Roman" panose="02020603050405020304" pitchFamily="18" charset="0"/>
+              </a:rPr>
+              <a:t>大</a:t>
+            </a:r>
+            <a:r>
+              <a:rPr lang="zh-TW" altLang="zh-TW" dirty="0">
+                <a:effectLst/>
+                <a:latin typeface="微軟正黑體" panose="020B0604030504040204" pitchFamily="34" charset="-120"/>
+                <a:ea typeface="微軟正黑體" panose="020B0604030504040204" pitchFamily="34" charset="-120"/>
+                <a:cs typeface="Times New Roman" panose="02020603050405020304" pitchFamily="18" charset="0"/>
+              </a:rPr>
+              <a:t>部分精力都用在採擷有效特徵</a:t>
+            </a:r>
+            <a:r>
+              <a:rPr lang="zh-TW" altLang="en-US" dirty="0">
+                <a:effectLst/>
+                <a:latin typeface="微軟正黑體" panose="020B0604030504040204" pitchFamily="34" charset="-120"/>
+                <a:ea typeface="微軟正黑體" panose="020B0604030504040204" pitchFamily="34" charset="-120"/>
+                <a:cs typeface="Times New Roman" panose="02020603050405020304" pitchFamily="18" charset="0"/>
+              </a:rPr>
+              <a:t>上</a:t>
+            </a:r>
+            <a:endParaRPr lang="en-US" altLang="zh-TW" dirty="0">
+              <a:latin typeface="微軟正黑體" panose="020B0604030504040204" pitchFamily="34" charset="-120"/>
+              <a:ea typeface="微軟正黑體" panose="020B0604030504040204" pitchFamily="34" charset="-120"/>
+            </a:endParaRPr>
           </a:p>
         </p:txBody>
       </p:sp>
     </p:spTree>
     <p:extLst>
       <p:ext uri="{BB962C8B-B14F-4D97-AF65-F5344CB8AC3E}">
-        <p14:creationId xmlns:p14="http://schemas.microsoft.com/office/powerpoint/2010/main" val="381061952"/>
+        <p14:creationId xmlns:p14="http://schemas.microsoft.com/office/powerpoint/2010/main" val="3693911597"/>
       </p:ext>
     </p:extLst>
   </p:cSld>
@@ -6539,7 +8509,7 @@
 </p:sld>
 </file>
 
-<file path=ppt/slides/slide2.xml><?xml version="1.0" encoding="utf-8"?>
+<file path=ppt/slides/slide31.xml><?xml version="1.0" encoding="utf-8"?>
 <p:sld xmlns:a="http://schemas.openxmlformats.org/drawingml/2006/main" xmlns:r="http://schemas.openxmlformats.org/officeDocument/2006/relationships" xmlns:p="http://schemas.openxmlformats.org/presentationml/2006/main">
   <p:cSld>
     <p:spTree>
@@ -6558,6 +8528,124 @@
       </p:grpSpPr>
       <p:sp>
         <p:nvSpPr>
+          <p:cNvPr id="2" name="標題 1"/>
+          <p:cNvSpPr>
+            <a:spLocks noGrp="1"/>
+          </p:cNvSpPr>
+          <p:nvPr>
+            <p:ph type="title"/>
+          </p:nvPr>
+        </p:nvSpPr>
+        <p:spPr/>
+        <p:txBody>
+          <a:bodyPr/>
+          <a:lstStyle/>
+          <a:p>
+            <a:r>
+              <a:rPr lang="en-US" altLang="zh-TW" b="1" dirty="0"/>
+              <a:t>One-Hot</a:t>
+            </a:r>
+            <a:r>
+              <a:rPr lang="zh-TW" altLang="en-US" b="1" dirty="0"/>
+              <a:t>的問題解決</a:t>
+            </a:r>
+          </a:p>
+        </p:txBody>
+      </p:sp>
+      <p:sp>
+        <p:nvSpPr>
+          <p:cNvPr id="3" name="內容版面配置區 2"/>
+          <p:cNvSpPr>
+            <a:spLocks noGrp="1"/>
+          </p:cNvSpPr>
+          <p:nvPr>
+            <p:ph idx="1"/>
+          </p:nvPr>
+        </p:nvSpPr>
+        <p:spPr>
+          <a:xfrm>
+            <a:off x="1991544" y="1340768"/>
+            <a:ext cx="8229600" cy="792088"/>
+          </a:xfrm>
+        </p:spPr>
+        <p:txBody>
+          <a:bodyPr/>
+          <a:lstStyle/>
+          <a:p>
+            <a:r>
+              <a:rPr lang="zh-TW" altLang="en-US" dirty="0"/>
+              <a:t>分類，就是做</a:t>
+            </a:r>
+            <a:r>
+              <a:rPr lang="en-US" altLang="zh-TW" dirty="0"/>
+              <a:t>clustering</a:t>
+            </a:r>
+            <a:r>
+              <a:rPr lang="zh-TW" altLang="en-US" dirty="0"/>
+              <a:t>，但維度還是不夠</a:t>
+            </a:r>
+          </a:p>
+        </p:txBody>
+      </p:sp>
+      <p:pic>
+        <p:nvPicPr>
+          <p:cNvPr id="20482" name="Picture 2"/>
+          <p:cNvPicPr>
+            <a:picLocks noChangeAspect="1" noChangeArrowheads="1"/>
+          </p:cNvPicPr>
+          <p:nvPr/>
+        </p:nvPicPr>
+        <p:blipFill>
+          <a:blip r:embed="rId2" cstate="print"/>
+          <a:srcRect/>
+          <a:stretch>
+            <a:fillRect/>
+          </a:stretch>
+        </p:blipFill>
+        <p:spPr bwMode="auto">
+          <a:xfrm>
+            <a:off x="3287688" y="2060849"/>
+            <a:ext cx="5486400" cy="4549775"/>
+          </a:xfrm>
+          <a:prstGeom prst="rect">
+            <a:avLst/>
+          </a:prstGeom>
+          <a:noFill/>
+          <a:ln w="9525">
+            <a:noFill/>
+            <a:miter lim="800000"/>
+            <a:headEnd/>
+            <a:tailEnd/>
+          </a:ln>
+        </p:spPr>
+      </p:pic>
+    </p:spTree>
+  </p:cSld>
+  <p:clrMapOvr>
+    <a:masterClrMapping/>
+  </p:clrMapOvr>
+</p:sld>
+</file>
+
+<file path=ppt/slides/slide32.xml><?xml version="1.0" encoding="utf-8"?>
+<p:sld xmlns:a="http://schemas.openxmlformats.org/drawingml/2006/main" xmlns:r="http://schemas.openxmlformats.org/officeDocument/2006/relationships" xmlns:p="http://schemas.openxmlformats.org/presentationml/2006/main">
+  <p:cSld>
+    <p:spTree>
+      <p:nvGrpSpPr>
+        <p:cNvPr id="1" name=""/>
+        <p:cNvGrpSpPr/>
+        <p:nvPr/>
+      </p:nvGrpSpPr>
+      <p:grpSpPr>
+        <a:xfrm>
+          <a:off x="0" y="0"/>
+          <a:ext cx="0" cy="0"/>
+          <a:chOff x="0" y="0"/>
+          <a:chExt cx="0" cy="0"/>
+        </a:xfrm>
+      </p:grpSpPr>
+      <p:sp>
+        <p:nvSpPr>
           <p:cNvPr id="2" name="標題 1">
             <a:extLst>
               <a:ext uri="{FF2B5EF4-FFF2-40B4-BE49-F238E27FC236}">
@@ -6589,8 +8677,19 @@
                 <a:latin typeface="微軟正黑體" panose="020B0604030504040204" pitchFamily="34" charset="-120"/>
                 <a:ea typeface="微軟正黑體" panose="020B0604030504040204" pitchFamily="34" charset="-120"/>
               </a:rPr>
-              <a:t>課程大綱</a:t>
-            </a:r>
+              <a:t>程式碼示範</a:t>
+            </a:r>
+            <a:r>
+              <a:rPr lang="en-US" altLang="zh-TW" b="1" dirty="0">
+                <a:latin typeface="微軟正黑體" panose="020B0604030504040204" pitchFamily="34" charset="-120"/>
+                <a:ea typeface="微軟正黑體" panose="020B0604030504040204" pitchFamily="34" charset="-120"/>
+              </a:rPr>
+              <a:t>	</a:t>
+            </a:r>
+            <a:endParaRPr lang="zh-TW" altLang="en-US" b="1" dirty="0">
+              <a:latin typeface="微軟正黑體" panose="020B0604030504040204" pitchFamily="34" charset="-120"/>
+              <a:ea typeface="微軟正黑體" panose="020B0604030504040204" pitchFamily="34" charset="-120"/>
+            </a:endParaRPr>
           </a:p>
         </p:txBody>
       </p:sp>
@@ -6618,124 +8717,38 @@
         </p:spPr>
         <p:txBody>
           <a:bodyPr>
-            <a:normAutofit/>
+            <a:noAutofit/>
           </a:bodyPr>
           <a:lstStyle/>
           <a:p>
-            <a:pPr marL="514350" indent="-514350">
-              <a:buFont typeface="+mj-lt"/>
-              <a:buAutoNum type="arabicPeriod"/>
+            <a:pPr marL="0" indent="0">
+              <a:buNone/>
             </a:pPr>
             <a:r>
-              <a:rPr lang="zh-TW" altLang="en-US" dirty="0">
-                <a:latin typeface="微軟正黑體" panose="020B0604030504040204" pitchFamily="34" charset="-120"/>
-                <a:ea typeface="微軟正黑體" panose="020B0604030504040204" pitchFamily="34" charset="-120"/>
-              </a:rPr>
-              <a:t>文字是什麼</a:t>
+              <a:rPr lang="en-US" altLang="zh-TW" dirty="0">
+                <a:latin typeface="微軟正黑體" panose="020B0604030504040204" pitchFamily="34" charset="-120"/>
+                <a:ea typeface="微軟正黑體" panose="020B0604030504040204" pitchFamily="34" charset="-120"/>
+              </a:rPr>
+              <a:t>2_0(wordnet).</a:t>
+            </a:r>
+            <a:r>
+              <a:rPr lang="en-US" altLang="zh-TW" dirty="0" err="1">
+                <a:latin typeface="微軟正黑體" panose="020B0604030504040204" pitchFamily="34" charset="-120"/>
+                <a:ea typeface="微軟正黑體" panose="020B0604030504040204" pitchFamily="34" charset="-120"/>
+              </a:rPr>
+              <a:t>ipynb</a:t>
             </a:r>
             <a:endParaRPr lang="en-US" altLang="zh-TW" dirty="0">
               <a:latin typeface="微軟正黑體" panose="020B0604030504040204" pitchFamily="34" charset="-120"/>
               <a:ea typeface="微軟正黑體" panose="020B0604030504040204" pitchFamily="34" charset="-120"/>
             </a:endParaRPr>
           </a:p>
-          <a:p>
-            <a:pPr marL="514350" indent="-514350">
-              <a:buFont typeface="+mj-lt"/>
-              <a:buAutoNum type="arabicPeriod"/>
-            </a:pPr>
-            <a:r>
-              <a:rPr lang="zh-TW" altLang="en-US" dirty="0">
-                <a:latin typeface="微軟正黑體" panose="020B0604030504040204" pitchFamily="34" charset="-120"/>
-                <a:ea typeface="微軟正黑體" panose="020B0604030504040204" pitchFamily="34" charset="-120"/>
-              </a:rPr>
-              <a:t>文字的表示方法</a:t>
-            </a:r>
-            <a:endParaRPr lang="en-US" altLang="zh-TW" dirty="0">
-              <a:latin typeface="微軟正黑體" panose="020B0604030504040204" pitchFamily="34" charset="-120"/>
-              <a:ea typeface="微軟正黑體" panose="020B0604030504040204" pitchFamily="34" charset="-120"/>
-            </a:endParaRPr>
-          </a:p>
-          <a:p>
-            <a:pPr marL="514350" indent="-514350">
-              <a:buFont typeface="+mj-lt"/>
-              <a:buAutoNum type="arabicPeriod"/>
-            </a:pPr>
-            <a:r>
-              <a:rPr lang="en-US" altLang="zh-TW" dirty="0">
-                <a:latin typeface="微軟正黑體" panose="020B0604030504040204" pitchFamily="34" charset="-120"/>
-                <a:ea typeface="微軟正黑體" panose="020B0604030504040204" pitchFamily="34" charset="-120"/>
-              </a:rPr>
-              <a:t>One-hot</a:t>
-            </a:r>
-            <a:r>
-              <a:rPr lang="zh-TW" altLang="en-US" dirty="0">
-                <a:latin typeface="微軟正黑體" panose="020B0604030504040204" pitchFamily="34" charset="-120"/>
-                <a:ea typeface="微軟正黑體" panose="020B0604030504040204" pitchFamily="34" charset="-120"/>
-              </a:rPr>
-              <a:t>表示法</a:t>
-            </a:r>
-            <a:endParaRPr lang="en-US" altLang="zh-TW" dirty="0">
-              <a:latin typeface="微軟正黑體" panose="020B0604030504040204" pitchFamily="34" charset="-120"/>
-              <a:ea typeface="微軟正黑體" panose="020B0604030504040204" pitchFamily="34" charset="-120"/>
-            </a:endParaRPr>
-          </a:p>
-          <a:p>
-            <a:pPr marL="514350" indent="-514350">
-              <a:buFont typeface="+mj-lt"/>
-              <a:buAutoNum type="arabicPeriod"/>
-            </a:pPr>
-            <a:r>
-              <a:rPr lang="zh-TW" altLang="en-US" dirty="0">
-                <a:latin typeface="微軟正黑體" panose="020B0604030504040204" pitchFamily="34" charset="-120"/>
-                <a:ea typeface="微軟正黑體" panose="020B0604030504040204" pitchFamily="34" charset="-120"/>
-              </a:rPr>
-              <a:t>離散表示法</a:t>
-            </a:r>
-            <a:endParaRPr lang="en-US" altLang="zh-TW" dirty="0">
-              <a:latin typeface="微軟正黑體" panose="020B0604030504040204" pitchFamily="34" charset="-120"/>
-              <a:ea typeface="微軟正黑體" panose="020B0604030504040204" pitchFamily="34" charset="-120"/>
-            </a:endParaRPr>
-          </a:p>
-          <a:p>
-            <a:pPr marL="514350" indent="-514350">
-              <a:buFont typeface="+mj-lt"/>
-              <a:buAutoNum type="arabicPeriod"/>
-            </a:pPr>
-            <a:r>
-              <a:rPr lang="zh-TW" altLang="en-US" dirty="0">
-                <a:latin typeface="微軟正黑體" panose="020B0604030504040204" pitchFamily="34" charset="-120"/>
-                <a:ea typeface="微軟正黑體" panose="020B0604030504040204" pitchFamily="34" charset="-120"/>
-              </a:rPr>
-              <a:t>詞嵌入表示法</a:t>
-            </a:r>
-            <a:endParaRPr lang="en-US" altLang="zh-TW" dirty="0">
-              <a:latin typeface="微軟正黑體" panose="020B0604030504040204" pitchFamily="34" charset="-120"/>
-              <a:ea typeface="微軟正黑體" panose="020B0604030504040204" pitchFamily="34" charset="-120"/>
-            </a:endParaRPr>
-          </a:p>
-          <a:p>
-            <a:pPr marL="514350" indent="-514350">
-              <a:buFont typeface="+mj-lt"/>
-              <a:buAutoNum type="arabicPeriod"/>
-            </a:pPr>
-            <a:r>
-              <a:rPr lang="zh-TW" altLang="en-US" dirty="0">
-                <a:latin typeface="微軟正黑體" panose="020B0604030504040204" pitchFamily="34" charset="-120"/>
-                <a:ea typeface="微軟正黑體" panose="020B0604030504040204" pitchFamily="34" charset="-120"/>
-              </a:rPr>
-              <a:t>詞袋表示法</a:t>
-            </a:r>
-            <a:endParaRPr lang="en-US" altLang="zh-TW" dirty="0">
-              <a:latin typeface="微軟正黑體" panose="020B0604030504040204" pitchFamily="34" charset="-120"/>
-              <a:ea typeface="微軟正黑體" panose="020B0604030504040204" pitchFamily="34" charset="-120"/>
-            </a:endParaRPr>
-          </a:p>
         </p:txBody>
       </p:sp>
     </p:spTree>
     <p:extLst>
       <p:ext uri="{BB962C8B-B14F-4D97-AF65-F5344CB8AC3E}">
-        <p14:creationId xmlns:p14="http://schemas.microsoft.com/office/powerpoint/2010/main" val="4019875858"/>
+        <p14:creationId xmlns:p14="http://schemas.microsoft.com/office/powerpoint/2010/main" val="3993432072"/>
       </p:ext>
     </p:extLst>
   </p:cSld>
@@ -6745,7 +8758,2017 @@
 </p:sld>
 </file>
 
-<file path=ppt/slides/slide20.xml><?xml version="1.0" encoding="utf-8"?>
+<file path=ppt/slides/slide33.xml><?xml version="1.0" encoding="utf-8"?>
+<p:sld xmlns:a="http://schemas.openxmlformats.org/drawingml/2006/main" xmlns:r="http://schemas.openxmlformats.org/officeDocument/2006/relationships" xmlns:p="http://schemas.openxmlformats.org/presentationml/2006/main">
+  <p:cSld>
+    <p:spTree>
+      <p:nvGrpSpPr>
+        <p:cNvPr id="1" name=""/>
+        <p:cNvGrpSpPr/>
+        <p:nvPr/>
+      </p:nvGrpSpPr>
+      <p:grpSpPr>
+        <a:xfrm>
+          <a:off x="0" y="0"/>
+          <a:ext cx="0" cy="0"/>
+          <a:chOff x="0" y="0"/>
+          <a:chExt cx="0" cy="0"/>
+        </a:xfrm>
+      </p:grpSpPr>
+      <p:sp>
+        <p:nvSpPr>
+          <p:cNvPr id="2" name="標題 1"/>
+          <p:cNvSpPr>
+            <a:spLocks noGrp="1"/>
+          </p:cNvSpPr>
+          <p:nvPr>
+            <p:ph type="ctrTitle"/>
+          </p:nvPr>
+        </p:nvSpPr>
+        <p:spPr>
+          <a:xfrm>
+            <a:off x="2279576" y="2492897"/>
+            <a:ext cx="7772400" cy="1470025"/>
+          </a:xfrm>
+        </p:spPr>
+        <p:txBody>
+          <a:bodyPr/>
+          <a:lstStyle/>
+          <a:p>
+            <a:r>
+              <a:rPr lang="en-US" altLang="zh-TW" b="1" dirty="0"/>
+              <a:t>Bag of words</a:t>
+            </a:r>
+            <a:endParaRPr lang="zh-TW" altLang="en-US" b="1" dirty="0"/>
+          </a:p>
+        </p:txBody>
+      </p:sp>
+    </p:spTree>
+    <p:extLst>
+      <p:ext uri="{BB962C8B-B14F-4D97-AF65-F5344CB8AC3E}">
+        <p14:creationId xmlns:p14="http://schemas.microsoft.com/office/powerpoint/2010/main" val="3112419992"/>
+      </p:ext>
+    </p:extLst>
+  </p:cSld>
+  <p:clrMapOvr>
+    <a:masterClrMapping/>
+  </p:clrMapOvr>
+</p:sld>
+</file>
+
+<file path=ppt/slides/slide34.xml><?xml version="1.0" encoding="utf-8"?>
+<p:sld xmlns:a="http://schemas.openxmlformats.org/drawingml/2006/main" xmlns:r="http://schemas.openxmlformats.org/officeDocument/2006/relationships" xmlns:p="http://schemas.openxmlformats.org/presentationml/2006/main">
+  <p:cSld>
+    <p:spTree>
+      <p:nvGrpSpPr>
+        <p:cNvPr id="1" name=""/>
+        <p:cNvGrpSpPr/>
+        <p:nvPr/>
+      </p:nvGrpSpPr>
+      <p:grpSpPr>
+        <a:xfrm>
+          <a:off x="0" y="0"/>
+          <a:ext cx="0" cy="0"/>
+          <a:chOff x="0" y="0"/>
+          <a:chExt cx="0" cy="0"/>
+        </a:xfrm>
+      </p:grpSpPr>
+      <p:sp>
+        <p:nvSpPr>
+          <p:cNvPr id="2" name="標題 1"/>
+          <p:cNvSpPr>
+            <a:spLocks noGrp="1"/>
+          </p:cNvSpPr>
+          <p:nvPr>
+            <p:ph type="title"/>
+          </p:nvPr>
+        </p:nvSpPr>
+        <p:spPr/>
+        <p:txBody>
+          <a:bodyPr/>
+          <a:lstStyle/>
+          <a:p>
+            <a:r>
+              <a:rPr lang="en-US" altLang="zh-TW" b="1" dirty="0"/>
+              <a:t>Bag of words(</a:t>
+            </a:r>
+            <a:r>
+              <a:rPr lang="zh-TW" altLang="en-US" b="1" dirty="0"/>
+              <a:t>詞袋模型</a:t>
+            </a:r>
+            <a:r>
+              <a:rPr lang="en-US" altLang="zh-TW" b="1" dirty="0"/>
+              <a:t>)</a:t>
+            </a:r>
+            <a:endParaRPr lang="zh-TW" altLang="en-US" b="1" dirty="0"/>
+          </a:p>
+        </p:txBody>
+      </p:sp>
+      <p:sp>
+        <p:nvSpPr>
+          <p:cNvPr id="3" name="內容版面配置區 2"/>
+          <p:cNvSpPr>
+            <a:spLocks noGrp="1"/>
+          </p:cNvSpPr>
+          <p:nvPr>
+            <p:ph idx="1"/>
+          </p:nvPr>
+        </p:nvSpPr>
+        <p:spPr/>
+        <p:txBody>
+          <a:bodyPr/>
+          <a:lstStyle/>
+          <a:p>
+            <a:r>
+              <a:rPr lang="zh-TW" altLang="en-US" dirty="0"/>
+              <a:t>文字（段落或者文件）被看作是無序的詞彙集合</a:t>
+            </a:r>
+            <a:endParaRPr lang="en-US" altLang="zh-TW" dirty="0"/>
+          </a:p>
+          <a:p>
+            <a:r>
+              <a:rPr lang="zh-TW" altLang="en-US" dirty="0"/>
+              <a:t>忽略語法甚至是順序</a:t>
+            </a:r>
+            <a:endParaRPr lang="en-US" altLang="zh-TW" dirty="0"/>
+          </a:p>
+          <a:p>
+            <a:r>
+              <a:rPr lang="zh-TW" altLang="en-US" dirty="0"/>
+              <a:t>向量長度是詞典大小</a:t>
+            </a:r>
+            <a:endParaRPr lang="en-US" altLang="zh-TW" dirty="0"/>
+          </a:p>
+          <a:p>
+            <a:r>
+              <a:rPr lang="zh-TW" altLang="en-US" dirty="0"/>
+              <a:t>使用貝氏概率條件概率</a:t>
+            </a:r>
+            <a:endParaRPr lang="en-US" altLang="zh-TW" dirty="0"/>
+          </a:p>
+        </p:txBody>
+      </p:sp>
+    </p:spTree>
+  </p:cSld>
+  <p:clrMapOvr>
+    <a:masterClrMapping/>
+  </p:clrMapOvr>
+</p:sld>
+</file>
+
+<file path=ppt/slides/slide35.xml><?xml version="1.0" encoding="utf-8"?>
+<p:sld xmlns:a="http://schemas.openxmlformats.org/drawingml/2006/main" xmlns:r="http://schemas.openxmlformats.org/officeDocument/2006/relationships" xmlns:p="http://schemas.openxmlformats.org/presentationml/2006/main">
+  <p:cSld>
+    <p:spTree>
+      <p:nvGrpSpPr>
+        <p:cNvPr id="1" name=""/>
+        <p:cNvGrpSpPr/>
+        <p:nvPr/>
+      </p:nvGrpSpPr>
+      <p:grpSpPr>
+        <a:xfrm>
+          <a:off x="0" y="0"/>
+          <a:ext cx="0" cy="0"/>
+          <a:chOff x="0" y="0"/>
+          <a:chExt cx="0" cy="0"/>
+        </a:xfrm>
+      </p:grpSpPr>
+      <p:sp>
+        <p:nvSpPr>
+          <p:cNvPr id="2" name="標題 1"/>
+          <p:cNvSpPr>
+            <a:spLocks noGrp="1"/>
+          </p:cNvSpPr>
+          <p:nvPr>
+            <p:ph type="title"/>
+          </p:nvPr>
+        </p:nvSpPr>
+        <p:spPr/>
+        <p:txBody>
+          <a:bodyPr/>
+          <a:lstStyle/>
+          <a:p>
+            <a:r>
+              <a:rPr lang="en-US" altLang="zh-TW" b="1" dirty="0"/>
+              <a:t>Bag of words(</a:t>
+            </a:r>
+            <a:r>
+              <a:rPr lang="zh-TW" altLang="en-US" b="1" dirty="0"/>
+              <a:t>詞袋模型</a:t>
+            </a:r>
+            <a:r>
+              <a:rPr lang="en-US" altLang="zh-TW" b="1" dirty="0"/>
+              <a:t>)</a:t>
+            </a:r>
+            <a:endParaRPr lang="zh-TW" altLang="en-US" b="1" dirty="0"/>
+          </a:p>
+        </p:txBody>
+      </p:sp>
+      <p:pic>
+        <p:nvPicPr>
+          <p:cNvPr id="1026" name="Picture 2"/>
+          <p:cNvPicPr>
+            <a:picLocks noChangeAspect="1" noChangeArrowheads="1"/>
+          </p:cNvPicPr>
+          <p:nvPr/>
+        </p:nvPicPr>
+        <p:blipFill>
+          <a:blip r:embed="rId2" cstate="print"/>
+          <a:srcRect/>
+          <a:stretch>
+            <a:fillRect/>
+          </a:stretch>
+        </p:blipFill>
+        <p:spPr bwMode="auto">
+          <a:xfrm>
+            <a:off x="2279577" y="2132856"/>
+            <a:ext cx="7374129" cy="3024336"/>
+          </a:xfrm>
+          <a:prstGeom prst="rect">
+            <a:avLst/>
+          </a:prstGeom>
+          <a:noFill/>
+          <a:ln w="9525">
+            <a:noFill/>
+            <a:miter lim="800000"/>
+            <a:headEnd/>
+            <a:tailEnd/>
+          </a:ln>
+        </p:spPr>
+      </p:pic>
+    </p:spTree>
+  </p:cSld>
+  <p:clrMapOvr>
+    <a:masterClrMapping/>
+  </p:clrMapOvr>
+</p:sld>
+</file>
+
+<file path=ppt/slides/slide36.xml><?xml version="1.0" encoding="utf-8"?>
+<p:sld xmlns:a="http://schemas.openxmlformats.org/drawingml/2006/main" xmlns:r="http://schemas.openxmlformats.org/officeDocument/2006/relationships" xmlns:p="http://schemas.openxmlformats.org/presentationml/2006/main">
+  <p:cSld>
+    <p:spTree>
+      <p:nvGrpSpPr>
+        <p:cNvPr id="1" name=""/>
+        <p:cNvGrpSpPr/>
+        <p:nvPr/>
+      </p:nvGrpSpPr>
+      <p:grpSpPr>
+        <a:xfrm>
+          <a:off x="0" y="0"/>
+          <a:ext cx="0" cy="0"/>
+          <a:chOff x="0" y="0"/>
+          <a:chExt cx="0" cy="0"/>
+        </a:xfrm>
+      </p:grpSpPr>
+      <p:sp>
+        <p:nvSpPr>
+          <p:cNvPr id="2" name="標題 1"/>
+          <p:cNvSpPr>
+            <a:spLocks noGrp="1"/>
+          </p:cNvSpPr>
+          <p:nvPr>
+            <p:ph type="title"/>
+          </p:nvPr>
+        </p:nvSpPr>
+        <p:spPr/>
+        <p:txBody>
+          <a:bodyPr/>
+          <a:lstStyle/>
+          <a:p>
+            <a:r>
+              <a:rPr lang="en-US" altLang="zh-TW" b="1" dirty="0"/>
+              <a:t>Bag of words(</a:t>
+            </a:r>
+            <a:r>
+              <a:rPr lang="zh-TW" altLang="en-US" b="1" dirty="0"/>
+              <a:t>詞袋模型</a:t>
+            </a:r>
+            <a:r>
+              <a:rPr lang="en-US" altLang="zh-TW" b="1" dirty="0"/>
+              <a:t>)</a:t>
+            </a:r>
+            <a:endParaRPr lang="zh-TW" altLang="en-US" b="1" dirty="0"/>
+          </a:p>
+        </p:txBody>
+      </p:sp>
+      <p:pic>
+        <p:nvPicPr>
+          <p:cNvPr id="2050" name="Picture 2"/>
+          <p:cNvPicPr>
+            <a:picLocks noChangeAspect="1" noChangeArrowheads="1"/>
+          </p:cNvPicPr>
+          <p:nvPr/>
+        </p:nvPicPr>
+        <p:blipFill>
+          <a:blip r:embed="rId2" cstate="print"/>
+          <a:srcRect/>
+          <a:stretch>
+            <a:fillRect/>
+          </a:stretch>
+        </p:blipFill>
+        <p:spPr bwMode="auto">
+          <a:xfrm>
+            <a:off x="4079776" y="1628800"/>
+            <a:ext cx="3744416" cy="4611738"/>
+          </a:xfrm>
+          <a:prstGeom prst="rect">
+            <a:avLst/>
+          </a:prstGeom>
+          <a:noFill/>
+          <a:ln w="9525">
+            <a:noFill/>
+            <a:miter lim="800000"/>
+            <a:headEnd/>
+            <a:tailEnd/>
+          </a:ln>
+        </p:spPr>
+      </p:pic>
+    </p:spTree>
+  </p:cSld>
+  <p:clrMapOvr>
+    <a:masterClrMapping/>
+  </p:clrMapOvr>
+</p:sld>
+</file>
+
+<file path=ppt/slides/slide37.xml><?xml version="1.0" encoding="utf-8"?>
+<p:sld xmlns:a="http://schemas.openxmlformats.org/drawingml/2006/main" xmlns:r="http://schemas.openxmlformats.org/officeDocument/2006/relationships" xmlns:p="http://schemas.openxmlformats.org/presentationml/2006/main">
+  <p:cSld>
+    <p:spTree>
+      <p:nvGrpSpPr>
+        <p:cNvPr id="1" name=""/>
+        <p:cNvGrpSpPr/>
+        <p:nvPr/>
+      </p:nvGrpSpPr>
+      <p:grpSpPr>
+        <a:xfrm>
+          <a:off x="0" y="0"/>
+          <a:ext cx="0" cy="0"/>
+          <a:chOff x="0" y="0"/>
+          <a:chExt cx="0" cy="0"/>
+        </a:xfrm>
+      </p:grpSpPr>
+      <p:sp>
+        <p:nvSpPr>
+          <p:cNvPr id="2" name="標題 1"/>
+          <p:cNvSpPr>
+            <a:spLocks noGrp="1"/>
+          </p:cNvSpPr>
+          <p:nvPr>
+            <p:ph type="title"/>
+          </p:nvPr>
+        </p:nvSpPr>
+        <p:spPr/>
+        <p:txBody>
+          <a:bodyPr/>
+          <a:lstStyle/>
+          <a:p>
+            <a:r>
+              <a:rPr lang="en-US" altLang="zh-TW" b="1" dirty="0"/>
+              <a:t>Bag of words(</a:t>
+            </a:r>
+            <a:r>
+              <a:rPr lang="zh-TW" altLang="en-US" b="1" dirty="0"/>
+              <a:t>詞袋模型</a:t>
+            </a:r>
+            <a:r>
+              <a:rPr lang="en-US" altLang="zh-TW" b="1" dirty="0"/>
+              <a:t>)</a:t>
+            </a:r>
+            <a:endParaRPr lang="zh-TW" altLang="en-US" b="1" dirty="0"/>
+          </a:p>
+        </p:txBody>
+      </p:sp>
+      <p:pic>
+        <p:nvPicPr>
+          <p:cNvPr id="3074" name="Picture 2"/>
+          <p:cNvPicPr>
+            <a:picLocks noChangeAspect="1" noChangeArrowheads="1"/>
+          </p:cNvPicPr>
+          <p:nvPr/>
+        </p:nvPicPr>
+        <p:blipFill>
+          <a:blip r:embed="rId2" cstate="print"/>
+          <a:srcRect/>
+          <a:stretch>
+            <a:fillRect/>
+          </a:stretch>
+        </p:blipFill>
+        <p:spPr bwMode="auto">
+          <a:xfrm>
+            <a:off x="3719736" y="1556793"/>
+            <a:ext cx="4824536" cy="4870165"/>
+          </a:xfrm>
+          <a:prstGeom prst="rect">
+            <a:avLst/>
+          </a:prstGeom>
+          <a:noFill/>
+          <a:ln w="9525">
+            <a:noFill/>
+            <a:miter lim="800000"/>
+            <a:headEnd/>
+            <a:tailEnd/>
+          </a:ln>
+        </p:spPr>
+      </p:pic>
+    </p:spTree>
+  </p:cSld>
+  <p:clrMapOvr>
+    <a:masterClrMapping/>
+  </p:clrMapOvr>
+</p:sld>
+</file>
+
+<file path=ppt/slides/slide38.xml><?xml version="1.0" encoding="utf-8"?>
+<p:sld xmlns:a="http://schemas.openxmlformats.org/drawingml/2006/main" xmlns:r="http://schemas.openxmlformats.org/officeDocument/2006/relationships" xmlns:p="http://schemas.openxmlformats.org/presentationml/2006/main">
+  <p:cSld>
+    <p:spTree>
+      <p:nvGrpSpPr>
+        <p:cNvPr id="1" name=""/>
+        <p:cNvGrpSpPr/>
+        <p:nvPr/>
+      </p:nvGrpSpPr>
+      <p:grpSpPr>
+        <a:xfrm>
+          <a:off x="0" y="0"/>
+          <a:ext cx="0" cy="0"/>
+          <a:chOff x="0" y="0"/>
+          <a:chExt cx="0" cy="0"/>
+        </a:xfrm>
+      </p:grpSpPr>
+      <p:sp>
+        <p:nvSpPr>
+          <p:cNvPr id="2" name="標題 1"/>
+          <p:cNvSpPr>
+            <a:spLocks noGrp="1"/>
+          </p:cNvSpPr>
+          <p:nvPr>
+            <p:ph type="title"/>
+          </p:nvPr>
+        </p:nvSpPr>
+        <p:spPr/>
+        <p:txBody>
+          <a:bodyPr/>
+          <a:lstStyle/>
+          <a:p>
+            <a:r>
+              <a:rPr lang="en-US" altLang="zh-TW" b="1" dirty="0"/>
+              <a:t>Bag of words(</a:t>
+            </a:r>
+            <a:r>
+              <a:rPr lang="zh-TW" altLang="en-US" b="1" dirty="0"/>
+              <a:t>詞袋模型</a:t>
+            </a:r>
+            <a:r>
+              <a:rPr lang="en-US" altLang="zh-TW" b="1" dirty="0"/>
+              <a:t>)</a:t>
+            </a:r>
+            <a:endParaRPr lang="zh-TW" altLang="en-US" b="1" dirty="0"/>
+          </a:p>
+        </p:txBody>
+      </p:sp>
+      <p:pic>
+        <p:nvPicPr>
+          <p:cNvPr id="4098" name="Picture 2"/>
+          <p:cNvPicPr>
+            <a:picLocks noChangeAspect="1" noChangeArrowheads="1"/>
+          </p:cNvPicPr>
+          <p:nvPr/>
+        </p:nvPicPr>
+        <p:blipFill>
+          <a:blip r:embed="rId2" cstate="print"/>
+          <a:srcRect/>
+          <a:stretch>
+            <a:fillRect/>
+          </a:stretch>
+        </p:blipFill>
+        <p:spPr bwMode="auto">
+          <a:xfrm>
+            <a:off x="2351584" y="2060848"/>
+            <a:ext cx="7437046" cy="3312368"/>
+          </a:xfrm>
+          <a:prstGeom prst="rect">
+            <a:avLst/>
+          </a:prstGeom>
+          <a:noFill/>
+          <a:ln w="9525">
+            <a:noFill/>
+            <a:miter lim="800000"/>
+            <a:headEnd/>
+            <a:tailEnd/>
+          </a:ln>
+        </p:spPr>
+      </p:pic>
+    </p:spTree>
+  </p:cSld>
+  <p:clrMapOvr>
+    <a:masterClrMapping/>
+  </p:clrMapOvr>
+</p:sld>
+</file>
+
+<file path=ppt/slides/slide39.xml><?xml version="1.0" encoding="utf-8"?>
+<p:sld xmlns:a="http://schemas.openxmlformats.org/drawingml/2006/main" xmlns:r="http://schemas.openxmlformats.org/officeDocument/2006/relationships" xmlns:p="http://schemas.openxmlformats.org/presentationml/2006/main">
+  <p:cSld>
+    <p:spTree>
+      <p:nvGrpSpPr>
+        <p:cNvPr id="1" name=""/>
+        <p:cNvGrpSpPr/>
+        <p:nvPr/>
+      </p:nvGrpSpPr>
+      <p:grpSpPr>
+        <a:xfrm>
+          <a:off x="0" y="0"/>
+          <a:ext cx="0" cy="0"/>
+          <a:chOff x="0" y="0"/>
+          <a:chExt cx="0" cy="0"/>
+        </a:xfrm>
+      </p:grpSpPr>
+      <p:sp>
+        <p:nvSpPr>
+          <p:cNvPr id="2" name="標題 1">
+            <a:extLst>
+              <a:ext uri="{FF2B5EF4-FFF2-40B4-BE49-F238E27FC236}">
+                <a16:creationId xmlns:a16="http://schemas.microsoft.com/office/drawing/2014/main" id="{6E2D17FC-8E91-4D68-9E33-2E731C896C47}"/>
+              </a:ext>
+            </a:extLst>
+          </p:cNvPr>
+          <p:cNvSpPr>
+            <a:spLocks noGrp="1"/>
+          </p:cNvSpPr>
+          <p:nvPr>
+            <p:ph type="title"/>
+          </p:nvPr>
+        </p:nvSpPr>
+        <p:spPr>
+          <a:xfrm>
+            <a:off x="838200" y="365125"/>
+            <a:ext cx="10515600" cy="682839"/>
+          </a:xfrm>
+        </p:spPr>
+        <p:txBody>
+          <a:bodyPr>
+            <a:normAutofit fontScale="90000"/>
+          </a:bodyPr>
+          <a:lstStyle/>
+          <a:p>
+            <a:r>
+              <a:rPr lang="zh-TW" altLang="en-US" b="1" dirty="0">
+                <a:latin typeface="微軟正黑體" panose="020B0604030504040204" pitchFamily="34" charset="-120"/>
+                <a:ea typeface="微軟正黑體" panose="020B0604030504040204" pitchFamily="34" charset="-120"/>
+              </a:rPr>
+              <a:t>詞袋表示法</a:t>
+            </a:r>
+          </a:p>
+        </p:txBody>
+      </p:sp>
+      <p:sp>
+        <p:nvSpPr>
+          <p:cNvPr id="3" name="內容版面配置區 2">
+            <a:extLst>
+              <a:ext uri="{FF2B5EF4-FFF2-40B4-BE49-F238E27FC236}">
+                <a16:creationId xmlns:a16="http://schemas.microsoft.com/office/drawing/2014/main" id="{3ABFD44D-8A96-48EF-87FE-009D440D49A9}"/>
+              </a:ext>
+            </a:extLst>
+          </p:cNvPr>
+          <p:cNvSpPr>
+            <a:spLocks noGrp="1"/>
+          </p:cNvSpPr>
+          <p:nvPr>
+            <p:ph idx="1"/>
+          </p:nvPr>
+        </p:nvSpPr>
+        <p:spPr>
+          <a:xfrm>
+            <a:off x="838200" y="1202076"/>
+            <a:ext cx="10515600" cy="5363111"/>
+          </a:xfrm>
+        </p:spPr>
+        <p:txBody>
+          <a:bodyPr>
+            <a:noAutofit/>
+          </a:bodyPr>
+          <a:lstStyle/>
+          <a:p>
+            <a:pPr marL="514350" indent="-514350">
+              <a:buFont typeface="+mj-lt"/>
+              <a:buAutoNum type="arabicPeriod"/>
+            </a:pPr>
+            <a:r>
+              <a:rPr lang="zh-TW" altLang="zh-TW" dirty="0">
+                <a:effectLst/>
+                <a:latin typeface="微軟正黑體" panose="020B0604030504040204" pitchFamily="34" charset="-120"/>
+                <a:ea typeface="微軟正黑體" panose="020B0604030504040204" pitchFamily="34" charset="-120"/>
+                <a:cs typeface="Times New Roman" panose="02020603050405020304" pitchFamily="18" charset="0"/>
+              </a:rPr>
+              <a:t>詞袋（</a:t>
+            </a:r>
+            <a:r>
+              <a:rPr lang="en-US" altLang="zh-TW" dirty="0">
+                <a:effectLst/>
+                <a:latin typeface="微軟正黑體" panose="020B0604030504040204" pitchFamily="34" charset="-120"/>
+                <a:ea typeface="微軟正黑體" panose="020B0604030504040204" pitchFamily="34" charset="-120"/>
+                <a:cs typeface="Times New Roman" panose="02020603050405020304" pitchFamily="18" charset="0"/>
+              </a:rPr>
+              <a:t>Bag-Of-Words</a:t>
+            </a:r>
+            <a:r>
+              <a:rPr lang="zh-TW" altLang="zh-TW" dirty="0">
+                <a:effectLst/>
+                <a:latin typeface="微軟正黑體" panose="020B0604030504040204" pitchFamily="34" charset="-120"/>
+                <a:ea typeface="微軟正黑體" panose="020B0604030504040204" pitchFamily="34" charset="-120"/>
+                <a:cs typeface="Times New Roman" panose="02020603050405020304" pitchFamily="18" charset="0"/>
+              </a:rPr>
+              <a:t>，</a:t>
+            </a:r>
+            <a:r>
+              <a:rPr lang="en-US" altLang="zh-TW" dirty="0">
+                <a:effectLst/>
+                <a:latin typeface="微軟正黑體" panose="020B0604030504040204" pitchFamily="34" charset="-120"/>
+                <a:ea typeface="微軟正黑體" panose="020B0604030504040204" pitchFamily="34" charset="-120"/>
+                <a:cs typeface="Times New Roman" panose="02020603050405020304" pitchFamily="18" charset="0"/>
+              </a:rPr>
+              <a:t>BOW</a:t>
+            </a:r>
+            <a:r>
+              <a:rPr lang="zh-TW" altLang="zh-TW" dirty="0">
+                <a:effectLst/>
+                <a:latin typeface="微軟正黑體" panose="020B0604030504040204" pitchFamily="34" charset="-120"/>
+                <a:ea typeface="微軟正黑體" panose="020B0604030504040204" pitchFamily="34" charset="-120"/>
+                <a:cs typeface="Times New Roman" panose="02020603050405020304" pitchFamily="18" charset="0"/>
+              </a:rPr>
+              <a:t>）</a:t>
+            </a:r>
+            <a:endParaRPr lang="en-US" altLang="zh-TW" dirty="0">
+              <a:effectLst/>
+              <a:latin typeface="微軟正黑體" panose="020B0604030504040204" pitchFamily="34" charset="-120"/>
+              <a:ea typeface="微軟正黑體" panose="020B0604030504040204" pitchFamily="34" charset="-120"/>
+              <a:cs typeface="Times New Roman" panose="02020603050405020304" pitchFamily="18" charset="0"/>
+            </a:endParaRPr>
+          </a:p>
+          <a:p>
+            <a:pPr marL="514350" indent="-514350">
+              <a:buFont typeface="+mj-lt"/>
+              <a:buAutoNum type="arabicPeriod"/>
+            </a:pPr>
+            <a:r>
+              <a:rPr lang="zh-TW" altLang="zh-TW" dirty="0">
+                <a:effectLst/>
+                <a:latin typeface="微軟正黑體" panose="020B0604030504040204" pitchFamily="34" charset="-120"/>
+                <a:ea typeface="微軟正黑體" panose="020B0604030504040204" pitchFamily="34" charset="-120"/>
+                <a:cs typeface="Times New Roman" panose="02020603050405020304" pitchFamily="18" charset="0"/>
+              </a:rPr>
+              <a:t>設文字中的詞語是沒有順序的集合</a:t>
+            </a:r>
+            <a:endParaRPr lang="en-US" altLang="zh-TW" dirty="0">
+              <a:latin typeface="微軟正黑體" panose="020B0604030504040204" pitchFamily="34" charset="-120"/>
+              <a:ea typeface="微軟正黑體" panose="020B0604030504040204" pitchFamily="34" charset="-120"/>
+              <a:cs typeface="Times New Roman" panose="02020603050405020304" pitchFamily="18" charset="0"/>
+            </a:endParaRPr>
+          </a:p>
+          <a:p>
+            <a:pPr marL="514350" indent="-514350">
+              <a:buFont typeface="+mj-lt"/>
+              <a:buAutoNum type="arabicPeriod"/>
+            </a:pPr>
+            <a:r>
+              <a:rPr lang="zh-TW" altLang="zh-TW" dirty="0">
+                <a:effectLst/>
+                <a:latin typeface="微軟正黑體" panose="020B0604030504040204" pitchFamily="34" charset="-120"/>
+                <a:ea typeface="微軟正黑體" panose="020B0604030504040204" pitchFamily="34" charset="-120"/>
+                <a:cs typeface="Times New Roman" panose="02020603050405020304" pitchFamily="18" charset="0"/>
+              </a:rPr>
+              <a:t>將文字中的全部詞所對應的向量表示相</a:t>
+            </a:r>
+            <a:r>
+              <a:rPr lang="zh-TW" altLang="en-US" dirty="0">
+                <a:effectLst/>
+                <a:latin typeface="微軟正黑體" panose="020B0604030504040204" pitchFamily="34" charset="-120"/>
+                <a:ea typeface="微軟正黑體" panose="020B0604030504040204" pitchFamily="34" charset="-120"/>
+                <a:cs typeface="Times New Roman" panose="02020603050405020304" pitchFamily="18" charset="0"/>
+              </a:rPr>
+              <a:t>加，</a:t>
+            </a:r>
+            <a:r>
+              <a:rPr lang="zh-TW" altLang="zh-TW" dirty="0">
+                <a:effectLst/>
+                <a:latin typeface="微軟正黑體" panose="020B0604030504040204" pitchFamily="34" charset="-120"/>
+                <a:ea typeface="微軟正黑體" panose="020B0604030504040204" pitchFamily="34" charset="-120"/>
+                <a:cs typeface="Times New Roman" panose="02020603050405020304" pitchFamily="18" charset="0"/>
+              </a:rPr>
+              <a:t>組成了文字的向量表示</a:t>
+            </a:r>
+            <a:endParaRPr lang="en-US" altLang="zh-TW" dirty="0">
+              <a:effectLst/>
+              <a:latin typeface="微軟正黑體" panose="020B0604030504040204" pitchFamily="34" charset="-120"/>
+              <a:ea typeface="微軟正黑體" panose="020B0604030504040204" pitchFamily="34" charset="-120"/>
+              <a:cs typeface="Times New Roman" panose="02020603050405020304" pitchFamily="18" charset="0"/>
+            </a:endParaRPr>
+          </a:p>
+          <a:p>
+            <a:pPr marL="514350" indent="-514350">
+              <a:buFont typeface="+mj-lt"/>
+              <a:buAutoNum type="arabicPeriod"/>
+            </a:pPr>
+            <a:r>
+              <a:rPr lang="zh-TW" altLang="zh-TW" dirty="0">
+                <a:effectLst/>
+                <a:latin typeface="微軟正黑體" panose="020B0604030504040204" pitchFamily="34" charset="-120"/>
+                <a:ea typeface="微軟正黑體" panose="020B0604030504040204" pitchFamily="34" charset="-120"/>
+                <a:cs typeface="Times New Roman" panose="02020603050405020304" pitchFamily="18" charset="0"/>
+              </a:rPr>
+              <a:t>既可以是獨熱表示，也可以是分散式表示或詞向量</a:t>
+            </a:r>
+            <a:endParaRPr lang="en-US" altLang="zh-TW" dirty="0">
+              <a:effectLst/>
+              <a:latin typeface="微軟正黑體" panose="020B0604030504040204" pitchFamily="34" charset="-120"/>
+              <a:ea typeface="微軟正黑體" panose="020B0604030504040204" pitchFamily="34" charset="-120"/>
+              <a:cs typeface="Times New Roman" panose="02020603050405020304" pitchFamily="18" charset="0"/>
+            </a:endParaRPr>
+          </a:p>
+          <a:p>
+            <a:pPr marL="514350" indent="-514350">
+              <a:buFont typeface="+mj-lt"/>
+              <a:buAutoNum type="arabicPeriod"/>
+            </a:pPr>
+            <a:r>
+              <a:rPr lang="zh-TW" altLang="zh-TW" dirty="0">
+                <a:effectLst/>
+                <a:latin typeface="微軟正黑體" panose="020B0604030504040204" pitchFamily="34" charset="-120"/>
+                <a:ea typeface="微軟正黑體" panose="020B0604030504040204" pitchFamily="34" charset="-120"/>
+                <a:cs typeface="Times New Roman" panose="02020603050405020304" pitchFamily="18" charset="0"/>
+              </a:rPr>
+              <a:t>沒有考慮詞的順序資訊</a:t>
+            </a:r>
+            <a:endParaRPr lang="en-US" altLang="zh-TW" dirty="0">
+              <a:latin typeface="微軟正黑體" panose="020B0604030504040204" pitchFamily="34" charset="-120"/>
+              <a:ea typeface="微軟正黑體" panose="020B0604030504040204" pitchFamily="34" charset="-120"/>
+              <a:cs typeface="Times New Roman" panose="02020603050405020304" pitchFamily="18" charset="0"/>
+            </a:endParaRPr>
+          </a:p>
+          <a:p>
+            <a:pPr marL="514350" indent="-514350">
+              <a:buFont typeface="+mj-lt"/>
+              <a:buAutoNum type="arabicPeriod"/>
+            </a:pPr>
+            <a:r>
+              <a:rPr lang="en-US" altLang="zh-TW" dirty="0">
+                <a:effectLst/>
+                <a:latin typeface="微軟正黑體" panose="020B0604030504040204" pitchFamily="34" charset="-120"/>
+                <a:ea typeface="微軟正黑體" panose="020B0604030504040204" pitchFamily="34" charset="-120"/>
+                <a:cs typeface="Times New Roman" panose="02020603050405020304" pitchFamily="18" charset="0"/>
+              </a:rPr>
+              <a:t>“</a:t>
+            </a:r>
+            <a:r>
+              <a:rPr lang="zh-TW" altLang="zh-TW" dirty="0">
+                <a:effectLst/>
+                <a:latin typeface="微軟正黑體" panose="020B0604030504040204" pitchFamily="34" charset="-120"/>
+                <a:ea typeface="微軟正黑體" panose="020B0604030504040204" pitchFamily="34" charset="-120"/>
+                <a:cs typeface="Times New Roman" panose="02020603050405020304" pitchFamily="18" charset="0"/>
+              </a:rPr>
+              <a:t>張三打李四</a:t>
+            </a:r>
+            <a:r>
+              <a:rPr lang="en-US" altLang="zh-TW" dirty="0">
+                <a:effectLst/>
+                <a:latin typeface="微軟正黑體" panose="020B0604030504040204" pitchFamily="34" charset="-120"/>
+                <a:ea typeface="微軟正黑體" panose="020B0604030504040204" pitchFamily="34" charset="-120"/>
+                <a:cs typeface="Times New Roman" panose="02020603050405020304" pitchFamily="18" charset="0"/>
+              </a:rPr>
+              <a:t>”</a:t>
+            </a:r>
+            <a:r>
+              <a:rPr lang="zh-TW" altLang="zh-TW" dirty="0">
+                <a:effectLst/>
+                <a:latin typeface="微軟正黑體" panose="020B0604030504040204" pitchFamily="34" charset="-120"/>
+                <a:ea typeface="微軟正黑體" panose="020B0604030504040204" pitchFamily="34" charset="-120"/>
+                <a:cs typeface="Times New Roman" panose="02020603050405020304" pitchFamily="18" charset="0"/>
+              </a:rPr>
+              <a:t>和</a:t>
+            </a:r>
+            <a:r>
+              <a:rPr lang="en-US" altLang="zh-TW" dirty="0">
+                <a:effectLst/>
+                <a:latin typeface="微軟正黑體" panose="020B0604030504040204" pitchFamily="34" charset="-120"/>
+                <a:ea typeface="微軟正黑體" panose="020B0604030504040204" pitchFamily="34" charset="-120"/>
+                <a:cs typeface="Times New Roman" panose="02020603050405020304" pitchFamily="18" charset="0"/>
+              </a:rPr>
+              <a:t>“</a:t>
+            </a:r>
+            <a:r>
+              <a:rPr lang="zh-TW" altLang="zh-TW" dirty="0">
+                <a:effectLst/>
+                <a:latin typeface="微軟正黑體" panose="020B0604030504040204" pitchFamily="34" charset="-120"/>
+                <a:ea typeface="微軟正黑體" panose="020B0604030504040204" pitchFamily="34" charset="-120"/>
+                <a:cs typeface="Times New Roman" panose="02020603050405020304" pitchFamily="18" charset="0"/>
+              </a:rPr>
+              <a:t>李四打張三</a:t>
+            </a:r>
+            <a:r>
+              <a:rPr lang="en-US" altLang="zh-TW" dirty="0">
+                <a:effectLst/>
+                <a:latin typeface="微軟正黑體" panose="020B0604030504040204" pitchFamily="34" charset="-120"/>
+                <a:ea typeface="微軟正黑體" panose="020B0604030504040204" pitchFamily="34" charset="-120"/>
+                <a:cs typeface="Times New Roman" panose="02020603050405020304" pitchFamily="18" charset="0"/>
+              </a:rPr>
+              <a:t>”</a:t>
+            </a:r>
+            <a:r>
+              <a:rPr lang="zh-TW" altLang="zh-TW" dirty="0">
+                <a:effectLst/>
+                <a:latin typeface="微軟正黑體" panose="020B0604030504040204" pitchFamily="34" charset="-120"/>
+                <a:ea typeface="微軟正黑體" panose="020B0604030504040204" pitchFamily="34" charset="-120"/>
+                <a:cs typeface="Times New Roman" panose="02020603050405020304" pitchFamily="18" charset="0"/>
+              </a:rPr>
+              <a:t>，包含的詞相同，詞序不同，詞袋表示結果一樣</a:t>
+            </a:r>
+            <a:endParaRPr lang="en-US" altLang="zh-TW" dirty="0">
+              <a:effectLst/>
+              <a:latin typeface="微軟正黑體" panose="020B0604030504040204" pitchFamily="34" charset="-120"/>
+              <a:ea typeface="微軟正黑體" panose="020B0604030504040204" pitchFamily="34" charset="-120"/>
+              <a:cs typeface="Times New Roman" panose="02020603050405020304" pitchFamily="18" charset="0"/>
+            </a:endParaRPr>
+          </a:p>
+          <a:p>
+            <a:pPr marL="514350" indent="-514350">
+              <a:buFont typeface="+mj-lt"/>
+              <a:buAutoNum type="arabicPeriod"/>
+            </a:pPr>
+            <a:r>
+              <a:rPr lang="zh-TW" altLang="zh-TW" dirty="0">
+                <a:effectLst/>
+                <a:latin typeface="微軟正黑體" panose="020B0604030504040204" pitchFamily="34" charset="-120"/>
+                <a:ea typeface="微軟正黑體" panose="020B0604030504040204" pitchFamily="34" charset="-120"/>
+                <a:cs typeface="Times New Roman" panose="02020603050405020304" pitchFamily="18" charset="0"/>
+              </a:rPr>
+              <a:t>是無法融入上下文資訊。比如要表示</a:t>
+            </a:r>
+            <a:r>
+              <a:rPr lang="en-US" altLang="zh-TW" dirty="0">
+                <a:effectLst/>
+                <a:latin typeface="微軟正黑體" panose="020B0604030504040204" pitchFamily="34" charset="-120"/>
+                <a:ea typeface="微軟正黑體" panose="020B0604030504040204" pitchFamily="34" charset="-120"/>
+                <a:cs typeface="Times New Roman" panose="02020603050405020304" pitchFamily="18" charset="0"/>
+              </a:rPr>
+              <a:t>“</a:t>
+            </a:r>
+            <a:r>
+              <a:rPr lang="zh-TW" altLang="zh-TW" dirty="0">
+                <a:effectLst/>
+                <a:latin typeface="微軟正黑體" panose="020B0604030504040204" pitchFamily="34" charset="-120"/>
+                <a:ea typeface="微軟正黑體" panose="020B0604030504040204" pitchFamily="34" charset="-120"/>
+                <a:cs typeface="Times New Roman" panose="02020603050405020304" pitchFamily="18" charset="0"/>
+              </a:rPr>
+              <a:t>不喜歡</a:t>
+            </a:r>
+            <a:r>
+              <a:rPr lang="en-US" altLang="zh-TW" dirty="0">
+                <a:effectLst/>
+                <a:latin typeface="微軟正黑體" panose="020B0604030504040204" pitchFamily="34" charset="-120"/>
+                <a:ea typeface="微軟正黑體" panose="020B0604030504040204" pitchFamily="34" charset="-120"/>
+                <a:cs typeface="Times New Roman" panose="02020603050405020304" pitchFamily="18" charset="0"/>
+              </a:rPr>
+              <a:t>”</a:t>
+            </a:r>
+            <a:r>
+              <a:rPr lang="zh-TW" altLang="zh-TW" dirty="0">
+                <a:effectLst/>
+                <a:latin typeface="微軟正黑體" panose="020B0604030504040204" pitchFamily="34" charset="-120"/>
+                <a:ea typeface="微軟正黑體" panose="020B0604030504040204" pitchFamily="34" charset="-120"/>
+                <a:cs typeface="Times New Roman" panose="02020603050405020304" pitchFamily="18" charset="0"/>
+              </a:rPr>
+              <a:t>，只能將兩個詞的向量相加，無法進行更細緻的語義操作</a:t>
+            </a:r>
+            <a:endParaRPr lang="en-US" altLang="zh-TW" dirty="0">
+              <a:effectLst/>
+              <a:latin typeface="微軟正黑體" panose="020B0604030504040204" pitchFamily="34" charset="-120"/>
+              <a:ea typeface="微軟正黑體" panose="020B0604030504040204" pitchFamily="34" charset="-120"/>
+              <a:cs typeface="Times New Roman" panose="02020603050405020304" pitchFamily="18" charset="0"/>
+            </a:endParaRPr>
+          </a:p>
+          <a:p>
+            <a:pPr marL="514350" indent="-514350">
+              <a:buFont typeface="+mj-lt"/>
+              <a:buAutoNum type="arabicPeriod"/>
+            </a:pPr>
+            <a:r>
+              <a:rPr lang="zh-TW" altLang="zh-TW" dirty="0">
+                <a:effectLst/>
+                <a:latin typeface="微軟正黑體" panose="020B0604030504040204" pitchFamily="34" charset="-120"/>
+                <a:ea typeface="微軟正黑體" panose="020B0604030504040204" pitchFamily="34" charset="-120"/>
+                <a:cs typeface="Times New Roman" panose="02020603050405020304" pitchFamily="18" charset="0"/>
+              </a:rPr>
+              <a:t>隨著詞表的增大，會引入更嚴重的資料稀疏問題</a:t>
+            </a:r>
+            <a:endParaRPr lang="en-US" altLang="zh-TW" dirty="0">
+              <a:latin typeface="微軟正黑體" panose="020B0604030504040204" pitchFamily="34" charset="-120"/>
+              <a:ea typeface="微軟正黑體" panose="020B0604030504040204" pitchFamily="34" charset="-120"/>
+            </a:endParaRPr>
+          </a:p>
+        </p:txBody>
+      </p:sp>
+    </p:spTree>
+    <p:extLst>
+      <p:ext uri="{BB962C8B-B14F-4D97-AF65-F5344CB8AC3E}">
+        <p14:creationId xmlns:p14="http://schemas.microsoft.com/office/powerpoint/2010/main" val="1266772290"/>
+      </p:ext>
+    </p:extLst>
+  </p:cSld>
+  <p:clrMapOvr>
+    <a:masterClrMapping/>
+  </p:clrMapOvr>
+</p:sld>
+</file>
+
+<file path=ppt/slides/slide4.xml><?xml version="1.0" encoding="utf-8"?>
+<p:sld xmlns:a="http://schemas.openxmlformats.org/drawingml/2006/main" xmlns:r="http://schemas.openxmlformats.org/officeDocument/2006/relationships" xmlns:p="http://schemas.openxmlformats.org/presentationml/2006/main">
+  <p:cSld>
+    <p:spTree>
+      <p:nvGrpSpPr>
+        <p:cNvPr id="1" name=""/>
+        <p:cNvGrpSpPr/>
+        <p:nvPr/>
+      </p:nvGrpSpPr>
+      <p:grpSpPr>
+        <a:xfrm>
+          <a:off x="0" y="0"/>
+          <a:ext cx="0" cy="0"/>
+          <a:chOff x="0" y="0"/>
+          <a:chExt cx="0" cy="0"/>
+        </a:xfrm>
+      </p:grpSpPr>
+      <p:sp>
+        <p:nvSpPr>
+          <p:cNvPr id="2" name="標題 1">
+            <a:extLst>
+              <a:ext uri="{FF2B5EF4-FFF2-40B4-BE49-F238E27FC236}">
+                <a16:creationId xmlns:a16="http://schemas.microsoft.com/office/drawing/2014/main" id="{6E2D17FC-8E91-4D68-9E33-2E731C896C47}"/>
+              </a:ext>
+            </a:extLst>
+          </p:cNvPr>
+          <p:cNvSpPr>
+            <a:spLocks noGrp="1"/>
+          </p:cNvSpPr>
+          <p:nvPr>
+            <p:ph type="title"/>
+          </p:nvPr>
+        </p:nvSpPr>
+        <p:spPr>
+          <a:xfrm>
+            <a:off x="838200" y="365125"/>
+            <a:ext cx="10515600" cy="682839"/>
+          </a:xfrm>
+        </p:spPr>
+        <p:txBody>
+          <a:bodyPr>
+            <a:normAutofit fontScale="90000"/>
+          </a:bodyPr>
+          <a:lstStyle/>
+          <a:p>
+            <a:r>
+              <a:rPr lang="zh-TW" altLang="en-US" b="1" dirty="0">
+                <a:latin typeface="微軟正黑體" panose="020B0604030504040204" pitchFamily="34" charset="-120"/>
+                <a:ea typeface="微軟正黑體" panose="020B0604030504040204" pitchFamily="34" charset="-120"/>
+              </a:rPr>
+              <a:t>文字是什麼？</a:t>
+            </a:r>
+          </a:p>
+        </p:txBody>
+      </p:sp>
+      <p:sp>
+        <p:nvSpPr>
+          <p:cNvPr id="3" name="內容版面配置區 2">
+            <a:extLst>
+              <a:ext uri="{FF2B5EF4-FFF2-40B4-BE49-F238E27FC236}">
+                <a16:creationId xmlns:a16="http://schemas.microsoft.com/office/drawing/2014/main" id="{3ABFD44D-8A96-48EF-87FE-009D440D49A9}"/>
+              </a:ext>
+            </a:extLst>
+          </p:cNvPr>
+          <p:cNvSpPr>
+            <a:spLocks noGrp="1"/>
+          </p:cNvSpPr>
+          <p:nvPr>
+            <p:ph idx="1"/>
+          </p:nvPr>
+        </p:nvSpPr>
+        <p:spPr>
+          <a:xfrm>
+            <a:off x="838200" y="1202076"/>
+            <a:ext cx="10515600" cy="5363111"/>
+          </a:xfrm>
+        </p:spPr>
+        <p:txBody>
+          <a:bodyPr>
+            <a:normAutofit/>
+          </a:bodyPr>
+          <a:lstStyle/>
+          <a:p>
+            <a:pPr marL="514350" indent="-514350">
+              <a:buFont typeface="+mj-lt"/>
+              <a:buAutoNum type="arabicPeriod"/>
+            </a:pPr>
+            <a:r>
+              <a:rPr lang="zh-TW" altLang="en-US" dirty="0">
+                <a:latin typeface="微軟正黑體" panose="020B0604030504040204" pitchFamily="34" charset="-120"/>
+                <a:ea typeface="微軟正黑體" panose="020B0604030504040204" pitchFamily="34" charset="-120"/>
+              </a:rPr>
+              <a:t>表達一種有形或無形的東西</a:t>
+            </a:r>
+            <a:endParaRPr lang="en-US" altLang="zh-TW" dirty="0">
+              <a:latin typeface="微軟正黑體" panose="020B0604030504040204" pitchFamily="34" charset="-120"/>
+              <a:ea typeface="微軟正黑體" panose="020B0604030504040204" pitchFamily="34" charset="-120"/>
+            </a:endParaRPr>
+          </a:p>
+          <a:p>
+            <a:pPr marL="514350" indent="-514350">
+              <a:buFont typeface="+mj-lt"/>
+              <a:buAutoNum type="arabicPeriod"/>
+            </a:pPr>
+            <a:r>
+              <a:rPr lang="zh-TW" altLang="en-US" dirty="0">
+                <a:latin typeface="微軟正黑體" panose="020B0604030504040204" pitchFamily="34" charset="-120"/>
+                <a:ea typeface="微軟正黑體" panose="020B0604030504040204" pitchFamily="34" charset="-120"/>
+              </a:rPr>
+              <a:t>本身即可再延伸成新意</a:t>
+            </a:r>
+            <a:r>
+              <a:rPr lang="en-US" altLang="zh-TW" dirty="0">
+                <a:latin typeface="微軟正黑體" panose="020B0604030504040204" pitchFamily="34" charset="-120"/>
+                <a:ea typeface="微軟正黑體" panose="020B0604030504040204" pitchFamily="34" charset="-120"/>
+              </a:rPr>
+              <a:t>(compute, computer, computation)</a:t>
+            </a:r>
+          </a:p>
+          <a:p>
+            <a:pPr marL="514350" indent="-514350">
+              <a:buFont typeface="+mj-lt"/>
+              <a:buAutoNum type="arabicPeriod"/>
+            </a:pPr>
+            <a:r>
+              <a:rPr lang="zh-TW" altLang="en-US" dirty="0">
+                <a:latin typeface="微軟正黑體" panose="020B0604030504040204" pitchFamily="34" charset="-120"/>
+                <a:ea typeface="微軟正黑體" panose="020B0604030504040204" pitchFamily="34" charset="-120"/>
+              </a:rPr>
+              <a:t>可任意排列組合成新的意義</a:t>
+            </a:r>
+            <a:endParaRPr lang="en-US" altLang="zh-TW" dirty="0">
+              <a:latin typeface="微軟正黑體" panose="020B0604030504040204" pitchFamily="34" charset="-120"/>
+              <a:ea typeface="微軟正黑體" panose="020B0604030504040204" pitchFamily="34" charset="-120"/>
+            </a:endParaRPr>
+          </a:p>
+          <a:p>
+            <a:pPr marL="514350" indent="-514350">
+              <a:buFont typeface="+mj-lt"/>
+              <a:buAutoNum type="arabicPeriod"/>
+            </a:pPr>
+            <a:endParaRPr lang="en-US" altLang="zh-TW" dirty="0">
+              <a:latin typeface="微軟正黑體" panose="020B0604030504040204" pitchFamily="34" charset="-120"/>
+              <a:ea typeface="微軟正黑體" panose="020B0604030504040204" pitchFamily="34" charset="-120"/>
+            </a:endParaRPr>
+          </a:p>
+        </p:txBody>
+      </p:sp>
+      <p:pic>
+        <p:nvPicPr>
+          <p:cNvPr id="4" name="圖片 3">
+            <a:extLst>
+              <a:ext uri="{FF2B5EF4-FFF2-40B4-BE49-F238E27FC236}">
+                <a16:creationId xmlns:a16="http://schemas.microsoft.com/office/drawing/2014/main" id="{16276E28-5902-449C-A71C-4410E18DA6E3}"/>
+              </a:ext>
+            </a:extLst>
+          </p:cNvPr>
+          <p:cNvPicPr>
+            <a:picLocks noChangeAspect="1"/>
+          </p:cNvPicPr>
+          <p:nvPr/>
+        </p:nvPicPr>
+        <p:blipFill>
+          <a:blip r:embed="rId2"/>
+          <a:stretch>
+            <a:fillRect/>
+          </a:stretch>
+        </p:blipFill>
+        <p:spPr>
+          <a:xfrm>
+            <a:off x="1480709" y="3110073"/>
+            <a:ext cx="8696325" cy="3124200"/>
+          </a:xfrm>
+          <a:prstGeom prst="rect">
+            <a:avLst/>
+          </a:prstGeom>
+        </p:spPr>
+      </p:pic>
+    </p:spTree>
+    <p:extLst>
+      <p:ext uri="{BB962C8B-B14F-4D97-AF65-F5344CB8AC3E}">
+        <p14:creationId xmlns:p14="http://schemas.microsoft.com/office/powerpoint/2010/main" val="435385719"/>
+      </p:ext>
+    </p:extLst>
+  </p:cSld>
+  <p:clrMapOvr>
+    <a:masterClrMapping/>
+  </p:clrMapOvr>
+</p:sld>
+</file>
+
+<file path=ppt/slides/slide40.xml><?xml version="1.0" encoding="utf-8"?>
+<p:sld xmlns:a="http://schemas.openxmlformats.org/drawingml/2006/main" xmlns:r="http://schemas.openxmlformats.org/officeDocument/2006/relationships" xmlns:p="http://schemas.openxmlformats.org/presentationml/2006/main">
+  <p:cSld>
+    <p:spTree>
+      <p:nvGrpSpPr>
+        <p:cNvPr id="1" name=""/>
+        <p:cNvGrpSpPr/>
+        <p:nvPr/>
+      </p:nvGrpSpPr>
+      <p:grpSpPr>
+        <a:xfrm>
+          <a:off x="0" y="0"/>
+          <a:ext cx="0" cy="0"/>
+          <a:chOff x="0" y="0"/>
+          <a:chExt cx="0" cy="0"/>
+        </a:xfrm>
+      </p:grpSpPr>
+      <p:sp>
+        <p:nvSpPr>
+          <p:cNvPr id="2" name="標題 1"/>
+          <p:cNvSpPr>
+            <a:spLocks noGrp="1"/>
+          </p:cNvSpPr>
+          <p:nvPr>
+            <p:ph type="title"/>
+          </p:nvPr>
+        </p:nvSpPr>
+        <p:spPr/>
+        <p:txBody>
+          <a:bodyPr/>
+          <a:lstStyle/>
+          <a:p>
+            <a:r>
+              <a:rPr lang="en-US" altLang="zh-TW" b="1" dirty="0"/>
+              <a:t>Bag of words(</a:t>
+            </a:r>
+            <a:r>
+              <a:rPr lang="zh-TW" altLang="en-US" b="1" dirty="0"/>
+              <a:t>詞袋模型</a:t>
+            </a:r>
+            <a:r>
+              <a:rPr lang="en-US" altLang="zh-TW" b="1" dirty="0"/>
+              <a:t>)</a:t>
+            </a:r>
+            <a:endParaRPr lang="zh-TW" altLang="en-US" b="1" dirty="0"/>
+          </a:p>
+        </p:txBody>
+      </p:sp>
+      <p:sp>
+        <p:nvSpPr>
+          <p:cNvPr id="4" name="矩形 3"/>
+          <p:cNvSpPr/>
+          <p:nvPr/>
+        </p:nvSpPr>
+        <p:spPr>
+          <a:xfrm>
+            <a:off x="2495600" y="1628801"/>
+            <a:ext cx="7344816" cy="4401205"/>
+          </a:xfrm>
+          <a:prstGeom prst="rect">
+            <a:avLst/>
+          </a:prstGeom>
+        </p:spPr>
+        <p:txBody>
+          <a:bodyPr wrap="square">
+            <a:spAutoFit/>
+          </a:bodyPr>
+          <a:lstStyle/>
+          <a:p>
+            <a:pPr>
+              <a:buFont typeface="Arial" pitchFamily="34" charset="0"/>
+              <a:buChar char="•"/>
+            </a:pPr>
+            <a:r>
+              <a:rPr lang="zh-TW" altLang="en-US" sz="2800" dirty="0"/>
+              <a:t> 隨著文件的不斷增長，</a:t>
+            </a:r>
+            <a:r>
+              <a:rPr lang="zh-TW" altLang="en-US" sz="2800" b="1" dirty="0"/>
+              <a:t>詞彙表的增長將會導致文件向量不斷的增長，表現為文件向量的維度不斷增加</a:t>
+            </a:r>
+            <a:r>
+              <a:rPr lang="zh-TW" altLang="en-US" sz="2800" dirty="0"/>
+              <a:t>。</a:t>
+            </a:r>
+            <a:endParaRPr lang="en-US" altLang="zh-TW" sz="2800" dirty="0"/>
+          </a:p>
+          <a:p>
+            <a:pPr>
+              <a:buFont typeface="Arial" pitchFamily="34" charset="0"/>
+              <a:buChar char="•"/>
+            </a:pPr>
+            <a:r>
+              <a:rPr lang="zh-TW" altLang="en-US" sz="2800" dirty="0"/>
+              <a:t> 設想要為大量的書籍建立詞袋模型，那麼詞彙表將會變得非常的大</a:t>
+            </a:r>
+            <a:endParaRPr lang="en-US" altLang="zh-TW" sz="2800" dirty="0"/>
+          </a:p>
+          <a:p>
+            <a:pPr>
+              <a:buFont typeface="Arial" pitchFamily="34" charset="0"/>
+              <a:buChar char="•"/>
+            </a:pPr>
+            <a:r>
+              <a:rPr lang="en-US" altLang="zh-TW" sz="2800" dirty="0"/>
+              <a:t> </a:t>
+            </a:r>
+            <a:r>
+              <a:rPr lang="zh-TW" altLang="en-US" sz="2800" dirty="0"/>
+              <a:t>文件向量將會變得相當的長</a:t>
+            </a:r>
+            <a:endParaRPr lang="en-US" altLang="zh-TW" sz="2800" dirty="0"/>
+          </a:p>
+          <a:p>
+            <a:pPr>
+              <a:buFont typeface="Arial" pitchFamily="34" charset="0"/>
+              <a:buChar char="•"/>
+            </a:pPr>
+            <a:r>
+              <a:rPr lang="en-US" altLang="zh-TW" sz="2800" dirty="0"/>
+              <a:t> </a:t>
+            </a:r>
+            <a:r>
+              <a:rPr lang="zh-TW" altLang="en-US" sz="2800" dirty="0"/>
+              <a:t>當往往一本書中其實通常使用到的詞彙表是非常小的</a:t>
+            </a:r>
+            <a:endParaRPr lang="en-US" altLang="zh-TW" sz="2800" dirty="0"/>
+          </a:p>
+          <a:p>
+            <a:pPr>
+              <a:buFont typeface="Arial" pitchFamily="34" charset="0"/>
+              <a:buChar char="•"/>
+            </a:pPr>
+            <a:r>
+              <a:rPr lang="en-US" altLang="zh-TW" sz="2800" dirty="0"/>
+              <a:t> </a:t>
+            </a:r>
+            <a:r>
+              <a:rPr lang="zh-TW" altLang="en-US" sz="2800" dirty="0"/>
+              <a:t>這就會導致一本書的表示向量中存在大量的</a:t>
+            </a:r>
+            <a:r>
+              <a:rPr lang="en-US" altLang="zh-TW" sz="2800" dirty="0"/>
+              <a:t>0</a:t>
+            </a:r>
+          </a:p>
+          <a:p>
+            <a:pPr>
+              <a:buFont typeface="Arial" pitchFamily="34" charset="0"/>
+              <a:buChar char="•"/>
+            </a:pPr>
+            <a:r>
+              <a:rPr lang="en-US" altLang="zh-TW" sz="2800" dirty="0"/>
+              <a:t> </a:t>
+            </a:r>
+            <a:r>
+              <a:rPr lang="zh-TW" altLang="en-US" sz="2800" dirty="0"/>
+              <a:t>這樣的</a:t>
+            </a:r>
+            <a:r>
+              <a:rPr lang="zh-TW" altLang="en-US" sz="2800" b="1" dirty="0"/>
+              <a:t>向量稱為稀疏向量或者叫稀疏表示</a:t>
+            </a:r>
+            <a:r>
+              <a:rPr lang="zh-TW" altLang="en-US" sz="2800" dirty="0"/>
+              <a:t>。</a:t>
+            </a:r>
+          </a:p>
+        </p:txBody>
+      </p:sp>
+    </p:spTree>
+  </p:cSld>
+  <p:clrMapOvr>
+    <a:masterClrMapping/>
+  </p:clrMapOvr>
+</p:sld>
+</file>
+
+<file path=ppt/slides/slide41.xml><?xml version="1.0" encoding="utf-8"?>
+<p:sld xmlns:a="http://schemas.openxmlformats.org/drawingml/2006/main" xmlns:r="http://schemas.openxmlformats.org/officeDocument/2006/relationships" xmlns:p="http://schemas.openxmlformats.org/presentationml/2006/main">
+  <p:cSld>
+    <p:spTree>
+      <p:nvGrpSpPr>
+        <p:cNvPr id="1" name=""/>
+        <p:cNvGrpSpPr/>
+        <p:nvPr/>
+      </p:nvGrpSpPr>
+      <p:grpSpPr>
+        <a:xfrm>
+          <a:off x="0" y="0"/>
+          <a:ext cx="0" cy="0"/>
+          <a:chOff x="0" y="0"/>
+          <a:chExt cx="0" cy="0"/>
+        </a:xfrm>
+      </p:grpSpPr>
+      <p:sp>
+        <p:nvSpPr>
+          <p:cNvPr id="2" name="標題 1"/>
+          <p:cNvSpPr>
+            <a:spLocks noGrp="1"/>
+          </p:cNvSpPr>
+          <p:nvPr>
+            <p:ph type="title"/>
+          </p:nvPr>
+        </p:nvSpPr>
+        <p:spPr/>
+        <p:txBody>
+          <a:bodyPr/>
+          <a:lstStyle/>
+          <a:p>
+            <a:r>
+              <a:rPr lang="en-US" altLang="zh-TW" b="1" dirty="0"/>
+              <a:t>Bag of words(</a:t>
+            </a:r>
+            <a:r>
+              <a:rPr lang="zh-TW" altLang="en-US" b="1" dirty="0"/>
+              <a:t>詞袋模型</a:t>
+            </a:r>
+            <a:r>
+              <a:rPr lang="en-US" altLang="zh-TW" b="1" dirty="0"/>
+              <a:t>)</a:t>
+            </a:r>
+            <a:endParaRPr lang="zh-TW" altLang="en-US" b="1" dirty="0"/>
+          </a:p>
+        </p:txBody>
+      </p:sp>
+      <p:sp>
+        <p:nvSpPr>
+          <p:cNvPr id="4" name="矩形 3"/>
+          <p:cNvSpPr/>
+          <p:nvPr/>
+        </p:nvSpPr>
+        <p:spPr>
+          <a:xfrm>
+            <a:off x="2495600" y="1628801"/>
+            <a:ext cx="7344816" cy="1384995"/>
+          </a:xfrm>
+          <a:prstGeom prst="rect">
+            <a:avLst/>
+          </a:prstGeom>
+        </p:spPr>
+        <p:txBody>
+          <a:bodyPr wrap="square">
+            <a:spAutoFit/>
+          </a:bodyPr>
+          <a:lstStyle/>
+          <a:p>
+            <a:pPr marL="180975" indent="-180975">
+              <a:buFont typeface="Arial" pitchFamily="34" charset="0"/>
+              <a:buChar char="•"/>
+            </a:pPr>
+            <a:r>
+              <a:rPr lang="zh-TW" altLang="en-US" sz="2800" dirty="0"/>
+              <a:t>稀疏的向量將會在計算的時候耗費大量的計算資源和記憶體，所以減小詞彙表大小就成為了急切需要解決的問題了。</a:t>
+            </a:r>
+          </a:p>
+        </p:txBody>
+      </p:sp>
+      <p:pic>
+        <p:nvPicPr>
+          <p:cNvPr id="5122" name="Picture 2"/>
+          <p:cNvPicPr>
+            <a:picLocks noChangeAspect="1" noChangeArrowheads="1"/>
+          </p:cNvPicPr>
+          <p:nvPr/>
+        </p:nvPicPr>
+        <p:blipFill>
+          <a:blip r:embed="rId2" cstate="print"/>
+          <a:srcRect/>
+          <a:stretch>
+            <a:fillRect/>
+          </a:stretch>
+        </p:blipFill>
+        <p:spPr bwMode="auto">
+          <a:xfrm>
+            <a:off x="3647729" y="3501008"/>
+            <a:ext cx="5320735" cy="2448272"/>
+          </a:xfrm>
+          <a:prstGeom prst="rect">
+            <a:avLst/>
+          </a:prstGeom>
+          <a:noFill/>
+          <a:ln w="9525">
+            <a:noFill/>
+            <a:miter lim="800000"/>
+            <a:headEnd/>
+            <a:tailEnd/>
+          </a:ln>
+        </p:spPr>
+      </p:pic>
+    </p:spTree>
+  </p:cSld>
+  <p:clrMapOvr>
+    <a:masterClrMapping/>
+  </p:clrMapOvr>
+</p:sld>
+</file>
+
+<file path=ppt/slides/slide42.xml><?xml version="1.0" encoding="utf-8"?>
+<p:sld xmlns:a="http://schemas.openxmlformats.org/drawingml/2006/main" xmlns:r="http://schemas.openxmlformats.org/officeDocument/2006/relationships" xmlns:p="http://schemas.openxmlformats.org/presentationml/2006/main">
+  <p:cSld>
+    <p:spTree>
+      <p:nvGrpSpPr>
+        <p:cNvPr id="1" name=""/>
+        <p:cNvGrpSpPr/>
+        <p:nvPr/>
+      </p:nvGrpSpPr>
+      <p:grpSpPr>
+        <a:xfrm>
+          <a:off x="0" y="0"/>
+          <a:ext cx="0" cy="0"/>
+          <a:chOff x="0" y="0"/>
+          <a:chExt cx="0" cy="0"/>
+        </a:xfrm>
+      </p:grpSpPr>
+      <p:sp>
+        <p:nvSpPr>
+          <p:cNvPr id="2" name="標題 1"/>
+          <p:cNvSpPr>
+            <a:spLocks noGrp="1"/>
+          </p:cNvSpPr>
+          <p:nvPr>
+            <p:ph type="title"/>
+          </p:nvPr>
+        </p:nvSpPr>
+        <p:spPr/>
+        <p:txBody>
+          <a:bodyPr/>
+          <a:lstStyle/>
+          <a:p>
+            <a:r>
+              <a:rPr lang="en-US" altLang="zh-TW" b="1" dirty="0"/>
+              <a:t>Bag of words(</a:t>
+            </a:r>
+            <a:r>
+              <a:rPr lang="zh-TW" altLang="en-US" b="1" dirty="0"/>
+              <a:t>詞袋模型</a:t>
+            </a:r>
+            <a:r>
+              <a:rPr lang="en-US" altLang="zh-TW" b="1" dirty="0"/>
+              <a:t>)</a:t>
+            </a:r>
+            <a:endParaRPr lang="zh-TW" altLang="en-US" b="1" dirty="0"/>
+          </a:p>
+        </p:txBody>
+      </p:sp>
+      <p:pic>
+        <p:nvPicPr>
+          <p:cNvPr id="7171" name="Picture 3"/>
+          <p:cNvPicPr>
+            <a:picLocks noChangeAspect="1" noChangeArrowheads="1"/>
+          </p:cNvPicPr>
+          <p:nvPr/>
+        </p:nvPicPr>
+        <p:blipFill>
+          <a:blip r:embed="rId2" cstate="print"/>
+          <a:srcRect/>
+          <a:stretch>
+            <a:fillRect/>
+          </a:stretch>
+        </p:blipFill>
+        <p:spPr bwMode="auto">
+          <a:xfrm>
+            <a:off x="1847529" y="1916832"/>
+            <a:ext cx="8423569" cy="4176464"/>
+          </a:xfrm>
+          <a:prstGeom prst="rect">
+            <a:avLst/>
+          </a:prstGeom>
+          <a:noFill/>
+          <a:ln w="9525">
+            <a:noFill/>
+            <a:miter lim="800000"/>
+            <a:headEnd/>
+            <a:tailEnd/>
+          </a:ln>
+        </p:spPr>
+      </p:pic>
+    </p:spTree>
+  </p:cSld>
+  <p:clrMapOvr>
+    <a:masterClrMapping/>
+  </p:clrMapOvr>
+</p:sld>
+</file>
+
+<file path=ppt/slides/slide43.xml><?xml version="1.0" encoding="utf-8"?>
+<p:sld xmlns:a="http://schemas.openxmlformats.org/drawingml/2006/main" xmlns:r="http://schemas.openxmlformats.org/officeDocument/2006/relationships" xmlns:p="http://schemas.openxmlformats.org/presentationml/2006/main">
+  <p:cSld>
+    <p:spTree>
+      <p:nvGrpSpPr>
+        <p:cNvPr id="1" name=""/>
+        <p:cNvGrpSpPr/>
+        <p:nvPr/>
+      </p:nvGrpSpPr>
+      <p:grpSpPr>
+        <a:xfrm>
+          <a:off x="0" y="0"/>
+          <a:ext cx="0" cy="0"/>
+          <a:chOff x="0" y="0"/>
+          <a:chExt cx="0" cy="0"/>
+        </a:xfrm>
+      </p:grpSpPr>
+      <p:sp>
+        <p:nvSpPr>
+          <p:cNvPr id="2" name="標題 1"/>
+          <p:cNvSpPr>
+            <a:spLocks noGrp="1"/>
+          </p:cNvSpPr>
+          <p:nvPr>
+            <p:ph type="title"/>
+          </p:nvPr>
+        </p:nvSpPr>
+        <p:spPr/>
+        <p:txBody>
+          <a:bodyPr/>
+          <a:lstStyle/>
+          <a:p>
+            <a:r>
+              <a:rPr lang="en-US" altLang="zh-TW" b="1" dirty="0"/>
+              <a:t>Bag of words(</a:t>
+            </a:r>
+            <a:r>
+              <a:rPr lang="zh-TW" altLang="en-US" b="1" dirty="0"/>
+              <a:t>詞袋模型問題</a:t>
+            </a:r>
+            <a:r>
+              <a:rPr lang="en-US" altLang="zh-TW" b="1" dirty="0"/>
+              <a:t>)</a:t>
+            </a:r>
+            <a:endParaRPr lang="zh-TW" altLang="en-US" b="1" dirty="0"/>
+          </a:p>
+        </p:txBody>
+      </p:sp>
+      <p:pic>
+        <p:nvPicPr>
+          <p:cNvPr id="47106" name="Picture 2"/>
+          <p:cNvPicPr>
+            <a:picLocks noChangeAspect="1" noChangeArrowheads="1"/>
+          </p:cNvPicPr>
+          <p:nvPr/>
+        </p:nvPicPr>
+        <p:blipFill>
+          <a:blip r:embed="rId2" cstate="print"/>
+          <a:srcRect/>
+          <a:stretch>
+            <a:fillRect/>
+          </a:stretch>
+        </p:blipFill>
+        <p:spPr bwMode="auto">
+          <a:xfrm>
+            <a:off x="1919537" y="2276872"/>
+            <a:ext cx="8281231" cy="3096344"/>
+          </a:xfrm>
+          <a:prstGeom prst="rect">
+            <a:avLst/>
+          </a:prstGeom>
+          <a:noFill/>
+          <a:ln w="9525">
+            <a:noFill/>
+            <a:miter lim="800000"/>
+            <a:headEnd/>
+            <a:tailEnd/>
+          </a:ln>
+        </p:spPr>
+      </p:pic>
+    </p:spTree>
+  </p:cSld>
+  <p:clrMapOvr>
+    <a:masterClrMapping/>
+  </p:clrMapOvr>
+</p:sld>
+</file>
+
+<file path=ppt/slides/slide44.xml><?xml version="1.0" encoding="utf-8"?>
+<p:sld xmlns:a="http://schemas.openxmlformats.org/drawingml/2006/main" xmlns:r="http://schemas.openxmlformats.org/officeDocument/2006/relationships" xmlns:p="http://schemas.openxmlformats.org/presentationml/2006/main">
+  <p:cSld>
+    <p:spTree>
+      <p:nvGrpSpPr>
+        <p:cNvPr id="1" name=""/>
+        <p:cNvGrpSpPr/>
+        <p:nvPr/>
+      </p:nvGrpSpPr>
+      <p:grpSpPr>
+        <a:xfrm>
+          <a:off x="0" y="0"/>
+          <a:ext cx="0" cy="0"/>
+          <a:chOff x="0" y="0"/>
+          <a:chExt cx="0" cy="0"/>
+        </a:xfrm>
+      </p:grpSpPr>
+      <p:sp>
+        <p:nvSpPr>
+          <p:cNvPr id="2" name="標題 1">
+            <a:extLst>
+              <a:ext uri="{FF2B5EF4-FFF2-40B4-BE49-F238E27FC236}">
+                <a16:creationId xmlns:a16="http://schemas.microsoft.com/office/drawing/2014/main" id="{619027ED-4718-4571-A3BC-DADBFFD055DE}"/>
+              </a:ext>
+            </a:extLst>
+          </p:cNvPr>
+          <p:cNvSpPr>
+            <a:spLocks noGrp="1"/>
+          </p:cNvSpPr>
+          <p:nvPr>
+            <p:ph type="ctrTitle"/>
+          </p:nvPr>
+        </p:nvSpPr>
+        <p:spPr>
+          <a:xfrm>
+            <a:off x="1524000" y="2712376"/>
+            <a:ext cx="9144000" cy="1270197"/>
+          </a:xfrm>
+        </p:spPr>
+        <p:txBody>
+          <a:bodyPr/>
+          <a:lstStyle/>
+          <a:p>
+            <a:r>
+              <a:rPr lang="zh-TW" altLang="en-US" dirty="0">
+                <a:latin typeface="微軟正黑體" panose="020B0604030504040204" pitchFamily="34" charset="-120"/>
+                <a:ea typeface="微軟正黑體" panose="020B0604030504040204" pitchFamily="34" charset="-120"/>
+              </a:rPr>
+              <a:t>詞的分散式表示法</a:t>
+            </a:r>
+          </a:p>
+        </p:txBody>
+      </p:sp>
+    </p:spTree>
+    <p:extLst>
+      <p:ext uri="{BB962C8B-B14F-4D97-AF65-F5344CB8AC3E}">
+        <p14:creationId xmlns:p14="http://schemas.microsoft.com/office/powerpoint/2010/main" val="381061952"/>
+      </p:ext>
+    </p:extLst>
+  </p:cSld>
+  <p:clrMapOvr>
+    <a:masterClrMapping/>
+  </p:clrMapOvr>
+</p:sld>
+</file>
+
+<file path=ppt/slides/slide45.xml><?xml version="1.0" encoding="utf-8"?>
+<p:sld xmlns:a="http://schemas.openxmlformats.org/drawingml/2006/main" xmlns:r="http://schemas.openxmlformats.org/officeDocument/2006/relationships" xmlns:p="http://schemas.openxmlformats.org/presentationml/2006/main">
+  <p:cSld>
+    <p:spTree>
+      <p:nvGrpSpPr>
+        <p:cNvPr id="1" name=""/>
+        <p:cNvGrpSpPr/>
+        <p:nvPr/>
+      </p:nvGrpSpPr>
+      <p:grpSpPr>
+        <a:xfrm>
+          <a:off x="0" y="0"/>
+          <a:ext cx="0" cy="0"/>
+          <a:chOff x="0" y="0"/>
+          <a:chExt cx="0" cy="0"/>
+        </a:xfrm>
+      </p:grpSpPr>
+      <p:sp>
+        <p:nvSpPr>
+          <p:cNvPr id="2" name="標題 1"/>
+          <p:cNvSpPr>
+            <a:spLocks noGrp="1"/>
+          </p:cNvSpPr>
+          <p:nvPr>
+            <p:ph type="title"/>
+          </p:nvPr>
+        </p:nvSpPr>
+        <p:spPr>
+          <a:xfrm>
+            <a:off x="838200" y="365125"/>
+            <a:ext cx="10515600" cy="1047651"/>
+          </a:xfrm>
+        </p:spPr>
+        <p:txBody>
+          <a:bodyPr/>
+          <a:lstStyle/>
+          <a:p>
+            <a:r>
+              <a:rPr lang="zh-TW" altLang="en-US" b="1" dirty="0"/>
+              <a:t>分散式表示法</a:t>
+            </a:r>
+          </a:p>
+        </p:txBody>
+      </p:sp>
+      <p:sp>
+        <p:nvSpPr>
+          <p:cNvPr id="3" name="內容版面配置區 2"/>
+          <p:cNvSpPr>
+            <a:spLocks noGrp="1"/>
+          </p:cNvSpPr>
+          <p:nvPr>
+            <p:ph idx="1"/>
+          </p:nvPr>
+        </p:nvSpPr>
+        <p:spPr>
+          <a:xfrm>
+            <a:off x="1847528" y="1679904"/>
+            <a:ext cx="8496944" cy="4392123"/>
+          </a:xfrm>
+        </p:spPr>
+        <p:txBody>
+          <a:bodyPr>
+            <a:normAutofit/>
+          </a:bodyPr>
+          <a:lstStyle/>
+          <a:p>
+            <a:pPr lvl="1"/>
+            <a:r>
+              <a:rPr lang="zh-TW" altLang="en-US" sz="2800" b="1" dirty="0"/>
+              <a:t>以頻率為基礎</a:t>
+            </a:r>
+            <a:endParaRPr lang="en-US" altLang="zh-TW" sz="2800" b="1" dirty="0"/>
+          </a:p>
+          <a:p>
+            <a:pPr lvl="2"/>
+            <a:r>
+              <a:rPr lang="en-US" altLang="zh-TW" dirty="0"/>
+              <a:t>Count Vector</a:t>
+            </a:r>
+          </a:p>
+          <a:p>
+            <a:pPr lvl="2"/>
+            <a:r>
+              <a:rPr lang="en-US" altLang="zh-TW" dirty="0"/>
+              <a:t>TF-IDF Vector</a:t>
+            </a:r>
+          </a:p>
+          <a:p>
+            <a:pPr lvl="2"/>
+            <a:r>
+              <a:rPr lang="en-US" altLang="zh-TW" dirty="0"/>
+              <a:t>Co-</a:t>
+            </a:r>
+            <a:r>
+              <a:rPr lang="en-US" altLang="zh-TW" dirty="0" err="1"/>
+              <a:t>Occurence</a:t>
+            </a:r>
+            <a:r>
+              <a:rPr lang="en-US" altLang="zh-TW" dirty="0"/>
+              <a:t> Vector</a:t>
+            </a:r>
+            <a:endParaRPr lang="en-US" altLang="zh-TW" b="1" dirty="0"/>
+          </a:p>
+          <a:p>
+            <a:pPr lvl="1"/>
+            <a:r>
+              <a:rPr lang="zh-TW" altLang="en-US" b="1" dirty="0"/>
+              <a:t>以預測為基礎</a:t>
+            </a:r>
+            <a:r>
+              <a:rPr lang="en-US" altLang="zh-TW" b="1" dirty="0"/>
+              <a:t>(Word embedding)</a:t>
+            </a:r>
+          </a:p>
+          <a:p>
+            <a:pPr lvl="1"/>
+            <a:r>
+              <a:rPr lang="zh-TW" altLang="en-US" dirty="0"/>
+              <a:t>基於矩陣的分佈表示</a:t>
+            </a:r>
+            <a:endParaRPr lang="en-US" altLang="zh-TW" dirty="0"/>
+          </a:p>
+          <a:p>
+            <a:pPr lvl="1"/>
+            <a:r>
+              <a:rPr lang="zh-TW" altLang="en-US" dirty="0"/>
+              <a:t>基於聚類的分佈表示</a:t>
+            </a:r>
+            <a:endParaRPr lang="en-US" altLang="zh-TW" dirty="0"/>
+          </a:p>
+          <a:p>
+            <a:pPr lvl="1"/>
+            <a:r>
+              <a:rPr lang="zh-TW" altLang="en-US" dirty="0"/>
+              <a:t>基於神經網絡的分佈表示</a:t>
+            </a:r>
+            <a:endParaRPr lang="en-US" altLang="zh-TW" b="1" dirty="0"/>
+          </a:p>
+          <a:p>
+            <a:pPr lvl="2"/>
+            <a:r>
+              <a:rPr lang="en-US" altLang="zh-TW" b="1" dirty="0"/>
+              <a:t>CBOW</a:t>
+            </a:r>
+          </a:p>
+          <a:p>
+            <a:pPr lvl="2"/>
+            <a:r>
+              <a:rPr lang="en-US" altLang="zh-TW" b="1" dirty="0"/>
+              <a:t>SKIP-GRAM</a:t>
+            </a:r>
+          </a:p>
+        </p:txBody>
+      </p:sp>
+    </p:spTree>
+  </p:cSld>
+  <p:clrMapOvr>
+    <a:masterClrMapping/>
+  </p:clrMapOvr>
+</p:sld>
+</file>
+
+<file path=ppt/slides/slide46.xml><?xml version="1.0" encoding="utf-8"?>
+<p:sld xmlns:a="http://schemas.openxmlformats.org/drawingml/2006/main" xmlns:r="http://schemas.openxmlformats.org/officeDocument/2006/relationships" xmlns:p="http://schemas.openxmlformats.org/presentationml/2006/main">
+  <p:cSld>
+    <p:spTree>
+      <p:nvGrpSpPr>
+        <p:cNvPr id="1" name=""/>
+        <p:cNvGrpSpPr/>
+        <p:nvPr/>
+      </p:nvGrpSpPr>
+      <p:grpSpPr>
+        <a:xfrm>
+          <a:off x="0" y="0"/>
+          <a:ext cx="0" cy="0"/>
+          <a:chOff x="0" y="0"/>
+          <a:chExt cx="0" cy="0"/>
+        </a:xfrm>
+      </p:grpSpPr>
+      <p:sp>
+        <p:nvSpPr>
+          <p:cNvPr id="2" name="標題 1"/>
+          <p:cNvSpPr>
+            <a:spLocks noGrp="1"/>
+          </p:cNvSpPr>
+          <p:nvPr>
+            <p:ph type="title"/>
+          </p:nvPr>
+        </p:nvSpPr>
+        <p:spPr/>
+        <p:txBody>
+          <a:bodyPr/>
+          <a:lstStyle/>
+          <a:p>
+            <a:r>
+              <a:rPr lang="en-US" altLang="zh-TW" b="1" dirty="0"/>
+              <a:t>Counting Base</a:t>
+            </a:r>
+            <a:endParaRPr lang="zh-TW" altLang="en-US" b="1" dirty="0"/>
+          </a:p>
+        </p:txBody>
+      </p:sp>
+      <p:pic>
+        <p:nvPicPr>
+          <p:cNvPr id="24578" name="Picture 2"/>
+          <p:cNvPicPr>
+            <a:picLocks noChangeAspect="1" noChangeArrowheads="1"/>
+          </p:cNvPicPr>
+          <p:nvPr/>
+        </p:nvPicPr>
+        <p:blipFill>
+          <a:blip r:embed="rId2" cstate="print"/>
+          <a:srcRect/>
+          <a:stretch>
+            <a:fillRect/>
+          </a:stretch>
+        </p:blipFill>
+        <p:spPr bwMode="auto">
+          <a:xfrm>
+            <a:off x="2207569" y="1916832"/>
+            <a:ext cx="7866597" cy="3888432"/>
+          </a:xfrm>
+          <a:prstGeom prst="rect">
+            <a:avLst/>
+          </a:prstGeom>
+          <a:noFill/>
+          <a:ln w="9525">
+            <a:noFill/>
+            <a:miter lim="800000"/>
+            <a:headEnd/>
+            <a:tailEnd/>
+          </a:ln>
+        </p:spPr>
+      </p:pic>
+    </p:spTree>
+  </p:cSld>
+  <p:clrMapOvr>
+    <a:masterClrMapping/>
+  </p:clrMapOvr>
+</p:sld>
+</file>
+
+<file path=ppt/slides/slide47.xml><?xml version="1.0" encoding="utf-8"?>
+<p:sld xmlns:a="http://schemas.openxmlformats.org/drawingml/2006/main" xmlns:r="http://schemas.openxmlformats.org/officeDocument/2006/relationships" xmlns:p="http://schemas.openxmlformats.org/presentationml/2006/main">
+  <p:cSld>
+    <p:spTree>
+      <p:nvGrpSpPr>
+        <p:cNvPr id="1" name=""/>
+        <p:cNvGrpSpPr/>
+        <p:nvPr/>
+      </p:nvGrpSpPr>
+      <p:grpSpPr>
+        <a:xfrm>
+          <a:off x="0" y="0"/>
+          <a:ext cx="0" cy="0"/>
+          <a:chOff x="0" y="0"/>
+          <a:chExt cx="0" cy="0"/>
+        </a:xfrm>
+      </p:grpSpPr>
+      <p:sp>
+        <p:nvSpPr>
+          <p:cNvPr id="2" name="標題 1"/>
+          <p:cNvSpPr>
+            <a:spLocks noGrp="1"/>
+          </p:cNvSpPr>
+          <p:nvPr>
+            <p:ph type="title"/>
+          </p:nvPr>
+        </p:nvSpPr>
+        <p:spPr/>
+        <p:txBody>
+          <a:bodyPr/>
+          <a:lstStyle/>
+          <a:p>
+            <a:r>
+              <a:rPr lang="en-US" altLang="zh-TW" b="1" dirty="0"/>
+              <a:t>TF-IDF</a:t>
+            </a:r>
+            <a:endParaRPr lang="zh-TW" altLang="en-US" b="1" dirty="0"/>
+          </a:p>
+        </p:txBody>
+      </p:sp>
+      <p:sp>
+        <p:nvSpPr>
+          <p:cNvPr id="4" name="矩形 3"/>
+          <p:cNvSpPr/>
+          <p:nvPr/>
+        </p:nvSpPr>
+        <p:spPr>
+          <a:xfrm>
+            <a:off x="2495600" y="1628800"/>
+            <a:ext cx="7344816" cy="2677656"/>
+          </a:xfrm>
+          <a:prstGeom prst="rect">
+            <a:avLst/>
+          </a:prstGeom>
+        </p:spPr>
+        <p:txBody>
+          <a:bodyPr wrap="square">
+            <a:spAutoFit/>
+          </a:bodyPr>
+          <a:lstStyle/>
+          <a:p>
+            <a:pPr marL="180975" indent="-180975">
+              <a:buFont typeface="Arial" pitchFamily="34" charset="0"/>
+              <a:buChar char="•"/>
+            </a:pPr>
+            <a:r>
+              <a:rPr lang="en-US" altLang="zh-TW" sz="2800" dirty="0"/>
+              <a:t>Term frequency–inverse document frequency </a:t>
+            </a:r>
+          </a:p>
+          <a:p>
+            <a:pPr marL="180975" indent="-180975">
+              <a:buFont typeface="Arial" pitchFamily="34" charset="0"/>
+              <a:buChar char="•"/>
+            </a:pPr>
+            <a:r>
+              <a:rPr lang="zh-TW" altLang="en-US" sz="2800" b="1" dirty="0"/>
+              <a:t>評估一字詞對於一個檔案集或一個語料庫中的其中一份檔案的重要程度</a:t>
+            </a:r>
+            <a:endParaRPr lang="en-US" altLang="zh-TW" sz="2800" b="1" dirty="0"/>
+          </a:p>
+          <a:p>
+            <a:pPr marL="180975" indent="-180975">
+              <a:buFont typeface="Arial" pitchFamily="34" charset="0"/>
+              <a:buChar char="•"/>
+            </a:pPr>
+            <a:r>
+              <a:rPr lang="zh-TW" altLang="en-US" sz="2800" b="1" dirty="0"/>
+              <a:t>字詞的重要性隨著它在檔案中出現的次數成正比</a:t>
+            </a:r>
+            <a:endParaRPr lang="en-US" altLang="zh-TW" sz="2800" b="1" dirty="0"/>
+          </a:p>
+          <a:p>
+            <a:pPr marL="180975" indent="-180975">
+              <a:buFont typeface="Arial" pitchFamily="34" charset="0"/>
+              <a:buChar char="•"/>
+            </a:pPr>
+            <a:r>
+              <a:rPr lang="zh-TW" altLang="en-US" sz="2800" b="1" dirty="0"/>
+              <a:t>隨著它在語料庫中出現的頻率成反比</a:t>
+            </a:r>
+            <a:endParaRPr lang="zh-TW" altLang="en-US" sz="2800" dirty="0"/>
+          </a:p>
+        </p:txBody>
+      </p:sp>
+    </p:spTree>
+  </p:cSld>
+  <p:clrMapOvr>
+    <a:masterClrMapping/>
+  </p:clrMapOvr>
+</p:sld>
+</file>
+
+<file path=ppt/slides/slide48.xml><?xml version="1.0" encoding="utf-8"?>
 <p:sld xmlns:a="http://schemas.openxmlformats.org/drawingml/2006/main" xmlns:r="http://schemas.openxmlformats.org/officeDocument/2006/relationships" xmlns:p="http://schemas.openxmlformats.org/presentationml/2006/main">
   <p:cSld>
     <p:spTree>
@@ -7063,7 +11086,7 @@
 </p:sld>
 </file>
 
-<file path=ppt/slides/slide21.xml><?xml version="1.0" encoding="utf-8"?>
+<file path=ppt/slides/slide49.xml><?xml version="1.0" encoding="utf-8"?>
 <p:sld xmlns:a="http://schemas.openxmlformats.org/drawingml/2006/main" xmlns:r="http://schemas.openxmlformats.org/officeDocument/2006/relationships" xmlns:p="http://schemas.openxmlformats.org/presentationml/2006/main">
   <p:cSld>
     <p:spTree>
@@ -7358,7 +11381,317 @@
 </p:sld>
 </file>
 
-<file path=ppt/slides/slide22.xml><?xml version="1.0" encoding="utf-8"?>
+<file path=ppt/slides/slide5.xml><?xml version="1.0" encoding="utf-8"?>
+<p:sld xmlns:a="http://schemas.openxmlformats.org/drawingml/2006/main" xmlns:r="http://schemas.openxmlformats.org/officeDocument/2006/relationships" xmlns:p="http://schemas.openxmlformats.org/presentationml/2006/main">
+  <p:cSld>
+    <p:spTree>
+      <p:nvGrpSpPr>
+        <p:cNvPr id="1" name=""/>
+        <p:cNvGrpSpPr/>
+        <p:nvPr/>
+      </p:nvGrpSpPr>
+      <p:grpSpPr>
+        <a:xfrm>
+          <a:off x="0" y="0"/>
+          <a:ext cx="0" cy="0"/>
+          <a:chOff x="0" y="0"/>
+          <a:chExt cx="0" cy="0"/>
+        </a:xfrm>
+      </p:grpSpPr>
+      <p:sp>
+        <p:nvSpPr>
+          <p:cNvPr id="2" name="標題 1">
+            <a:extLst>
+              <a:ext uri="{FF2B5EF4-FFF2-40B4-BE49-F238E27FC236}">
+                <a16:creationId xmlns:a16="http://schemas.microsoft.com/office/drawing/2014/main" id="{6E2D17FC-8E91-4D68-9E33-2E731C896C47}"/>
+              </a:ext>
+            </a:extLst>
+          </p:cNvPr>
+          <p:cNvSpPr>
+            <a:spLocks noGrp="1"/>
+          </p:cNvSpPr>
+          <p:nvPr>
+            <p:ph type="title"/>
+          </p:nvPr>
+        </p:nvSpPr>
+        <p:spPr>
+          <a:xfrm>
+            <a:off x="838200" y="365125"/>
+            <a:ext cx="10515600" cy="682839"/>
+          </a:xfrm>
+        </p:spPr>
+        <p:txBody>
+          <a:bodyPr>
+            <a:normAutofit fontScale="90000"/>
+          </a:bodyPr>
+          <a:lstStyle/>
+          <a:p>
+            <a:r>
+              <a:rPr lang="zh-TW" altLang="en-US" b="1" dirty="0">
+                <a:latin typeface="微軟正黑體" panose="020B0604030504040204" pitchFamily="34" charset="-120"/>
+                <a:ea typeface="微軟正黑體" panose="020B0604030504040204" pitchFamily="34" charset="-120"/>
+              </a:rPr>
+              <a:t>先看一眼什麼是語言模型</a:t>
+            </a:r>
+            <a:r>
+              <a:rPr lang="en-US" altLang="zh-TW" b="1" dirty="0">
+                <a:latin typeface="微軟正黑體" panose="020B0604030504040204" pitchFamily="34" charset="-120"/>
+                <a:ea typeface="微軟正黑體" panose="020B0604030504040204" pitchFamily="34" charset="-120"/>
+              </a:rPr>
+              <a:t>(LM)</a:t>
+            </a:r>
+            <a:endParaRPr lang="zh-TW" altLang="en-US" b="1" dirty="0">
+              <a:latin typeface="微軟正黑體" panose="020B0604030504040204" pitchFamily="34" charset="-120"/>
+              <a:ea typeface="微軟正黑體" panose="020B0604030504040204" pitchFamily="34" charset="-120"/>
+            </a:endParaRPr>
+          </a:p>
+        </p:txBody>
+      </p:sp>
+      <p:sp>
+        <p:nvSpPr>
+          <p:cNvPr id="3" name="內容版面配置區 2">
+            <a:extLst>
+              <a:ext uri="{FF2B5EF4-FFF2-40B4-BE49-F238E27FC236}">
+                <a16:creationId xmlns:a16="http://schemas.microsoft.com/office/drawing/2014/main" id="{3ABFD44D-8A96-48EF-87FE-009D440D49A9}"/>
+              </a:ext>
+            </a:extLst>
+          </p:cNvPr>
+          <p:cNvSpPr>
+            <a:spLocks noGrp="1"/>
+          </p:cNvSpPr>
+          <p:nvPr>
+            <p:ph idx="1"/>
+          </p:nvPr>
+        </p:nvSpPr>
+        <p:spPr>
+          <a:xfrm>
+            <a:off x="838200" y="1202076"/>
+            <a:ext cx="10515600" cy="5363111"/>
+          </a:xfrm>
+        </p:spPr>
+        <p:txBody>
+          <a:bodyPr>
+            <a:normAutofit/>
+          </a:bodyPr>
+          <a:lstStyle/>
+          <a:p>
+            <a:pPr marL="514350" indent="-514350">
+              <a:buFont typeface="+mj-lt"/>
+              <a:buAutoNum type="arabicPeriod"/>
+            </a:pPr>
+            <a:r>
+              <a:rPr lang="zh-TW" altLang="en-US" dirty="0">
+                <a:latin typeface="微軟正黑體" panose="020B0604030504040204" pitchFamily="34" charset="-120"/>
+                <a:ea typeface="微軟正黑體" panose="020B0604030504040204" pitchFamily="34" charset="-120"/>
+              </a:rPr>
+              <a:t>如果有一個函數</a:t>
+            </a:r>
+            <a:r>
+              <a:rPr lang="en-US" altLang="zh-TW" dirty="0">
+                <a:latin typeface="微軟正黑體" panose="020B0604030504040204" pitchFamily="34" charset="-120"/>
+                <a:ea typeface="微軟正黑體" panose="020B0604030504040204" pitchFamily="34" charset="-120"/>
+              </a:rPr>
+              <a:t>p=f(x)</a:t>
+            </a:r>
+            <a:r>
+              <a:rPr lang="zh-TW" altLang="en-US" dirty="0">
+                <a:latin typeface="微軟正黑體" panose="020B0604030504040204" pitchFamily="34" charset="-120"/>
+                <a:ea typeface="微軟正黑體" panose="020B0604030504040204" pitchFamily="34" charset="-120"/>
+              </a:rPr>
+              <a:t>，</a:t>
+            </a:r>
+            <a:r>
+              <a:rPr lang="en-US" altLang="zh-TW" dirty="0">
+                <a:latin typeface="微軟正黑體" panose="020B0604030504040204" pitchFamily="34" charset="-120"/>
+                <a:ea typeface="微軟正黑體" panose="020B0604030504040204" pitchFamily="34" charset="-120"/>
+              </a:rPr>
+              <a:t>x</a:t>
+            </a:r>
+            <a:r>
+              <a:rPr lang="zh-TW" altLang="en-US" dirty="0">
+                <a:latin typeface="微軟正黑體" panose="020B0604030504040204" pitchFamily="34" charset="-120"/>
+                <a:ea typeface="微軟正黑體" panose="020B0604030504040204" pitchFamily="34" charset="-120"/>
+              </a:rPr>
+              <a:t>是一個值，</a:t>
+            </a:r>
+            <a:r>
+              <a:rPr lang="en-US" altLang="zh-TW" dirty="0">
+                <a:latin typeface="微軟正黑體" panose="020B0604030504040204" pitchFamily="34" charset="-120"/>
+                <a:ea typeface="微軟正黑體" panose="020B0604030504040204" pitchFamily="34" charset="-120"/>
+              </a:rPr>
+              <a:t>p</a:t>
+            </a:r>
+            <a:r>
+              <a:rPr lang="zh-TW" altLang="en-US" dirty="0">
+                <a:latin typeface="微軟正黑體" panose="020B0604030504040204" pitchFamily="34" charset="-120"/>
+                <a:ea typeface="微軟正黑體" panose="020B0604030504040204" pitchFamily="34" charset="-120"/>
+              </a:rPr>
+              <a:t>是一個機率值</a:t>
+            </a:r>
+            <a:endParaRPr lang="en-US" altLang="zh-TW" dirty="0">
+              <a:latin typeface="微軟正黑體" panose="020B0604030504040204" pitchFamily="34" charset="-120"/>
+              <a:ea typeface="微軟正黑體" panose="020B0604030504040204" pitchFamily="34" charset="-120"/>
+            </a:endParaRPr>
+          </a:p>
+          <a:p>
+            <a:pPr marL="514350" indent="-514350">
+              <a:buFont typeface="+mj-lt"/>
+              <a:buAutoNum type="arabicPeriod"/>
+            </a:pPr>
+            <a:r>
+              <a:rPr lang="en-US" altLang="zh-TW" dirty="0">
+                <a:latin typeface="微軟正黑體" panose="020B0604030504040204" pitchFamily="34" charset="-120"/>
+                <a:ea typeface="微軟正黑體" panose="020B0604030504040204" pitchFamily="34" charset="-120"/>
+              </a:rPr>
+              <a:t>p = f(‘&lt;</a:t>
+            </a:r>
+            <a:r>
+              <a:rPr lang="zh-TW" altLang="en-US" dirty="0">
+                <a:latin typeface="微軟正黑體" panose="020B0604030504040204" pitchFamily="34" charset="-120"/>
+                <a:ea typeface="微軟正黑體" panose="020B0604030504040204" pitchFamily="34" charset="-120"/>
+              </a:rPr>
+              <a:t>一段語言資料</a:t>
+            </a:r>
+            <a:r>
+              <a:rPr lang="en-US" altLang="zh-TW" dirty="0">
+                <a:latin typeface="微軟正黑體" panose="020B0604030504040204" pitchFamily="34" charset="-120"/>
+                <a:ea typeface="微軟正黑體" panose="020B0604030504040204" pitchFamily="34" charset="-120"/>
+              </a:rPr>
+              <a:t>&gt;’)</a:t>
+            </a:r>
+          </a:p>
+          <a:p>
+            <a:pPr marL="514350" indent="-514350">
+              <a:buFont typeface="+mj-lt"/>
+              <a:buAutoNum type="arabicPeriod"/>
+            </a:pPr>
+            <a:r>
+              <a:rPr lang="en-US" altLang="zh-TW" dirty="0">
+                <a:latin typeface="微軟正黑體" panose="020B0604030504040204" pitchFamily="34" charset="-120"/>
+                <a:ea typeface="微軟正黑體" panose="020B0604030504040204" pitchFamily="34" charset="-120"/>
+              </a:rPr>
+              <a:t>p1=f(‘recognize speech’) = 0.9</a:t>
+            </a:r>
+          </a:p>
+          <a:p>
+            <a:pPr marL="514350" indent="-514350">
+              <a:buFont typeface="+mj-lt"/>
+              <a:buAutoNum type="arabicPeriod"/>
+            </a:pPr>
+            <a:r>
+              <a:rPr lang="en-US" altLang="zh-TW" dirty="0">
+                <a:latin typeface="微軟正黑體" panose="020B0604030504040204" pitchFamily="34" charset="-120"/>
+                <a:ea typeface="微軟正黑體" panose="020B0604030504040204" pitchFamily="34" charset="-120"/>
+              </a:rPr>
+              <a:t>p2 =f(‘wreck a nice beach’)= 0.01</a:t>
+            </a:r>
+          </a:p>
+          <a:p>
+            <a:pPr marL="514350" indent="-514350">
+              <a:buFont typeface="+mj-lt"/>
+              <a:buAutoNum type="arabicPeriod"/>
+            </a:pPr>
+            <a:r>
+              <a:rPr lang="en-US" altLang="zh-TW" dirty="0">
+                <a:latin typeface="微軟正黑體" panose="020B0604030504040204" pitchFamily="34" charset="-120"/>
+                <a:ea typeface="微軟正黑體" panose="020B0604030504040204" pitchFamily="34" charset="-120"/>
+              </a:rPr>
+              <a:t>p1&gt;p2</a:t>
+            </a:r>
+            <a:r>
+              <a:rPr lang="zh-TW" altLang="en-US" dirty="0">
+                <a:latin typeface="微軟正黑體" panose="020B0604030504040204" pitchFamily="34" charset="-120"/>
+                <a:ea typeface="微軟正黑體" panose="020B0604030504040204" pitchFamily="34" charset="-120"/>
+              </a:rPr>
+              <a:t>，所以這段語言資料表示的是</a:t>
+            </a:r>
+            <a:r>
+              <a:rPr lang="en-US" altLang="zh-TW" dirty="0">
+                <a:latin typeface="微軟正黑體" panose="020B0604030504040204" pitchFamily="34" charset="-120"/>
+                <a:ea typeface="微軟正黑體" panose="020B0604030504040204" pitchFamily="34" charset="-120"/>
+              </a:rPr>
+              <a:t>p1</a:t>
+            </a:r>
+            <a:r>
+              <a:rPr lang="zh-TW" altLang="en-US" dirty="0">
+                <a:latin typeface="微軟正黑體" panose="020B0604030504040204" pitchFamily="34" charset="-120"/>
+                <a:ea typeface="微軟正黑體" panose="020B0604030504040204" pitchFamily="34" charset="-120"/>
+              </a:rPr>
+              <a:t>的意思</a:t>
+            </a:r>
+            <a:endParaRPr lang="en-US" altLang="zh-TW" dirty="0">
+              <a:latin typeface="微軟正黑體" panose="020B0604030504040204" pitchFamily="34" charset="-120"/>
+              <a:ea typeface="微軟正黑體" panose="020B0604030504040204" pitchFamily="34" charset="-120"/>
+            </a:endParaRPr>
+          </a:p>
+          <a:p>
+            <a:pPr marL="514350" indent="-514350">
+              <a:buFont typeface="+mj-lt"/>
+              <a:buAutoNum type="arabicPeriod"/>
+            </a:pPr>
+            <a:endParaRPr lang="en-US" altLang="zh-TW" dirty="0">
+              <a:latin typeface="微軟正黑體" panose="020B0604030504040204" pitchFamily="34" charset="-120"/>
+              <a:ea typeface="微軟正黑體" panose="020B0604030504040204" pitchFamily="34" charset="-120"/>
+            </a:endParaRPr>
+          </a:p>
+          <a:p>
+            <a:pPr marL="0" indent="0" algn="ctr">
+              <a:buNone/>
+            </a:pPr>
+            <a:r>
+              <a:rPr lang="zh-TW" altLang="en-US" b="1" dirty="0">
+                <a:solidFill>
+                  <a:srgbClr val="FF0000"/>
+                </a:solidFill>
+                <a:latin typeface="微軟正黑體" panose="020B0604030504040204" pitchFamily="34" charset="-120"/>
+                <a:ea typeface="微軟正黑體" panose="020B0604030504040204" pitchFamily="34" charset="-120"/>
+              </a:rPr>
+              <a:t>這個</a:t>
+            </a:r>
+            <a:r>
+              <a:rPr lang="en-US" altLang="zh-TW" b="1" dirty="0">
+                <a:solidFill>
+                  <a:srgbClr val="FF0000"/>
+                </a:solidFill>
+                <a:latin typeface="微軟正黑體" panose="020B0604030504040204" pitchFamily="34" charset="-120"/>
+                <a:ea typeface="微軟正黑體" panose="020B0604030504040204" pitchFamily="34" charset="-120"/>
+              </a:rPr>
+              <a:t>f(x)</a:t>
+            </a:r>
+            <a:r>
+              <a:rPr lang="zh-TW" altLang="en-US" b="1" dirty="0">
+                <a:solidFill>
+                  <a:srgbClr val="FF0000"/>
+                </a:solidFill>
+                <a:latin typeface="微軟正黑體" panose="020B0604030504040204" pitchFamily="34" charset="-120"/>
+                <a:ea typeface="微軟正黑體" panose="020B0604030504040204" pitchFamily="34" charset="-120"/>
+              </a:rPr>
+              <a:t>就稱之為一個語言模型</a:t>
+            </a:r>
+            <a:endParaRPr lang="en-US" altLang="zh-TW" b="1" dirty="0">
+              <a:solidFill>
+                <a:srgbClr val="FF0000"/>
+              </a:solidFill>
+              <a:latin typeface="微軟正黑體" panose="020B0604030504040204" pitchFamily="34" charset="-120"/>
+              <a:ea typeface="微軟正黑體" panose="020B0604030504040204" pitchFamily="34" charset="-120"/>
+            </a:endParaRPr>
+          </a:p>
+        </p:txBody>
+      </p:sp>
+    </p:spTree>
+    <p:extLst>
+      <p:ext uri="{BB962C8B-B14F-4D97-AF65-F5344CB8AC3E}">
+        <p14:creationId xmlns:p14="http://schemas.microsoft.com/office/powerpoint/2010/main" val="3047797901"/>
+      </p:ext>
+    </p:extLst>
+  </p:cSld>
+  <p:clrMapOvr>
+    <a:masterClrMapping/>
+  </p:clrMapOvr>
+</p:sld>
+</file>
+
+<file path=ppt/slides/slide50.xml><?xml version="1.0" encoding="utf-8"?>
 <p:sld xmlns:a="http://schemas.openxmlformats.org/drawingml/2006/main" xmlns:r="http://schemas.openxmlformats.org/officeDocument/2006/relationships" xmlns:p="http://schemas.openxmlformats.org/presentationml/2006/main">
   <p:cSld>
     <p:spTree>
@@ -7418,7 +11751,7 @@
 </p:sld>
 </file>
 
-<file path=ppt/slides/slide23.xml><?xml version="1.0" encoding="utf-8"?>
+<file path=ppt/slides/slide51.xml><?xml version="1.0" encoding="utf-8"?>
 <p:sld xmlns:a="http://schemas.openxmlformats.org/drawingml/2006/main" xmlns:r="http://schemas.openxmlformats.org/officeDocument/2006/relationships" xmlns:p="http://schemas.openxmlformats.org/presentationml/2006/main">
   <p:cSld>
     <p:spTree>
@@ -7840,7 +12173,7 @@
 </p:sld>
 </file>
 
-<file path=ppt/slides/slide24.xml><?xml version="1.0" encoding="utf-8"?>
+<file path=ppt/slides/slide52.xml><?xml version="1.0" encoding="utf-8"?>
 <p:sld xmlns:a="http://schemas.openxmlformats.org/drawingml/2006/main" xmlns:r="http://schemas.openxmlformats.org/officeDocument/2006/relationships" xmlns:p="http://schemas.openxmlformats.org/presentationml/2006/main">
   <p:cSld>
     <p:spTree>
@@ -8258,7 +12591,7 @@
 </p:sld>
 </file>
 
-<file path=ppt/slides/slide25.xml><?xml version="1.0" encoding="utf-8"?>
+<file path=ppt/slides/slide53.xml><?xml version="1.0" encoding="utf-8"?>
 <p:sld xmlns:a="http://schemas.openxmlformats.org/drawingml/2006/main" xmlns:r="http://schemas.openxmlformats.org/officeDocument/2006/relationships" xmlns:p="http://schemas.openxmlformats.org/presentationml/2006/main">
   <p:cSld>
     <p:spTree>
@@ -8688,7 +13021,7 @@
 </p:sld>
 </file>
 
-<file path=ppt/slides/slide26.xml><?xml version="1.0" encoding="utf-8"?>
+<file path=ppt/slides/slide54.xml><?xml version="1.0" encoding="utf-8"?>
 <p:sld xmlns:a="http://schemas.openxmlformats.org/drawingml/2006/main" xmlns:r="http://schemas.openxmlformats.org/officeDocument/2006/relationships" xmlns:p="http://schemas.openxmlformats.org/presentationml/2006/main">
   <p:cSld>
     <p:spTree>
@@ -8710,7 +13043,7 @@
           <p:cNvPr id="2" name="標題 1">
             <a:extLst>
               <a:ext uri="{FF2B5EF4-FFF2-40B4-BE49-F238E27FC236}">
-                <a16:creationId xmlns:a16="http://schemas.microsoft.com/office/drawing/2014/main" id="{6E2D17FC-8E91-4D68-9E33-2E731C896C47}"/>
+                <a16:creationId xmlns:a16="http://schemas.microsoft.com/office/drawing/2014/main" id="{619027ED-4718-4571-A3BC-DADBFFD055DE}"/>
               </a:ext>
             </a:extLst>
           </p:cNvPr>
@@ -8718,184 +13051,33 @@
             <a:spLocks noGrp="1"/>
           </p:cNvSpPr>
           <p:nvPr>
-            <p:ph type="title"/>
+            <p:ph type="ctrTitle"/>
           </p:nvPr>
         </p:nvSpPr>
         <p:spPr>
           <a:xfrm>
-            <a:off x="838200" y="365125"/>
-            <a:ext cx="10515600" cy="682839"/>
+            <a:off x="1524000" y="2712376"/>
+            <a:ext cx="9144000" cy="1270197"/>
           </a:xfrm>
         </p:spPr>
         <p:txBody>
-          <a:bodyPr>
-            <a:normAutofit fontScale="90000"/>
-          </a:bodyPr>
+          <a:bodyPr/>
           <a:lstStyle/>
           <a:p>
             <a:r>
-              <a:rPr lang="zh-TW" altLang="en-US" b="1" dirty="0">
-                <a:latin typeface="微軟正黑體" panose="020B0604030504040204" pitchFamily="34" charset="-120"/>
-                <a:ea typeface="微軟正黑體" panose="020B0604030504040204" pitchFamily="34" charset="-120"/>
-              </a:rPr>
-              <a:t>分散式表示法無解的問題</a:t>
-            </a:r>
-          </a:p>
-        </p:txBody>
-      </p:sp>
-      <p:sp>
-        <p:nvSpPr>
-          <p:cNvPr id="3" name="內容版面配置區 2">
-            <a:extLst>
-              <a:ext uri="{FF2B5EF4-FFF2-40B4-BE49-F238E27FC236}">
-                <a16:creationId xmlns:a16="http://schemas.microsoft.com/office/drawing/2014/main" id="{3ABFD44D-8A96-48EF-87FE-009D440D49A9}"/>
-              </a:ext>
-            </a:extLst>
-          </p:cNvPr>
-          <p:cNvSpPr>
-            <a:spLocks noGrp="1"/>
-          </p:cNvSpPr>
-          <p:nvPr>
-            <p:ph idx="1"/>
-          </p:nvPr>
-        </p:nvSpPr>
-        <p:spPr>
-          <a:xfrm>
-            <a:off x="838200" y="1202076"/>
-            <a:ext cx="10515600" cy="5363111"/>
-          </a:xfrm>
-        </p:spPr>
-        <p:txBody>
-          <a:bodyPr>
-            <a:noAutofit/>
-          </a:bodyPr>
-          <a:lstStyle/>
-          <a:p>
-            <a:pPr marL="514350" indent="-514350">
-              <a:buFont typeface="+mj-lt"/>
-              <a:buAutoNum type="arabicPeriod"/>
-            </a:pPr>
-            <a:r>
-              <a:rPr lang="zh-TW" altLang="zh-TW" dirty="0">
-                <a:effectLst/>
-                <a:latin typeface="微軟正黑體" panose="020B0604030504040204" pitchFamily="34" charset="-120"/>
-                <a:ea typeface="微軟正黑體" panose="020B0604030504040204" pitchFamily="34" charset="-120"/>
-                <a:cs typeface="Times New Roman" panose="02020603050405020304" pitchFamily="18" charset="0"/>
-              </a:rPr>
-              <a:t>共現矩陣規模較大時，奇異值分解的執行速度非常慢</a:t>
-            </a:r>
-            <a:endParaRPr lang="en-US" altLang="zh-TW" dirty="0">
-              <a:effectLst/>
-              <a:latin typeface="微軟正黑體" panose="020B0604030504040204" pitchFamily="34" charset="-120"/>
-              <a:ea typeface="微軟正黑體" panose="020B0604030504040204" pitchFamily="34" charset="-120"/>
-              <a:cs typeface="Times New Roman" panose="02020603050405020304" pitchFamily="18" charset="0"/>
-            </a:endParaRPr>
-          </a:p>
-          <a:p>
-            <a:pPr marL="514350" indent="-514350">
-              <a:buFont typeface="+mj-lt"/>
-              <a:buAutoNum type="arabicPeriod"/>
-            </a:pPr>
-            <a:r>
-              <a:rPr lang="zh-TW" altLang="zh-TW" dirty="0">
-                <a:effectLst/>
-                <a:latin typeface="微軟正黑體" panose="020B0604030504040204" pitchFamily="34" charset="-120"/>
-                <a:ea typeface="微軟正黑體" panose="020B0604030504040204" pitchFamily="34" charset="-120"/>
-                <a:cs typeface="Times New Roman" panose="02020603050405020304" pitchFamily="18" charset="0"/>
-              </a:rPr>
-              <a:t>在原來語料庫的基礎上增加更多的資料，則需要重新執行奇異值分解演算法</a:t>
-            </a:r>
-            <a:endParaRPr lang="en-US" altLang="zh-TW" dirty="0">
-              <a:effectLst/>
-              <a:latin typeface="微軟正黑體" panose="020B0604030504040204" pitchFamily="34" charset="-120"/>
-              <a:ea typeface="微軟正黑體" panose="020B0604030504040204" pitchFamily="34" charset="-120"/>
-              <a:cs typeface="Times New Roman" panose="02020603050405020304" pitchFamily="18" charset="0"/>
-            </a:endParaRPr>
-          </a:p>
-          <a:p>
-            <a:pPr marL="514350" indent="-514350">
-              <a:buFont typeface="+mj-lt"/>
-              <a:buAutoNum type="arabicPeriod"/>
-            </a:pPr>
-            <a:r>
-              <a:rPr lang="zh-TW" altLang="zh-TW" dirty="0">
-                <a:effectLst/>
-                <a:latin typeface="微軟正黑體" panose="020B0604030504040204" pitchFamily="34" charset="-120"/>
-                <a:ea typeface="微軟正黑體" panose="020B0604030504040204" pitchFamily="34" charset="-120"/>
-                <a:cs typeface="Times New Roman" panose="02020603050405020304" pitchFamily="18" charset="0"/>
-              </a:rPr>
-              <a:t>分散式表示只能用於表示比較短的單元，如詞或子句等</a:t>
-            </a:r>
-            <a:endParaRPr lang="en-US" altLang="zh-TW" dirty="0">
-              <a:latin typeface="微軟正黑體" panose="020B0604030504040204" pitchFamily="34" charset="-120"/>
-              <a:ea typeface="微軟正黑體" panose="020B0604030504040204" pitchFamily="34" charset="-120"/>
-              <a:cs typeface="Times New Roman" panose="02020603050405020304" pitchFamily="18" charset="0"/>
-            </a:endParaRPr>
-          </a:p>
-          <a:p>
-            <a:pPr marL="514350" indent="-514350">
-              <a:buFont typeface="+mj-lt"/>
-              <a:buAutoNum type="arabicPeriod"/>
-            </a:pPr>
-            <a:r>
-              <a:rPr lang="zh-TW" altLang="zh-TW" dirty="0">
-                <a:effectLst/>
-                <a:latin typeface="微軟正黑體" panose="020B0604030504040204" pitchFamily="34" charset="-120"/>
-                <a:ea typeface="微軟正黑體" panose="020B0604030504040204" pitchFamily="34" charset="-120"/>
-                <a:cs typeface="Times New Roman" panose="02020603050405020304" pitchFamily="18" charset="0"/>
-              </a:rPr>
-              <a:t>如段落、句子等，由於與其共現的上下文會非常少，則無法獲得有效的分散式表示</a:t>
-            </a:r>
-            <a:endParaRPr lang="en-US" altLang="zh-TW" dirty="0">
-              <a:effectLst/>
-              <a:latin typeface="微軟正黑體" panose="020B0604030504040204" pitchFamily="34" charset="-120"/>
-              <a:ea typeface="微軟正黑體" panose="020B0604030504040204" pitchFamily="34" charset="-120"/>
-              <a:cs typeface="Times New Roman" panose="02020603050405020304" pitchFamily="18" charset="0"/>
-            </a:endParaRPr>
-          </a:p>
-          <a:p>
-            <a:pPr marL="514350" indent="-514350">
-              <a:buFont typeface="+mj-lt"/>
-              <a:buAutoNum type="arabicPeriod"/>
-            </a:pPr>
-            <a:r>
-              <a:rPr lang="zh-TW" altLang="zh-TW" dirty="0">
-                <a:effectLst/>
-                <a:latin typeface="微軟正黑體" panose="020B0604030504040204" pitchFamily="34" charset="-120"/>
-                <a:ea typeface="微軟正黑體" panose="020B0604030504040204" pitchFamily="34" charset="-120"/>
-                <a:cs typeface="Times New Roman" panose="02020603050405020304" pitchFamily="18" charset="0"/>
-              </a:rPr>
-              <a:t>分散式表示一旦訓練完成，則無法修改</a:t>
-            </a:r>
-            <a:r>
               <a:rPr lang="zh-TW" altLang="en-US" dirty="0">
-                <a:effectLst/>
-                <a:latin typeface="微軟正黑體" panose="020B0604030504040204" pitchFamily="34" charset="-120"/>
-                <a:ea typeface="微軟正黑體" panose="020B0604030504040204" pitchFamily="34" charset="-120"/>
-                <a:cs typeface="Times New Roman" panose="02020603050405020304" pitchFamily="18" charset="0"/>
-              </a:rPr>
-              <a:t>，</a:t>
-            </a:r>
-            <a:r>
-              <a:rPr lang="zh-TW" altLang="zh-TW" dirty="0">
-                <a:effectLst/>
-                <a:latin typeface="微軟正黑體" panose="020B0604030504040204" pitchFamily="34" charset="-120"/>
-                <a:ea typeface="微軟正黑體" panose="020B0604030504040204" pitchFamily="34" charset="-120"/>
-                <a:cs typeface="Times New Roman" panose="02020603050405020304" pitchFamily="18" charset="0"/>
-              </a:rPr>
-              <a:t>無法根據具體的任務調整其表示法</a:t>
-            </a:r>
-            <a:endParaRPr lang="en-US" altLang="zh-TW" dirty="0">
-              <a:latin typeface="微軟正黑體" panose="020B0604030504040204" pitchFamily="34" charset="-120"/>
-              <a:ea typeface="微軟正黑體" panose="020B0604030504040204" pitchFamily="34" charset="-120"/>
-            </a:endParaRPr>
+                <a:latin typeface="微軟正黑體" panose="020B0604030504040204" pitchFamily="34" charset="-120"/>
+                <a:ea typeface="微軟正黑體" panose="020B0604030504040204" pitchFamily="34" charset="-120"/>
+              </a:rPr>
+              <a:t>詞嵌入表示法</a:t>
+            </a:r>
           </a:p>
         </p:txBody>
       </p:sp>
     </p:spTree>
     <p:extLst>
       <p:ext uri="{BB962C8B-B14F-4D97-AF65-F5344CB8AC3E}">
-        <p14:creationId xmlns:p14="http://schemas.microsoft.com/office/powerpoint/2010/main" val="2945130632"/>
+        <p14:creationId xmlns:p14="http://schemas.microsoft.com/office/powerpoint/2010/main" val="2907342227"/>
       </p:ext>
     </p:extLst>
   </p:cSld>
@@ -8905,7 +13087,7 @@
 </p:sld>
 </file>
 
-<file path=ppt/slides/slide27.xml><?xml version="1.0" encoding="utf-8"?>
+<file path=ppt/slides/slide55.xml><?xml version="1.0" encoding="utf-8"?>
 <p:sld xmlns:a="http://schemas.openxmlformats.org/drawingml/2006/main" xmlns:r="http://schemas.openxmlformats.org/officeDocument/2006/relationships" xmlns:p="http://schemas.openxmlformats.org/presentationml/2006/main">
   <p:cSld>
     <p:spTree>
@@ -8927,7 +13109,7 @@
           <p:cNvPr id="2" name="標題 1">
             <a:extLst>
               <a:ext uri="{FF2B5EF4-FFF2-40B4-BE49-F238E27FC236}">
-                <a16:creationId xmlns:a16="http://schemas.microsoft.com/office/drawing/2014/main" id="{619027ED-4718-4571-A3BC-DADBFFD055DE}"/>
+                <a16:creationId xmlns:a16="http://schemas.microsoft.com/office/drawing/2014/main" id="{6E2D17FC-8E91-4D68-9E33-2E731C896C47}"/>
               </a:ext>
             </a:extLst>
           </p:cNvPr>
@@ -8935,33 +13117,223 @@
             <a:spLocks noGrp="1"/>
           </p:cNvSpPr>
           <p:nvPr>
-            <p:ph type="ctrTitle"/>
+            <p:ph type="title"/>
           </p:nvPr>
         </p:nvSpPr>
         <p:spPr>
           <a:xfrm>
-            <a:off x="1524000" y="2712376"/>
-            <a:ext cx="9144000" cy="1270197"/>
+            <a:off x="838200" y="365125"/>
+            <a:ext cx="10515600" cy="682839"/>
           </a:xfrm>
         </p:spPr>
         <p:txBody>
-          <a:bodyPr/>
+          <a:bodyPr>
+            <a:normAutofit fontScale="90000"/>
+          </a:bodyPr>
           <a:lstStyle/>
           <a:p>
             <a:r>
+              <a:rPr lang="zh-TW" altLang="en-US" b="1" dirty="0">
+                <a:latin typeface="微軟正黑體" panose="020B0604030504040204" pitchFamily="34" charset="-120"/>
+                <a:ea typeface="微軟正黑體" panose="020B0604030504040204" pitchFamily="34" charset="-120"/>
+              </a:rPr>
+              <a:t>詞嵌入表示法</a:t>
+            </a:r>
+          </a:p>
+        </p:txBody>
+      </p:sp>
+      <p:sp>
+        <p:nvSpPr>
+          <p:cNvPr id="3" name="內容版面配置區 2">
+            <a:extLst>
+              <a:ext uri="{FF2B5EF4-FFF2-40B4-BE49-F238E27FC236}">
+                <a16:creationId xmlns:a16="http://schemas.microsoft.com/office/drawing/2014/main" id="{3ABFD44D-8A96-48EF-87FE-009D440D49A9}"/>
+              </a:ext>
+            </a:extLst>
+          </p:cNvPr>
+          <p:cNvSpPr>
+            <a:spLocks noGrp="1"/>
+          </p:cNvSpPr>
+          <p:nvPr>
+            <p:ph idx="1"/>
+          </p:nvPr>
+        </p:nvSpPr>
+        <p:spPr>
+          <a:xfrm>
+            <a:off x="838200" y="1202076"/>
+            <a:ext cx="10515600" cy="5363111"/>
+          </a:xfrm>
+        </p:spPr>
+        <p:txBody>
+          <a:bodyPr>
+            <a:noAutofit/>
+          </a:bodyPr>
+          <a:lstStyle/>
+          <a:p>
+            <a:pPr marL="514350" indent="-514350">
+              <a:buFont typeface="+mj-lt"/>
+              <a:buAutoNum type="arabicPeriod"/>
+            </a:pPr>
+            <a:r>
+              <a:rPr lang="zh-TW" altLang="zh-TW" dirty="0">
+                <a:effectLst/>
+                <a:latin typeface="微軟正黑體" panose="020B0604030504040204" pitchFamily="34" charset="-120"/>
+                <a:ea typeface="微軟正黑體" panose="020B0604030504040204" pitchFamily="34" charset="-120"/>
+                <a:cs typeface="Times New Roman" panose="02020603050405020304" pitchFamily="18" charset="0"/>
+              </a:rPr>
+              <a:t>使用一個連續、低維、稠密的向量來表示詞</a:t>
+            </a:r>
+            <a:r>
               <a:rPr lang="zh-TW" altLang="en-US" dirty="0">
-                <a:latin typeface="微軟正黑體" panose="020B0604030504040204" pitchFamily="34" charset="-120"/>
-                <a:ea typeface="微軟正黑體" panose="020B0604030504040204" pitchFamily="34" charset="-120"/>
-              </a:rPr>
-              <a:t>詞嵌入表示法</a:t>
-            </a:r>
+                <a:effectLst/>
+                <a:latin typeface="微軟正黑體" panose="020B0604030504040204" pitchFamily="34" charset="-120"/>
+                <a:ea typeface="微軟正黑體" panose="020B0604030504040204" pitchFamily="34" charset="-120"/>
+                <a:cs typeface="Times New Roman" panose="02020603050405020304" pitchFamily="18" charset="0"/>
+              </a:rPr>
+              <a:t>，</a:t>
+            </a:r>
+            <a:r>
+              <a:rPr lang="zh-TW" altLang="zh-TW" dirty="0">
+                <a:effectLst/>
+                <a:latin typeface="微軟正黑體" panose="020B0604030504040204" pitchFamily="34" charset="-120"/>
+                <a:ea typeface="微軟正黑體" panose="020B0604030504040204" pitchFamily="34" charset="-120"/>
+                <a:cs typeface="Times New Roman" panose="02020603050405020304" pitchFamily="18" charset="0"/>
+              </a:rPr>
+              <a:t>稱為詞向量</a:t>
+            </a:r>
+            <a:endParaRPr lang="en-US" altLang="zh-TW" dirty="0">
+              <a:effectLst/>
+              <a:latin typeface="微軟正黑體" panose="020B0604030504040204" pitchFamily="34" charset="-120"/>
+              <a:ea typeface="微軟正黑體" panose="020B0604030504040204" pitchFamily="34" charset="-120"/>
+              <a:cs typeface="Times New Roman" panose="02020603050405020304" pitchFamily="18" charset="0"/>
+            </a:endParaRPr>
+          </a:p>
+          <a:p>
+            <a:pPr marL="514350" indent="-514350">
+              <a:buFont typeface="+mj-lt"/>
+              <a:buAutoNum type="arabicPeriod"/>
+            </a:pPr>
+            <a:r>
+              <a:rPr lang="zh-TW" altLang="zh-TW" dirty="0">
+                <a:effectLst/>
+                <a:latin typeface="微軟正黑體" panose="020B0604030504040204" pitchFamily="34" charset="-120"/>
+                <a:ea typeface="微軟正黑體" panose="020B0604030504040204" pitchFamily="34" charset="-120"/>
+                <a:cs typeface="Times New Roman" panose="02020603050405020304" pitchFamily="18" charset="0"/>
+              </a:rPr>
+              <a:t>隨著目標任務的最佳化過程自動調整</a:t>
+            </a:r>
+            <a:endParaRPr lang="en-US" altLang="zh-TW" dirty="0">
+              <a:effectLst/>
+              <a:latin typeface="微軟正黑體" panose="020B0604030504040204" pitchFamily="34" charset="-120"/>
+              <a:ea typeface="微軟正黑體" panose="020B0604030504040204" pitchFamily="34" charset="-120"/>
+              <a:cs typeface="Times New Roman" panose="02020603050405020304" pitchFamily="18" charset="0"/>
+            </a:endParaRPr>
+          </a:p>
+          <a:p>
+            <a:pPr marL="514350" indent="-514350">
+              <a:buFont typeface="+mj-lt"/>
+              <a:buAutoNum type="arabicPeriod"/>
+            </a:pPr>
+            <a:r>
+              <a:rPr lang="zh-TW" altLang="zh-TW" dirty="0">
+                <a:effectLst/>
+                <a:latin typeface="微軟正黑體" panose="020B0604030504040204" pitchFamily="34" charset="-120"/>
+                <a:ea typeface="微軟正黑體" panose="020B0604030504040204" pitchFamily="34" charset="-120"/>
+                <a:cs typeface="Times New Roman" panose="02020603050405020304" pitchFamily="18" charset="0"/>
+              </a:rPr>
+              <a:t>可以將詞向量中的向量值看作模型的參數</a:t>
+            </a:r>
+            <a:endParaRPr lang="en-US" altLang="zh-TW" dirty="0">
+              <a:latin typeface="微軟正黑體" panose="020B0604030504040204" pitchFamily="34" charset="-120"/>
+              <a:ea typeface="微軟正黑體" panose="020B0604030504040204" pitchFamily="34" charset="-120"/>
+              <a:cs typeface="Times New Roman" panose="02020603050405020304" pitchFamily="18" charset="0"/>
+            </a:endParaRPr>
+          </a:p>
+          <a:p>
+            <a:pPr marL="514350" indent="-514350">
+              <a:buFont typeface="+mj-lt"/>
+              <a:buAutoNum type="arabicPeriod"/>
+            </a:pPr>
+            <a:r>
+              <a:rPr lang="zh-TW" altLang="zh-TW" dirty="0">
+                <a:effectLst/>
+                <a:latin typeface="微軟正黑體" panose="020B0604030504040204" pitchFamily="34" charset="-120"/>
+                <a:ea typeface="微軟正黑體" panose="020B0604030504040204" pitchFamily="34" charset="-120"/>
+                <a:cs typeface="Times New Roman" panose="02020603050405020304" pitchFamily="18" charset="0"/>
+              </a:rPr>
+              <a:t>利用自然語言文字中所蘊含的自監督學習訊號（即詞與上下文的共現資訊）</a:t>
+            </a:r>
+            <a:endParaRPr lang="en-US" altLang="zh-TW" dirty="0">
+              <a:effectLst/>
+              <a:latin typeface="微軟正黑體" panose="020B0604030504040204" pitchFamily="34" charset="-120"/>
+              <a:ea typeface="微軟正黑體" panose="020B0604030504040204" pitchFamily="34" charset="-120"/>
+              <a:cs typeface="Times New Roman" panose="02020603050405020304" pitchFamily="18" charset="0"/>
+            </a:endParaRPr>
+          </a:p>
+          <a:p>
+            <a:pPr marL="514350" indent="-514350">
+              <a:buFont typeface="+mj-lt"/>
+              <a:buAutoNum type="arabicPeriod"/>
+            </a:pPr>
+            <a:r>
+              <a:rPr lang="zh-TW" altLang="zh-TW" dirty="0">
+                <a:effectLst/>
+                <a:latin typeface="微軟正黑體" panose="020B0604030504040204" pitchFamily="34" charset="-120"/>
+                <a:ea typeface="微軟正黑體" panose="020B0604030504040204" pitchFamily="34" charset="-120"/>
+                <a:cs typeface="Times New Roman" panose="02020603050405020304" pitchFamily="18" charset="0"/>
+              </a:rPr>
+              <a:t>預訓練詞向量，往往會獲得更好的結果</a:t>
+            </a:r>
+            <a:endParaRPr lang="en-US" altLang="zh-TW" dirty="0">
+              <a:effectLst/>
+              <a:latin typeface="微軟正黑體" panose="020B0604030504040204" pitchFamily="34" charset="-120"/>
+              <a:ea typeface="微軟正黑體" panose="020B0604030504040204" pitchFamily="34" charset="-120"/>
+              <a:cs typeface="Times New Roman" panose="02020603050405020304" pitchFamily="18" charset="0"/>
+            </a:endParaRPr>
+          </a:p>
+          <a:p>
+            <a:pPr marL="514350" indent="-514350">
+              <a:buFont typeface="+mj-lt"/>
+              <a:buAutoNum type="arabicPeriod"/>
+            </a:pPr>
+            <a:r>
+              <a:rPr lang="zh-TW" altLang="zh-TW" dirty="0">
+                <a:effectLst/>
+                <a:latin typeface="微軟正黑體" panose="020B0604030504040204" pitchFamily="34" charset="-120"/>
+                <a:ea typeface="微軟正黑體" panose="020B0604030504040204" pitchFamily="34" charset="-120"/>
+                <a:cs typeface="Times New Roman" panose="02020603050405020304" pitchFamily="18" charset="0"/>
+              </a:rPr>
+              <a:t>預訓練模型的學習和使用也是本</a:t>
+            </a:r>
+            <a:r>
+              <a:rPr lang="zh-TW" altLang="en-US" dirty="0">
+                <a:effectLst/>
+                <a:latin typeface="微軟正黑體" panose="020B0604030504040204" pitchFamily="34" charset="-120"/>
+                <a:ea typeface="微軟正黑體" panose="020B0604030504040204" pitchFamily="34" charset="-120"/>
+                <a:cs typeface="Times New Roman" panose="02020603050405020304" pitchFamily="18" charset="0"/>
+              </a:rPr>
+              <a:t>課程</a:t>
+            </a:r>
+            <a:r>
+              <a:rPr lang="zh-TW" altLang="zh-TW" dirty="0">
+                <a:effectLst/>
+                <a:latin typeface="微軟正黑體" panose="020B0604030504040204" pitchFamily="34" charset="-120"/>
+                <a:ea typeface="微軟正黑體" panose="020B0604030504040204" pitchFamily="34" charset="-120"/>
+                <a:cs typeface="Times New Roman" panose="02020603050405020304" pitchFamily="18" charset="0"/>
+              </a:rPr>
+              <a:t>的重點</a:t>
+            </a:r>
+            <a:endParaRPr lang="en-US" altLang="zh-TW" dirty="0">
+              <a:latin typeface="微軟正黑體" panose="020B0604030504040204" pitchFamily="34" charset="-120"/>
+              <a:ea typeface="微軟正黑體" panose="020B0604030504040204" pitchFamily="34" charset="-120"/>
+            </a:endParaRPr>
           </a:p>
         </p:txBody>
       </p:sp>
     </p:spTree>
     <p:extLst>
       <p:ext uri="{BB962C8B-B14F-4D97-AF65-F5344CB8AC3E}">
-        <p14:creationId xmlns:p14="http://schemas.microsoft.com/office/powerpoint/2010/main" val="2490215940"/>
+        <p14:creationId xmlns:p14="http://schemas.microsoft.com/office/powerpoint/2010/main" val="3366414048"/>
       </p:ext>
     </p:extLst>
   </p:cSld>
@@ -8971,7 +13343,7 @@
 </p:sld>
 </file>
 
-<file path=ppt/slides/slide28.xml><?xml version="1.0" encoding="utf-8"?>
+<file path=ppt/slides/slide56.xml><?xml version="1.0" encoding="utf-8"?>
 <p:sld xmlns:a="http://schemas.openxmlformats.org/drawingml/2006/main" xmlns:r="http://schemas.openxmlformats.org/officeDocument/2006/relationships" xmlns:p="http://schemas.openxmlformats.org/presentationml/2006/main">
   <p:cSld>
     <p:spTree>
@@ -8990,13 +13362,7 @@
       </p:grpSpPr>
       <p:sp>
         <p:nvSpPr>
-          <p:cNvPr id="2" name="標題 1">
-            <a:extLst>
-              <a:ext uri="{FF2B5EF4-FFF2-40B4-BE49-F238E27FC236}">
-                <a16:creationId xmlns:a16="http://schemas.microsoft.com/office/drawing/2014/main" id="{6E2D17FC-8E91-4D68-9E33-2E731C896C47}"/>
-              </a:ext>
-            </a:extLst>
-          </p:cNvPr>
+          <p:cNvPr id="2" name="標題 1"/>
           <p:cNvSpPr>
             <a:spLocks noGrp="1"/>
           </p:cNvSpPr>
@@ -9004,37 +13370,22 @@
             <p:ph type="title"/>
           </p:nvPr>
         </p:nvSpPr>
-        <p:spPr>
-          <a:xfrm>
-            <a:off x="838200" y="365125"/>
-            <a:ext cx="10515600" cy="682839"/>
-          </a:xfrm>
-        </p:spPr>
-        <p:txBody>
-          <a:bodyPr>
-            <a:normAutofit fontScale="90000"/>
-          </a:bodyPr>
+        <p:spPr/>
+        <p:txBody>
+          <a:bodyPr/>
           <a:lstStyle/>
           <a:p>
             <a:r>
-              <a:rPr lang="zh-TW" altLang="en-US" b="1" dirty="0">
-                <a:latin typeface="微軟正黑體" panose="020B0604030504040204" pitchFamily="34" charset="-120"/>
-                <a:ea typeface="微軟正黑體" panose="020B0604030504040204" pitchFamily="34" charset="-120"/>
-              </a:rPr>
-              <a:t>詞嵌入表示法</a:t>
-            </a:r>
-          </a:p>
-        </p:txBody>
-      </p:sp>
-      <p:sp>
-        <p:nvSpPr>
-          <p:cNvPr id="3" name="內容版面配置區 2">
-            <a:extLst>
-              <a:ext uri="{FF2B5EF4-FFF2-40B4-BE49-F238E27FC236}">
-                <a16:creationId xmlns:a16="http://schemas.microsoft.com/office/drawing/2014/main" id="{3ABFD44D-8A96-48EF-87FE-009D440D49A9}"/>
-              </a:ext>
-            </a:extLst>
-          </p:cNvPr>
+              <a:rPr lang="en-US" altLang="zh-TW" b="1" dirty="0"/>
+              <a:t>Word Embedding</a:t>
+            </a:r>
+            <a:endParaRPr lang="zh-TW" altLang="en-US" b="1" dirty="0"/>
+          </a:p>
+        </p:txBody>
+      </p:sp>
+      <p:sp>
+        <p:nvSpPr>
+          <p:cNvPr id="3" name="內容版面配置區 2"/>
           <p:cNvSpPr>
             <a:spLocks noGrp="1"/>
           </p:cNvSpPr>
@@ -9042,184 +13393,90 @@
             <p:ph idx="1"/>
           </p:nvPr>
         </p:nvSpPr>
-        <p:spPr>
-          <a:xfrm>
-            <a:off x="838200" y="1202076"/>
-            <a:ext cx="10515600" cy="5363111"/>
-          </a:xfrm>
-        </p:spPr>
-        <p:txBody>
-          <a:bodyPr>
-            <a:noAutofit/>
-          </a:bodyPr>
+        <p:spPr/>
+        <p:txBody>
+          <a:bodyPr/>
           <a:lstStyle/>
           <a:p>
-            <a:pPr marL="514350" indent="-514350">
-              <a:buFont typeface="+mj-lt"/>
-              <a:buAutoNum type="arabicPeriod"/>
-            </a:pPr>
-            <a:r>
-              <a:rPr lang="zh-TW" altLang="zh-TW" dirty="0">
-                <a:effectLst/>
-                <a:latin typeface="微軟正黑體" panose="020B0604030504040204" pitchFamily="34" charset="-120"/>
-                <a:ea typeface="微軟正黑體" panose="020B0604030504040204" pitchFamily="34" charset="-120"/>
-                <a:cs typeface="Times New Roman" panose="02020603050405020304" pitchFamily="18" charset="0"/>
-              </a:rPr>
-              <a:t>使用一個連續、低維、稠密的向量來表示詞</a:t>
-            </a:r>
-            <a:r>
-              <a:rPr lang="zh-TW" altLang="en-US" dirty="0">
-                <a:effectLst/>
-                <a:latin typeface="微軟正黑體" panose="020B0604030504040204" pitchFamily="34" charset="-120"/>
-                <a:ea typeface="微軟正黑體" panose="020B0604030504040204" pitchFamily="34" charset="-120"/>
-                <a:cs typeface="Times New Roman" panose="02020603050405020304" pitchFamily="18" charset="0"/>
-              </a:rPr>
-              <a:t>，</a:t>
-            </a:r>
-            <a:r>
-              <a:rPr lang="zh-TW" altLang="zh-TW" dirty="0">
-                <a:effectLst/>
-                <a:latin typeface="微軟正黑體" panose="020B0604030504040204" pitchFamily="34" charset="-120"/>
-                <a:ea typeface="微軟正黑體" panose="020B0604030504040204" pitchFamily="34" charset="-120"/>
-                <a:cs typeface="Times New Roman" panose="02020603050405020304" pitchFamily="18" charset="0"/>
-              </a:rPr>
-              <a:t>稱為詞向量</a:t>
-            </a:r>
-            <a:endParaRPr lang="en-US" altLang="zh-TW" dirty="0">
-              <a:effectLst/>
-              <a:latin typeface="微軟正黑體" panose="020B0604030504040204" pitchFamily="34" charset="-120"/>
-              <a:ea typeface="微軟正黑體" panose="020B0604030504040204" pitchFamily="34" charset="-120"/>
-              <a:cs typeface="Times New Roman" panose="02020603050405020304" pitchFamily="18" charset="0"/>
-            </a:endParaRPr>
-          </a:p>
-          <a:p>
-            <a:pPr marL="514350" indent="-514350">
-              <a:buFont typeface="+mj-lt"/>
-              <a:buAutoNum type="arabicPeriod"/>
-            </a:pPr>
-            <a:r>
-              <a:rPr lang="zh-TW" altLang="zh-TW" dirty="0">
-                <a:effectLst/>
-                <a:latin typeface="微軟正黑體" panose="020B0604030504040204" pitchFamily="34" charset="-120"/>
-                <a:ea typeface="微軟正黑體" panose="020B0604030504040204" pitchFamily="34" charset="-120"/>
-                <a:cs typeface="Times New Roman" panose="02020603050405020304" pitchFamily="18" charset="0"/>
-              </a:rPr>
-              <a:t>隨著目標任務的最佳化過程自動調整</a:t>
-            </a:r>
-            <a:endParaRPr lang="en-US" altLang="zh-TW" dirty="0">
-              <a:effectLst/>
-              <a:latin typeface="微軟正黑體" panose="020B0604030504040204" pitchFamily="34" charset="-120"/>
-              <a:ea typeface="微軟正黑體" panose="020B0604030504040204" pitchFamily="34" charset="-120"/>
-              <a:cs typeface="Times New Roman" panose="02020603050405020304" pitchFamily="18" charset="0"/>
-            </a:endParaRPr>
-          </a:p>
-          <a:p>
-            <a:pPr marL="514350" indent="-514350">
-              <a:buFont typeface="+mj-lt"/>
-              <a:buAutoNum type="arabicPeriod"/>
-            </a:pPr>
-            <a:r>
-              <a:rPr lang="zh-TW" altLang="zh-TW" dirty="0">
-                <a:effectLst/>
-                <a:latin typeface="微軟正黑體" panose="020B0604030504040204" pitchFamily="34" charset="-120"/>
-                <a:ea typeface="微軟正黑體" panose="020B0604030504040204" pitchFamily="34" charset="-120"/>
-                <a:cs typeface="Times New Roman" panose="02020603050405020304" pitchFamily="18" charset="0"/>
-              </a:rPr>
-              <a:t>可以將詞向量中的向量值看作模型的參數</a:t>
-            </a:r>
-            <a:endParaRPr lang="en-US" altLang="zh-TW" dirty="0">
-              <a:latin typeface="微軟正黑體" panose="020B0604030504040204" pitchFamily="34" charset="-120"/>
-              <a:ea typeface="微軟正黑體" panose="020B0604030504040204" pitchFamily="34" charset="-120"/>
-              <a:cs typeface="Times New Roman" panose="02020603050405020304" pitchFamily="18" charset="0"/>
-            </a:endParaRPr>
-          </a:p>
-          <a:p>
-            <a:pPr marL="514350" indent="-514350">
-              <a:buFont typeface="+mj-lt"/>
-              <a:buAutoNum type="arabicPeriod"/>
-            </a:pPr>
-            <a:r>
-              <a:rPr lang="zh-TW" altLang="zh-TW" dirty="0">
-                <a:effectLst/>
-                <a:latin typeface="微軟正黑體" panose="020B0604030504040204" pitchFamily="34" charset="-120"/>
-                <a:ea typeface="微軟正黑體" panose="020B0604030504040204" pitchFamily="34" charset="-120"/>
-                <a:cs typeface="Times New Roman" panose="02020603050405020304" pitchFamily="18" charset="0"/>
-              </a:rPr>
-              <a:t>利用自然語言文字中所蘊含的自監督學習訊號（即詞與上下文的共現資訊）</a:t>
-            </a:r>
-            <a:endParaRPr lang="en-US" altLang="zh-TW" dirty="0">
-              <a:effectLst/>
-              <a:latin typeface="微軟正黑體" panose="020B0604030504040204" pitchFamily="34" charset="-120"/>
-              <a:ea typeface="微軟正黑體" panose="020B0604030504040204" pitchFamily="34" charset="-120"/>
-              <a:cs typeface="Times New Roman" panose="02020603050405020304" pitchFamily="18" charset="0"/>
-            </a:endParaRPr>
-          </a:p>
-          <a:p>
-            <a:pPr marL="514350" indent="-514350">
-              <a:buFont typeface="+mj-lt"/>
-              <a:buAutoNum type="arabicPeriod"/>
-            </a:pPr>
-            <a:r>
-              <a:rPr lang="zh-TW" altLang="zh-TW" dirty="0">
-                <a:effectLst/>
-                <a:latin typeface="微軟正黑體" panose="020B0604030504040204" pitchFamily="34" charset="-120"/>
-                <a:ea typeface="微軟正黑體" panose="020B0604030504040204" pitchFamily="34" charset="-120"/>
-                <a:cs typeface="Times New Roman" panose="02020603050405020304" pitchFamily="18" charset="0"/>
-              </a:rPr>
-              <a:t>預訓練詞向量，往往會獲得更好的結果</a:t>
-            </a:r>
-            <a:endParaRPr lang="en-US" altLang="zh-TW" dirty="0">
-              <a:effectLst/>
-              <a:latin typeface="微軟正黑體" panose="020B0604030504040204" pitchFamily="34" charset="-120"/>
-              <a:ea typeface="微軟正黑體" panose="020B0604030504040204" pitchFamily="34" charset="-120"/>
-              <a:cs typeface="Times New Roman" panose="02020603050405020304" pitchFamily="18" charset="0"/>
-            </a:endParaRPr>
-          </a:p>
-          <a:p>
-            <a:pPr marL="514350" indent="-514350">
-              <a:buFont typeface="+mj-lt"/>
-              <a:buAutoNum type="arabicPeriod"/>
-            </a:pPr>
-            <a:r>
-              <a:rPr lang="zh-TW" altLang="zh-TW" dirty="0">
-                <a:effectLst/>
-                <a:latin typeface="微軟正黑體" panose="020B0604030504040204" pitchFamily="34" charset="-120"/>
-                <a:ea typeface="微軟正黑體" panose="020B0604030504040204" pitchFamily="34" charset="-120"/>
-                <a:cs typeface="Times New Roman" panose="02020603050405020304" pitchFamily="18" charset="0"/>
-              </a:rPr>
-              <a:t>預訓練模型的學習和使用也是本</a:t>
-            </a:r>
-            <a:r>
-              <a:rPr lang="zh-TW" altLang="en-US" dirty="0">
-                <a:effectLst/>
-                <a:latin typeface="微軟正黑體" panose="020B0604030504040204" pitchFamily="34" charset="-120"/>
-                <a:ea typeface="微軟正黑體" panose="020B0604030504040204" pitchFamily="34" charset="-120"/>
-                <a:cs typeface="Times New Roman" panose="02020603050405020304" pitchFamily="18" charset="0"/>
-              </a:rPr>
-              <a:t>課程</a:t>
-            </a:r>
-            <a:r>
-              <a:rPr lang="zh-TW" altLang="zh-TW" dirty="0">
-                <a:effectLst/>
-                <a:latin typeface="微軟正黑體" panose="020B0604030504040204" pitchFamily="34" charset="-120"/>
-                <a:ea typeface="微軟正黑體" panose="020B0604030504040204" pitchFamily="34" charset="-120"/>
-                <a:cs typeface="Times New Roman" panose="02020603050405020304" pitchFamily="18" charset="0"/>
-              </a:rPr>
-              <a:t>的重點</a:t>
-            </a:r>
-            <a:endParaRPr lang="en-US" altLang="zh-TW" dirty="0">
-              <a:latin typeface="微軟正黑體" panose="020B0604030504040204" pitchFamily="34" charset="-120"/>
-              <a:ea typeface="微軟正黑體" panose="020B0604030504040204" pitchFamily="34" charset="-120"/>
-            </a:endParaRPr>
+            <a:r>
+              <a:rPr lang="en-US" altLang="zh-TW" dirty="0"/>
+              <a:t>Distribution Representation </a:t>
+            </a:r>
+            <a:r>
+              <a:rPr lang="zh-TW" altLang="en-US" dirty="0"/>
+              <a:t>最早是在 </a:t>
+            </a:r>
+            <a:r>
+              <a:rPr lang="en-US" altLang="zh-TW" dirty="0"/>
+              <a:t>1986 </a:t>
+            </a:r>
+            <a:r>
+              <a:rPr lang="zh-TW" altLang="en-US" dirty="0"/>
+              <a:t>年 </a:t>
+            </a:r>
+            <a:r>
+              <a:rPr lang="en-US" altLang="zh-TW" dirty="0"/>
+              <a:t>Hinton </a:t>
+            </a:r>
+            <a:r>
+              <a:rPr lang="zh-TW" altLang="en-US" dirty="0"/>
+              <a:t>的論文 </a:t>
+            </a:r>
+            <a:r>
+              <a:rPr lang="en-US" altLang="zh-TW" dirty="0"/>
+              <a:t>– “ </a:t>
+            </a:r>
+            <a:r>
+              <a:rPr lang="en-US" altLang="zh-TW" i="1" dirty="0"/>
+              <a:t>Learning distributed representations of concepts</a:t>
+            </a:r>
+            <a:r>
+              <a:rPr lang="en-US" altLang="zh-TW" dirty="0"/>
+              <a:t> ” </a:t>
+            </a:r>
+            <a:r>
+              <a:rPr lang="zh-TW" altLang="en-US" dirty="0"/>
+              <a:t>中被提出</a:t>
+            </a:r>
+            <a:endParaRPr lang="en-US" altLang="zh-TW" dirty="0"/>
+          </a:p>
+          <a:p>
+            <a:endParaRPr lang="en-US" altLang="zh-TW" dirty="0"/>
+          </a:p>
+          <a:p>
+            <a:r>
+              <a:rPr lang="zh-TW" altLang="en-US" dirty="0"/>
+              <a:t>而 </a:t>
+            </a:r>
+            <a:r>
+              <a:rPr lang="en-US" altLang="zh-TW" dirty="0"/>
+              <a:t>Word Embedding </a:t>
+            </a:r>
+            <a:r>
+              <a:rPr lang="zh-TW" altLang="en-US" dirty="0"/>
+              <a:t>則是 </a:t>
+            </a:r>
+            <a:r>
+              <a:rPr lang="en-US" altLang="zh-TW" dirty="0"/>
+              <a:t>Distribution representation </a:t>
+            </a:r>
+            <a:r>
+              <a:rPr lang="zh-TW" altLang="en-US" dirty="0"/>
+              <a:t>的一種型態，可以克服 </a:t>
+            </a:r>
+            <a:r>
+              <a:rPr lang="en-US" altLang="zh-TW" dirty="0"/>
+              <a:t>One-Hot representation </a:t>
+            </a:r>
+            <a:r>
+              <a:rPr lang="zh-TW" altLang="en-US" dirty="0"/>
+              <a:t>的缺點 。</a:t>
+            </a:r>
+            <a:endParaRPr lang="en-US" altLang="zh-TW" b="1" dirty="0"/>
           </a:p>
         </p:txBody>
       </p:sp>
     </p:spTree>
-    <p:extLst>
-      <p:ext uri="{BB962C8B-B14F-4D97-AF65-F5344CB8AC3E}">
-        <p14:creationId xmlns:p14="http://schemas.microsoft.com/office/powerpoint/2010/main" val="508785197"/>
-      </p:ext>
-    </p:extLst>
   </p:cSld>
   <p:clrMapOvr>
     <a:masterClrMapping/>
@@ -9227,7 +13484,7 @@
 </p:sld>
 </file>
 
-<file path=ppt/slides/slide29.xml><?xml version="1.0" encoding="utf-8"?>
+<file path=ppt/slides/slide57.xml><?xml version="1.0" encoding="utf-8"?>
 <p:sld xmlns:a="http://schemas.openxmlformats.org/drawingml/2006/main" xmlns:r="http://schemas.openxmlformats.org/officeDocument/2006/relationships" xmlns:p="http://schemas.openxmlformats.org/presentationml/2006/main">
   <p:cSld>
     <p:spTree>
@@ -9246,46 +13503,112 @@
       </p:grpSpPr>
       <p:sp>
         <p:nvSpPr>
-          <p:cNvPr id="2" name="標題 1">
-            <a:extLst>
-              <a:ext uri="{FF2B5EF4-FFF2-40B4-BE49-F238E27FC236}">
-                <a16:creationId xmlns:a16="http://schemas.microsoft.com/office/drawing/2014/main" id="{619027ED-4718-4571-A3BC-DADBFFD055DE}"/>
-              </a:ext>
-            </a:extLst>
-          </p:cNvPr>
-          <p:cNvSpPr>
-            <a:spLocks noGrp="1"/>
-          </p:cNvSpPr>
-          <p:nvPr>
-            <p:ph type="ctrTitle"/>
-          </p:nvPr>
-        </p:nvSpPr>
-        <p:spPr>
-          <a:xfrm>
-            <a:off x="1524000" y="2712376"/>
-            <a:ext cx="9144000" cy="1270197"/>
-          </a:xfrm>
-        </p:spPr>
+          <p:cNvPr id="2" name="標題 1"/>
+          <p:cNvSpPr>
+            <a:spLocks noGrp="1"/>
+          </p:cNvSpPr>
+          <p:nvPr>
+            <p:ph type="title"/>
+          </p:nvPr>
+        </p:nvSpPr>
+        <p:spPr/>
         <p:txBody>
           <a:bodyPr/>
           <a:lstStyle/>
           <a:p>
             <a:r>
-              <a:rPr lang="zh-TW" altLang="en-US" dirty="0">
-                <a:latin typeface="微軟正黑體" panose="020B0604030504040204" pitchFamily="34" charset="-120"/>
-                <a:ea typeface="微軟正黑體" panose="020B0604030504040204" pitchFamily="34" charset="-120"/>
-              </a:rPr>
-              <a:t>詞袋表示法</a:t>
-            </a:r>
+              <a:rPr lang="en-US" altLang="zh-TW" b="1" dirty="0"/>
+              <a:t>Word Embedding</a:t>
+            </a:r>
+            <a:endParaRPr lang="zh-TW" altLang="en-US" b="1" dirty="0"/>
+          </a:p>
+        </p:txBody>
+      </p:sp>
+      <p:sp>
+        <p:nvSpPr>
+          <p:cNvPr id="3" name="內容版面配置區 2"/>
+          <p:cNvSpPr>
+            <a:spLocks noGrp="1"/>
+          </p:cNvSpPr>
+          <p:nvPr>
+            <p:ph idx="1"/>
+          </p:nvPr>
+        </p:nvSpPr>
+        <p:spPr/>
+        <p:txBody>
+          <a:bodyPr/>
+          <a:lstStyle/>
+          <a:p>
+            <a:r>
+              <a:rPr lang="zh-TW" altLang="en-US" dirty="0"/>
+              <a:t>是一個非監督式的方法</a:t>
+            </a:r>
+            <a:endParaRPr lang="en-US" altLang="zh-TW" dirty="0"/>
+          </a:p>
+          <a:p>
+            <a:r>
+              <a:rPr lang="zh-TW" altLang="en-US" dirty="0"/>
+              <a:t>將</a:t>
+            </a:r>
+            <a:r>
+              <a:rPr lang="en-US" altLang="zh-TW" dirty="0"/>
+              <a:t>vector</a:t>
+            </a:r>
+            <a:r>
+              <a:rPr lang="zh-TW" altLang="en-US" dirty="0"/>
+              <a:t>每個元素由整數改成浮點數，變成實數的表示法</a:t>
+            </a:r>
+            <a:endParaRPr lang="en-US" altLang="zh-TW" dirty="0"/>
+          </a:p>
+          <a:p>
+            <a:r>
+              <a:rPr lang="zh-TW" altLang="en-US" dirty="0"/>
+              <a:t>將每一個詞映射到一個 </a:t>
+            </a:r>
+            <a:r>
+              <a:rPr lang="en-US" altLang="zh-TW" dirty="0"/>
+              <a:t>(</a:t>
+            </a:r>
+            <a:r>
+              <a:rPr lang="zh-TW" altLang="en-US" dirty="0"/>
+              <a:t>相對於 </a:t>
+            </a:r>
+            <a:r>
+              <a:rPr lang="en-US" altLang="zh-TW" dirty="0"/>
+              <a:t>One-Hot representation) </a:t>
+            </a:r>
+            <a:r>
+              <a:rPr lang="zh-TW" altLang="en-US" dirty="0"/>
+              <a:t>低維度的賦距空間內</a:t>
+            </a:r>
+            <a:endParaRPr lang="en-US" altLang="zh-TW" dirty="0"/>
+          </a:p>
+          <a:p>
+            <a:r>
+              <a:rPr lang="zh-TW" altLang="en-US" dirty="0"/>
+              <a:t>這些帶有文本訊息的低維度向量形成一個稠密的「詞向量空間」，然後利用距離來判斷其 </a:t>
+            </a:r>
+            <a:r>
+              <a:rPr lang="en-US" altLang="zh-TW" dirty="0"/>
+              <a:t>( </a:t>
+            </a:r>
+            <a:r>
+              <a:rPr lang="zh-TW" altLang="en-US" dirty="0"/>
+              <a:t>語法、語意 </a:t>
+            </a:r>
+            <a:r>
+              <a:rPr lang="en-US" altLang="zh-TW" dirty="0"/>
+              <a:t>) </a:t>
+            </a:r>
+            <a:r>
+              <a:rPr lang="zh-TW" altLang="en-US" dirty="0"/>
+              <a:t>相似性。</a:t>
+            </a:r>
+            <a:endParaRPr lang="en-US" altLang="zh-TW" dirty="0"/>
           </a:p>
         </p:txBody>
       </p:sp>
     </p:spTree>
-    <p:extLst>
-      <p:ext uri="{BB962C8B-B14F-4D97-AF65-F5344CB8AC3E}">
-        <p14:creationId xmlns:p14="http://schemas.microsoft.com/office/powerpoint/2010/main" val="3374105217"/>
-      </p:ext>
-    </p:extLst>
   </p:cSld>
   <p:clrMapOvr>
     <a:masterClrMapping/>
@@ -9293,7 +13616,7 @@
 </p:sld>
 </file>
 
-<file path=ppt/slides/slide3.xml><?xml version="1.0" encoding="utf-8"?>
+<file path=ppt/slides/slide58.xml><?xml version="1.0" encoding="utf-8"?>
 <p:sld xmlns:a="http://schemas.openxmlformats.org/drawingml/2006/main" xmlns:r="http://schemas.openxmlformats.org/officeDocument/2006/relationships" xmlns:p="http://schemas.openxmlformats.org/presentationml/2006/main">
   <p:cSld>
     <p:spTree>
@@ -9312,24 +13635,41 @@
       </p:grpSpPr>
       <p:sp>
         <p:nvSpPr>
-          <p:cNvPr id="2" name="標題 1">
-            <a:extLst>
-              <a:ext uri="{FF2B5EF4-FFF2-40B4-BE49-F238E27FC236}">
-                <a16:creationId xmlns:a16="http://schemas.microsoft.com/office/drawing/2014/main" id="{619027ED-4718-4571-A3BC-DADBFFD055DE}"/>
-              </a:ext>
-            </a:extLst>
-          </p:cNvPr>
-          <p:cNvSpPr>
-            <a:spLocks noGrp="1"/>
-          </p:cNvSpPr>
-          <p:nvPr>
-            <p:ph type="ctrTitle"/>
+          <p:cNvPr id="2" name="標題 1"/>
+          <p:cNvSpPr>
+            <a:spLocks noGrp="1"/>
+          </p:cNvSpPr>
+          <p:nvPr>
+            <p:ph type="title"/>
+          </p:nvPr>
+        </p:nvSpPr>
+        <p:spPr/>
+        <p:txBody>
+          <a:bodyPr/>
+          <a:lstStyle/>
+          <a:p>
+            <a:r>
+              <a:rPr lang="en-US" altLang="zh-TW" b="1" dirty="0"/>
+              <a:t>Word Embedding</a:t>
+            </a:r>
+            <a:endParaRPr lang="zh-TW" altLang="en-US" b="1" dirty="0"/>
+          </a:p>
+        </p:txBody>
+      </p:sp>
+      <p:sp>
+        <p:nvSpPr>
+          <p:cNvPr id="3" name="內容版面配置區 2"/>
+          <p:cNvSpPr>
+            <a:spLocks noGrp="1"/>
+          </p:cNvSpPr>
+          <p:nvPr>
+            <p:ph idx="1"/>
           </p:nvPr>
         </p:nvSpPr>
         <p:spPr>
           <a:xfrm>
-            <a:off x="1524000" y="2712376"/>
-            <a:ext cx="9144000" cy="1270197"/>
+            <a:off x="1981200" y="1600201"/>
+            <a:ext cx="8229600" cy="748680"/>
           </a:xfrm>
         </p:spPr>
         <p:txBody>
@@ -9337,21 +13677,57 @@
           <a:lstStyle/>
           <a:p>
             <a:r>
-              <a:rPr lang="zh-TW" altLang="en-US" dirty="0">
-                <a:latin typeface="微軟正黑體" panose="020B0604030504040204" pitchFamily="34" charset="-120"/>
-                <a:ea typeface="微軟正黑體" panose="020B0604030504040204" pitchFamily="34" charset="-120"/>
-              </a:rPr>
-              <a:t>文字是什麼？</a:t>
-            </a:r>
-          </a:p>
-        </p:txBody>
-      </p:sp>
+              <a:rPr lang="zh-TW" altLang="en-US" dirty="0"/>
+              <a:t>閱讀大量的文章，稱之為</a:t>
+            </a:r>
+            <a:r>
+              <a:rPr lang="en-US" altLang="zh-TW" dirty="0"/>
+              <a:t>corpus(</a:t>
+            </a:r>
+            <a:r>
+              <a:rPr lang="zh-TW" altLang="en-US" dirty="0"/>
+              <a:t>語料庫</a:t>
+            </a:r>
+            <a:r>
+              <a:rPr lang="en-US" altLang="zh-TW" dirty="0"/>
+              <a:t>)</a:t>
+            </a:r>
+          </a:p>
+        </p:txBody>
+      </p:sp>
+      <p:pic>
+        <p:nvPicPr>
+          <p:cNvPr id="22530" name="Picture 2"/>
+          <p:cNvPicPr>
+            <a:picLocks noChangeAspect="1" noChangeArrowheads="1"/>
+          </p:cNvPicPr>
+          <p:nvPr/>
+        </p:nvPicPr>
+        <p:blipFill>
+          <a:blip r:embed="rId2" cstate="print"/>
+          <a:srcRect/>
+          <a:stretch>
+            <a:fillRect/>
+          </a:stretch>
+        </p:blipFill>
+        <p:spPr bwMode="auto">
+          <a:xfrm>
+            <a:off x="2135561" y="2636912"/>
+            <a:ext cx="7910333" cy="3600400"/>
+          </a:xfrm>
+          <a:prstGeom prst="rect">
+            <a:avLst/>
+          </a:prstGeom>
+          <a:noFill/>
+          <a:ln w="9525">
+            <a:noFill/>
+            <a:miter lim="800000"/>
+            <a:headEnd/>
+            <a:tailEnd/>
+          </a:ln>
+        </p:spPr>
+      </p:pic>
     </p:spTree>
-    <p:extLst>
-      <p:ext uri="{BB962C8B-B14F-4D97-AF65-F5344CB8AC3E}">
-        <p14:creationId xmlns:p14="http://schemas.microsoft.com/office/powerpoint/2010/main" val="3581981705"/>
-      </p:ext>
-    </p:extLst>
   </p:cSld>
   <p:clrMapOvr>
     <a:masterClrMapping/>
@@ -9359,7 +13735,7 @@
 </p:sld>
 </file>
 
-<file path=ppt/slides/slide30.xml><?xml version="1.0" encoding="utf-8"?>
+<file path=ppt/slides/slide59.xml><?xml version="1.0" encoding="utf-8"?>
 <p:sld xmlns:a="http://schemas.openxmlformats.org/drawingml/2006/main" xmlns:r="http://schemas.openxmlformats.org/officeDocument/2006/relationships" xmlns:p="http://schemas.openxmlformats.org/presentationml/2006/main">
   <p:cSld>
     <p:spTree>
@@ -9378,13 +13754,7 @@
       </p:grpSpPr>
       <p:sp>
         <p:nvSpPr>
-          <p:cNvPr id="2" name="標題 1">
-            <a:extLst>
-              <a:ext uri="{FF2B5EF4-FFF2-40B4-BE49-F238E27FC236}">
-                <a16:creationId xmlns:a16="http://schemas.microsoft.com/office/drawing/2014/main" id="{6E2D17FC-8E91-4D68-9E33-2E731C896C47}"/>
-              </a:ext>
-            </a:extLst>
-          </p:cNvPr>
+          <p:cNvPr id="2" name="標題 1"/>
           <p:cNvSpPr>
             <a:spLocks noGrp="1"/>
           </p:cNvSpPr>
@@ -9392,804 +13762,52 @@
             <p:ph type="title"/>
           </p:nvPr>
         </p:nvSpPr>
-        <p:spPr>
-          <a:xfrm>
-            <a:off x="838200" y="365125"/>
-            <a:ext cx="10515600" cy="682839"/>
-          </a:xfrm>
-        </p:spPr>
-        <p:txBody>
-          <a:bodyPr>
-            <a:normAutofit fontScale="90000"/>
-          </a:bodyPr>
+        <p:spPr/>
+        <p:txBody>
+          <a:bodyPr/>
           <a:lstStyle/>
           <a:p>
             <a:r>
-              <a:rPr lang="zh-TW" altLang="en-US" b="1" dirty="0">
-                <a:latin typeface="微軟正黑體" panose="020B0604030504040204" pitchFamily="34" charset="-120"/>
-                <a:ea typeface="微軟正黑體" panose="020B0604030504040204" pitchFamily="34" charset="-120"/>
-              </a:rPr>
-              <a:t>詞袋表示法</a:t>
-            </a:r>
-          </a:p>
-        </p:txBody>
-      </p:sp>
-      <p:sp>
-        <p:nvSpPr>
-          <p:cNvPr id="3" name="內容版面配置區 2">
-            <a:extLst>
-              <a:ext uri="{FF2B5EF4-FFF2-40B4-BE49-F238E27FC236}">
-                <a16:creationId xmlns:a16="http://schemas.microsoft.com/office/drawing/2014/main" id="{3ABFD44D-8A96-48EF-87FE-009D440D49A9}"/>
-              </a:ext>
-            </a:extLst>
-          </p:cNvPr>
-          <p:cNvSpPr>
-            <a:spLocks noGrp="1"/>
-          </p:cNvSpPr>
-          <p:nvPr>
-            <p:ph idx="1"/>
-          </p:nvPr>
-        </p:nvSpPr>
-        <p:spPr>
-          <a:xfrm>
-            <a:off x="838200" y="1202076"/>
-            <a:ext cx="10515600" cy="5363111"/>
-          </a:xfrm>
-        </p:spPr>
-        <p:txBody>
-          <a:bodyPr>
-            <a:noAutofit/>
-          </a:bodyPr>
-          <a:lstStyle/>
-          <a:p>
-            <a:pPr marL="514350" indent="-514350">
-              <a:buFont typeface="+mj-lt"/>
-              <a:buAutoNum type="arabicPeriod"/>
-            </a:pPr>
-            <a:r>
-              <a:rPr lang="zh-TW" altLang="zh-TW" dirty="0">
-                <a:effectLst/>
-                <a:latin typeface="微軟正黑體" panose="020B0604030504040204" pitchFamily="34" charset="-120"/>
-                <a:ea typeface="微軟正黑體" panose="020B0604030504040204" pitchFamily="34" charset="-120"/>
-                <a:cs typeface="Times New Roman" panose="02020603050405020304" pitchFamily="18" charset="0"/>
-              </a:rPr>
-              <a:t>詞袋（</a:t>
-            </a:r>
-            <a:r>
-              <a:rPr lang="en-US" altLang="zh-TW" dirty="0">
-                <a:effectLst/>
-                <a:latin typeface="微軟正黑體" panose="020B0604030504040204" pitchFamily="34" charset="-120"/>
-                <a:ea typeface="微軟正黑體" panose="020B0604030504040204" pitchFamily="34" charset="-120"/>
-                <a:cs typeface="Times New Roman" panose="02020603050405020304" pitchFamily="18" charset="0"/>
-              </a:rPr>
-              <a:t>Bag-Of-Words</a:t>
-            </a:r>
-            <a:r>
-              <a:rPr lang="zh-TW" altLang="zh-TW" dirty="0">
-                <a:effectLst/>
-                <a:latin typeface="微軟正黑體" panose="020B0604030504040204" pitchFamily="34" charset="-120"/>
-                <a:ea typeface="微軟正黑體" panose="020B0604030504040204" pitchFamily="34" charset="-120"/>
-                <a:cs typeface="Times New Roman" panose="02020603050405020304" pitchFamily="18" charset="0"/>
-              </a:rPr>
-              <a:t>，</a:t>
-            </a:r>
-            <a:r>
-              <a:rPr lang="en-US" altLang="zh-TW" dirty="0">
-                <a:effectLst/>
-                <a:latin typeface="微軟正黑體" panose="020B0604030504040204" pitchFamily="34" charset="-120"/>
-                <a:ea typeface="微軟正黑體" panose="020B0604030504040204" pitchFamily="34" charset="-120"/>
-                <a:cs typeface="Times New Roman" panose="02020603050405020304" pitchFamily="18" charset="0"/>
-              </a:rPr>
-              <a:t>BOW</a:t>
-            </a:r>
-            <a:r>
-              <a:rPr lang="zh-TW" altLang="zh-TW" dirty="0">
-                <a:effectLst/>
-                <a:latin typeface="微軟正黑體" panose="020B0604030504040204" pitchFamily="34" charset="-120"/>
-                <a:ea typeface="微軟正黑體" panose="020B0604030504040204" pitchFamily="34" charset="-120"/>
-                <a:cs typeface="Times New Roman" panose="02020603050405020304" pitchFamily="18" charset="0"/>
-              </a:rPr>
-              <a:t>）</a:t>
-            </a:r>
-            <a:endParaRPr lang="en-US" altLang="zh-TW" dirty="0">
-              <a:effectLst/>
-              <a:latin typeface="微軟正黑體" panose="020B0604030504040204" pitchFamily="34" charset="-120"/>
-              <a:ea typeface="微軟正黑體" panose="020B0604030504040204" pitchFamily="34" charset="-120"/>
-              <a:cs typeface="Times New Roman" panose="02020603050405020304" pitchFamily="18" charset="0"/>
-            </a:endParaRPr>
-          </a:p>
-          <a:p>
-            <a:pPr marL="514350" indent="-514350">
-              <a:buFont typeface="+mj-lt"/>
-              <a:buAutoNum type="arabicPeriod"/>
-            </a:pPr>
-            <a:r>
-              <a:rPr lang="zh-TW" altLang="zh-TW" dirty="0">
-                <a:effectLst/>
-                <a:latin typeface="微軟正黑體" panose="020B0604030504040204" pitchFamily="34" charset="-120"/>
-                <a:ea typeface="微軟正黑體" panose="020B0604030504040204" pitchFamily="34" charset="-120"/>
-                <a:cs typeface="Times New Roman" panose="02020603050405020304" pitchFamily="18" charset="0"/>
-              </a:rPr>
-              <a:t>設文字中的詞語是沒有順序的集合</a:t>
-            </a:r>
-            <a:endParaRPr lang="en-US" altLang="zh-TW" dirty="0">
-              <a:latin typeface="微軟正黑體" panose="020B0604030504040204" pitchFamily="34" charset="-120"/>
-              <a:ea typeface="微軟正黑體" panose="020B0604030504040204" pitchFamily="34" charset="-120"/>
-              <a:cs typeface="Times New Roman" panose="02020603050405020304" pitchFamily="18" charset="0"/>
-            </a:endParaRPr>
-          </a:p>
-          <a:p>
-            <a:pPr marL="514350" indent="-514350">
-              <a:buFont typeface="+mj-lt"/>
-              <a:buAutoNum type="arabicPeriod"/>
-            </a:pPr>
-            <a:r>
-              <a:rPr lang="zh-TW" altLang="zh-TW" dirty="0">
-                <a:effectLst/>
-                <a:latin typeface="微軟正黑體" panose="020B0604030504040204" pitchFamily="34" charset="-120"/>
-                <a:ea typeface="微軟正黑體" panose="020B0604030504040204" pitchFamily="34" charset="-120"/>
-                <a:cs typeface="Times New Roman" panose="02020603050405020304" pitchFamily="18" charset="0"/>
-              </a:rPr>
-              <a:t>將文字中的全部詞所對應的向量表示相</a:t>
-            </a:r>
-            <a:r>
-              <a:rPr lang="zh-TW" altLang="en-US" dirty="0">
-                <a:effectLst/>
-                <a:latin typeface="微軟正黑體" panose="020B0604030504040204" pitchFamily="34" charset="-120"/>
-                <a:ea typeface="微軟正黑體" panose="020B0604030504040204" pitchFamily="34" charset="-120"/>
-                <a:cs typeface="Times New Roman" panose="02020603050405020304" pitchFamily="18" charset="0"/>
-              </a:rPr>
-              <a:t>加，</a:t>
-            </a:r>
-            <a:r>
-              <a:rPr lang="zh-TW" altLang="zh-TW" dirty="0">
-                <a:effectLst/>
-                <a:latin typeface="微軟正黑體" panose="020B0604030504040204" pitchFamily="34" charset="-120"/>
-                <a:ea typeface="微軟正黑體" panose="020B0604030504040204" pitchFamily="34" charset="-120"/>
-                <a:cs typeface="Times New Roman" panose="02020603050405020304" pitchFamily="18" charset="0"/>
-              </a:rPr>
-              <a:t>組成了文字的向量表示</a:t>
-            </a:r>
-            <a:endParaRPr lang="en-US" altLang="zh-TW" dirty="0">
-              <a:effectLst/>
-              <a:latin typeface="微軟正黑體" panose="020B0604030504040204" pitchFamily="34" charset="-120"/>
-              <a:ea typeface="微軟正黑體" panose="020B0604030504040204" pitchFamily="34" charset="-120"/>
-              <a:cs typeface="Times New Roman" panose="02020603050405020304" pitchFamily="18" charset="0"/>
-            </a:endParaRPr>
-          </a:p>
-          <a:p>
-            <a:pPr marL="514350" indent="-514350">
-              <a:buFont typeface="+mj-lt"/>
-              <a:buAutoNum type="arabicPeriod"/>
-            </a:pPr>
-            <a:r>
-              <a:rPr lang="zh-TW" altLang="zh-TW" dirty="0">
-                <a:effectLst/>
-                <a:latin typeface="微軟正黑體" panose="020B0604030504040204" pitchFamily="34" charset="-120"/>
-                <a:ea typeface="微軟正黑體" panose="020B0604030504040204" pitchFamily="34" charset="-120"/>
-                <a:cs typeface="Times New Roman" panose="02020603050405020304" pitchFamily="18" charset="0"/>
-              </a:rPr>
-              <a:t>既可以是獨熱表示，也可以是分散式表示或詞向量</a:t>
-            </a:r>
-            <a:endParaRPr lang="en-US" altLang="zh-TW" dirty="0">
-              <a:effectLst/>
-              <a:latin typeface="微軟正黑體" panose="020B0604030504040204" pitchFamily="34" charset="-120"/>
-              <a:ea typeface="微軟正黑體" panose="020B0604030504040204" pitchFamily="34" charset="-120"/>
-              <a:cs typeface="Times New Roman" panose="02020603050405020304" pitchFamily="18" charset="0"/>
-            </a:endParaRPr>
-          </a:p>
-          <a:p>
-            <a:pPr marL="514350" indent="-514350">
-              <a:buFont typeface="+mj-lt"/>
-              <a:buAutoNum type="arabicPeriod"/>
-            </a:pPr>
-            <a:r>
-              <a:rPr lang="zh-TW" altLang="zh-TW" dirty="0">
-                <a:effectLst/>
-                <a:latin typeface="微軟正黑體" panose="020B0604030504040204" pitchFamily="34" charset="-120"/>
-                <a:ea typeface="微軟正黑體" panose="020B0604030504040204" pitchFamily="34" charset="-120"/>
-                <a:cs typeface="Times New Roman" panose="02020603050405020304" pitchFamily="18" charset="0"/>
-              </a:rPr>
-              <a:t>沒有考慮詞的順序資訊</a:t>
-            </a:r>
-            <a:endParaRPr lang="en-US" altLang="zh-TW" dirty="0">
-              <a:latin typeface="微軟正黑體" panose="020B0604030504040204" pitchFamily="34" charset="-120"/>
-              <a:ea typeface="微軟正黑體" panose="020B0604030504040204" pitchFamily="34" charset="-120"/>
-              <a:cs typeface="Times New Roman" panose="02020603050405020304" pitchFamily="18" charset="0"/>
-            </a:endParaRPr>
-          </a:p>
-          <a:p>
-            <a:pPr marL="514350" indent="-514350">
-              <a:buFont typeface="+mj-lt"/>
-              <a:buAutoNum type="arabicPeriod"/>
-            </a:pPr>
-            <a:r>
-              <a:rPr lang="en-US" altLang="zh-TW" dirty="0">
-                <a:effectLst/>
-                <a:latin typeface="微軟正黑體" panose="020B0604030504040204" pitchFamily="34" charset="-120"/>
-                <a:ea typeface="微軟正黑體" panose="020B0604030504040204" pitchFamily="34" charset="-120"/>
-                <a:cs typeface="Times New Roman" panose="02020603050405020304" pitchFamily="18" charset="0"/>
-              </a:rPr>
-              <a:t>“</a:t>
-            </a:r>
-            <a:r>
-              <a:rPr lang="zh-TW" altLang="zh-TW" dirty="0">
-                <a:effectLst/>
-                <a:latin typeface="微軟正黑體" panose="020B0604030504040204" pitchFamily="34" charset="-120"/>
-                <a:ea typeface="微軟正黑體" panose="020B0604030504040204" pitchFamily="34" charset="-120"/>
-                <a:cs typeface="Times New Roman" panose="02020603050405020304" pitchFamily="18" charset="0"/>
-              </a:rPr>
-              <a:t>張三打李四</a:t>
-            </a:r>
-            <a:r>
-              <a:rPr lang="en-US" altLang="zh-TW" dirty="0">
-                <a:effectLst/>
-                <a:latin typeface="微軟正黑體" panose="020B0604030504040204" pitchFamily="34" charset="-120"/>
-                <a:ea typeface="微軟正黑體" panose="020B0604030504040204" pitchFamily="34" charset="-120"/>
-                <a:cs typeface="Times New Roman" panose="02020603050405020304" pitchFamily="18" charset="0"/>
-              </a:rPr>
-              <a:t>”</a:t>
-            </a:r>
-            <a:r>
-              <a:rPr lang="zh-TW" altLang="zh-TW" dirty="0">
-                <a:effectLst/>
-                <a:latin typeface="微軟正黑體" panose="020B0604030504040204" pitchFamily="34" charset="-120"/>
-                <a:ea typeface="微軟正黑體" panose="020B0604030504040204" pitchFamily="34" charset="-120"/>
-                <a:cs typeface="Times New Roman" panose="02020603050405020304" pitchFamily="18" charset="0"/>
-              </a:rPr>
-              <a:t>和</a:t>
-            </a:r>
-            <a:r>
-              <a:rPr lang="en-US" altLang="zh-TW" dirty="0">
-                <a:effectLst/>
-                <a:latin typeface="微軟正黑體" panose="020B0604030504040204" pitchFamily="34" charset="-120"/>
-                <a:ea typeface="微軟正黑體" panose="020B0604030504040204" pitchFamily="34" charset="-120"/>
-                <a:cs typeface="Times New Roman" panose="02020603050405020304" pitchFamily="18" charset="0"/>
-              </a:rPr>
-              <a:t>“</a:t>
-            </a:r>
-            <a:r>
-              <a:rPr lang="zh-TW" altLang="zh-TW" dirty="0">
-                <a:effectLst/>
-                <a:latin typeface="微軟正黑體" panose="020B0604030504040204" pitchFamily="34" charset="-120"/>
-                <a:ea typeface="微軟正黑體" panose="020B0604030504040204" pitchFamily="34" charset="-120"/>
-                <a:cs typeface="Times New Roman" panose="02020603050405020304" pitchFamily="18" charset="0"/>
-              </a:rPr>
-              <a:t>李四打張三</a:t>
-            </a:r>
-            <a:r>
-              <a:rPr lang="en-US" altLang="zh-TW" dirty="0">
-                <a:effectLst/>
-                <a:latin typeface="微軟正黑體" panose="020B0604030504040204" pitchFamily="34" charset="-120"/>
-                <a:ea typeface="微軟正黑體" panose="020B0604030504040204" pitchFamily="34" charset="-120"/>
-                <a:cs typeface="Times New Roman" panose="02020603050405020304" pitchFamily="18" charset="0"/>
-              </a:rPr>
-              <a:t>”</a:t>
-            </a:r>
-            <a:r>
-              <a:rPr lang="zh-TW" altLang="zh-TW" dirty="0">
-                <a:effectLst/>
-                <a:latin typeface="微軟正黑體" panose="020B0604030504040204" pitchFamily="34" charset="-120"/>
-                <a:ea typeface="微軟正黑體" panose="020B0604030504040204" pitchFamily="34" charset="-120"/>
-                <a:cs typeface="Times New Roman" panose="02020603050405020304" pitchFamily="18" charset="0"/>
-              </a:rPr>
-              <a:t>，包含的詞相同，詞序不同，詞袋表示結果一樣</a:t>
-            </a:r>
-            <a:endParaRPr lang="en-US" altLang="zh-TW" dirty="0">
-              <a:effectLst/>
-              <a:latin typeface="微軟正黑體" panose="020B0604030504040204" pitchFamily="34" charset="-120"/>
-              <a:ea typeface="微軟正黑體" panose="020B0604030504040204" pitchFamily="34" charset="-120"/>
-              <a:cs typeface="Times New Roman" panose="02020603050405020304" pitchFamily="18" charset="0"/>
-            </a:endParaRPr>
-          </a:p>
-          <a:p>
-            <a:pPr marL="514350" indent="-514350">
-              <a:buFont typeface="+mj-lt"/>
-              <a:buAutoNum type="arabicPeriod"/>
-            </a:pPr>
-            <a:r>
-              <a:rPr lang="zh-TW" altLang="zh-TW" dirty="0">
-                <a:effectLst/>
-                <a:latin typeface="微軟正黑體" panose="020B0604030504040204" pitchFamily="34" charset="-120"/>
-                <a:ea typeface="微軟正黑體" panose="020B0604030504040204" pitchFamily="34" charset="-120"/>
-                <a:cs typeface="Times New Roman" panose="02020603050405020304" pitchFamily="18" charset="0"/>
-              </a:rPr>
-              <a:t>是無法融入上下文資訊。比如要表示</a:t>
-            </a:r>
-            <a:r>
-              <a:rPr lang="en-US" altLang="zh-TW" dirty="0">
-                <a:effectLst/>
-                <a:latin typeface="微軟正黑體" panose="020B0604030504040204" pitchFamily="34" charset="-120"/>
-                <a:ea typeface="微軟正黑體" panose="020B0604030504040204" pitchFamily="34" charset="-120"/>
-                <a:cs typeface="Times New Roman" panose="02020603050405020304" pitchFamily="18" charset="0"/>
-              </a:rPr>
-              <a:t>“</a:t>
-            </a:r>
-            <a:r>
-              <a:rPr lang="zh-TW" altLang="zh-TW" dirty="0">
-                <a:effectLst/>
-                <a:latin typeface="微軟正黑體" panose="020B0604030504040204" pitchFamily="34" charset="-120"/>
-                <a:ea typeface="微軟正黑體" panose="020B0604030504040204" pitchFamily="34" charset="-120"/>
-                <a:cs typeface="Times New Roman" panose="02020603050405020304" pitchFamily="18" charset="0"/>
-              </a:rPr>
-              <a:t>不喜歡</a:t>
-            </a:r>
-            <a:r>
-              <a:rPr lang="en-US" altLang="zh-TW" dirty="0">
-                <a:effectLst/>
-                <a:latin typeface="微軟正黑體" panose="020B0604030504040204" pitchFamily="34" charset="-120"/>
-                <a:ea typeface="微軟正黑體" panose="020B0604030504040204" pitchFamily="34" charset="-120"/>
-                <a:cs typeface="Times New Roman" panose="02020603050405020304" pitchFamily="18" charset="0"/>
-              </a:rPr>
-              <a:t>”</a:t>
-            </a:r>
-            <a:r>
-              <a:rPr lang="zh-TW" altLang="zh-TW" dirty="0">
-                <a:effectLst/>
-                <a:latin typeface="微軟正黑體" panose="020B0604030504040204" pitchFamily="34" charset="-120"/>
-                <a:ea typeface="微軟正黑體" panose="020B0604030504040204" pitchFamily="34" charset="-120"/>
-                <a:cs typeface="Times New Roman" panose="02020603050405020304" pitchFamily="18" charset="0"/>
-              </a:rPr>
-              <a:t>，只能將兩個詞的向量相加，無法進行更細緻的語義操作</a:t>
-            </a:r>
-            <a:endParaRPr lang="en-US" altLang="zh-TW" dirty="0">
-              <a:effectLst/>
-              <a:latin typeface="微軟正黑體" panose="020B0604030504040204" pitchFamily="34" charset="-120"/>
-              <a:ea typeface="微軟正黑體" panose="020B0604030504040204" pitchFamily="34" charset="-120"/>
-              <a:cs typeface="Times New Roman" panose="02020603050405020304" pitchFamily="18" charset="0"/>
-            </a:endParaRPr>
-          </a:p>
-          <a:p>
-            <a:pPr marL="514350" indent="-514350">
-              <a:buFont typeface="+mj-lt"/>
-              <a:buAutoNum type="arabicPeriod"/>
-            </a:pPr>
-            <a:r>
-              <a:rPr lang="zh-TW" altLang="zh-TW" dirty="0">
-                <a:effectLst/>
-                <a:latin typeface="微軟正黑體" panose="020B0604030504040204" pitchFamily="34" charset="-120"/>
-                <a:ea typeface="微軟正黑體" panose="020B0604030504040204" pitchFamily="34" charset="-120"/>
-                <a:cs typeface="Times New Roman" panose="02020603050405020304" pitchFamily="18" charset="0"/>
-              </a:rPr>
-              <a:t>隨著詞表的增大，會引入更嚴重的資料稀疏問題</a:t>
-            </a:r>
-            <a:endParaRPr lang="en-US" altLang="zh-TW" dirty="0">
-              <a:latin typeface="微軟正黑體" panose="020B0604030504040204" pitchFamily="34" charset="-120"/>
-              <a:ea typeface="微軟正黑體" panose="020B0604030504040204" pitchFamily="34" charset="-120"/>
-            </a:endParaRPr>
-          </a:p>
-        </p:txBody>
-      </p:sp>
-    </p:spTree>
-    <p:extLst>
-      <p:ext uri="{BB962C8B-B14F-4D97-AF65-F5344CB8AC3E}">
-        <p14:creationId xmlns:p14="http://schemas.microsoft.com/office/powerpoint/2010/main" val="3249435626"/>
-      </p:ext>
-    </p:extLst>
-  </p:cSld>
-  <p:clrMapOvr>
-    <a:masterClrMapping/>
-  </p:clrMapOvr>
-</p:sld>
-</file>
-
-<file path=ppt/slides/slide4.xml><?xml version="1.0" encoding="utf-8"?>
-<p:sld xmlns:a="http://schemas.openxmlformats.org/drawingml/2006/main" xmlns:r="http://schemas.openxmlformats.org/officeDocument/2006/relationships" xmlns:p="http://schemas.openxmlformats.org/presentationml/2006/main">
-  <p:cSld>
-    <p:spTree>
-      <p:nvGrpSpPr>
-        <p:cNvPr id="1" name=""/>
-        <p:cNvGrpSpPr/>
-        <p:nvPr/>
-      </p:nvGrpSpPr>
-      <p:grpSpPr>
-        <a:xfrm>
-          <a:off x="0" y="0"/>
-          <a:ext cx="0" cy="0"/>
-          <a:chOff x="0" y="0"/>
-          <a:chExt cx="0" cy="0"/>
-        </a:xfrm>
-      </p:grpSpPr>
-      <p:sp>
-        <p:nvSpPr>
-          <p:cNvPr id="2" name="標題 1">
-            <a:extLst>
-              <a:ext uri="{FF2B5EF4-FFF2-40B4-BE49-F238E27FC236}">
-                <a16:creationId xmlns:a16="http://schemas.microsoft.com/office/drawing/2014/main" id="{6E2D17FC-8E91-4D68-9E33-2E731C896C47}"/>
-              </a:ext>
-            </a:extLst>
-          </p:cNvPr>
-          <p:cNvSpPr>
-            <a:spLocks noGrp="1"/>
-          </p:cNvSpPr>
-          <p:nvPr>
-            <p:ph type="title"/>
-          </p:nvPr>
-        </p:nvSpPr>
-        <p:spPr>
-          <a:xfrm>
-            <a:off x="838200" y="365125"/>
-            <a:ext cx="10515600" cy="682839"/>
-          </a:xfrm>
-        </p:spPr>
-        <p:txBody>
-          <a:bodyPr>
-            <a:normAutofit fontScale="90000"/>
-          </a:bodyPr>
-          <a:lstStyle/>
-          <a:p>
-            <a:r>
-              <a:rPr lang="zh-TW" altLang="en-US" b="1" dirty="0">
-                <a:latin typeface="微軟正黑體" panose="020B0604030504040204" pitchFamily="34" charset="-120"/>
-                <a:ea typeface="微軟正黑體" panose="020B0604030504040204" pitchFamily="34" charset="-120"/>
-              </a:rPr>
-              <a:t>文字是什麼？</a:t>
-            </a:r>
-          </a:p>
-        </p:txBody>
-      </p:sp>
-      <p:sp>
-        <p:nvSpPr>
-          <p:cNvPr id="3" name="內容版面配置區 2">
-            <a:extLst>
-              <a:ext uri="{FF2B5EF4-FFF2-40B4-BE49-F238E27FC236}">
-                <a16:creationId xmlns:a16="http://schemas.microsoft.com/office/drawing/2014/main" id="{3ABFD44D-8A96-48EF-87FE-009D440D49A9}"/>
-              </a:ext>
-            </a:extLst>
-          </p:cNvPr>
-          <p:cNvSpPr>
-            <a:spLocks noGrp="1"/>
-          </p:cNvSpPr>
-          <p:nvPr>
-            <p:ph idx="1"/>
-          </p:nvPr>
-        </p:nvSpPr>
-        <p:spPr>
-          <a:xfrm>
-            <a:off x="838200" y="1202076"/>
-            <a:ext cx="10515600" cy="5363111"/>
-          </a:xfrm>
-        </p:spPr>
-        <p:txBody>
-          <a:bodyPr>
-            <a:normAutofit/>
-          </a:bodyPr>
-          <a:lstStyle/>
-          <a:p>
-            <a:pPr marL="514350" indent="-514350">
-              <a:buFont typeface="+mj-lt"/>
-              <a:buAutoNum type="arabicPeriod"/>
-            </a:pPr>
-            <a:r>
-              <a:rPr lang="zh-TW" altLang="en-US" dirty="0">
-                <a:latin typeface="微軟正黑體" panose="020B0604030504040204" pitchFamily="34" charset="-120"/>
-                <a:ea typeface="微軟正黑體" panose="020B0604030504040204" pitchFamily="34" charset="-120"/>
-              </a:rPr>
-              <a:t>表達一種有形或無形的東西</a:t>
-            </a:r>
-            <a:endParaRPr lang="en-US" altLang="zh-TW" dirty="0">
-              <a:latin typeface="微軟正黑體" panose="020B0604030504040204" pitchFamily="34" charset="-120"/>
-              <a:ea typeface="微軟正黑體" panose="020B0604030504040204" pitchFamily="34" charset="-120"/>
-            </a:endParaRPr>
-          </a:p>
-          <a:p>
-            <a:pPr marL="514350" indent="-514350">
-              <a:buFont typeface="+mj-lt"/>
-              <a:buAutoNum type="arabicPeriod"/>
-            </a:pPr>
-            <a:r>
-              <a:rPr lang="zh-TW" altLang="en-US" dirty="0">
-                <a:latin typeface="微軟正黑體" panose="020B0604030504040204" pitchFamily="34" charset="-120"/>
-                <a:ea typeface="微軟正黑體" panose="020B0604030504040204" pitchFamily="34" charset="-120"/>
-              </a:rPr>
-              <a:t>本身即可再延伸成新意</a:t>
-            </a:r>
-            <a:r>
-              <a:rPr lang="en-US" altLang="zh-TW" dirty="0">
-                <a:latin typeface="微軟正黑體" panose="020B0604030504040204" pitchFamily="34" charset="-120"/>
-                <a:ea typeface="微軟正黑體" panose="020B0604030504040204" pitchFamily="34" charset="-120"/>
-              </a:rPr>
-              <a:t>(compute, computer, computation)</a:t>
-            </a:r>
-          </a:p>
-          <a:p>
-            <a:pPr marL="514350" indent="-514350">
-              <a:buFont typeface="+mj-lt"/>
-              <a:buAutoNum type="arabicPeriod"/>
-            </a:pPr>
-            <a:r>
-              <a:rPr lang="zh-TW" altLang="en-US" dirty="0">
-                <a:latin typeface="微軟正黑體" panose="020B0604030504040204" pitchFamily="34" charset="-120"/>
-                <a:ea typeface="微軟正黑體" panose="020B0604030504040204" pitchFamily="34" charset="-120"/>
-              </a:rPr>
-              <a:t>可任意排列組合成新的意義</a:t>
-            </a:r>
-            <a:endParaRPr lang="en-US" altLang="zh-TW" dirty="0">
-              <a:latin typeface="微軟正黑體" panose="020B0604030504040204" pitchFamily="34" charset="-120"/>
-              <a:ea typeface="微軟正黑體" panose="020B0604030504040204" pitchFamily="34" charset="-120"/>
-            </a:endParaRPr>
-          </a:p>
-          <a:p>
-            <a:pPr marL="514350" indent="-514350">
-              <a:buFont typeface="+mj-lt"/>
-              <a:buAutoNum type="arabicPeriod"/>
-            </a:pPr>
-            <a:endParaRPr lang="en-US" altLang="zh-TW" dirty="0">
-              <a:latin typeface="微軟正黑體" panose="020B0604030504040204" pitchFamily="34" charset="-120"/>
-              <a:ea typeface="微軟正黑體" panose="020B0604030504040204" pitchFamily="34" charset="-120"/>
-            </a:endParaRPr>
+              <a:rPr lang="en-US" altLang="zh-TW" b="1" dirty="0"/>
+              <a:t>Word Embedding</a:t>
+            </a:r>
+            <a:endParaRPr lang="zh-TW" altLang="en-US" b="1" dirty="0"/>
           </a:p>
         </p:txBody>
       </p:sp>
       <p:pic>
         <p:nvPicPr>
-          <p:cNvPr id="4" name="圖片 3">
-            <a:extLst>
-              <a:ext uri="{FF2B5EF4-FFF2-40B4-BE49-F238E27FC236}">
-                <a16:creationId xmlns:a16="http://schemas.microsoft.com/office/drawing/2014/main" id="{16276E28-5902-449C-A71C-4410E18DA6E3}"/>
-              </a:ext>
-            </a:extLst>
-          </p:cNvPr>
+          <p:cNvPr id="21506" name="Picture 2"/>
           <p:cNvPicPr>
-            <a:picLocks noChangeAspect="1"/>
+            <a:picLocks noChangeAspect="1" noChangeArrowheads="1"/>
           </p:cNvPicPr>
           <p:nvPr/>
         </p:nvPicPr>
         <p:blipFill>
-          <a:blip r:embed="rId2"/>
+          <a:blip r:embed="rId2" cstate="print"/>
+          <a:srcRect/>
           <a:stretch>
             <a:fillRect/>
           </a:stretch>
         </p:blipFill>
-        <p:spPr>
+        <p:spPr bwMode="auto">
           <a:xfrm>
-            <a:off x="1480709" y="3110073"/>
-            <a:ext cx="8696325" cy="3124200"/>
+            <a:off x="2855640" y="1412776"/>
+            <a:ext cx="7056784" cy="5284306"/>
           </a:xfrm>
           <a:prstGeom prst="rect">
             <a:avLst/>
           </a:prstGeom>
+          <a:noFill/>
+          <a:ln w="9525">
+            <a:noFill/>
+            <a:miter lim="800000"/>
+            <a:headEnd/>
+            <a:tailEnd/>
+          </a:ln>
         </p:spPr>
       </p:pic>
     </p:spTree>
-    <p:extLst>
-      <p:ext uri="{BB962C8B-B14F-4D97-AF65-F5344CB8AC3E}">
-        <p14:creationId xmlns:p14="http://schemas.microsoft.com/office/powerpoint/2010/main" val="435385719"/>
-      </p:ext>
-    </p:extLst>
-  </p:cSld>
-  <p:clrMapOvr>
-    <a:masterClrMapping/>
-  </p:clrMapOvr>
-</p:sld>
-</file>
-
-<file path=ppt/slides/slide5.xml><?xml version="1.0" encoding="utf-8"?>
-<p:sld xmlns:a="http://schemas.openxmlformats.org/drawingml/2006/main" xmlns:r="http://schemas.openxmlformats.org/officeDocument/2006/relationships" xmlns:p="http://schemas.openxmlformats.org/presentationml/2006/main">
-  <p:cSld>
-    <p:spTree>
-      <p:nvGrpSpPr>
-        <p:cNvPr id="1" name=""/>
-        <p:cNvGrpSpPr/>
-        <p:nvPr/>
-      </p:nvGrpSpPr>
-      <p:grpSpPr>
-        <a:xfrm>
-          <a:off x="0" y="0"/>
-          <a:ext cx="0" cy="0"/>
-          <a:chOff x="0" y="0"/>
-          <a:chExt cx="0" cy="0"/>
-        </a:xfrm>
-      </p:grpSpPr>
-      <p:sp>
-        <p:nvSpPr>
-          <p:cNvPr id="2" name="標題 1">
-            <a:extLst>
-              <a:ext uri="{FF2B5EF4-FFF2-40B4-BE49-F238E27FC236}">
-                <a16:creationId xmlns:a16="http://schemas.microsoft.com/office/drawing/2014/main" id="{6E2D17FC-8E91-4D68-9E33-2E731C896C47}"/>
-              </a:ext>
-            </a:extLst>
-          </p:cNvPr>
-          <p:cNvSpPr>
-            <a:spLocks noGrp="1"/>
-          </p:cNvSpPr>
-          <p:nvPr>
-            <p:ph type="title"/>
-          </p:nvPr>
-        </p:nvSpPr>
-        <p:spPr>
-          <a:xfrm>
-            <a:off x="838200" y="365125"/>
-            <a:ext cx="10515600" cy="682839"/>
-          </a:xfrm>
-        </p:spPr>
-        <p:txBody>
-          <a:bodyPr>
-            <a:normAutofit fontScale="90000"/>
-          </a:bodyPr>
-          <a:lstStyle/>
-          <a:p>
-            <a:r>
-              <a:rPr lang="zh-TW" altLang="en-US" b="1" dirty="0">
-                <a:latin typeface="微軟正黑體" panose="020B0604030504040204" pitchFamily="34" charset="-120"/>
-                <a:ea typeface="微軟正黑體" panose="020B0604030504040204" pitchFamily="34" charset="-120"/>
-              </a:rPr>
-              <a:t>文字在電腦中如何表現？</a:t>
-            </a:r>
-          </a:p>
-        </p:txBody>
-      </p:sp>
-      <p:sp>
-        <p:nvSpPr>
-          <p:cNvPr id="3" name="內容版面配置區 2">
-            <a:extLst>
-              <a:ext uri="{FF2B5EF4-FFF2-40B4-BE49-F238E27FC236}">
-                <a16:creationId xmlns:a16="http://schemas.microsoft.com/office/drawing/2014/main" id="{3ABFD44D-8A96-48EF-87FE-009D440D49A9}"/>
-              </a:ext>
-            </a:extLst>
-          </p:cNvPr>
-          <p:cNvSpPr>
-            <a:spLocks noGrp="1"/>
-          </p:cNvSpPr>
-          <p:nvPr>
-            <p:ph idx="1"/>
-          </p:nvPr>
-        </p:nvSpPr>
-        <p:spPr>
-          <a:xfrm>
-            <a:off x="838200" y="1202076"/>
-            <a:ext cx="10515600" cy="5363111"/>
-          </a:xfrm>
-        </p:spPr>
-        <p:txBody>
-          <a:bodyPr>
-            <a:normAutofit/>
-          </a:bodyPr>
-          <a:lstStyle/>
-          <a:p>
-            <a:pPr marL="514350" indent="-514350">
-              <a:buFont typeface="+mj-lt"/>
-              <a:buAutoNum type="arabicPeriod"/>
-            </a:pPr>
-            <a:r>
-              <a:rPr lang="zh-TW" altLang="zh-TW" dirty="0">
-                <a:effectLst/>
-                <a:latin typeface="微軟正黑體" panose="020B0604030504040204" pitchFamily="34" charset="-120"/>
-                <a:ea typeface="微軟正黑體" panose="020B0604030504040204" pitchFamily="34" charset="-120"/>
-                <a:cs typeface="Times New Roman" panose="02020603050405020304" pitchFamily="18" charset="0"/>
-              </a:rPr>
-              <a:t>字串（</a:t>
-            </a:r>
-            <a:r>
-              <a:rPr lang="en-US" altLang="zh-TW" dirty="0">
-                <a:effectLst/>
-                <a:latin typeface="微軟正黑體" panose="020B0604030504040204" pitchFamily="34" charset="-120"/>
-                <a:ea typeface="微軟正黑體" panose="020B0604030504040204" pitchFamily="34" charset="-120"/>
-                <a:cs typeface="Times New Roman" panose="02020603050405020304" pitchFamily="18" charset="0"/>
-              </a:rPr>
-              <a:t>String</a:t>
-            </a:r>
-            <a:r>
-              <a:rPr lang="zh-TW" altLang="zh-TW" dirty="0">
-                <a:effectLst/>
-                <a:latin typeface="微軟正黑體" panose="020B0604030504040204" pitchFamily="34" charset="-120"/>
-                <a:ea typeface="微軟正黑體" panose="020B0604030504040204" pitchFamily="34" charset="-120"/>
-                <a:cs typeface="Times New Roman" panose="02020603050405020304" pitchFamily="18" charset="0"/>
-              </a:rPr>
-              <a:t>）是文字最自然，也是最常用的機內儲存形式</a:t>
-            </a:r>
-            <a:endParaRPr lang="en-US" altLang="zh-TW" dirty="0">
-              <a:effectLst/>
-              <a:latin typeface="微軟正黑體" panose="020B0604030504040204" pitchFamily="34" charset="-120"/>
-              <a:ea typeface="微軟正黑體" panose="020B0604030504040204" pitchFamily="34" charset="-120"/>
-              <a:cs typeface="Times New Roman" panose="02020603050405020304" pitchFamily="18" charset="0"/>
-            </a:endParaRPr>
-          </a:p>
-          <a:p>
-            <a:pPr marL="514350" indent="-514350">
-              <a:buFont typeface="+mj-lt"/>
-              <a:buAutoNum type="arabicPeriod"/>
-            </a:pPr>
-            <a:r>
-              <a:rPr lang="zh-TW" altLang="zh-TW" dirty="0">
-                <a:effectLst/>
-                <a:latin typeface="微軟正黑體" panose="020B0604030504040204" pitchFamily="34" charset="-120"/>
-                <a:ea typeface="微軟正黑體" panose="020B0604030504040204" pitchFamily="34" charset="-120"/>
-                <a:cs typeface="Times New Roman" panose="02020603050405020304" pitchFamily="18" charset="0"/>
-              </a:rPr>
-              <a:t>字串，即字元序列，而其中的字元本質上就是一個整數</a:t>
-            </a:r>
-            <a:r>
-              <a:rPr lang="en-US" altLang="zh-TW" dirty="0">
-                <a:latin typeface="微軟正黑體" panose="020B0604030504040204" pitchFamily="34" charset="-120"/>
-                <a:ea typeface="微軟正黑體" panose="020B0604030504040204" pitchFamily="34" charset="-120"/>
-                <a:cs typeface="Times New Roman" panose="02020603050405020304" pitchFamily="18" charset="0"/>
-              </a:rPr>
-              <a:t>(ASCII</a:t>
-            </a:r>
-            <a:r>
-              <a:rPr lang="zh-TW" altLang="en-US" dirty="0">
-                <a:latin typeface="微軟正黑體" panose="020B0604030504040204" pitchFamily="34" charset="-120"/>
-                <a:ea typeface="微軟正黑體" panose="020B0604030504040204" pitchFamily="34" charset="-120"/>
-                <a:cs typeface="Times New Roman" panose="02020603050405020304" pitchFamily="18" charset="0"/>
-              </a:rPr>
-              <a:t>、</a:t>
-            </a:r>
-            <a:r>
-              <a:rPr lang="en-US" altLang="zh-TW" dirty="0">
-                <a:latin typeface="微軟正黑體" panose="020B0604030504040204" pitchFamily="34" charset="-120"/>
-                <a:ea typeface="微軟正黑體" panose="020B0604030504040204" pitchFamily="34" charset="-120"/>
-                <a:cs typeface="Times New Roman" panose="02020603050405020304" pitchFamily="18" charset="0"/>
-              </a:rPr>
-              <a:t>UNICODE)</a:t>
-            </a:r>
-          </a:p>
-          <a:p>
-            <a:pPr marL="514350" indent="-514350">
-              <a:buFont typeface="+mj-lt"/>
-              <a:buAutoNum type="arabicPeriod"/>
-            </a:pPr>
-            <a:r>
-              <a:rPr lang="zh-TW" altLang="zh-TW" dirty="0">
-                <a:effectLst/>
-                <a:latin typeface="微軟正黑體" panose="020B0604030504040204" pitchFamily="34" charset="-120"/>
-                <a:ea typeface="微軟正黑體" panose="020B0604030504040204" pitchFamily="34" charset="-120"/>
-                <a:cs typeface="Times New Roman" panose="02020603050405020304" pitchFamily="18" charset="0"/>
-              </a:rPr>
-              <a:t>字串為基礎的文字表示法可以實現簡單的字串增刪改查等編輯任務</a:t>
-            </a:r>
-            <a:endParaRPr lang="en-US" altLang="zh-TW" dirty="0">
-              <a:effectLst/>
-              <a:latin typeface="微軟正黑體" panose="020B0604030504040204" pitchFamily="34" charset="-120"/>
-              <a:ea typeface="微軟正黑體" panose="020B0604030504040204" pitchFamily="34" charset="-120"/>
-              <a:cs typeface="Times New Roman" panose="02020603050405020304" pitchFamily="18" charset="0"/>
-            </a:endParaRPr>
-          </a:p>
-          <a:p>
-            <a:pPr marL="514350" indent="-514350">
-              <a:buFont typeface="+mj-lt"/>
-              <a:buAutoNum type="arabicPeriod"/>
-            </a:pPr>
-            <a:r>
-              <a:rPr lang="zh-TW" altLang="zh-TW" dirty="0">
-                <a:effectLst/>
-                <a:latin typeface="微軟正黑體" panose="020B0604030504040204" pitchFamily="34" charset="-120"/>
-                <a:ea typeface="微軟正黑體" panose="020B0604030504040204" pitchFamily="34" charset="-120"/>
-                <a:cs typeface="Times New Roman" panose="02020603050405020304" pitchFamily="18" charset="0"/>
-              </a:rPr>
-              <a:t>距離等演算法計算兩個字串之間的字面相似度</a:t>
-            </a:r>
-            <a:endParaRPr lang="en-US" altLang="zh-TW" dirty="0">
-              <a:latin typeface="微軟正黑體" panose="020B0604030504040204" pitchFamily="34" charset="-120"/>
-              <a:ea typeface="微軟正黑體" panose="020B0604030504040204" pitchFamily="34" charset="-120"/>
-              <a:cs typeface="Times New Roman" panose="02020603050405020304" pitchFamily="18" charset="0"/>
-            </a:endParaRPr>
-          </a:p>
-          <a:p>
-            <a:pPr marL="514350" indent="-514350">
-              <a:buFont typeface="+mj-lt"/>
-              <a:buAutoNum type="arabicPeriod"/>
-            </a:pPr>
-            <a:r>
-              <a:rPr lang="zh-TW" altLang="en-US" dirty="0">
-                <a:latin typeface="微軟正黑體" panose="020B0604030504040204" pitchFamily="34" charset="-120"/>
-                <a:ea typeface="微軟正黑體" panose="020B0604030504040204" pitchFamily="34" charset="-120"/>
-              </a:rPr>
-              <a:t>較無法表達語義資訊</a:t>
-            </a:r>
-            <a:endParaRPr lang="en-US" altLang="zh-TW" dirty="0">
-              <a:latin typeface="微軟正黑體" panose="020B0604030504040204" pitchFamily="34" charset="-120"/>
-              <a:ea typeface="微軟正黑體" panose="020B0604030504040204" pitchFamily="34" charset="-120"/>
-            </a:endParaRPr>
-          </a:p>
-        </p:txBody>
-      </p:sp>
-    </p:spTree>
-    <p:extLst>
-      <p:ext uri="{BB962C8B-B14F-4D97-AF65-F5344CB8AC3E}">
-        <p14:creationId xmlns:p14="http://schemas.microsoft.com/office/powerpoint/2010/main" val="4258143658"/>
-      </p:ext>
-    </p:extLst>
   </p:cSld>
   <p:clrMapOvr>
     <a:masterClrMapping/>
@@ -10219,7 +13837,7 @@
           <p:cNvPr id="2" name="標題 1">
             <a:extLst>
               <a:ext uri="{FF2B5EF4-FFF2-40B4-BE49-F238E27FC236}">
-                <a16:creationId xmlns:a16="http://schemas.microsoft.com/office/drawing/2014/main" id="{619027ED-4718-4571-A3BC-DADBFFD055DE}"/>
+                <a16:creationId xmlns:a16="http://schemas.microsoft.com/office/drawing/2014/main" id="{6E2D17FC-8E91-4D68-9E33-2E731C896C47}"/>
               </a:ext>
             </a:extLst>
           </p:cNvPr>
@@ -10227,33 +13845,622 @@
             <a:spLocks noGrp="1"/>
           </p:cNvSpPr>
           <p:nvPr>
-            <p:ph type="ctrTitle"/>
+            <p:ph type="title"/>
           </p:nvPr>
         </p:nvSpPr>
         <p:spPr>
           <a:xfrm>
-            <a:off x="1524000" y="2712376"/>
-            <a:ext cx="9144000" cy="1270197"/>
+            <a:off x="838200" y="365125"/>
+            <a:ext cx="10515600" cy="682839"/>
           </a:xfrm>
         </p:spPr>
         <p:txBody>
-          <a:bodyPr/>
+          <a:bodyPr>
+            <a:normAutofit fontScale="90000"/>
+          </a:bodyPr>
           <a:lstStyle/>
           <a:p>
             <a:r>
+              <a:rPr lang="zh-TW" altLang="en-US" b="1" dirty="0">
+                <a:latin typeface="微軟正黑體" panose="020B0604030504040204" pitchFamily="34" charset="-120"/>
+                <a:ea typeface="微軟正黑體" panose="020B0604030504040204" pitchFamily="34" charset="-120"/>
+              </a:rPr>
+              <a:t>文字在電腦中如何表現？</a:t>
+            </a:r>
+          </a:p>
+        </p:txBody>
+      </p:sp>
+      <p:sp>
+        <p:nvSpPr>
+          <p:cNvPr id="3" name="內容版面配置區 2">
+            <a:extLst>
+              <a:ext uri="{FF2B5EF4-FFF2-40B4-BE49-F238E27FC236}">
+                <a16:creationId xmlns:a16="http://schemas.microsoft.com/office/drawing/2014/main" id="{3ABFD44D-8A96-48EF-87FE-009D440D49A9}"/>
+              </a:ext>
+            </a:extLst>
+          </p:cNvPr>
+          <p:cNvSpPr>
+            <a:spLocks noGrp="1"/>
+          </p:cNvSpPr>
+          <p:nvPr>
+            <p:ph idx="1"/>
+          </p:nvPr>
+        </p:nvSpPr>
+        <p:spPr>
+          <a:xfrm>
+            <a:off x="838200" y="1202076"/>
+            <a:ext cx="10515600" cy="5363111"/>
+          </a:xfrm>
+        </p:spPr>
+        <p:txBody>
+          <a:bodyPr>
+            <a:normAutofit/>
+          </a:bodyPr>
+          <a:lstStyle/>
+          <a:p>
+            <a:pPr marL="514350" indent="-514350">
+              <a:buFont typeface="+mj-lt"/>
+              <a:buAutoNum type="arabicPeriod"/>
+            </a:pPr>
+            <a:r>
               <a:rPr lang="zh-TW" altLang="en-US" dirty="0">
-                <a:latin typeface="微軟正黑體" panose="020B0604030504040204" pitchFamily="34" charset="-120"/>
-                <a:ea typeface="微軟正黑體" panose="020B0604030504040204" pitchFamily="34" charset="-120"/>
-              </a:rPr>
-              <a:t>整數表示法</a:t>
-            </a:r>
+                <a:effectLst/>
+                <a:latin typeface="微軟正黑體" panose="020B0604030504040204" pitchFamily="34" charset="-120"/>
+                <a:ea typeface="微軟正黑體" panose="020B0604030504040204" pitchFamily="34" charset="-120"/>
+                <a:cs typeface="Times New Roman" panose="02020603050405020304" pitchFamily="18" charset="0"/>
+              </a:rPr>
+              <a:t>如何把符號變成數值？</a:t>
+            </a:r>
+            <a:endParaRPr lang="en-US" altLang="zh-TW" dirty="0">
+              <a:effectLst/>
+              <a:latin typeface="微軟正黑體" panose="020B0604030504040204" pitchFamily="34" charset="-120"/>
+              <a:ea typeface="微軟正黑體" panose="020B0604030504040204" pitchFamily="34" charset="-120"/>
+              <a:cs typeface="Times New Roman" panose="02020603050405020304" pitchFamily="18" charset="0"/>
+            </a:endParaRPr>
+          </a:p>
+          <a:p>
+            <a:pPr marL="514350" indent="-514350">
+              <a:buFont typeface="+mj-lt"/>
+              <a:buAutoNum type="arabicPeriod"/>
+            </a:pPr>
+            <a:r>
+              <a:rPr lang="zh-TW" altLang="zh-TW" dirty="0">
+                <a:effectLst/>
+                <a:latin typeface="微軟正黑體" panose="020B0604030504040204" pitchFamily="34" charset="-120"/>
+                <a:ea typeface="微軟正黑體" panose="020B0604030504040204" pitchFamily="34" charset="-120"/>
+                <a:cs typeface="Times New Roman" panose="02020603050405020304" pitchFamily="18" charset="0"/>
+              </a:rPr>
+              <a:t>字串（</a:t>
+            </a:r>
+            <a:r>
+              <a:rPr lang="en-US" altLang="zh-TW" dirty="0">
+                <a:effectLst/>
+                <a:latin typeface="微軟正黑體" panose="020B0604030504040204" pitchFamily="34" charset="-120"/>
+                <a:ea typeface="微軟正黑體" panose="020B0604030504040204" pitchFamily="34" charset="-120"/>
+                <a:cs typeface="Times New Roman" panose="02020603050405020304" pitchFamily="18" charset="0"/>
+              </a:rPr>
+              <a:t>String</a:t>
+            </a:r>
+            <a:r>
+              <a:rPr lang="zh-TW" altLang="zh-TW" dirty="0">
+                <a:effectLst/>
+                <a:latin typeface="微軟正黑體" panose="020B0604030504040204" pitchFamily="34" charset="-120"/>
+                <a:ea typeface="微軟正黑體" panose="020B0604030504040204" pitchFamily="34" charset="-120"/>
+                <a:cs typeface="Times New Roman" panose="02020603050405020304" pitchFamily="18" charset="0"/>
+              </a:rPr>
+              <a:t>）是文字最自然，也是最常用的機內儲存形式</a:t>
+            </a:r>
+            <a:endParaRPr lang="en-US" altLang="zh-TW" dirty="0">
+              <a:effectLst/>
+              <a:latin typeface="微軟正黑體" panose="020B0604030504040204" pitchFamily="34" charset="-120"/>
+              <a:ea typeface="微軟正黑體" panose="020B0604030504040204" pitchFamily="34" charset="-120"/>
+              <a:cs typeface="Times New Roman" panose="02020603050405020304" pitchFamily="18" charset="0"/>
+            </a:endParaRPr>
+          </a:p>
+          <a:p>
+            <a:pPr marL="514350" indent="-514350">
+              <a:buFont typeface="+mj-lt"/>
+              <a:buAutoNum type="arabicPeriod"/>
+            </a:pPr>
+            <a:r>
+              <a:rPr lang="zh-TW" altLang="zh-TW" dirty="0">
+                <a:effectLst/>
+                <a:latin typeface="微軟正黑體" panose="020B0604030504040204" pitchFamily="34" charset="-120"/>
+                <a:ea typeface="微軟正黑體" panose="020B0604030504040204" pitchFamily="34" charset="-120"/>
+                <a:cs typeface="Times New Roman" panose="02020603050405020304" pitchFamily="18" charset="0"/>
+              </a:rPr>
+              <a:t>字串，即字元序列，而其中的字元本質上就是一個整數</a:t>
+            </a:r>
+            <a:r>
+              <a:rPr lang="en-US" altLang="zh-TW" dirty="0">
+                <a:latin typeface="微軟正黑體" panose="020B0604030504040204" pitchFamily="34" charset="-120"/>
+                <a:ea typeface="微軟正黑體" panose="020B0604030504040204" pitchFamily="34" charset="-120"/>
+                <a:cs typeface="Times New Roman" panose="02020603050405020304" pitchFamily="18" charset="0"/>
+              </a:rPr>
+              <a:t>(ASCII</a:t>
+            </a:r>
+            <a:r>
+              <a:rPr lang="zh-TW" altLang="en-US" dirty="0">
+                <a:latin typeface="微軟正黑體" panose="020B0604030504040204" pitchFamily="34" charset="-120"/>
+                <a:ea typeface="微軟正黑體" panose="020B0604030504040204" pitchFamily="34" charset="-120"/>
+                <a:cs typeface="Times New Roman" panose="02020603050405020304" pitchFamily="18" charset="0"/>
+              </a:rPr>
+              <a:t>、</a:t>
+            </a:r>
+            <a:r>
+              <a:rPr lang="en-US" altLang="zh-TW" dirty="0">
+                <a:latin typeface="微軟正黑體" panose="020B0604030504040204" pitchFamily="34" charset="-120"/>
+                <a:ea typeface="微軟正黑體" panose="020B0604030504040204" pitchFamily="34" charset="-120"/>
+                <a:cs typeface="Times New Roman" panose="02020603050405020304" pitchFamily="18" charset="0"/>
+              </a:rPr>
+              <a:t>UNICODE)</a:t>
+            </a:r>
+          </a:p>
+          <a:p>
+            <a:pPr marL="514350" indent="-514350">
+              <a:buFont typeface="+mj-lt"/>
+              <a:buAutoNum type="arabicPeriod"/>
+            </a:pPr>
+            <a:r>
+              <a:rPr lang="zh-TW" altLang="zh-TW" dirty="0">
+                <a:effectLst/>
+                <a:latin typeface="微軟正黑體" panose="020B0604030504040204" pitchFamily="34" charset="-120"/>
+                <a:ea typeface="微軟正黑體" panose="020B0604030504040204" pitchFamily="34" charset="-120"/>
+                <a:cs typeface="Times New Roman" panose="02020603050405020304" pitchFamily="18" charset="0"/>
+              </a:rPr>
+              <a:t>字串為基礎的文字表示法可以實現簡單的字串增刪改查等編輯任務</a:t>
+            </a:r>
+            <a:endParaRPr lang="en-US" altLang="zh-TW" dirty="0">
+              <a:effectLst/>
+              <a:latin typeface="微軟正黑體" panose="020B0604030504040204" pitchFamily="34" charset="-120"/>
+              <a:ea typeface="微軟正黑體" panose="020B0604030504040204" pitchFamily="34" charset="-120"/>
+              <a:cs typeface="Times New Roman" panose="02020603050405020304" pitchFamily="18" charset="0"/>
+            </a:endParaRPr>
+          </a:p>
+          <a:p>
+            <a:pPr marL="514350" indent="-514350">
+              <a:buFont typeface="+mj-lt"/>
+              <a:buAutoNum type="arabicPeriod"/>
+            </a:pPr>
+            <a:r>
+              <a:rPr lang="zh-TW" altLang="en-US" dirty="0">
+                <a:effectLst/>
+                <a:latin typeface="微軟正黑體" panose="020B0604030504040204" pitchFamily="34" charset="-120"/>
+                <a:ea typeface="微軟正黑體" panose="020B0604030504040204" pitchFamily="34" charset="-120"/>
+                <a:cs typeface="Times New Roman" panose="02020603050405020304" pitchFamily="18" charset="0"/>
+              </a:rPr>
+              <a:t>以上方法均稱之為</a:t>
+            </a:r>
+            <a:r>
+              <a:rPr lang="en-US" altLang="zh-TW" dirty="0">
+                <a:effectLst/>
+                <a:latin typeface="微軟正黑體" panose="020B0604030504040204" pitchFamily="34" charset="-120"/>
+                <a:ea typeface="微軟正黑體" panose="020B0604030504040204" pitchFamily="34" charset="-120"/>
+                <a:cs typeface="Times New Roman" panose="02020603050405020304" pitchFamily="18" charset="0"/>
+              </a:rPr>
+              <a:t>label encoding</a:t>
+            </a:r>
+          </a:p>
+          <a:p>
+            <a:pPr marL="514350" indent="-514350">
+              <a:buFont typeface="+mj-lt"/>
+              <a:buAutoNum type="arabicPeriod"/>
+            </a:pPr>
+            <a:r>
+              <a:rPr lang="zh-TW" altLang="zh-TW" dirty="0">
+                <a:effectLst/>
+                <a:latin typeface="微軟正黑體" panose="020B0604030504040204" pitchFamily="34" charset="-120"/>
+                <a:ea typeface="微軟正黑體" panose="020B0604030504040204" pitchFamily="34" charset="-120"/>
+                <a:cs typeface="Times New Roman" panose="02020603050405020304" pitchFamily="18" charset="0"/>
+              </a:rPr>
+              <a:t>距離等演算法計算兩個字串之間的字面相似度</a:t>
+            </a:r>
+            <a:endParaRPr lang="en-US" altLang="zh-TW" dirty="0">
+              <a:latin typeface="微軟正黑體" panose="020B0604030504040204" pitchFamily="34" charset="-120"/>
+              <a:ea typeface="微軟正黑體" panose="020B0604030504040204" pitchFamily="34" charset="-120"/>
+              <a:cs typeface="Times New Roman" panose="02020603050405020304" pitchFamily="18" charset="0"/>
+            </a:endParaRPr>
+          </a:p>
+          <a:p>
+            <a:pPr marL="514350" indent="-514350">
+              <a:buFont typeface="+mj-lt"/>
+              <a:buAutoNum type="arabicPeriod"/>
+            </a:pPr>
+            <a:r>
+              <a:rPr lang="zh-TW" altLang="en-US" dirty="0">
+                <a:latin typeface="微軟正黑體" panose="020B0604030504040204" pitchFamily="34" charset="-120"/>
+                <a:ea typeface="微軟正黑體" panose="020B0604030504040204" pitchFamily="34" charset="-120"/>
+              </a:rPr>
+              <a:t>較無法表達語義資訊</a:t>
+            </a:r>
+            <a:endParaRPr lang="en-US" altLang="zh-TW" dirty="0">
+              <a:latin typeface="微軟正黑體" panose="020B0604030504040204" pitchFamily="34" charset="-120"/>
+              <a:ea typeface="微軟正黑體" panose="020B0604030504040204" pitchFamily="34" charset="-120"/>
+            </a:endParaRPr>
           </a:p>
         </p:txBody>
       </p:sp>
     </p:spTree>
     <p:extLst>
       <p:ext uri="{BB962C8B-B14F-4D97-AF65-F5344CB8AC3E}">
-        <p14:creationId xmlns:p14="http://schemas.microsoft.com/office/powerpoint/2010/main" val="2447081298"/>
+        <p14:creationId xmlns:p14="http://schemas.microsoft.com/office/powerpoint/2010/main" val="4258143658"/>
+      </p:ext>
+    </p:extLst>
+  </p:cSld>
+  <p:clrMapOvr>
+    <a:masterClrMapping/>
+  </p:clrMapOvr>
+</p:sld>
+</file>
+
+<file path=ppt/slides/slide60.xml><?xml version="1.0" encoding="utf-8"?>
+<p:sld xmlns:a="http://schemas.openxmlformats.org/drawingml/2006/main" xmlns:r="http://schemas.openxmlformats.org/officeDocument/2006/relationships" xmlns:p="http://schemas.openxmlformats.org/presentationml/2006/main">
+  <p:cSld>
+    <p:spTree>
+      <p:nvGrpSpPr>
+        <p:cNvPr id="1" name=""/>
+        <p:cNvGrpSpPr/>
+        <p:nvPr/>
+      </p:nvGrpSpPr>
+      <p:grpSpPr>
+        <a:xfrm>
+          <a:off x="0" y="0"/>
+          <a:ext cx="0" cy="0"/>
+          <a:chOff x="0" y="0"/>
+          <a:chExt cx="0" cy="0"/>
+        </a:xfrm>
+      </p:grpSpPr>
+      <p:sp>
+        <p:nvSpPr>
+          <p:cNvPr id="2" name="標題 1"/>
+          <p:cNvSpPr>
+            <a:spLocks noGrp="1"/>
+          </p:cNvSpPr>
+          <p:nvPr>
+            <p:ph type="title"/>
+          </p:nvPr>
+        </p:nvSpPr>
+        <p:spPr/>
+        <p:txBody>
+          <a:bodyPr/>
+          <a:lstStyle/>
+          <a:p>
+            <a:r>
+              <a:rPr lang="en-US" altLang="zh-TW" b="1" dirty="0"/>
+              <a:t>Word Embedding</a:t>
+            </a:r>
+            <a:endParaRPr lang="zh-TW" altLang="en-US" b="1" dirty="0"/>
+          </a:p>
+        </p:txBody>
+      </p:sp>
+      <p:pic>
+        <p:nvPicPr>
+          <p:cNvPr id="23554" name="Picture 2"/>
+          <p:cNvPicPr>
+            <a:picLocks noChangeAspect="1" noChangeArrowheads="1"/>
+          </p:cNvPicPr>
+          <p:nvPr/>
+        </p:nvPicPr>
+        <p:blipFill>
+          <a:blip r:embed="rId2" cstate="print"/>
+          <a:srcRect/>
+          <a:stretch>
+            <a:fillRect/>
+          </a:stretch>
+        </p:blipFill>
+        <p:spPr bwMode="auto">
+          <a:xfrm>
+            <a:off x="2207569" y="2420888"/>
+            <a:ext cx="7682209" cy="2880320"/>
+          </a:xfrm>
+          <a:prstGeom prst="rect">
+            <a:avLst/>
+          </a:prstGeom>
+          <a:noFill/>
+          <a:ln w="9525">
+            <a:noFill/>
+            <a:miter lim="800000"/>
+            <a:headEnd/>
+            <a:tailEnd/>
+          </a:ln>
+        </p:spPr>
+      </p:pic>
+    </p:spTree>
+  </p:cSld>
+  <p:clrMapOvr>
+    <a:masterClrMapping/>
+  </p:clrMapOvr>
+</p:sld>
+</file>
+
+<file path=ppt/slides/slide61.xml><?xml version="1.0" encoding="utf-8"?>
+<p:sld xmlns:a="http://schemas.openxmlformats.org/drawingml/2006/main" xmlns:r="http://schemas.openxmlformats.org/officeDocument/2006/relationships" xmlns:p="http://schemas.openxmlformats.org/presentationml/2006/main">
+  <p:cSld>
+    <p:spTree>
+      <p:nvGrpSpPr>
+        <p:cNvPr id="1" name=""/>
+        <p:cNvGrpSpPr/>
+        <p:nvPr/>
+      </p:nvGrpSpPr>
+      <p:grpSpPr>
+        <a:xfrm>
+          <a:off x="0" y="0"/>
+          <a:ext cx="0" cy="0"/>
+          <a:chOff x="0" y="0"/>
+          <a:chExt cx="0" cy="0"/>
+        </a:xfrm>
+      </p:grpSpPr>
+      <p:sp>
+        <p:nvSpPr>
+          <p:cNvPr id="2" name="標題 1"/>
+          <p:cNvSpPr>
+            <a:spLocks noGrp="1"/>
+          </p:cNvSpPr>
+          <p:nvPr>
+            <p:ph type="title"/>
+          </p:nvPr>
+        </p:nvSpPr>
+        <p:spPr/>
+        <p:txBody>
+          <a:bodyPr/>
+          <a:lstStyle/>
+          <a:p>
+            <a:r>
+              <a:rPr lang="en-US" altLang="zh-TW" b="1" dirty="0"/>
+              <a:t>Word Embedding</a:t>
+            </a:r>
+            <a:endParaRPr lang="zh-TW" altLang="en-US" b="1" dirty="0"/>
+          </a:p>
+        </p:txBody>
+      </p:sp>
+      <p:pic>
+        <p:nvPicPr>
+          <p:cNvPr id="6146" name="Picture 2"/>
+          <p:cNvPicPr>
+            <a:picLocks noChangeAspect="1" noChangeArrowheads="1"/>
+          </p:cNvPicPr>
+          <p:nvPr/>
+        </p:nvPicPr>
+        <p:blipFill>
+          <a:blip r:embed="rId2" cstate="print"/>
+          <a:srcRect/>
+          <a:stretch>
+            <a:fillRect/>
+          </a:stretch>
+        </p:blipFill>
+        <p:spPr bwMode="auto">
+          <a:xfrm>
+            <a:off x="3359696" y="1772816"/>
+            <a:ext cx="5902410" cy="4176464"/>
+          </a:xfrm>
+          <a:prstGeom prst="rect">
+            <a:avLst/>
+          </a:prstGeom>
+          <a:noFill/>
+          <a:ln w="9525">
+            <a:noFill/>
+            <a:miter lim="800000"/>
+            <a:headEnd/>
+            <a:tailEnd/>
+          </a:ln>
+        </p:spPr>
+      </p:pic>
+    </p:spTree>
+  </p:cSld>
+  <p:clrMapOvr>
+    <a:masterClrMapping/>
+  </p:clrMapOvr>
+</p:sld>
+</file>
+
+<file path=ppt/slides/slide62.xml><?xml version="1.0" encoding="utf-8"?>
+<p:sld xmlns:a="http://schemas.openxmlformats.org/drawingml/2006/main" xmlns:r="http://schemas.openxmlformats.org/officeDocument/2006/relationships" xmlns:p="http://schemas.openxmlformats.org/presentationml/2006/main">
+  <p:cSld>
+    <p:spTree>
+      <p:nvGrpSpPr>
+        <p:cNvPr id="1" name=""/>
+        <p:cNvGrpSpPr/>
+        <p:nvPr/>
+      </p:nvGrpSpPr>
+      <p:grpSpPr>
+        <a:xfrm>
+          <a:off x="0" y="0"/>
+          <a:ext cx="0" cy="0"/>
+          <a:chOff x="0" y="0"/>
+          <a:chExt cx="0" cy="0"/>
+        </a:xfrm>
+      </p:grpSpPr>
+      <p:sp>
+        <p:nvSpPr>
+          <p:cNvPr id="2" name="標題 1">
+            <a:extLst>
+              <a:ext uri="{FF2B5EF4-FFF2-40B4-BE49-F238E27FC236}">
+                <a16:creationId xmlns:a16="http://schemas.microsoft.com/office/drawing/2014/main" id="{6E2D17FC-8E91-4D68-9E33-2E731C896C47}"/>
+              </a:ext>
+            </a:extLst>
+          </p:cNvPr>
+          <p:cNvSpPr>
+            <a:spLocks noGrp="1"/>
+          </p:cNvSpPr>
+          <p:nvPr>
+            <p:ph type="title"/>
+          </p:nvPr>
+        </p:nvSpPr>
+        <p:spPr>
+          <a:xfrm>
+            <a:off x="838200" y="365125"/>
+            <a:ext cx="10515600" cy="682839"/>
+          </a:xfrm>
+        </p:spPr>
+        <p:txBody>
+          <a:bodyPr>
+            <a:normAutofit fontScale="90000"/>
+          </a:bodyPr>
+          <a:lstStyle/>
+          <a:p>
+            <a:r>
+              <a:rPr lang="zh-TW" altLang="en-US" b="1" dirty="0">
+                <a:latin typeface="微軟正黑體" panose="020B0604030504040204" pitchFamily="34" charset="-120"/>
+                <a:ea typeface="微軟正黑體" panose="020B0604030504040204" pitchFamily="34" charset="-120"/>
+              </a:rPr>
+              <a:t>分散式表示法無解的問題</a:t>
+            </a:r>
+          </a:p>
+        </p:txBody>
+      </p:sp>
+      <p:sp>
+        <p:nvSpPr>
+          <p:cNvPr id="3" name="內容版面配置區 2">
+            <a:extLst>
+              <a:ext uri="{FF2B5EF4-FFF2-40B4-BE49-F238E27FC236}">
+                <a16:creationId xmlns:a16="http://schemas.microsoft.com/office/drawing/2014/main" id="{3ABFD44D-8A96-48EF-87FE-009D440D49A9}"/>
+              </a:ext>
+            </a:extLst>
+          </p:cNvPr>
+          <p:cNvSpPr>
+            <a:spLocks noGrp="1"/>
+          </p:cNvSpPr>
+          <p:nvPr>
+            <p:ph idx="1"/>
+          </p:nvPr>
+        </p:nvSpPr>
+        <p:spPr>
+          <a:xfrm>
+            <a:off x="838200" y="1202076"/>
+            <a:ext cx="10515600" cy="5363111"/>
+          </a:xfrm>
+        </p:spPr>
+        <p:txBody>
+          <a:bodyPr>
+            <a:noAutofit/>
+          </a:bodyPr>
+          <a:lstStyle/>
+          <a:p>
+            <a:pPr marL="514350" indent="-514350">
+              <a:buFont typeface="+mj-lt"/>
+              <a:buAutoNum type="arabicPeriod"/>
+            </a:pPr>
+            <a:r>
+              <a:rPr lang="zh-TW" altLang="zh-TW" dirty="0">
+                <a:effectLst/>
+                <a:latin typeface="微軟正黑體" panose="020B0604030504040204" pitchFamily="34" charset="-120"/>
+                <a:ea typeface="微軟正黑體" panose="020B0604030504040204" pitchFamily="34" charset="-120"/>
+                <a:cs typeface="Times New Roman" panose="02020603050405020304" pitchFamily="18" charset="0"/>
+              </a:rPr>
+              <a:t>共現矩陣規模較大時，奇異值分解的執行速度非常慢</a:t>
+            </a:r>
+            <a:endParaRPr lang="en-US" altLang="zh-TW" dirty="0">
+              <a:effectLst/>
+              <a:latin typeface="微軟正黑體" panose="020B0604030504040204" pitchFamily="34" charset="-120"/>
+              <a:ea typeface="微軟正黑體" panose="020B0604030504040204" pitchFamily="34" charset="-120"/>
+              <a:cs typeface="Times New Roman" panose="02020603050405020304" pitchFamily="18" charset="0"/>
+            </a:endParaRPr>
+          </a:p>
+          <a:p>
+            <a:pPr marL="514350" indent="-514350">
+              <a:buFont typeface="+mj-lt"/>
+              <a:buAutoNum type="arabicPeriod"/>
+            </a:pPr>
+            <a:r>
+              <a:rPr lang="zh-TW" altLang="zh-TW" dirty="0">
+                <a:effectLst/>
+                <a:latin typeface="微軟正黑體" panose="020B0604030504040204" pitchFamily="34" charset="-120"/>
+                <a:ea typeface="微軟正黑體" panose="020B0604030504040204" pitchFamily="34" charset="-120"/>
+                <a:cs typeface="Times New Roman" panose="02020603050405020304" pitchFamily="18" charset="0"/>
+              </a:rPr>
+              <a:t>在原來語料庫的基礎上增加更多的資料，則需要重新執行奇異值分解演算法</a:t>
+            </a:r>
+            <a:endParaRPr lang="en-US" altLang="zh-TW" dirty="0">
+              <a:effectLst/>
+              <a:latin typeface="微軟正黑體" panose="020B0604030504040204" pitchFamily="34" charset="-120"/>
+              <a:ea typeface="微軟正黑體" panose="020B0604030504040204" pitchFamily="34" charset="-120"/>
+              <a:cs typeface="Times New Roman" panose="02020603050405020304" pitchFamily="18" charset="0"/>
+            </a:endParaRPr>
+          </a:p>
+          <a:p>
+            <a:pPr marL="514350" indent="-514350">
+              <a:buFont typeface="+mj-lt"/>
+              <a:buAutoNum type="arabicPeriod"/>
+            </a:pPr>
+            <a:r>
+              <a:rPr lang="zh-TW" altLang="zh-TW" dirty="0">
+                <a:effectLst/>
+                <a:latin typeface="微軟正黑體" panose="020B0604030504040204" pitchFamily="34" charset="-120"/>
+                <a:ea typeface="微軟正黑體" panose="020B0604030504040204" pitchFamily="34" charset="-120"/>
+                <a:cs typeface="Times New Roman" panose="02020603050405020304" pitchFamily="18" charset="0"/>
+              </a:rPr>
+              <a:t>分散式表示只能用於表示比較短的單元，如詞或子句等</a:t>
+            </a:r>
+            <a:endParaRPr lang="en-US" altLang="zh-TW" dirty="0">
+              <a:latin typeface="微軟正黑體" panose="020B0604030504040204" pitchFamily="34" charset="-120"/>
+              <a:ea typeface="微軟正黑體" panose="020B0604030504040204" pitchFamily="34" charset="-120"/>
+              <a:cs typeface="Times New Roman" panose="02020603050405020304" pitchFamily="18" charset="0"/>
+            </a:endParaRPr>
+          </a:p>
+          <a:p>
+            <a:pPr marL="514350" indent="-514350">
+              <a:buFont typeface="+mj-lt"/>
+              <a:buAutoNum type="arabicPeriod"/>
+            </a:pPr>
+            <a:r>
+              <a:rPr lang="zh-TW" altLang="zh-TW" dirty="0">
+                <a:effectLst/>
+                <a:latin typeface="微軟正黑體" panose="020B0604030504040204" pitchFamily="34" charset="-120"/>
+                <a:ea typeface="微軟正黑體" panose="020B0604030504040204" pitchFamily="34" charset="-120"/>
+                <a:cs typeface="Times New Roman" panose="02020603050405020304" pitchFamily="18" charset="0"/>
+              </a:rPr>
+              <a:t>如段落、句子等，由於與其共現的上下文會非常少，則無法獲得有效的分散式表示</a:t>
+            </a:r>
+            <a:endParaRPr lang="en-US" altLang="zh-TW" dirty="0">
+              <a:effectLst/>
+              <a:latin typeface="微軟正黑體" panose="020B0604030504040204" pitchFamily="34" charset="-120"/>
+              <a:ea typeface="微軟正黑體" panose="020B0604030504040204" pitchFamily="34" charset="-120"/>
+              <a:cs typeface="Times New Roman" panose="02020603050405020304" pitchFamily="18" charset="0"/>
+            </a:endParaRPr>
+          </a:p>
+          <a:p>
+            <a:pPr marL="514350" indent="-514350">
+              <a:buFont typeface="+mj-lt"/>
+              <a:buAutoNum type="arabicPeriod"/>
+            </a:pPr>
+            <a:r>
+              <a:rPr lang="zh-TW" altLang="zh-TW" dirty="0">
+                <a:effectLst/>
+                <a:latin typeface="微軟正黑體" panose="020B0604030504040204" pitchFamily="34" charset="-120"/>
+                <a:ea typeface="微軟正黑體" panose="020B0604030504040204" pitchFamily="34" charset="-120"/>
+                <a:cs typeface="Times New Roman" panose="02020603050405020304" pitchFamily="18" charset="0"/>
+              </a:rPr>
+              <a:t>分散式表示一旦訓練完成，則無法修改</a:t>
+            </a:r>
+            <a:r>
+              <a:rPr lang="zh-TW" altLang="en-US" dirty="0">
+                <a:effectLst/>
+                <a:latin typeface="微軟正黑體" panose="020B0604030504040204" pitchFamily="34" charset="-120"/>
+                <a:ea typeface="微軟正黑體" panose="020B0604030504040204" pitchFamily="34" charset="-120"/>
+                <a:cs typeface="Times New Roman" panose="02020603050405020304" pitchFamily="18" charset="0"/>
+              </a:rPr>
+              <a:t>，</a:t>
+            </a:r>
+            <a:r>
+              <a:rPr lang="zh-TW" altLang="zh-TW" dirty="0">
+                <a:effectLst/>
+                <a:latin typeface="微軟正黑體" panose="020B0604030504040204" pitchFamily="34" charset="-120"/>
+                <a:ea typeface="微軟正黑體" panose="020B0604030504040204" pitchFamily="34" charset="-120"/>
+                <a:cs typeface="Times New Roman" panose="02020603050405020304" pitchFamily="18" charset="0"/>
+              </a:rPr>
+              <a:t>無法根據具體的任務調整其表示法</a:t>
+            </a:r>
+            <a:endParaRPr lang="en-US" altLang="zh-TW" dirty="0">
+              <a:latin typeface="微軟正黑體" panose="020B0604030504040204" pitchFamily="34" charset="-120"/>
+              <a:ea typeface="微軟正黑體" panose="020B0604030504040204" pitchFamily="34" charset="-120"/>
+            </a:endParaRPr>
+          </a:p>
+        </p:txBody>
+      </p:sp>
+    </p:spTree>
+    <p:extLst>
+      <p:ext uri="{BB962C8B-B14F-4D97-AF65-F5344CB8AC3E}">
+        <p14:creationId xmlns:p14="http://schemas.microsoft.com/office/powerpoint/2010/main" val="2945130632"/>
       </p:ext>
     </p:extLst>
   </p:cSld>
@@ -10282,13 +14489,7 @@
       </p:grpSpPr>
       <p:sp>
         <p:nvSpPr>
-          <p:cNvPr id="2" name="標題 1">
-            <a:extLst>
-              <a:ext uri="{FF2B5EF4-FFF2-40B4-BE49-F238E27FC236}">
-                <a16:creationId xmlns:a16="http://schemas.microsoft.com/office/drawing/2014/main" id="{6E2D17FC-8E91-4D68-9E33-2E731C896C47}"/>
-              </a:ext>
-            </a:extLst>
-          </p:cNvPr>
+          <p:cNvPr id="2" name="標題 1"/>
           <p:cNvSpPr>
             <a:spLocks noGrp="1"/>
           </p:cNvSpPr>
@@ -10296,37 +14497,22 @@
             <p:ph type="title"/>
           </p:nvPr>
         </p:nvSpPr>
-        <p:spPr>
-          <a:xfrm>
-            <a:off x="838200" y="365125"/>
-            <a:ext cx="10515600" cy="682839"/>
-          </a:xfrm>
-        </p:spPr>
-        <p:txBody>
-          <a:bodyPr>
-            <a:normAutofit fontScale="90000"/>
-          </a:bodyPr>
+        <p:spPr/>
+        <p:txBody>
+          <a:bodyPr/>
           <a:lstStyle/>
           <a:p>
             <a:r>
-              <a:rPr lang="zh-TW" altLang="en-US" b="1" dirty="0">
-                <a:latin typeface="微軟正黑體" panose="020B0604030504040204" pitchFamily="34" charset="-120"/>
-                <a:ea typeface="微軟正黑體" panose="020B0604030504040204" pitchFamily="34" charset="-120"/>
-              </a:rPr>
-              <a:t>如何從「符號」進入「意義」</a:t>
-            </a:r>
-          </a:p>
-        </p:txBody>
-      </p:sp>
-      <p:sp>
-        <p:nvSpPr>
-          <p:cNvPr id="3" name="內容版面配置區 2">
-            <a:extLst>
-              <a:ext uri="{FF2B5EF4-FFF2-40B4-BE49-F238E27FC236}">
-                <a16:creationId xmlns:a16="http://schemas.microsoft.com/office/drawing/2014/main" id="{3ABFD44D-8A96-48EF-87FE-009D440D49A9}"/>
-              </a:ext>
-            </a:extLst>
-          </p:cNvPr>
+              <a:rPr lang="en-US" altLang="zh-TW" b="1" dirty="0"/>
+              <a:t>Words are symbols</a:t>
+            </a:r>
+            <a:endParaRPr lang="zh-TW" altLang="en-US" b="1" dirty="0"/>
+          </a:p>
+        </p:txBody>
+      </p:sp>
+      <p:sp>
+        <p:nvSpPr>
+          <p:cNvPr id="3" name="內容版面配置區 2"/>
           <p:cNvSpPr>
             <a:spLocks noGrp="1"/>
           </p:cNvSpPr>
@@ -10334,218 +14520,51 @@
             <p:ph idx="1"/>
           </p:nvPr>
         </p:nvSpPr>
-        <p:spPr>
-          <a:xfrm>
-            <a:off x="838200" y="1202076"/>
-            <a:ext cx="10515600" cy="5363111"/>
-          </a:xfrm>
-        </p:spPr>
-        <p:txBody>
-          <a:bodyPr>
-            <a:normAutofit/>
-          </a:bodyPr>
+        <p:spPr/>
+        <p:txBody>
+          <a:bodyPr/>
           <a:lstStyle/>
           <a:p>
-            <a:pPr marL="514350" indent="-514350">
-              <a:buFont typeface="+mj-lt"/>
-              <a:buAutoNum type="arabicPeriod"/>
-            </a:pPr>
-            <a:r>
-              <a:rPr lang="zh-TW" altLang="zh-TW" dirty="0">
-                <a:effectLst/>
-                <a:latin typeface="微軟正黑體" panose="020B0604030504040204" pitchFamily="34" charset="-120"/>
-                <a:ea typeface="微軟正黑體" panose="020B0604030504040204" pitchFamily="34" charset="-120"/>
-                <a:cs typeface="Times New Roman" panose="02020603050405020304" pitchFamily="18" charset="0"/>
-              </a:rPr>
-              <a:t>需要使用以規則為基礎的方法</a:t>
-            </a:r>
-            <a:endParaRPr lang="en-US" altLang="zh-TW" dirty="0">
-              <a:effectLst/>
+            <a:r>
+              <a:rPr lang="en-US" altLang="zh-TW" sz="4400" b="1" dirty="0" err="1">
+                <a:latin typeface="微軟正黑體" panose="020B0604030504040204" pitchFamily="34" charset="-120"/>
+                <a:ea typeface="微軟正黑體" panose="020B0604030504040204" pitchFamily="34" charset="-120"/>
+              </a:rPr>
+              <a:t>Halal</a:t>
+            </a:r>
+            <a:r>
+              <a:rPr lang="en-US" altLang="zh-TW" sz="4400" b="1" dirty="0">
+                <a:latin typeface="微軟正黑體" panose="020B0604030504040204" pitchFamily="34" charset="-120"/>
+                <a:ea typeface="微軟正黑體" panose="020B0604030504040204" pitchFamily="34" charset="-120"/>
+              </a:rPr>
+              <a:t>, </a:t>
+            </a:r>
+            <a:r>
+              <a:rPr lang="zh-TW" altLang="en-US" sz="4400" b="1" dirty="0">
+                <a:latin typeface="微軟正黑體" panose="020B0604030504040204" pitchFamily="34" charset="-120"/>
+                <a:ea typeface="微軟正黑體" panose="020B0604030504040204" pitchFamily="34" charset="-120"/>
+              </a:rPr>
+              <a:t>清真，</a:t>
+            </a:r>
+            <a:r>
+              <a:rPr lang="ar-AE" altLang="zh-TW" sz="4400" b="1" dirty="0">
+                <a:latin typeface="微軟正黑體" panose="020B0604030504040204" pitchFamily="34" charset="-120"/>
+                <a:ea typeface="微軟正黑體" panose="020B0604030504040204" pitchFamily="34" charset="-120"/>
+              </a:rPr>
+              <a:t> حلال</a:t>
+            </a:r>
+            <a:endParaRPr lang="en-US" altLang="zh-TW" sz="4400" b="1" dirty="0">
               <a:latin typeface="微軟正黑體" panose="020B0604030504040204" pitchFamily="34" charset="-120"/>
               <a:ea typeface="微軟正黑體" panose="020B0604030504040204" pitchFamily="34" charset="-120"/>
-              <a:cs typeface="Times New Roman" panose="02020603050405020304" pitchFamily="18" charset="0"/>
             </a:endParaRPr>
           </a:p>
           <a:p>
-            <a:pPr marL="514350" indent="-514350">
-              <a:buFont typeface="+mj-lt"/>
-              <a:buAutoNum type="arabicPeriod"/>
-            </a:pPr>
-            <a:r>
-              <a:rPr lang="zh-TW" altLang="zh-TW" dirty="0">
-                <a:effectLst/>
-                <a:latin typeface="微軟正黑體" panose="020B0604030504040204" pitchFamily="34" charset="-120"/>
-                <a:ea typeface="微軟正黑體" panose="020B0604030504040204" pitchFamily="34" charset="-120"/>
-                <a:cs typeface="Times New Roman" panose="02020603050405020304" pitchFamily="18" charset="0"/>
-              </a:rPr>
-              <a:t>要判斷一個句子的情感極性（褒義或貶義）</a:t>
-            </a:r>
-            <a:endParaRPr lang="en-US" altLang="zh-TW" dirty="0">
-              <a:latin typeface="微軟正黑體" panose="020B0604030504040204" pitchFamily="34" charset="-120"/>
-              <a:ea typeface="微軟正黑體" panose="020B0604030504040204" pitchFamily="34" charset="-120"/>
-              <a:cs typeface="Times New Roman" panose="02020603050405020304" pitchFamily="18" charset="0"/>
-            </a:endParaRPr>
-          </a:p>
-          <a:p>
-            <a:pPr marL="514350" indent="-514350">
-              <a:buFont typeface="+mj-lt"/>
-              <a:buAutoNum type="arabicPeriod"/>
-            </a:pPr>
-            <a:r>
-              <a:rPr lang="zh-TW" altLang="zh-TW" dirty="0">
-                <a:effectLst/>
-                <a:latin typeface="微軟正黑體" panose="020B0604030504040204" pitchFamily="34" charset="-120"/>
-                <a:ea typeface="微軟正黑體" panose="020B0604030504040204" pitchFamily="34" charset="-120"/>
-                <a:cs typeface="Times New Roman" panose="02020603050405020304" pitchFamily="18" charset="0"/>
-              </a:rPr>
-              <a:t>規則的形式可能為：如果句子中出現</a:t>
-            </a:r>
-            <a:r>
-              <a:rPr lang="en-US" altLang="zh-TW" dirty="0">
-                <a:effectLst/>
-                <a:latin typeface="微軟正黑體" panose="020B0604030504040204" pitchFamily="34" charset="-120"/>
-                <a:ea typeface="微軟正黑體" panose="020B0604030504040204" pitchFamily="34" charset="-120"/>
-                <a:cs typeface="Times New Roman" panose="02020603050405020304" pitchFamily="18" charset="0"/>
-              </a:rPr>
-              <a:t>“</a:t>
-            </a:r>
-            <a:r>
-              <a:rPr lang="zh-TW" altLang="zh-TW" dirty="0">
-                <a:effectLst/>
-                <a:latin typeface="微軟正黑體" panose="020B0604030504040204" pitchFamily="34" charset="-120"/>
-                <a:ea typeface="微軟正黑體" panose="020B0604030504040204" pitchFamily="34" charset="-120"/>
-                <a:cs typeface="Times New Roman" panose="02020603050405020304" pitchFamily="18" charset="0"/>
-              </a:rPr>
-              <a:t>喜歡</a:t>
-            </a:r>
-            <a:r>
-              <a:rPr lang="en-US" altLang="zh-TW" dirty="0">
-                <a:effectLst/>
-                <a:latin typeface="微軟正黑體" panose="020B0604030504040204" pitchFamily="34" charset="-120"/>
-                <a:ea typeface="微軟正黑體" panose="020B0604030504040204" pitchFamily="34" charset="-120"/>
-                <a:cs typeface="Times New Roman" panose="02020603050405020304" pitchFamily="18" charset="0"/>
-              </a:rPr>
-              <a:t>”“</a:t>
-            </a:r>
-            <a:r>
-              <a:rPr lang="zh-TW" altLang="zh-TW" dirty="0">
-                <a:effectLst/>
-                <a:latin typeface="微軟正黑體" panose="020B0604030504040204" pitchFamily="34" charset="-120"/>
-                <a:ea typeface="微軟正黑體" panose="020B0604030504040204" pitchFamily="34" charset="-120"/>
-                <a:cs typeface="Times New Roman" panose="02020603050405020304" pitchFamily="18" charset="0"/>
-              </a:rPr>
-              <a:t>漂亮</a:t>
-            </a:r>
-            <a:r>
-              <a:rPr lang="en-US" altLang="zh-TW" dirty="0">
-                <a:effectLst/>
-                <a:latin typeface="微軟正黑體" panose="020B0604030504040204" pitchFamily="34" charset="-120"/>
-                <a:ea typeface="微軟正黑體" panose="020B0604030504040204" pitchFamily="34" charset="-120"/>
-                <a:cs typeface="Times New Roman" panose="02020603050405020304" pitchFamily="18" charset="0"/>
-              </a:rPr>
-              <a:t>”</a:t>
-            </a:r>
-            <a:r>
-              <a:rPr lang="zh-TW" altLang="zh-TW" dirty="0">
-                <a:effectLst/>
-                <a:latin typeface="微軟正黑體" panose="020B0604030504040204" pitchFamily="34" charset="-120"/>
-                <a:ea typeface="微軟正黑體" panose="020B0604030504040204" pitchFamily="34" charset="-120"/>
-                <a:cs typeface="Times New Roman" panose="02020603050405020304" pitchFamily="18" charset="0"/>
-              </a:rPr>
-              <a:t>等詞則為褒義</a:t>
-            </a:r>
-            <a:endParaRPr lang="en-US" altLang="zh-TW" dirty="0">
-              <a:effectLst/>
-              <a:latin typeface="微軟正黑體" panose="020B0604030504040204" pitchFamily="34" charset="-120"/>
-              <a:ea typeface="微軟正黑體" panose="020B0604030504040204" pitchFamily="34" charset="-120"/>
-              <a:cs typeface="Times New Roman" panose="02020603050405020304" pitchFamily="18" charset="0"/>
-            </a:endParaRPr>
-          </a:p>
-          <a:p>
-            <a:pPr marL="514350" indent="-514350">
-              <a:buFont typeface="+mj-lt"/>
-              <a:buAutoNum type="arabicPeriod"/>
-            </a:pPr>
-            <a:r>
-              <a:rPr lang="zh-TW" altLang="zh-TW" dirty="0">
-                <a:effectLst/>
-                <a:latin typeface="微軟正黑體" panose="020B0604030504040204" pitchFamily="34" charset="-120"/>
-                <a:ea typeface="微軟正黑體" panose="020B0604030504040204" pitchFamily="34" charset="-120"/>
-                <a:cs typeface="Times New Roman" panose="02020603050405020304" pitchFamily="18" charset="0"/>
-              </a:rPr>
-              <a:t>出現</a:t>
-            </a:r>
-            <a:r>
-              <a:rPr lang="en-US" altLang="zh-TW" dirty="0">
-                <a:effectLst/>
-                <a:latin typeface="微軟正黑體" panose="020B0604030504040204" pitchFamily="34" charset="-120"/>
-                <a:ea typeface="微軟正黑體" panose="020B0604030504040204" pitchFamily="34" charset="-120"/>
-                <a:cs typeface="Times New Roman" panose="02020603050405020304" pitchFamily="18" charset="0"/>
-              </a:rPr>
-              <a:t>“</a:t>
-            </a:r>
-            <a:r>
-              <a:rPr lang="zh-TW" altLang="zh-TW" dirty="0">
-                <a:effectLst/>
-                <a:latin typeface="微軟正黑體" panose="020B0604030504040204" pitchFamily="34" charset="-120"/>
-                <a:ea typeface="微軟正黑體" panose="020B0604030504040204" pitchFamily="34" charset="-120"/>
-                <a:cs typeface="Times New Roman" panose="02020603050405020304" pitchFamily="18" charset="0"/>
-              </a:rPr>
-              <a:t>討厭</a:t>
-            </a:r>
-            <a:r>
-              <a:rPr lang="en-US" altLang="zh-TW" dirty="0">
-                <a:effectLst/>
-                <a:latin typeface="微軟正黑體" panose="020B0604030504040204" pitchFamily="34" charset="-120"/>
-                <a:ea typeface="微軟正黑體" panose="020B0604030504040204" pitchFamily="34" charset="-120"/>
-                <a:cs typeface="Times New Roman" panose="02020603050405020304" pitchFamily="18" charset="0"/>
-              </a:rPr>
-              <a:t>”“</a:t>
-            </a:r>
-            <a:r>
-              <a:rPr lang="zh-TW" altLang="zh-TW" dirty="0">
-                <a:effectLst/>
-                <a:latin typeface="微軟正黑體" panose="020B0604030504040204" pitchFamily="34" charset="-120"/>
-                <a:ea typeface="微軟正黑體" panose="020B0604030504040204" pitchFamily="34" charset="-120"/>
-                <a:cs typeface="Times New Roman" panose="02020603050405020304" pitchFamily="18" charset="0"/>
-              </a:rPr>
-              <a:t>醜陋</a:t>
-            </a:r>
-            <a:r>
-              <a:rPr lang="en-US" altLang="zh-TW" dirty="0">
-                <a:effectLst/>
-                <a:latin typeface="微軟正黑體" panose="020B0604030504040204" pitchFamily="34" charset="-120"/>
-                <a:ea typeface="微軟正黑體" panose="020B0604030504040204" pitchFamily="34" charset="-120"/>
-                <a:cs typeface="Times New Roman" panose="02020603050405020304" pitchFamily="18" charset="0"/>
-              </a:rPr>
-              <a:t>”</a:t>
-            </a:r>
-            <a:r>
-              <a:rPr lang="zh-TW" altLang="zh-TW" dirty="0">
-                <a:effectLst/>
-                <a:latin typeface="微軟正黑體" panose="020B0604030504040204" pitchFamily="34" charset="-120"/>
-                <a:ea typeface="微軟正黑體" panose="020B0604030504040204" pitchFamily="34" charset="-120"/>
-                <a:cs typeface="Times New Roman" panose="02020603050405020304" pitchFamily="18" charset="0"/>
-              </a:rPr>
-              <a:t>等詞則為貶義</a:t>
-            </a:r>
-            <a:endParaRPr lang="en-US" altLang="zh-TW" dirty="0">
-              <a:latin typeface="微軟正黑體" panose="020B0604030504040204" pitchFamily="34" charset="-120"/>
-              <a:ea typeface="微軟正黑體" panose="020B0604030504040204" pitchFamily="34" charset="-120"/>
-              <a:cs typeface="Times New Roman" panose="02020603050405020304" pitchFamily="18" charset="0"/>
-            </a:endParaRPr>
-          </a:p>
-          <a:p>
-            <a:pPr marL="514350" indent="-514350">
-              <a:buFont typeface="+mj-lt"/>
-              <a:buAutoNum type="arabicPeriod"/>
-            </a:pPr>
             <a:r>
               <a:rPr lang="zh-TW" altLang="en-US" dirty="0">
                 <a:latin typeface="微軟正黑體" panose="020B0604030504040204" pitchFamily="34" charset="-120"/>
                 <a:ea typeface="微軟正黑體" panose="020B0604030504040204" pitchFamily="34" charset="-120"/>
               </a:rPr>
-              <a:t>否定字怎麼辦？</a:t>
+              <a:t>都擁有一樣的意思</a:t>
             </a:r>
             <a:endParaRPr lang="en-US" altLang="zh-TW" dirty="0">
               <a:latin typeface="微軟正黑體" panose="020B0604030504040204" pitchFamily="34" charset="-120"/>
@@ -10553,16 +14572,12 @@
             </a:endParaRPr>
           </a:p>
           <a:p>
-            <a:pPr marL="514350" indent="-514350">
-              <a:buFont typeface="+mj-lt"/>
-              <a:buAutoNum type="arabicPeriod"/>
-            </a:pPr>
             <a:r>
               <a:rPr lang="zh-TW" altLang="en-US" dirty="0">
                 <a:latin typeface="微軟正黑體" panose="020B0604030504040204" pitchFamily="34" charset="-120"/>
                 <a:ea typeface="微軟正黑體" panose="020B0604030504040204" pitchFamily="34" charset="-120"/>
               </a:rPr>
-              <a:t>同時出現怎麼辦？</a:t>
+              <a:t>但他們的長相不一樣</a:t>
             </a:r>
             <a:endParaRPr lang="en-US" altLang="zh-TW" dirty="0">
               <a:latin typeface="微軟正黑體" panose="020B0604030504040204" pitchFamily="34" charset="-120"/>
@@ -10570,30 +14585,56 @@
             </a:endParaRPr>
           </a:p>
           <a:p>
-            <a:pPr marL="514350" indent="-514350">
-              <a:buFont typeface="+mj-lt"/>
-              <a:buAutoNum type="arabicPeriod"/>
-            </a:pPr>
             <a:r>
               <a:rPr lang="zh-TW" altLang="en-US" dirty="0">
                 <a:latin typeface="微軟正黑體" panose="020B0604030504040204" pitchFamily="34" charset="-120"/>
                 <a:ea typeface="微軟正黑體" panose="020B0604030504040204" pitchFamily="34" charset="-120"/>
               </a:rPr>
-              <a:t>疑問句怎麼辦？</a:t>
+              <a:t>我們從小到大學習事物的映射</a:t>
             </a:r>
             <a:endParaRPr lang="en-US" altLang="zh-TW" dirty="0">
               <a:latin typeface="微軟正黑體" panose="020B0604030504040204" pitchFamily="34" charset="-120"/>
               <a:ea typeface="微軟正黑體" panose="020B0604030504040204" pitchFamily="34" charset="-120"/>
             </a:endParaRPr>
           </a:p>
+          <a:p>
+            <a:r>
+              <a:rPr lang="zh-TW" altLang="en-US" dirty="0">
+                <a:latin typeface="微軟正黑體" panose="020B0604030504040204" pitchFamily="34" charset="-120"/>
+                <a:ea typeface="微軟正黑體" panose="020B0604030504040204" pitchFamily="34" charset="-120"/>
+              </a:rPr>
+              <a:t>是一個極度抽象的符號</a:t>
+            </a:r>
+            <a:endParaRPr lang="en-US" altLang="zh-TW" dirty="0">
+              <a:latin typeface="微軟正黑體" panose="020B0604030504040204" pitchFamily="34" charset="-120"/>
+              <a:ea typeface="微軟正黑體" panose="020B0604030504040204" pitchFamily="34" charset="-120"/>
+            </a:endParaRPr>
+          </a:p>
+          <a:p>
+            <a:r>
+              <a:rPr lang="zh-TW" altLang="en-US" dirty="0">
+                <a:latin typeface="微軟正黑體" panose="020B0604030504040204" pitchFamily="34" charset="-120"/>
+                <a:ea typeface="微軟正黑體" panose="020B0604030504040204" pitchFamily="34" charset="-120"/>
+              </a:rPr>
+              <a:t>外來語，則是從母語的橋接</a:t>
+            </a:r>
+            <a:endParaRPr lang="en-US" altLang="zh-TW" dirty="0">
+              <a:latin typeface="微軟正黑體" panose="020B0604030504040204" pitchFamily="34" charset="-120"/>
+              <a:ea typeface="微軟正黑體" panose="020B0604030504040204" pitchFamily="34" charset="-120"/>
+            </a:endParaRPr>
+          </a:p>
+          <a:p>
+            <a:r>
+              <a:rPr lang="zh-TW" altLang="en-US" dirty="0">
+                <a:latin typeface="微軟正黑體" panose="020B0604030504040204" pitchFamily="34" charset="-120"/>
+                <a:ea typeface="微軟正黑體" panose="020B0604030504040204" pitchFamily="34" charset="-120"/>
+              </a:rPr>
+              <a:t>在數學上不具任何意義</a:t>
+            </a:r>
+          </a:p>
         </p:txBody>
       </p:sp>
     </p:spTree>
-    <p:extLst>
-      <p:ext uri="{BB962C8B-B14F-4D97-AF65-F5344CB8AC3E}">
-        <p14:creationId xmlns:p14="http://schemas.microsoft.com/office/powerpoint/2010/main" val="1714945196"/>
-      </p:ext>
-    </p:extLst>
   </p:cSld>
   <p:clrMapOvr>
     <a:masterClrMapping/>
@@ -10620,13 +14661,7 @@
       </p:grpSpPr>
       <p:sp>
         <p:nvSpPr>
-          <p:cNvPr id="2" name="標題 1">
-            <a:extLst>
-              <a:ext uri="{FF2B5EF4-FFF2-40B4-BE49-F238E27FC236}">
-                <a16:creationId xmlns:a16="http://schemas.microsoft.com/office/drawing/2014/main" id="{6E2D17FC-8E91-4D68-9E33-2E731C896C47}"/>
-              </a:ext>
-            </a:extLst>
-          </p:cNvPr>
+          <p:cNvPr id="2" name="標題 1"/>
           <p:cNvSpPr>
             <a:spLocks noGrp="1"/>
           </p:cNvSpPr>
@@ -10634,207 +14669,48 @@
             <p:ph type="title"/>
           </p:nvPr>
         </p:nvSpPr>
-        <p:spPr>
+        <p:spPr/>
+        <p:txBody>
+          <a:bodyPr/>
+          <a:lstStyle/>
+          <a:p>
+            <a:r>
+              <a:rPr lang="zh-TW" altLang="en-US" b="1" dirty="0">
+                <a:latin typeface="微軟正黑體" panose="020B0604030504040204" pitchFamily="34" charset="-120"/>
+                <a:ea typeface="微軟正黑體" panose="020B0604030504040204" pitchFamily="34" charset="-120"/>
+              </a:rPr>
+              <a:t>電腦比較習慣的資料</a:t>
+            </a:r>
+          </a:p>
+        </p:txBody>
+      </p:sp>
+      <p:pic>
+        <p:nvPicPr>
+          <p:cNvPr id="1026" name="Picture 2" descr="C:\Users\joshhu\Desktop\7kA85HF.png"/>
+          <p:cNvPicPr>
+            <a:picLocks noChangeAspect="1" noChangeArrowheads="1"/>
+          </p:cNvPicPr>
+          <p:nvPr/>
+        </p:nvPicPr>
+        <p:blipFill>
+          <a:blip r:embed="rId2" cstate="print"/>
+          <a:srcRect/>
+          <a:stretch>
+            <a:fillRect/>
+          </a:stretch>
+        </p:blipFill>
+        <p:spPr bwMode="auto">
           <a:xfrm>
-            <a:off x="838200" y="365125"/>
-            <a:ext cx="10515600" cy="682839"/>
+            <a:off x="1991545" y="2348880"/>
+            <a:ext cx="8329503" cy="2952328"/>
           </a:xfrm>
+          <a:prstGeom prst="rect">
+            <a:avLst/>
+          </a:prstGeom>
+          <a:noFill/>
         </p:spPr>
-        <p:txBody>
-          <a:bodyPr>
-            <a:normAutofit fontScale="90000"/>
-          </a:bodyPr>
-          <a:lstStyle/>
-          <a:p>
-            <a:r>
-              <a:rPr lang="zh-TW" altLang="en-US" b="1" dirty="0">
-                <a:latin typeface="微軟正黑體" panose="020B0604030504040204" pitchFamily="34" charset="-120"/>
-                <a:ea typeface="微軟正黑體" panose="020B0604030504040204" pitchFamily="34" charset="-120"/>
-              </a:rPr>
-              <a:t>符號表示法的問題</a:t>
-            </a:r>
-          </a:p>
-        </p:txBody>
-      </p:sp>
-      <p:sp>
-        <p:nvSpPr>
-          <p:cNvPr id="3" name="內容版面配置區 2">
-            <a:extLst>
-              <a:ext uri="{FF2B5EF4-FFF2-40B4-BE49-F238E27FC236}">
-                <a16:creationId xmlns:a16="http://schemas.microsoft.com/office/drawing/2014/main" id="{3ABFD44D-8A96-48EF-87FE-009D440D49A9}"/>
-              </a:ext>
-            </a:extLst>
-          </p:cNvPr>
-          <p:cNvSpPr>
-            <a:spLocks noGrp="1"/>
-          </p:cNvSpPr>
-          <p:nvPr>
-            <p:ph idx="1"/>
-          </p:nvPr>
-        </p:nvSpPr>
-        <p:spPr>
-          <a:xfrm>
-            <a:off x="838200" y="1202076"/>
-            <a:ext cx="10515600" cy="5363111"/>
-          </a:xfrm>
-        </p:spPr>
-        <p:txBody>
-          <a:bodyPr>
-            <a:normAutofit/>
-          </a:bodyPr>
-          <a:lstStyle/>
-          <a:p>
-            <a:pPr marL="514350" indent="-514350">
-              <a:buFont typeface="+mj-lt"/>
-              <a:buAutoNum type="arabicPeriod"/>
-            </a:pPr>
-            <a:r>
-              <a:rPr lang="zh-TW" altLang="zh-TW" dirty="0">
-                <a:effectLst/>
-                <a:latin typeface="微軟正黑體" panose="020B0604030504040204" pitchFamily="34" charset="-120"/>
-                <a:ea typeface="微軟正黑體" panose="020B0604030504040204" pitchFamily="34" charset="-120"/>
-                <a:cs typeface="Times New Roman" panose="02020603050405020304" pitchFamily="18" charset="0"/>
-              </a:rPr>
-              <a:t>規則的歸納依賴專家的經驗，需花費大量的人力、物力和財力</a:t>
-            </a:r>
-            <a:endParaRPr lang="en-US" altLang="zh-TW" dirty="0">
-              <a:effectLst/>
-              <a:latin typeface="微軟正黑體" panose="020B0604030504040204" pitchFamily="34" charset="-120"/>
-              <a:ea typeface="微軟正黑體" panose="020B0604030504040204" pitchFamily="34" charset="-120"/>
-              <a:cs typeface="Times New Roman" panose="02020603050405020304" pitchFamily="18" charset="0"/>
-            </a:endParaRPr>
-          </a:p>
-          <a:p>
-            <a:pPr marL="514350" indent="-514350">
-              <a:buFont typeface="+mj-lt"/>
-              <a:buAutoNum type="arabicPeriod"/>
-            </a:pPr>
-            <a:r>
-              <a:rPr lang="zh-TW" altLang="zh-TW" dirty="0">
-                <a:effectLst/>
-                <a:latin typeface="微軟正黑體" panose="020B0604030504040204" pitchFamily="34" charset="-120"/>
-                <a:ea typeface="微軟正黑體" panose="020B0604030504040204" pitchFamily="34" charset="-120"/>
-                <a:cs typeface="Times New Roman" panose="02020603050405020304" pitchFamily="18" charset="0"/>
-              </a:rPr>
-              <a:t>規則的表達能力有限，很多語言現象無法用簡單的規則描述</a:t>
-            </a:r>
-            <a:endParaRPr lang="en-US" altLang="zh-TW" dirty="0">
-              <a:effectLst/>
-              <a:latin typeface="微軟正黑體" panose="020B0604030504040204" pitchFamily="34" charset="-120"/>
-              <a:ea typeface="微軟正黑體" panose="020B0604030504040204" pitchFamily="34" charset="-120"/>
-              <a:cs typeface="Times New Roman" panose="02020603050405020304" pitchFamily="18" charset="0"/>
-            </a:endParaRPr>
-          </a:p>
-          <a:p>
-            <a:pPr marL="514350" indent="-514350">
-              <a:buFont typeface="+mj-lt"/>
-              <a:buAutoNum type="arabicPeriod"/>
-            </a:pPr>
-            <a:r>
-              <a:rPr lang="zh-TW" altLang="zh-TW" dirty="0">
-                <a:effectLst/>
-                <a:latin typeface="微軟正黑體" panose="020B0604030504040204" pitchFamily="34" charset="-120"/>
-                <a:ea typeface="微軟正黑體" panose="020B0604030504040204" pitchFamily="34" charset="-120"/>
-                <a:cs typeface="Times New Roman" panose="02020603050405020304" pitchFamily="18" charset="0"/>
-              </a:rPr>
-              <a:t>規則之間可能存在矛盾和衝突的情況</a:t>
-            </a:r>
-            <a:endParaRPr lang="en-US" altLang="zh-TW" dirty="0">
-              <a:latin typeface="微軟正黑體" panose="020B0604030504040204" pitchFamily="34" charset="-120"/>
-              <a:ea typeface="微軟正黑體" panose="020B0604030504040204" pitchFamily="34" charset="-120"/>
-              <a:cs typeface="Times New Roman" panose="02020603050405020304" pitchFamily="18" charset="0"/>
-            </a:endParaRPr>
-          </a:p>
-          <a:p>
-            <a:pPr marL="514350" indent="-514350">
-              <a:buFont typeface="+mj-lt"/>
-              <a:buAutoNum type="arabicPeriod"/>
-            </a:pPr>
-            <a:r>
-              <a:rPr lang="zh-TW" altLang="zh-TW" dirty="0">
-                <a:effectLst/>
-                <a:latin typeface="微軟正黑體" panose="020B0604030504040204" pitchFamily="34" charset="-120"/>
-                <a:ea typeface="微軟正黑體" panose="020B0604030504040204" pitchFamily="34" charset="-120"/>
-                <a:cs typeface="Times New Roman" panose="02020603050405020304" pitchFamily="18" charset="0"/>
-              </a:rPr>
-              <a:t>既出現了</a:t>
-            </a:r>
-            <a:r>
-              <a:rPr lang="en-US" altLang="zh-TW" dirty="0">
-                <a:effectLst/>
-                <a:latin typeface="微軟正黑體" panose="020B0604030504040204" pitchFamily="34" charset="-120"/>
-                <a:ea typeface="微軟正黑體" panose="020B0604030504040204" pitchFamily="34" charset="-120"/>
-                <a:cs typeface="Times New Roman" panose="02020603050405020304" pitchFamily="18" charset="0"/>
-              </a:rPr>
-              <a:t>“</a:t>
-            </a:r>
-            <a:r>
-              <a:rPr lang="zh-TW" altLang="zh-TW" dirty="0">
-                <a:effectLst/>
-                <a:latin typeface="微軟正黑體" panose="020B0604030504040204" pitchFamily="34" charset="-120"/>
-                <a:ea typeface="微軟正黑體" panose="020B0604030504040204" pitchFamily="34" charset="-120"/>
-                <a:cs typeface="Times New Roman" panose="02020603050405020304" pitchFamily="18" charset="0"/>
-              </a:rPr>
-              <a:t>喜歡</a:t>
-            </a:r>
-            <a:r>
-              <a:rPr lang="en-US" altLang="zh-TW" dirty="0">
-                <a:effectLst/>
-                <a:latin typeface="微軟正黑體" panose="020B0604030504040204" pitchFamily="34" charset="-120"/>
-                <a:ea typeface="微軟正黑體" panose="020B0604030504040204" pitchFamily="34" charset="-120"/>
-                <a:cs typeface="Times New Roman" panose="02020603050405020304" pitchFamily="18" charset="0"/>
-              </a:rPr>
-              <a:t>”</a:t>
-            </a:r>
-            <a:r>
-              <a:rPr lang="zh-TW" altLang="zh-TW" dirty="0">
-                <a:effectLst/>
-                <a:latin typeface="微軟正黑體" panose="020B0604030504040204" pitchFamily="34" charset="-120"/>
-                <a:ea typeface="微軟正黑體" panose="020B0604030504040204" pitchFamily="34" charset="-120"/>
-                <a:cs typeface="Times New Roman" panose="02020603050405020304" pitchFamily="18" charset="0"/>
-              </a:rPr>
-              <a:t>，又出現了</a:t>
-            </a:r>
-            <a:r>
-              <a:rPr lang="en-US" altLang="zh-TW" dirty="0">
-                <a:effectLst/>
-                <a:latin typeface="微軟正黑體" panose="020B0604030504040204" pitchFamily="34" charset="-120"/>
-                <a:ea typeface="微軟正黑體" panose="020B0604030504040204" pitchFamily="34" charset="-120"/>
-                <a:cs typeface="Times New Roman" panose="02020603050405020304" pitchFamily="18" charset="0"/>
-              </a:rPr>
-              <a:t>“</a:t>
-            </a:r>
-            <a:r>
-              <a:rPr lang="zh-TW" altLang="zh-TW" dirty="0">
-                <a:effectLst/>
-                <a:latin typeface="微軟正黑體" panose="020B0604030504040204" pitchFamily="34" charset="-120"/>
-                <a:ea typeface="微軟正黑體" panose="020B0604030504040204" pitchFamily="34" charset="-120"/>
-                <a:cs typeface="Times New Roman" panose="02020603050405020304" pitchFamily="18" charset="0"/>
-              </a:rPr>
-              <a:t>討厭</a:t>
-            </a:r>
-            <a:r>
-              <a:rPr lang="en-US" altLang="zh-TW" dirty="0">
-                <a:effectLst/>
-                <a:latin typeface="微軟正黑體" panose="020B0604030504040204" pitchFamily="34" charset="-120"/>
-                <a:ea typeface="微軟正黑體" panose="020B0604030504040204" pitchFamily="34" charset="-120"/>
-                <a:cs typeface="Times New Roman" panose="02020603050405020304" pitchFamily="18" charset="0"/>
-              </a:rPr>
-              <a:t>”</a:t>
-            </a:r>
-            <a:endParaRPr lang="en-US" altLang="zh-TW" dirty="0">
-              <a:latin typeface="微軟正黑體" panose="020B0604030504040204" pitchFamily="34" charset="-120"/>
-              <a:ea typeface="微軟正黑體" panose="020B0604030504040204" pitchFamily="34" charset="-120"/>
-            </a:endParaRPr>
-          </a:p>
-        </p:txBody>
-      </p:sp>
+      </p:pic>
     </p:spTree>
-    <p:extLst>
-      <p:ext uri="{BB962C8B-B14F-4D97-AF65-F5344CB8AC3E}">
-        <p14:creationId xmlns:p14="http://schemas.microsoft.com/office/powerpoint/2010/main" val="1873925111"/>
-      </p:ext>
-    </p:extLst>
   </p:cSld>
   <p:clrMapOvr>
     <a:masterClrMapping/>
@@ -10861,13 +14737,7 @@
       </p:grpSpPr>
       <p:sp>
         <p:nvSpPr>
-          <p:cNvPr id="2" name="標題 1">
-            <a:extLst>
-              <a:ext uri="{FF2B5EF4-FFF2-40B4-BE49-F238E27FC236}">
-                <a16:creationId xmlns:a16="http://schemas.microsoft.com/office/drawing/2014/main" id="{6E2D17FC-8E91-4D68-9E33-2E731C896C47}"/>
-              </a:ext>
-            </a:extLst>
-          </p:cNvPr>
+          <p:cNvPr id="2" name="標題 1"/>
           <p:cNvSpPr>
             <a:spLocks noGrp="1"/>
           </p:cNvSpPr>
@@ -10875,163 +14745,54 @@
             <p:ph type="title"/>
           </p:nvPr>
         </p:nvSpPr>
-        <p:spPr>
+        <p:spPr/>
+        <p:txBody>
+          <a:bodyPr/>
+          <a:lstStyle/>
+          <a:p>
+            <a:r>
+              <a:rPr lang="zh-TW" altLang="en-US" b="1" dirty="0">
+                <a:latin typeface="微軟正黑體" panose="020B0604030504040204" pitchFamily="34" charset="-120"/>
+                <a:ea typeface="微軟正黑體" panose="020B0604030504040204" pitchFamily="34" charset="-120"/>
+              </a:rPr>
+              <a:t>電腦比較習慣的資料</a:t>
+            </a:r>
+          </a:p>
+        </p:txBody>
+      </p:sp>
+      <p:pic>
+        <p:nvPicPr>
+          <p:cNvPr id="3074" name="Picture 2"/>
+          <p:cNvPicPr>
+            <a:picLocks noChangeAspect="1" noChangeArrowheads="1"/>
+          </p:cNvPicPr>
+          <p:nvPr/>
+        </p:nvPicPr>
+        <p:blipFill>
+          <a:blip r:embed="rId2" cstate="print"/>
+          <a:srcRect/>
+          <a:stretch>
+            <a:fillRect/>
+          </a:stretch>
+        </p:blipFill>
+        <p:spPr bwMode="auto">
           <a:xfrm>
-            <a:off x="838200" y="365125"/>
-            <a:ext cx="10515600" cy="682839"/>
+            <a:off x="2711625" y="1916833"/>
+            <a:ext cx="6708775" cy="4322763"/>
           </a:xfrm>
+          <a:prstGeom prst="rect">
+            <a:avLst/>
+          </a:prstGeom>
+          <a:noFill/>
+          <a:ln w="9525">
+            <a:noFill/>
+            <a:miter lim="800000"/>
+            <a:headEnd/>
+            <a:tailEnd/>
+          </a:ln>
         </p:spPr>
-        <p:txBody>
-          <a:bodyPr>
-            <a:normAutofit fontScale="90000"/>
-          </a:bodyPr>
-          <a:lstStyle/>
-          <a:p>
-            <a:r>
-              <a:rPr lang="zh-TW" altLang="en-US" b="1" dirty="0">
-                <a:latin typeface="微軟正黑體" panose="020B0604030504040204" pitchFamily="34" charset="-120"/>
-                <a:ea typeface="微軟正黑體" panose="020B0604030504040204" pitchFamily="34" charset="-120"/>
-              </a:rPr>
-              <a:t>向量表示法</a:t>
-            </a:r>
-          </a:p>
-        </p:txBody>
-      </p:sp>
-      <p:sp>
-        <p:nvSpPr>
-          <p:cNvPr id="3" name="內容版面配置區 2">
-            <a:extLst>
-              <a:ext uri="{FF2B5EF4-FFF2-40B4-BE49-F238E27FC236}">
-                <a16:creationId xmlns:a16="http://schemas.microsoft.com/office/drawing/2014/main" id="{3ABFD44D-8A96-48EF-87FE-009D440D49A9}"/>
-              </a:ext>
-            </a:extLst>
-          </p:cNvPr>
-          <p:cNvSpPr>
-            <a:spLocks noGrp="1"/>
-          </p:cNvSpPr>
-          <p:nvPr>
-            <p:ph idx="1"/>
-          </p:nvPr>
-        </p:nvSpPr>
-        <p:spPr>
-          <a:xfrm>
-            <a:off x="838200" y="1202076"/>
-            <a:ext cx="10515600" cy="5363111"/>
-          </a:xfrm>
-        </p:spPr>
-        <p:txBody>
-          <a:bodyPr>
-            <a:normAutofit/>
-          </a:bodyPr>
-          <a:lstStyle/>
-          <a:p>
-            <a:pPr marL="514350" indent="-514350">
-              <a:buFont typeface="+mj-lt"/>
-              <a:buAutoNum type="arabicPeriod"/>
-            </a:pPr>
-            <a:r>
-              <a:rPr lang="zh-TW" altLang="zh-TW" dirty="0">
-                <a:effectLst/>
-                <a:latin typeface="微軟正黑體" panose="020B0604030504040204" pitchFamily="34" charset="-120"/>
-                <a:ea typeface="微軟正黑體" panose="020B0604030504040204" pitchFamily="34" charset="-120"/>
-                <a:cs typeface="Times New Roman" panose="02020603050405020304" pitchFamily="18" charset="0"/>
-              </a:rPr>
-              <a:t>以機器學習為基礎的自然語言處理技術</a:t>
-            </a:r>
-            <a:endParaRPr lang="en-US" altLang="zh-TW" dirty="0">
-              <a:effectLst/>
-              <a:latin typeface="微軟正黑體" panose="020B0604030504040204" pitchFamily="34" charset="-120"/>
-              <a:ea typeface="微軟正黑體" panose="020B0604030504040204" pitchFamily="34" charset="-120"/>
-              <a:cs typeface="Times New Roman" panose="02020603050405020304" pitchFamily="18" charset="0"/>
-            </a:endParaRPr>
-          </a:p>
-          <a:p>
-            <a:pPr marL="514350" indent="-514350">
-              <a:buFont typeface="+mj-lt"/>
-              <a:buAutoNum type="arabicPeriod"/>
-            </a:pPr>
-            <a:r>
-              <a:rPr lang="zh-TW" altLang="zh-TW" dirty="0">
-                <a:effectLst/>
-                <a:latin typeface="微軟正黑體" panose="020B0604030504040204" pitchFamily="34" charset="-120"/>
-                <a:ea typeface="微軟正黑體" panose="020B0604030504040204" pitchFamily="34" charset="-120"/>
-                <a:cs typeface="Times New Roman" panose="02020603050405020304" pitchFamily="18" charset="0"/>
-              </a:rPr>
-              <a:t>將文字表示為向量，其中的每一維代表一個特徵</a:t>
-            </a:r>
-            <a:endParaRPr lang="en-US" altLang="zh-TW" dirty="0">
-              <a:latin typeface="微軟正黑體" panose="020B0604030504040204" pitchFamily="34" charset="-120"/>
-              <a:ea typeface="微軟正黑體" panose="020B0604030504040204" pitchFamily="34" charset="-120"/>
-              <a:cs typeface="Times New Roman" panose="02020603050405020304" pitchFamily="18" charset="0"/>
-            </a:endParaRPr>
-          </a:p>
-          <a:p>
-            <a:pPr marL="514350" indent="-514350">
-              <a:buFont typeface="+mj-lt"/>
-              <a:buAutoNum type="arabicPeriod"/>
-            </a:pPr>
-            <a:r>
-              <a:rPr lang="zh-TW" altLang="zh-TW" dirty="0">
-                <a:effectLst/>
-                <a:latin typeface="微軟正黑體" panose="020B0604030504040204" pitchFamily="34" charset="-120"/>
-                <a:ea typeface="微軟正黑體" panose="020B0604030504040204" pitchFamily="34" charset="-120"/>
-                <a:cs typeface="Times New Roman" panose="02020603050405020304" pitchFamily="18" charset="0"/>
-              </a:rPr>
-              <a:t>特徵的對應值進行加權求和</a:t>
-            </a:r>
-            <a:endParaRPr lang="en-US" altLang="zh-TW" dirty="0">
-              <a:effectLst/>
-              <a:latin typeface="微軟正黑體" panose="020B0604030504040204" pitchFamily="34" charset="-120"/>
-              <a:ea typeface="微軟正黑體" panose="020B0604030504040204" pitchFamily="34" charset="-120"/>
-              <a:cs typeface="Times New Roman" panose="02020603050405020304" pitchFamily="18" charset="0"/>
-            </a:endParaRPr>
-          </a:p>
-          <a:p>
-            <a:pPr marL="514350" indent="-514350">
-              <a:buFont typeface="+mj-lt"/>
-              <a:buAutoNum type="arabicPeriod"/>
-            </a:pPr>
-            <a:r>
-              <a:rPr lang="zh-TW" altLang="zh-TW" dirty="0">
-                <a:effectLst/>
-                <a:latin typeface="微軟正黑體" panose="020B0604030504040204" pitchFamily="34" charset="-120"/>
-                <a:ea typeface="微軟正黑體" panose="020B0604030504040204" pitchFamily="34" charset="-120"/>
-                <a:cs typeface="Times New Roman" panose="02020603050405020304" pitchFamily="18" charset="0"/>
-              </a:rPr>
-              <a:t>得到一個分數用於最終的判斷</a:t>
-            </a:r>
-            <a:endParaRPr lang="en-US" altLang="zh-TW" dirty="0">
-              <a:effectLst/>
-              <a:latin typeface="微軟正黑體" panose="020B0604030504040204" pitchFamily="34" charset="-120"/>
-              <a:ea typeface="微軟正黑體" panose="020B0604030504040204" pitchFamily="34" charset="-120"/>
-              <a:cs typeface="Times New Roman" panose="02020603050405020304" pitchFamily="18" charset="0"/>
-            </a:endParaRPr>
-          </a:p>
-          <a:p>
-            <a:pPr marL="514350" indent="-514350">
-              <a:buFont typeface="+mj-lt"/>
-              <a:buAutoNum type="arabicPeriod"/>
-            </a:pPr>
-            <a:r>
-              <a:rPr lang="zh-TW" altLang="en-US" dirty="0">
-                <a:latin typeface="微軟正黑體" panose="020B0604030504040204" pitchFamily="34" charset="-120"/>
-                <a:ea typeface="微軟正黑體" panose="020B0604030504040204" pitchFamily="34" charset="-120"/>
-              </a:rPr>
-              <a:t>特徵的取樣沒有一定形式，如權重、詞頻、在詞表中位置，均可作為向量或向量的特徵之一</a:t>
-            </a:r>
-            <a:endParaRPr lang="en-US" altLang="zh-TW" dirty="0">
-              <a:latin typeface="微軟正黑體" panose="020B0604030504040204" pitchFamily="34" charset="-120"/>
-              <a:ea typeface="微軟正黑體" panose="020B0604030504040204" pitchFamily="34" charset="-120"/>
-            </a:endParaRPr>
-          </a:p>
-        </p:txBody>
-      </p:sp>
+      </p:pic>
     </p:spTree>
-    <p:extLst>
-      <p:ext uri="{BB962C8B-B14F-4D97-AF65-F5344CB8AC3E}">
-        <p14:creationId xmlns:p14="http://schemas.microsoft.com/office/powerpoint/2010/main" val="4086278399"/>
-      </p:ext>
-    </p:extLst>
   </p:cSld>
   <p:clrMapOvr>
     <a:masterClrMapping/>
